--- a/Workflow Optimization.pptx
+++ b/Workflow Optimization.pptx
@@ -271,7 +271,7 @@
             <a:srgbClr val="A4A3A4"/>
           </p15:clr>
         </p15:guide>
-        <p15:guide id="11" pos="2819" userDrawn="1">
+        <p15:guide id="11" pos="2842" userDrawn="1">
           <p15:clr>
             <a:srgbClr val="A4A3A4"/>
           </p15:clr>
@@ -757,11 +757,11 @@
           <c:showBubbleSize val="0"/>
         </c:dLbls>
         <c:smooth val="0"/>
-        <c:axId val="286543552"/>
-        <c:axId val="286539632"/>
+        <c:axId val="331940000"/>
+        <c:axId val="331941176"/>
       </c:lineChart>
       <c:catAx>
-        <c:axId val="286543552"/>
+        <c:axId val="331940000"/>
         <c:scaling>
           <c:orientation val="minMax"/>
         </c:scaling>
@@ -804,7 +804,7 @@
             <a:endParaRPr lang="en-US"/>
           </a:p>
         </c:txPr>
-        <c:crossAx val="286539632"/>
+        <c:crossAx val="331941176"/>
         <c:crosses val="autoZero"/>
         <c:auto val="1"/>
         <c:lblAlgn val="ctr"/>
@@ -812,7 +812,7 @@
         <c:noMultiLvlLbl val="0"/>
       </c:catAx>
       <c:valAx>
-        <c:axId val="286539632"/>
+        <c:axId val="331941176"/>
         <c:scaling>
           <c:orientation val="minMax"/>
           <c:max val="46"/>
@@ -879,7 +879,7 @@
             <a:endParaRPr lang="en-US"/>
           </a:p>
         </c:txPr>
-        <c:crossAx val="286543552"/>
+        <c:crossAx val="331940000"/>
         <c:crosses val="autoZero"/>
         <c:crossBetween val="between"/>
       </c:valAx>
@@ -1373,11 +1373,11 @@
           <c:showBubbleSize val="0"/>
         </c:dLbls>
         <c:smooth val="0"/>
-        <c:axId val="286537280"/>
-        <c:axId val="332126040"/>
+        <c:axId val="294485512"/>
+        <c:axId val="286693872"/>
       </c:lineChart>
       <c:catAx>
-        <c:axId val="286537280"/>
+        <c:axId val="294485512"/>
         <c:scaling>
           <c:orientation val="minMax"/>
         </c:scaling>
@@ -1420,7 +1420,7 @@
             <a:endParaRPr lang="en-US"/>
           </a:p>
         </c:txPr>
-        <c:crossAx val="332126040"/>
+        <c:crossAx val="286693872"/>
         <c:crosses val="autoZero"/>
         <c:auto val="1"/>
         <c:lblAlgn val="ctr"/>
@@ -1428,7 +1428,7 @@
         <c:noMultiLvlLbl val="0"/>
       </c:catAx>
       <c:valAx>
-        <c:axId val="332126040"/>
+        <c:axId val="286693872"/>
         <c:scaling>
           <c:orientation val="minMax"/>
           <c:max val="46"/>
@@ -1495,7 +1495,7 @@
             <a:endParaRPr lang="en-US"/>
           </a:p>
         </c:txPr>
-        <c:crossAx val="286537280"/>
+        <c:crossAx val="294485512"/>
         <c:crosses val="autoZero"/>
         <c:crossBetween val="between"/>
       </c:valAx>
@@ -1881,12 +1881,12 @@
         </c:dLbls>
         <c:gapWidth val="150"/>
         <c:shape val="box"/>
-        <c:axId val="331144304"/>
-        <c:axId val="290392208"/>
+        <c:axId val="286694264"/>
+        <c:axId val="286687992"/>
         <c:axId val="0"/>
       </c:bar3DChart>
       <c:catAx>
-        <c:axId val="331144304"/>
+        <c:axId val="286694264"/>
         <c:scaling>
           <c:orientation val="minMax"/>
         </c:scaling>
@@ -1923,7 +1923,7 @@
             <a:endParaRPr lang="en-US"/>
           </a:p>
         </c:txPr>
-        <c:crossAx val="290392208"/>
+        <c:crossAx val="286687992"/>
         <c:crosses val="autoZero"/>
         <c:auto val="1"/>
         <c:lblAlgn val="ctr"/>
@@ -1931,7 +1931,7 @@
         <c:noMultiLvlLbl val="0"/>
       </c:catAx>
       <c:valAx>
-        <c:axId val="290392208"/>
+        <c:axId val="286687992"/>
         <c:scaling>
           <c:orientation val="minMax"/>
         </c:scaling>
@@ -1982,7 +1982,7 @@
             <a:endParaRPr lang="en-US"/>
           </a:p>
         </c:txPr>
-        <c:crossAx val="331144304"/>
+        <c:crossAx val="286694264"/>
         <c:crosses val="autoZero"/>
         <c:crossBetween val="between"/>
       </c:valAx>
@@ -2400,12 +2400,12 @@
         </c:dLbls>
         <c:gapWidth val="150"/>
         <c:shape val="box"/>
-        <c:axId val="290392600"/>
-        <c:axId val="290390640"/>
+        <c:axId val="286690736"/>
+        <c:axId val="286693480"/>
         <c:axId val="0"/>
       </c:bar3DChart>
       <c:catAx>
-        <c:axId val="290392600"/>
+        <c:axId val="286690736"/>
         <c:scaling>
           <c:orientation val="minMax"/>
         </c:scaling>
@@ -2442,7 +2442,7 @@
             <a:endParaRPr lang="en-US"/>
           </a:p>
         </c:txPr>
-        <c:crossAx val="290390640"/>
+        <c:crossAx val="286693480"/>
         <c:crosses val="autoZero"/>
         <c:auto val="1"/>
         <c:lblAlgn val="ctr"/>
@@ -2450,7 +2450,7 @@
         <c:noMultiLvlLbl val="0"/>
       </c:catAx>
       <c:valAx>
-        <c:axId val="290390640"/>
+        <c:axId val="286693480"/>
         <c:scaling>
           <c:orientation val="minMax"/>
         </c:scaling>
@@ -2501,7 +2501,7 @@
             <a:endParaRPr lang="en-US"/>
           </a:p>
         </c:txPr>
-        <c:crossAx val="290392600"/>
+        <c:crossAx val="286690736"/>
         <c:crosses val="autoZero"/>
         <c:crossBetween val="between"/>
       </c:valAx>
@@ -2944,12 +2944,12 @@
         </c:dLbls>
         <c:gapWidth val="150"/>
         <c:shape val="box"/>
-        <c:axId val="290391032"/>
-        <c:axId val="290392992"/>
+        <c:axId val="286691912"/>
+        <c:axId val="286692304"/>
         <c:axId val="0"/>
       </c:bar3DChart>
       <c:catAx>
-        <c:axId val="290391032"/>
+        <c:axId val="286691912"/>
         <c:scaling>
           <c:orientation val="minMax"/>
         </c:scaling>
@@ -2986,7 +2986,7 @@
             <a:endParaRPr lang="en-US"/>
           </a:p>
         </c:txPr>
-        <c:crossAx val="290392992"/>
+        <c:crossAx val="286692304"/>
         <c:crosses val="autoZero"/>
         <c:auto val="1"/>
         <c:lblAlgn val="ctr"/>
@@ -2994,7 +2994,7 @@
         <c:noMultiLvlLbl val="0"/>
       </c:catAx>
       <c:valAx>
-        <c:axId val="290392992"/>
+        <c:axId val="286692304"/>
         <c:scaling>
           <c:orientation val="minMax"/>
         </c:scaling>
@@ -3045,7 +3045,7 @@
             <a:endParaRPr lang="en-US"/>
           </a:p>
         </c:txPr>
-        <c:crossAx val="290391032"/>
+        <c:crossAx val="286691912"/>
         <c:crosses val="autoZero"/>
         <c:crossBetween val="between"/>
       </c:valAx>
@@ -3488,12 +3488,12 @@
         </c:dLbls>
         <c:gapWidth val="150"/>
         <c:shape val="box"/>
-        <c:axId val="290388680"/>
-        <c:axId val="290394168"/>
+        <c:axId val="286693088"/>
+        <c:axId val="286694656"/>
         <c:axId val="0"/>
       </c:bar3DChart>
       <c:catAx>
-        <c:axId val="290388680"/>
+        <c:axId val="286693088"/>
         <c:scaling>
           <c:orientation val="minMax"/>
         </c:scaling>
@@ -3530,7 +3530,7 @@
             <a:endParaRPr lang="en-US"/>
           </a:p>
         </c:txPr>
-        <c:crossAx val="290394168"/>
+        <c:crossAx val="286694656"/>
         <c:crosses val="autoZero"/>
         <c:auto val="1"/>
         <c:lblAlgn val="ctr"/>
@@ -3538,7 +3538,7 @@
         <c:noMultiLvlLbl val="0"/>
       </c:catAx>
       <c:valAx>
-        <c:axId val="290394168"/>
+        <c:axId val="286694656"/>
         <c:scaling>
           <c:orientation val="minMax"/>
         </c:scaling>
@@ -3589,7 +3589,7 @@
             <a:endParaRPr lang="en-US"/>
           </a:p>
         </c:txPr>
-        <c:crossAx val="290388680"/>
+        <c:crossAx val="286693088"/>
         <c:crosses val="autoZero"/>
         <c:crossBetween val="between"/>
       </c:valAx>
@@ -6958,14 +6958,14 @@
           <a:effectLst/>
           <a:extLst>
             <a:ext uri="{909E8E84-426E-40dd-AFC4-6F175D3DCCD1}">
-              <a14:hiddenFill xmlns="" xmlns:a14="http://schemas.microsoft.com/office/drawing/2010/main">
+              <a14:hiddenFill xmlns:a14="http://schemas.microsoft.com/office/drawing/2010/main" xmlns="">
                 <a:solidFill>
                   <a:schemeClr val="accent1"/>
                 </a:solidFill>
               </a14:hiddenFill>
             </a:ext>
             <a:ext uri="{91240B29-F687-4f45-9708-019B960494DF}">
-              <a14:hiddenLine xmlns="" xmlns:a14="http://schemas.microsoft.com/office/drawing/2010/main" w="9525">
+              <a14:hiddenLine xmlns:a14="http://schemas.microsoft.com/office/drawing/2010/main" xmlns="" w="9525">
                 <a:solidFill>
                   <a:schemeClr val="tx1"/>
                 </a:solidFill>
@@ -6975,7 +6975,7 @@
               </a14:hiddenLine>
             </a:ext>
             <a:ext uri="{AF507438-7753-43e0-B8FC-AC1667EBCBE1}">
-              <a14:hiddenEffects xmlns="" xmlns:a14="http://schemas.microsoft.com/office/drawing/2010/main">
+              <a14:hiddenEffects xmlns:a14="http://schemas.microsoft.com/office/drawing/2010/main" xmlns="">
                 <a:effectLst>
                   <a:outerShdw blurRad="63500" dist="38099" dir="2700000" algn="ctr" rotWithShape="0">
                     <a:schemeClr val="bg2">
@@ -6986,7 +6986,7 @@
               </a14:hiddenEffects>
             </a:ext>
             <a:ext uri="{FAA26D3D-D897-4be2-8F04-BA451C77F1D7}">
-              <ma14:placeholderFlag xmlns="" xmlns:ma14="http://schemas.microsoft.com/office/mac/drawingml/2011/main" val="1"/>
+              <ma14:placeholderFlag xmlns:ma14="http://schemas.microsoft.com/office/mac/drawingml/2011/main" xmlns="" val="1"/>
             </a:ext>
           </a:extLst>
         </p:spPr>
@@ -7031,14 +7031,14 @@
           <a:effectLst/>
           <a:extLst>
             <a:ext uri="{909E8E84-426E-40dd-AFC4-6F175D3DCCD1}">
-              <a14:hiddenFill xmlns="" xmlns:a14="http://schemas.microsoft.com/office/drawing/2010/main">
+              <a14:hiddenFill xmlns:a14="http://schemas.microsoft.com/office/drawing/2010/main" xmlns="">
                 <a:solidFill>
                   <a:schemeClr val="accent1"/>
                 </a:solidFill>
               </a14:hiddenFill>
             </a:ext>
             <a:ext uri="{91240B29-F687-4f45-9708-019B960494DF}">
-              <a14:hiddenLine xmlns="" xmlns:a14="http://schemas.microsoft.com/office/drawing/2010/main" w="9525">
+              <a14:hiddenLine xmlns:a14="http://schemas.microsoft.com/office/drawing/2010/main" xmlns="" w="9525">
                 <a:solidFill>
                   <a:schemeClr val="tx1"/>
                 </a:solidFill>
@@ -7048,7 +7048,7 @@
               </a14:hiddenLine>
             </a:ext>
             <a:ext uri="{AF507438-7753-43e0-B8FC-AC1667EBCBE1}">
-              <a14:hiddenEffects xmlns="" xmlns:a14="http://schemas.microsoft.com/office/drawing/2010/main">
+              <a14:hiddenEffects xmlns:a14="http://schemas.microsoft.com/office/drawing/2010/main" xmlns="">
                 <a:effectLst>
                   <a:outerShdw blurRad="63500" dist="38099" dir="2700000" algn="ctr" rotWithShape="0">
                     <a:schemeClr val="bg2">
@@ -7059,7 +7059,7 @@
               </a14:hiddenEffects>
             </a:ext>
             <a:ext uri="{FAA26D3D-D897-4be2-8F04-BA451C77F1D7}">
-              <ma14:placeholderFlag xmlns="" xmlns:ma14="http://schemas.microsoft.com/office/mac/drawingml/2011/main" val="1"/>
+              <ma14:placeholderFlag xmlns:ma14="http://schemas.microsoft.com/office/mac/drawingml/2011/main" xmlns="" val="1"/>
             </a:ext>
           </a:extLst>
         </p:spPr>
@@ -7109,7 +7109,7 @@
           <a:effectLst/>
           <a:extLst>
             <a:ext uri="{AF507438-7753-43e0-B8FC-AC1667EBCBE1}">
-              <a14:hiddenEffects xmlns="" xmlns:a14="http://schemas.microsoft.com/office/drawing/2010/main">
+              <a14:hiddenEffects xmlns:a14="http://schemas.microsoft.com/office/drawing/2010/main" xmlns="">
                 <a:effectLst>
                   <a:outerShdw blurRad="63500" dist="38099" dir="2700000" algn="ctr" rotWithShape="0">
                     <a:srgbClr val="000000">
@@ -7120,7 +7120,7 @@
               </a14:hiddenEffects>
             </a:ext>
             <a:ext uri="{53640926-AAD7-44d8-BBD7-CCE9431645EC}">
-              <a14:shadowObscured xmlns="" xmlns:a14="http://schemas.microsoft.com/office/drawing/2010/main" val="1"/>
+              <a14:shadowObscured xmlns:a14="http://schemas.microsoft.com/office/drawing/2010/main" xmlns="" val="1"/>
             </a:ext>
           </a:extLst>
         </p:spPr>
@@ -7150,14 +7150,14 @@
           <a:effectLst/>
           <a:extLst>
             <a:ext uri="{909E8E84-426E-40dd-AFC4-6F175D3DCCD1}">
-              <a14:hiddenFill xmlns="" xmlns:a14="http://schemas.microsoft.com/office/drawing/2010/main">
+              <a14:hiddenFill xmlns:a14="http://schemas.microsoft.com/office/drawing/2010/main" xmlns="">
                 <a:solidFill>
                   <a:schemeClr val="accent1"/>
                 </a:solidFill>
               </a14:hiddenFill>
             </a:ext>
             <a:ext uri="{91240B29-F687-4f45-9708-019B960494DF}">
-              <a14:hiddenLine xmlns="" xmlns:a14="http://schemas.microsoft.com/office/drawing/2010/main" w="9525">
+              <a14:hiddenLine xmlns:a14="http://schemas.microsoft.com/office/drawing/2010/main" xmlns="" w="9525">
                 <a:solidFill>
                   <a:schemeClr val="tx1"/>
                 </a:solidFill>
@@ -7167,7 +7167,7 @@
               </a14:hiddenLine>
             </a:ext>
             <a:ext uri="{AF507438-7753-43e0-B8FC-AC1667EBCBE1}">
-              <a14:hiddenEffects xmlns="" xmlns:a14="http://schemas.microsoft.com/office/drawing/2010/main">
+              <a14:hiddenEffects xmlns:a14="http://schemas.microsoft.com/office/drawing/2010/main" xmlns="">
                 <a:effectLst>
                   <a:outerShdw blurRad="63500" dist="38099" dir="2700000" algn="ctr" rotWithShape="0">
                     <a:schemeClr val="bg2">
@@ -7178,7 +7178,7 @@
               </a14:hiddenEffects>
             </a:ext>
             <a:ext uri="{FAA26D3D-D897-4be2-8F04-BA451C77F1D7}">
-              <ma14:placeholderFlag xmlns="" xmlns:ma14="http://schemas.microsoft.com/office/mac/drawingml/2011/main" val="1"/>
+              <ma14:placeholderFlag xmlns:ma14="http://schemas.microsoft.com/office/mac/drawingml/2011/main" xmlns="" val="1"/>
             </a:ext>
           </a:extLst>
         </p:spPr>
@@ -7251,14 +7251,14 @@
           <a:effectLst/>
           <a:extLst>
             <a:ext uri="{909E8E84-426E-40dd-AFC4-6F175D3DCCD1}">
-              <a14:hiddenFill xmlns="" xmlns:a14="http://schemas.microsoft.com/office/drawing/2010/main">
+              <a14:hiddenFill xmlns:a14="http://schemas.microsoft.com/office/drawing/2010/main" xmlns="">
                 <a:solidFill>
                   <a:schemeClr val="accent1"/>
                 </a:solidFill>
               </a14:hiddenFill>
             </a:ext>
             <a:ext uri="{91240B29-F687-4f45-9708-019B960494DF}">
-              <a14:hiddenLine xmlns="" xmlns:a14="http://schemas.microsoft.com/office/drawing/2010/main" w="9525">
+              <a14:hiddenLine xmlns:a14="http://schemas.microsoft.com/office/drawing/2010/main" xmlns="" w="9525">
                 <a:solidFill>
                   <a:schemeClr val="tx1"/>
                 </a:solidFill>
@@ -7268,7 +7268,7 @@
               </a14:hiddenLine>
             </a:ext>
             <a:ext uri="{AF507438-7753-43e0-B8FC-AC1667EBCBE1}">
-              <a14:hiddenEffects xmlns="" xmlns:a14="http://schemas.microsoft.com/office/drawing/2010/main">
+              <a14:hiddenEffects xmlns:a14="http://schemas.microsoft.com/office/drawing/2010/main" xmlns="">
                 <a:effectLst>
                   <a:outerShdw blurRad="63500" dist="38099" dir="2700000" algn="ctr" rotWithShape="0">
                     <a:schemeClr val="bg2">
@@ -7279,7 +7279,7 @@
               </a14:hiddenEffects>
             </a:ext>
             <a:ext uri="{FAA26D3D-D897-4be2-8F04-BA451C77F1D7}">
-              <ma14:placeholderFlag xmlns="" xmlns:ma14="http://schemas.microsoft.com/office/mac/drawingml/2011/main" val="1"/>
+              <ma14:placeholderFlag xmlns:ma14="http://schemas.microsoft.com/office/mac/drawingml/2011/main" xmlns="" val="1"/>
             </a:ext>
           </a:extLst>
         </p:spPr>
@@ -7324,14 +7324,14 @@
           <a:effectLst/>
           <a:extLst>
             <a:ext uri="{909E8E84-426E-40dd-AFC4-6F175D3DCCD1}">
-              <a14:hiddenFill xmlns="" xmlns:a14="http://schemas.microsoft.com/office/drawing/2010/main">
+              <a14:hiddenFill xmlns:a14="http://schemas.microsoft.com/office/drawing/2010/main" xmlns="">
                 <a:solidFill>
                   <a:schemeClr val="accent1"/>
                 </a:solidFill>
               </a14:hiddenFill>
             </a:ext>
             <a:ext uri="{91240B29-F687-4f45-9708-019B960494DF}">
-              <a14:hiddenLine xmlns="" xmlns:a14="http://schemas.microsoft.com/office/drawing/2010/main" w="9525">
+              <a14:hiddenLine xmlns:a14="http://schemas.microsoft.com/office/drawing/2010/main" xmlns="" w="9525">
                 <a:solidFill>
                   <a:schemeClr val="tx1"/>
                 </a:solidFill>
@@ -7341,7 +7341,7 @@
               </a14:hiddenLine>
             </a:ext>
             <a:ext uri="{AF507438-7753-43e0-B8FC-AC1667EBCBE1}">
-              <a14:hiddenEffects xmlns="" xmlns:a14="http://schemas.microsoft.com/office/drawing/2010/main">
+              <a14:hiddenEffects xmlns:a14="http://schemas.microsoft.com/office/drawing/2010/main" xmlns="">
                 <a:effectLst>
                   <a:outerShdw blurRad="63500" dist="38099" dir="2700000" algn="ctr" rotWithShape="0">
                     <a:schemeClr val="bg2">
@@ -7352,7 +7352,7 @@
               </a14:hiddenEffects>
             </a:ext>
             <a:ext uri="{FAA26D3D-D897-4be2-8F04-BA451C77F1D7}">
-              <ma14:placeholderFlag xmlns="" xmlns:ma14="http://schemas.microsoft.com/office/mac/drawingml/2011/main" val="1"/>
+              <ma14:placeholderFlag xmlns:ma14="http://schemas.microsoft.com/office/mac/drawingml/2011/main" xmlns="" val="1"/>
             </a:ext>
           </a:extLst>
         </p:spPr>
@@ -7696,7 +7696,7 @@
           <a:p>
             <a:fld id="{DEC37592-88B6-44B8-8DC1-F031E7284748}" type="datetime1">
               <a:rPr lang="en-US" smtClean="0"/>
-              <a:t>4/19/2017</a:t>
+              <a:t>4/20/2017</a:t>
             </a:fld>
             <a:endParaRPr lang="en-US" dirty="0"/>
           </a:p>
@@ -7821,7 +7821,7 @@
           <a:effectLst/>
           <a:extLst>
             <a:ext uri="{AF507438-7753-43e0-B8FC-AC1667EBCBE1}">
-              <a14:hiddenEffects xmlns="" xmlns:a14="http://schemas.microsoft.com/office/drawing/2010/main">
+              <a14:hiddenEffects xmlns:a14="http://schemas.microsoft.com/office/drawing/2010/main" xmlns="">
                 <a:effectLst>
                   <a:outerShdw blurRad="63500" dist="35921" dir="2700000" algn="ctr" rotWithShape="0">
                     <a:schemeClr val="bg2"/>
@@ -8024,7 +8024,7 @@
           <a:p>
             <a:fld id="{141D0F49-276D-4F56-B63B-4D6688C20884}" type="datetime1">
               <a:rPr lang="en-US" smtClean="0"/>
-              <a:t>4/19/2017</a:t>
+              <a:t>4/20/2017</a:t>
             </a:fld>
             <a:endParaRPr lang="en-US" dirty="0"/>
           </a:p>
@@ -8265,7 +8265,7 @@
           <a:p>
             <a:fld id="{DB0B2F36-CFDA-4EEF-BC45-DB620249CF2E}" type="datetime1">
               <a:rPr lang="en-US" smtClean="0"/>
-              <a:t>4/19/2017</a:t>
+              <a:t>4/20/2017</a:t>
             </a:fld>
             <a:endParaRPr lang="en-US" dirty="0"/>
           </a:p>
@@ -8392,7 +8392,7 @@
           <a:p>
             <a:fld id="{0A71E8A6-07E6-4E35-BA17-942B67FDBF2E}" type="datetime1">
               <a:rPr lang="en-US" smtClean="0"/>
-              <a:t>4/19/2017</a:t>
+              <a:t>4/20/2017</a:t>
             </a:fld>
             <a:endParaRPr lang="en-US" dirty="0"/>
           </a:p>
@@ -8580,7 +8580,7 @@
           <a:p>
             <a:fld id="{6B983425-0FCF-4322-BAEA-0A4DFE9AC5A5}" type="datetime1">
               <a:rPr lang="en-US" smtClean="0"/>
-              <a:t>4/19/2017</a:t>
+              <a:t>4/20/2017</a:t>
             </a:fld>
             <a:endParaRPr lang="en-US" dirty="0"/>
           </a:p>
@@ -8707,7 +8707,7 @@
           <a:noFill/>
           <a:extLst>
             <a:ext uri="{909E8E84-426E-40dd-AFC4-6F175D3DCCD1}">
-              <a14:hiddenFill xmlns="" xmlns:a14="http://schemas.microsoft.com/office/drawing/2010/main">
+              <a14:hiddenFill xmlns:a14="http://schemas.microsoft.com/office/drawing/2010/main" xmlns="">
                 <a:solidFill>
                   <a:srgbClr val="FFFFFF"/>
                 </a:solidFill>
@@ -8741,14 +8741,14 @@
           <a:effectLst/>
           <a:extLst>
             <a:ext uri="{909E8E84-426E-40dd-AFC4-6F175D3DCCD1}">
-              <a14:hiddenFill xmlns="" xmlns:a14="http://schemas.microsoft.com/office/drawing/2010/main">
+              <a14:hiddenFill xmlns:a14="http://schemas.microsoft.com/office/drawing/2010/main" xmlns="">
                 <a:solidFill>
                   <a:schemeClr val="accent1"/>
                 </a:solidFill>
               </a14:hiddenFill>
             </a:ext>
             <a:ext uri="{91240B29-F687-4f45-9708-019B960494DF}">
-              <a14:hiddenLine xmlns="" xmlns:a14="http://schemas.microsoft.com/office/drawing/2010/main" w="9525">
+              <a14:hiddenLine xmlns:a14="http://schemas.microsoft.com/office/drawing/2010/main" xmlns="" w="9525">
                 <a:solidFill>
                   <a:schemeClr val="tx1"/>
                 </a:solidFill>
@@ -8758,7 +8758,7 @@
               </a14:hiddenLine>
             </a:ext>
             <a:ext uri="{AF507438-7753-43e0-B8FC-AC1667EBCBE1}">
-              <a14:hiddenEffects xmlns="" xmlns:a14="http://schemas.microsoft.com/office/drawing/2010/main">
+              <a14:hiddenEffects xmlns:a14="http://schemas.microsoft.com/office/drawing/2010/main" xmlns="">
                 <a:effectLst>
                   <a:outerShdw blurRad="63500" dist="38099" dir="2700000" algn="ctr" rotWithShape="0">
                     <a:schemeClr val="bg2">
@@ -8769,7 +8769,7 @@
               </a14:hiddenEffects>
             </a:ext>
             <a:ext uri="{FAA26D3D-D897-4be2-8F04-BA451C77F1D7}">
-              <ma14:placeholderFlag xmlns="" xmlns:ma14="http://schemas.microsoft.com/office/mac/drawingml/2011/main" val="1"/>
+              <ma14:placeholderFlag xmlns:ma14="http://schemas.microsoft.com/office/mac/drawingml/2011/main" xmlns="" val="1"/>
             </a:ext>
           </a:extLst>
         </p:spPr>
@@ -8823,14 +8823,14 @@
           <a:effectLst/>
           <a:extLst>
             <a:ext uri="{909E8E84-426E-40dd-AFC4-6F175D3DCCD1}">
-              <a14:hiddenFill xmlns="" xmlns:a14="http://schemas.microsoft.com/office/drawing/2010/main">
+              <a14:hiddenFill xmlns:a14="http://schemas.microsoft.com/office/drawing/2010/main" xmlns="">
                 <a:solidFill>
                   <a:schemeClr val="accent1"/>
                 </a:solidFill>
               </a14:hiddenFill>
             </a:ext>
             <a:ext uri="{91240B29-F687-4f45-9708-019B960494DF}">
-              <a14:hiddenLine xmlns="" xmlns:a14="http://schemas.microsoft.com/office/drawing/2010/main" w="9525">
+              <a14:hiddenLine xmlns:a14="http://schemas.microsoft.com/office/drawing/2010/main" xmlns="" w="9525">
                 <a:solidFill>
                   <a:schemeClr val="tx1"/>
                 </a:solidFill>
@@ -8840,7 +8840,7 @@
               </a14:hiddenLine>
             </a:ext>
             <a:ext uri="{AF507438-7753-43e0-B8FC-AC1667EBCBE1}">
-              <a14:hiddenEffects xmlns="" xmlns:a14="http://schemas.microsoft.com/office/drawing/2010/main">
+              <a14:hiddenEffects xmlns:a14="http://schemas.microsoft.com/office/drawing/2010/main" xmlns="">
                 <a:effectLst>
                   <a:outerShdw blurRad="63500" dist="38099" dir="2700000" algn="ctr" rotWithShape="0">
                     <a:schemeClr val="bg2">
@@ -8851,7 +8851,7 @@
               </a14:hiddenEffects>
             </a:ext>
             <a:ext uri="{FAA26D3D-D897-4be2-8F04-BA451C77F1D7}">
-              <ma14:placeholderFlag xmlns="" xmlns:ma14="http://schemas.microsoft.com/office/mac/drawingml/2011/main" val="1"/>
+              <ma14:placeholderFlag xmlns:ma14="http://schemas.microsoft.com/office/mac/drawingml/2011/main" xmlns="" val="1"/>
             </a:ext>
           </a:extLst>
         </p:spPr>
@@ -8969,14 +8969,14 @@
           <a:effectLst/>
           <a:extLst>
             <a:ext uri="{909E8E84-426E-40dd-AFC4-6F175D3DCCD1}">
-              <a14:hiddenFill xmlns="" xmlns:a14="http://schemas.microsoft.com/office/drawing/2010/main">
+              <a14:hiddenFill xmlns:a14="http://schemas.microsoft.com/office/drawing/2010/main" xmlns="">
                 <a:solidFill>
                   <a:schemeClr val="accent1"/>
                 </a:solidFill>
               </a14:hiddenFill>
             </a:ext>
             <a:ext uri="{91240B29-F687-4f45-9708-019B960494DF}">
-              <a14:hiddenLine xmlns="" xmlns:a14="http://schemas.microsoft.com/office/drawing/2010/main" w="9525">
+              <a14:hiddenLine xmlns:a14="http://schemas.microsoft.com/office/drawing/2010/main" xmlns="" w="9525">
                 <a:solidFill>
                   <a:schemeClr val="tx1"/>
                 </a:solidFill>
@@ -8986,7 +8986,7 @@
               </a14:hiddenLine>
             </a:ext>
             <a:ext uri="{AF507438-7753-43e0-B8FC-AC1667EBCBE1}">
-              <a14:hiddenEffects xmlns="" xmlns:a14="http://schemas.microsoft.com/office/drawing/2010/main">
+              <a14:hiddenEffects xmlns:a14="http://schemas.microsoft.com/office/drawing/2010/main" xmlns="">
                 <a:effectLst>
                   <a:outerShdw blurRad="63500" dist="38099" dir="2700000" algn="ctr" rotWithShape="0">
                     <a:schemeClr val="bg2">
@@ -8997,7 +8997,7 @@
               </a14:hiddenEffects>
             </a:ext>
             <a:ext uri="{FAA26D3D-D897-4be2-8F04-BA451C77F1D7}">
-              <ma14:placeholderFlag xmlns="" xmlns:ma14="http://schemas.microsoft.com/office/mac/drawingml/2011/main" val="1"/>
+              <ma14:placeholderFlag xmlns:ma14="http://schemas.microsoft.com/office/mac/drawingml/2011/main" xmlns="" val="1"/>
             </a:ext>
           </a:extLst>
         </p:spPr>
@@ -9015,7 +9015,7 @@
           <a:p>
             <a:fld id="{AC3A2CD8-0910-4F3E-B4BC-AB1508329ADD}" type="datetime1">
               <a:rPr lang="en-US" smtClean="0"/>
-              <a:t>4/19/2017</a:t>
+              <a:t>4/20/2017</a:t>
             </a:fld>
             <a:endParaRPr lang="en-US" dirty="0"/>
           </a:p>
@@ -9046,14 +9046,14 @@
           <a:effectLst/>
           <a:extLst>
             <a:ext uri="{909E8E84-426E-40dd-AFC4-6F175D3DCCD1}">
-              <a14:hiddenFill xmlns="" xmlns:a14="http://schemas.microsoft.com/office/drawing/2010/main">
+              <a14:hiddenFill xmlns:a14="http://schemas.microsoft.com/office/drawing/2010/main" xmlns="">
                 <a:solidFill>
                   <a:schemeClr val="accent1"/>
                 </a:solidFill>
               </a14:hiddenFill>
             </a:ext>
             <a:ext uri="{91240B29-F687-4f45-9708-019B960494DF}">
-              <a14:hiddenLine xmlns="" xmlns:a14="http://schemas.microsoft.com/office/drawing/2010/main" w="9525">
+              <a14:hiddenLine xmlns:a14="http://schemas.microsoft.com/office/drawing/2010/main" xmlns="" w="9525">
                 <a:solidFill>
                   <a:schemeClr val="tx1"/>
                 </a:solidFill>
@@ -9063,7 +9063,7 @@
               </a14:hiddenLine>
             </a:ext>
             <a:ext uri="{AF507438-7753-43e0-B8FC-AC1667EBCBE1}">
-              <a14:hiddenEffects xmlns="" xmlns:a14="http://schemas.microsoft.com/office/drawing/2010/main">
+              <a14:hiddenEffects xmlns:a14="http://schemas.microsoft.com/office/drawing/2010/main" xmlns="">
                 <a:effectLst>
                   <a:outerShdw blurRad="63500" dist="38099" dir="2700000" algn="ctr" rotWithShape="0">
                     <a:schemeClr val="bg2">
@@ -9074,7 +9074,7 @@
               </a14:hiddenEffects>
             </a:ext>
             <a:ext uri="{FAA26D3D-D897-4be2-8F04-BA451C77F1D7}">
-              <ma14:placeholderFlag xmlns="" xmlns:ma14="http://schemas.microsoft.com/office/mac/drawingml/2011/main" val="1"/>
+              <ma14:placeholderFlag xmlns:ma14="http://schemas.microsoft.com/office/mac/drawingml/2011/main" xmlns="" val="1"/>
             </a:ext>
           </a:extLst>
         </p:spPr>
@@ -9123,14 +9123,14 @@
           <a:effectLst/>
           <a:extLst>
             <a:ext uri="{909E8E84-426E-40dd-AFC4-6F175D3DCCD1}">
-              <a14:hiddenFill xmlns="" xmlns:a14="http://schemas.microsoft.com/office/drawing/2010/main">
+              <a14:hiddenFill xmlns:a14="http://schemas.microsoft.com/office/drawing/2010/main" xmlns="">
                 <a:solidFill>
                   <a:schemeClr val="accent1"/>
                 </a:solidFill>
               </a14:hiddenFill>
             </a:ext>
             <a:ext uri="{91240B29-F687-4f45-9708-019B960494DF}">
-              <a14:hiddenLine xmlns="" xmlns:a14="http://schemas.microsoft.com/office/drawing/2010/main" w="9525">
+              <a14:hiddenLine xmlns:a14="http://schemas.microsoft.com/office/drawing/2010/main" xmlns="" w="9525">
                 <a:solidFill>
                   <a:schemeClr val="tx1"/>
                 </a:solidFill>
@@ -9140,7 +9140,7 @@
               </a14:hiddenLine>
             </a:ext>
             <a:ext uri="{AF507438-7753-43e0-B8FC-AC1667EBCBE1}">
-              <a14:hiddenEffects xmlns="" xmlns:a14="http://schemas.microsoft.com/office/drawing/2010/main">
+              <a14:hiddenEffects xmlns:a14="http://schemas.microsoft.com/office/drawing/2010/main" xmlns="">
                 <a:effectLst>
                   <a:outerShdw blurRad="63500" dist="38099" dir="2700000" algn="ctr" rotWithShape="0">
                     <a:schemeClr val="bg2">
@@ -9151,7 +9151,7 @@
               </a14:hiddenEffects>
             </a:ext>
             <a:ext uri="{FAA26D3D-D897-4be2-8F04-BA451C77F1D7}">
-              <ma14:placeholderFlag xmlns="" xmlns:ma14="http://schemas.microsoft.com/office/mac/drawingml/2011/main" val="1"/>
+              <ma14:placeholderFlag xmlns:ma14="http://schemas.microsoft.com/office/mac/drawingml/2011/main" xmlns="" val="1"/>
             </a:ext>
           </a:extLst>
         </p:spPr>
@@ -9208,12 +9208,12 @@
           <a:effectLst/>
           <a:extLst>
             <a:ext uri="{909E8E84-426E-40dd-AFC4-6F175D3DCCD1}">
-              <a14:hiddenFill xmlns="" xmlns:a14="http://schemas.microsoft.com/office/drawing/2010/main">
+              <a14:hiddenFill xmlns:a14="http://schemas.microsoft.com/office/drawing/2010/main" xmlns="">
                 <a:noFill/>
               </a14:hiddenFill>
             </a:ext>
             <a:ext uri="{AF507438-7753-43e0-B8FC-AC1667EBCBE1}">
-              <a14:hiddenEffects xmlns="" xmlns:a14="http://schemas.microsoft.com/office/drawing/2010/main">
+              <a14:hiddenEffects xmlns:a14="http://schemas.microsoft.com/office/drawing/2010/main" xmlns="">
                 <a:effectLst>
                   <a:outerShdw blurRad="63500" dist="38099" dir="2700000" algn="ctr" rotWithShape="0">
                     <a:schemeClr val="bg2">
@@ -9256,14 +9256,14 @@
           <a:effectLst/>
           <a:extLst>
             <a:ext uri="{909E8E84-426E-40dd-AFC4-6F175D3DCCD1}">
-              <a14:hiddenFill xmlns="" xmlns:a14="http://schemas.microsoft.com/office/drawing/2010/main">
+              <a14:hiddenFill xmlns:a14="http://schemas.microsoft.com/office/drawing/2010/main" xmlns="">
                 <a:solidFill>
                   <a:schemeClr val="accent1"/>
                 </a:solidFill>
               </a14:hiddenFill>
             </a:ext>
             <a:ext uri="{91240B29-F687-4f45-9708-019B960494DF}">
-              <a14:hiddenLine xmlns="" xmlns:a14="http://schemas.microsoft.com/office/drawing/2010/main" w="9525">
+              <a14:hiddenLine xmlns:a14="http://schemas.microsoft.com/office/drawing/2010/main" xmlns="" w="9525">
                 <a:solidFill>
                   <a:schemeClr val="tx1"/>
                 </a:solidFill>
@@ -9273,7 +9273,7 @@
               </a14:hiddenLine>
             </a:ext>
             <a:ext uri="{AF507438-7753-43e0-B8FC-AC1667EBCBE1}">
-              <a14:hiddenEffects xmlns="" xmlns:a14="http://schemas.microsoft.com/office/drawing/2010/main">
+              <a14:hiddenEffects xmlns:a14="http://schemas.microsoft.com/office/drawing/2010/main" xmlns="">
                 <a:effectLst>
                   <a:outerShdw blurRad="63500" dist="38099" dir="2700000" algn="ctr" rotWithShape="0">
                     <a:schemeClr val="bg2">
@@ -9909,7 +9909,7 @@
           <a:p>
             <a:fld id="{0F735448-6BEC-4714-AC28-524840E5388C}" type="datetime1">
               <a:rPr lang="en-US" smtClean="0"/>
-              <a:t>4/19/2017</a:t>
+              <a:t>4/20/2017</a:t>
             </a:fld>
             <a:endParaRPr lang="en-US" dirty="0"/>
           </a:p>
@@ -10023,7 +10023,7 @@
           </a:ln>
           <a:extLst>
             <a:ext uri="{AF507438-7753-43e0-B8FC-AC1667EBCBE1}">
-              <a14:hiddenEffects xmlns="" xmlns:a14="http://schemas.microsoft.com/office/drawing/2010/main">
+              <a14:hiddenEffects xmlns:a14="http://schemas.microsoft.com/office/drawing/2010/main" xmlns="">
                 <a:effectLst>
                   <a:outerShdw blurRad="63500" dist="35921" dir="2700000" algn="ctr" rotWithShape="0">
                     <a:schemeClr val="bg2"/>
@@ -10106,7 +10106,7 @@
           </a:ln>
           <a:extLst>
             <a:ext uri="{AF507438-7753-43e0-B8FC-AC1667EBCBE1}">
-              <a14:hiddenEffects xmlns="" xmlns:a14="http://schemas.microsoft.com/office/drawing/2010/main">
+              <a14:hiddenEffects xmlns:a14="http://schemas.microsoft.com/office/drawing/2010/main" xmlns="">
                 <a:effectLst>
                   <a:outerShdw blurRad="63500" dist="35921" dir="2700000" algn="ctr" rotWithShape="0">
                     <a:schemeClr val="bg2"/>
@@ -10213,7 +10213,7 @@
           <a:p>
             <a:fld id="{6B983425-0FCF-4322-BAEA-0A4DFE9AC5A5}" type="datetime1">
               <a:rPr lang="en-US" smtClean="0"/>
-              <a:t>4/19/2017</a:t>
+              <a:t>4/20/2017</a:t>
             </a:fld>
             <a:endParaRPr lang="en-US" dirty="0"/>
           </a:p>
@@ -10290,7 +10290,7 @@
           </a:ln>
           <a:extLst>
             <a:ext uri="{AF507438-7753-43e0-B8FC-AC1667EBCBE1}">
-              <a14:hiddenEffects xmlns="" xmlns:a14="http://schemas.microsoft.com/office/drawing/2010/main">
+              <a14:hiddenEffects xmlns:a14="http://schemas.microsoft.com/office/drawing/2010/main" xmlns="">
                 <a:effectLst>
                   <a:outerShdw blurRad="63500" dist="35921" dir="2700000" algn="ctr" rotWithShape="0">
                     <a:schemeClr val="bg2"/>
@@ -10373,7 +10373,7 @@
           </a:ln>
           <a:extLst>
             <a:ext uri="{AF507438-7753-43e0-B8FC-AC1667EBCBE1}">
-              <a14:hiddenEffects xmlns="" xmlns:a14="http://schemas.microsoft.com/office/drawing/2010/main">
+              <a14:hiddenEffects xmlns:a14="http://schemas.microsoft.com/office/drawing/2010/main" xmlns="">
                 <a:effectLst>
                   <a:outerShdw blurRad="63500" dist="35921" dir="2700000" algn="ctr" rotWithShape="0">
                     <a:schemeClr val="bg2"/>
@@ -10516,7 +10516,7 @@
           </a:ln>
           <a:extLst>
             <a:ext uri="{AF507438-7753-43e0-B8FC-AC1667EBCBE1}">
-              <a14:hiddenEffects xmlns="" xmlns:a14="http://schemas.microsoft.com/office/drawing/2010/main">
+              <a14:hiddenEffects xmlns:a14="http://schemas.microsoft.com/office/drawing/2010/main" xmlns="">
                 <a:effectLst>
                   <a:outerShdw blurRad="63500" dist="35921" dir="2700000" algn="ctr" rotWithShape="0">
                     <a:schemeClr val="bg2"/>
@@ -10601,7 +10601,7 @@
           </a:ln>
           <a:extLst>
             <a:ext uri="{AF507438-7753-43e0-B8FC-AC1667EBCBE1}">
-              <a14:hiddenEffects xmlns="" xmlns:a14="http://schemas.microsoft.com/office/drawing/2010/main">
+              <a14:hiddenEffects xmlns:a14="http://schemas.microsoft.com/office/drawing/2010/main" xmlns="">
                 <a:effectLst>
                   <a:outerShdw blurRad="63500" dist="35921" dir="2700000" algn="ctr" rotWithShape="0">
                     <a:schemeClr val="bg2"/>
@@ -10686,7 +10686,7 @@
           </a:ln>
           <a:extLst>
             <a:ext uri="{AF507438-7753-43e0-B8FC-AC1667EBCBE1}">
-              <a14:hiddenEffects xmlns="" xmlns:a14="http://schemas.microsoft.com/office/drawing/2010/main">
+              <a14:hiddenEffects xmlns:a14="http://schemas.microsoft.com/office/drawing/2010/main" xmlns="">
                 <a:effectLst>
                   <a:outerShdw blurRad="63500" dist="35921" dir="2700000" algn="ctr" rotWithShape="0">
                     <a:schemeClr val="bg2"/>
@@ -10771,7 +10771,7 @@
           </a:ln>
           <a:extLst>
             <a:ext uri="{AF507438-7753-43e0-B8FC-AC1667EBCBE1}">
-              <a14:hiddenEffects xmlns="" xmlns:a14="http://schemas.microsoft.com/office/drawing/2010/main">
+              <a14:hiddenEffects xmlns:a14="http://schemas.microsoft.com/office/drawing/2010/main" xmlns="">
                 <a:effectLst>
                   <a:outerShdw blurRad="63500" dist="35921" dir="2700000" algn="ctr" rotWithShape="0">
                     <a:schemeClr val="bg2"/>
@@ -10854,7 +10854,7 @@
           </a:ln>
           <a:extLst>
             <a:ext uri="{AF507438-7753-43e0-B8FC-AC1667EBCBE1}">
-              <a14:hiddenEffects xmlns="" xmlns:a14="http://schemas.microsoft.com/office/drawing/2010/main">
+              <a14:hiddenEffects xmlns:a14="http://schemas.microsoft.com/office/drawing/2010/main" xmlns="">
                 <a:effectLst>
                   <a:outerShdw blurRad="63500" dist="35921" dir="2700000" algn="ctr" rotWithShape="0">
                     <a:schemeClr val="bg2"/>
@@ -10939,7 +10939,7 @@
           </a:ln>
           <a:extLst>
             <a:ext uri="{AF507438-7753-43e0-B8FC-AC1667EBCBE1}">
-              <a14:hiddenEffects xmlns="" xmlns:a14="http://schemas.microsoft.com/office/drawing/2010/main">
+              <a14:hiddenEffects xmlns:a14="http://schemas.microsoft.com/office/drawing/2010/main" xmlns="">
                 <a:effectLst>
                   <a:outerShdw blurRad="63500" dist="35921" dir="2700000" algn="ctr" rotWithShape="0">
                     <a:schemeClr val="bg2"/>
@@ -11024,7 +11024,7 @@
           </a:ln>
           <a:extLst>
             <a:ext uri="{AF507438-7753-43e0-B8FC-AC1667EBCBE1}">
-              <a14:hiddenEffects xmlns="" xmlns:a14="http://schemas.microsoft.com/office/drawing/2010/main">
+              <a14:hiddenEffects xmlns:a14="http://schemas.microsoft.com/office/drawing/2010/main" xmlns="">
                 <a:effectLst>
                   <a:outerShdw blurRad="63500" dist="35921" dir="2700000" algn="ctr" rotWithShape="0">
                     <a:schemeClr val="bg2"/>
@@ -11107,7 +11107,7 @@
           </a:ln>
           <a:extLst>
             <a:ext uri="{AF507438-7753-43e0-B8FC-AC1667EBCBE1}">
-              <a14:hiddenEffects xmlns="" xmlns:a14="http://schemas.microsoft.com/office/drawing/2010/main">
+              <a14:hiddenEffects xmlns:a14="http://schemas.microsoft.com/office/drawing/2010/main" xmlns="">
                 <a:effectLst>
                   <a:outerShdw blurRad="63500" dist="35921" dir="2700000" algn="ctr" rotWithShape="0">
                     <a:schemeClr val="bg2"/>
@@ -11192,7 +11192,7 @@
           </a:ln>
           <a:extLst>
             <a:ext uri="{AF507438-7753-43e0-B8FC-AC1667EBCBE1}">
-              <a14:hiddenEffects xmlns="" xmlns:a14="http://schemas.microsoft.com/office/drawing/2010/main">
+              <a14:hiddenEffects xmlns:a14="http://schemas.microsoft.com/office/drawing/2010/main" xmlns="">
                 <a:effectLst>
                   <a:outerShdw blurRad="63500" dist="35921" dir="2700000" algn="ctr" rotWithShape="0">
                     <a:schemeClr val="bg2"/>
@@ -11772,7 +11772,7 @@
           </a:ln>
           <a:extLst>
             <a:ext uri="{AF507438-7753-43e0-B8FC-AC1667EBCBE1}">
-              <a14:hiddenEffects xmlns="" xmlns:a14="http://schemas.microsoft.com/office/drawing/2010/main">
+              <a14:hiddenEffects xmlns:a14="http://schemas.microsoft.com/office/drawing/2010/main" xmlns="">
                 <a:effectLst>
                   <a:outerShdw blurRad="63500" dist="35921" dir="2700000" algn="ctr" rotWithShape="0">
                     <a:schemeClr val="bg2"/>
@@ -11855,7 +11855,7 @@
           </a:ln>
           <a:extLst>
             <a:ext uri="{AF507438-7753-43e0-B8FC-AC1667EBCBE1}">
-              <a14:hiddenEffects xmlns="" xmlns:a14="http://schemas.microsoft.com/office/drawing/2010/main">
+              <a14:hiddenEffects xmlns:a14="http://schemas.microsoft.com/office/drawing/2010/main" xmlns="">
                 <a:effectLst>
                   <a:outerShdw blurRad="63500" dist="35921" dir="2700000" algn="ctr" rotWithShape="0">
                     <a:schemeClr val="bg2"/>
@@ -11957,7 +11957,7 @@
           <a:p>
             <a:fld id="{6B983425-0FCF-4322-BAEA-0A4DFE9AC5A5}" type="datetime1">
               <a:rPr lang="en-US" smtClean="0"/>
-              <a:t>4/19/2017</a:t>
+              <a:t>4/20/2017</a:t>
             </a:fld>
             <a:endParaRPr lang="en-US" dirty="0"/>
           </a:p>
@@ -12094,7 +12094,7 @@
           </a:ln>
           <a:extLst>
             <a:ext uri="{AF507438-7753-43e0-B8FC-AC1667EBCBE1}">
-              <a14:hiddenEffects xmlns="" xmlns:a14="http://schemas.microsoft.com/office/drawing/2010/main">
+              <a14:hiddenEffects xmlns:a14="http://schemas.microsoft.com/office/drawing/2010/main" xmlns="">
                 <a:effectLst>
                   <a:outerShdw blurRad="63500" dist="35921" dir="2700000" algn="ctr" rotWithShape="0">
                     <a:schemeClr val="bg2"/>
@@ -12177,7 +12177,7 @@
           </a:ln>
           <a:extLst>
             <a:ext uri="{AF507438-7753-43e0-B8FC-AC1667EBCBE1}">
-              <a14:hiddenEffects xmlns="" xmlns:a14="http://schemas.microsoft.com/office/drawing/2010/main">
+              <a14:hiddenEffects xmlns:a14="http://schemas.microsoft.com/office/drawing/2010/main" xmlns="">
                 <a:effectLst>
                   <a:outerShdw blurRad="63500" dist="35921" dir="2700000" algn="ctr" rotWithShape="0">
                     <a:schemeClr val="bg2"/>
@@ -12262,7 +12262,7 @@
           </a:ln>
           <a:extLst>
             <a:ext uri="{AF507438-7753-43e0-B8FC-AC1667EBCBE1}">
-              <a14:hiddenEffects xmlns="" xmlns:a14="http://schemas.microsoft.com/office/drawing/2010/main">
+              <a14:hiddenEffects xmlns:a14="http://schemas.microsoft.com/office/drawing/2010/main" xmlns="">
                 <a:effectLst>
                   <a:outerShdw blurRad="63500" dist="35921" dir="2700000" algn="ctr" rotWithShape="0">
                     <a:schemeClr val="bg2"/>
@@ -12345,7 +12345,7 @@
           </a:ln>
           <a:extLst>
             <a:ext uri="{AF507438-7753-43e0-B8FC-AC1667EBCBE1}">
-              <a14:hiddenEffects xmlns="" xmlns:a14="http://schemas.microsoft.com/office/drawing/2010/main">
+              <a14:hiddenEffects xmlns:a14="http://schemas.microsoft.com/office/drawing/2010/main" xmlns="">
                 <a:effectLst>
                   <a:outerShdw blurRad="63500" dist="35921" dir="2700000" algn="ctr" rotWithShape="0">
                     <a:schemeClr val="bg2"/>
@@ -12430,7 +12430,7 @@
           </a:ln>
           <a:extLst>
             <a:ext uri="{AF507438-7753-43e0-B8FC-AC1667EBCBE1}">
-              <a14:hiddenEffects xmlns="" xmlns:a14="http://schemas.microsoft.com/office/drawing/2010/main">
+              <a14:hiddenEffects xmlns:a14="http://schemas.microsoft.com/office/drawing/2010/main" xmlns="">
                 <a:effectLst>
                   <a:outerShdw blurRad="63500" dist="35921" dir="2700000" algn="ctr" rotWithShape="0">
                     <a:schemeClr val="bg2"/>
@@ -12513,7 +12513,7 @@
           </a:ln>
           <a:extLst>
             <a:ext uri="{AF507438-7753-43e0-B8FC-AC1667EBCBE1}">
-              <a14:hiddenEffects xmlns="" xmlns:a14="http://schemas.microsoft.com/office/drawing/2010/main">
+              <a14:hiddenEffects xmlns:a14="http://schemas.microsoft.com/office/drawing/2010/main" xmlns="">
                 <a:effectLst>
                   <a:outerShdw blurRad="63500" dist="35921" dir="2700000" algn="ctr" rotWithShape="0">
                     <a:schemeClr val="bg2"/>
@@ -12598,7 +12598,7 @@
           </a:ln>
           <a:extLst>
             <a:ext uri="{AF507438-7753-43e0-B8FC-AC1667EBCBE1}">
-              <a14:hiddenEffects xmlns="" xmlns:a14="http://schemas.microsoft.com/office/drawing/2010/main">
+              <a14:hiddenEffects xmlns:a14="http://schemas.microsoft.com/office/drawing/2010/main" xmlns="">
                 <a:effectLst>
                   <a:outerShdw blurRad="63500" dist="35921" dir="2700000" algn="ctr" rotWithShape="0">
                     <a:schemeClr val="bg2"/>
@@ -12683,7 +12683,7 @@
           </a:ln>
           <a:extLst>
             <a:ext uri="{AF507438-7753-43e0-B8FC-AC1667EBCBE1}">
-              <a14:hiddenEffects xmlns="" xmlns:a14="http://schemas.microsoft.com/office/drawing/2010/main">
+              <a14:hiddenEffects xmlns:a14="http://schemas.microsoft.com/office/drawing/2010/main" xmlns="">
                 <a:effectLst>
                   <a:outerShdw blurRad="63500" dist="35921" dir="2700000" algn="ctr" rotWithShape="0">
                     <a:schemeClr val="bg2"/>
@@ -12768,7 +12768,7 @@
           </a:ln>
           <a:extLst>
             <a:ext uri="{AF507438-7753-43e0-B8FC-AC1667EBCBE1}">
-              <a14:hiddenEffects xmlns="" xmlns:a14="http://schemas.microsoft.com/office/drawing/2010/main">
+              <a14:hiddenEffects xmlns:a14="http://schemas.microsoft.com/office/drawing/2010/main" xmlns="">
                 <a:effectLst>
                   <a:outerShdw blurRad="63500" dist="35921" dir="2700000" algn="ctr" rotWithShape="0">
                     <a:schemeClr val="bg2"/>
@@ -12853,7 +12853,7 @@
           </a:ln>
           <a:extLst>
             <a:ext uri="{AF507438-7753-43e0-B8FC-AC1667EBCBE1}">
-              <a14:hiddenEffects xmlns="" xmlns:a14="http://schemas.microsoft.com/office/drawing/2010/main">
+              <a14:hiddenEffects xmlns:a14="http://schemas.microsoft.com/office/drawing/2010/main" xmlns="">
                 <a:effectLst>
                   <a:outerShdw blurRad="63500" dist="35921" dir="2700000" algn="ctr" rotWithShape="0">
                     <a:schemeClr val="bg2"/>
@@ -13461,7 +13461,7 @@
           </a:ln>
           <a:extLst>
             <a:ext uri="{AF507438-7753-43e0-B8FC-AC1667EBCBE1}">
-              <a14:hiddenEffects xmlns="" xmlns:a14="http://schemas.microsoft.com/office/drawing/2010/main">
+              <a14:hiddenEffects xmlns:a14="http://schemas.microsoft.com/office/drawing/2010/main" xmlns="">
                 <a:effectLst>
                   <a:outerShdw blurRad="63500" dist="35921" dir="2700000" algn="ctr" rotWithShape="0">
                     <a:schemeClr val="bg2"/>
@@ -13544,7 +13544,7 @@
           </a:ln>
           <a:extLst>
             <a:ext uri="{AF507438-7753-43e0-B8FC-AC1667EBCBE1}">
-              <a14:hiddenEffects xmlns="" xmlns:a14="http://schemas.microsoft.com/office/drawing/2010/main">
+              <a14:hiddenEffects xmlns:a14="http://schemas.microsoft.com/office/drawing/2010/main" xmlns="">
                 <a:effectLst>
                   <a:outerShdw blurRad="63500" dist="35921" dir="2700000" algn="ctr" rotWithShape="0">
                     <a:schemeClr val="bg2"/>
@@ -13646,7 +13646,7 @@
           <a:p>
             <a:fld id="{6B983425-0FCF-4322-BAEA-0A4DFE9AC5A5}" type="datetime1">
               <a:rPr lang="en-US" smtClean="0"/>
-              <a:t>4/19/2017</a:t>
+              <a:t>4/20/2017</a:t>
             </a:fld>
             <a:endParaRPr lang="en-US" dirty="0"/>
           </a:p>
@@ -13723,7 +13723,7 @@
           </a:ln>
           <a:extLst>
             <a:ext uri="{AF507438-7753-43e0-B8FC-AC1667EBCBE1}">
-              <a14:hiddenEffects xmlns="" xmlns:a14="http://schemas.microsoft.com/office/drawing/2010/main">
+              <a14:hiddenEffects xmlns:a14="http://schemas.microsoft.com/office/drawing/2010/main" xmlns="">
                 <a:effectLst>
                   <a:outerShdw blurRad="63500" dist="35921" dir="2700000" algn="ctr" rotWithShape="0">
                     <a:schemeClr val="bg2"/>
@@ -13806,7 +13806,7 @@
           </a:ln>
           <a:extLst>
             <a:ext uri="{AF507438-7753-43e0-B8FC-AC1667EBCBE1}">
-              <a14:hiddenEffects xmlns="" xmlns:a14="http://schemas.microsoft.com/office/drawing/2010/main">
+              <a14:hiddenEffects xmlns:a14="http://schemas.microsoft.com/office/drawing/2010/main" xmlns="">
                 <a:effectLst>
                   <a:outerShdw blurRad="63500" dist="35921" dir="2700000" algn="ctr" rotWithShape="0">
                     <a:schemeClr val="bg2"/>
@@ -13949,7 +13949,7 @@
           </a:ln>
           <a:extLst>
             <a:ext uri="{AF507438-7753-43e0-B8FC-AC1667EBCBE1}">
-              <a14:hiddenEffects xmlns="" xmlns:a14="http://schemas.microsoft.com/office/drawing/2010/main">
+              <a14:hiddenEffects xmlns:a14="http://schemas.microsoft.com/office/drawing/2010/main" xmlns="">
                 <a:effectLst>
                   <a:outerShdw blurRad="63500" dist="35921" dir="2700000" algn="ctr" rotWithShape="0">
                     <a:schemeClr val="bg2"/>
@@ -14034,7 +14034,7 @@
           </a:ln>
           <a:extLst>
             <a:ext uri="{AF507438-7753-43e0-B8FC-AC1667EBCBE1}">
-              <a14:hiddenEffects xmlns="" xmlns:a14="http://schemas.microsoft.com/office/drawing/2010/main">
+              <a14:hiddenEffects xmlns:a14="http://schemas.microsoft.com/office/drawing/2010/main" xmlns="">
                 <a:effectLst>
                   <a:outerShdw blurRad="63500" dist="35921" dir="2700000" algn="ctr" rotWithShape="0">
                     <a:schemeClr val="bg2"/>
@@ -14119,7 +14119,7 @@
           </a:ln>
           <a:extLst>
             <a:ext uri="{AF507438-7753-43e0-B8FC-AC1667EBCBE1}">
-              <a14:hiddenEffects xmlns="" xmlns:a14="http://schemas.microsoft.com/office/drawing/2010/main">
+              <a14:hiddenEffects xmlns:a14="http://schemas.microsoft.com/office/drawing/2010/main" xmlns="">
                 <a:effectLst>
                   <a:outerShdw blurRad="63500" dist="35921" dir="2700000" algn="ctr" rotWithShape="0">
                     <a:schemeClr val="bg2"/>
@@ -14204,7 +14204,7 @@
           </a:ln>
           <a:extLst>
             <a:ext uri="{AF507438-7753-43e0-B8FC-AC1667EBCBE1}">
-              <a14:hiddenEffects xmlns="" xmlns:a14="http://schemas.microsoft.com/office/drawing/2010/main">
+              <a14:hiddenEffects xmlns:a14="http://schemas.microsoft.com/office/drawing/2010/main" xmlns="">
                 <a:effectLst>
                   <a:outerShdw blurRad="63500" dist="35921" dir="2700000" algn="ctr" rotWithShape="0">
                     <a:schemeClr val="bg2"/>
@@ -14289,7 +14289,7 @@
           </a:ln>
           <a:extLst>
             <a:ext uri="{AF507438-7753-43e0-B8FC-AC1667EBCBE1}">
-              <a14:hiddenEffects xmlns="" xmlns:a14="http://schemas.microsoft.com/office/drawing/2010/main">
+              <a14:hiddenEffects xmlns:a14="http://schemas.microsoft.com/office/drawing/2010/main" xmlns="">
                 <a:effectLst>
                   <a:outerShdw blurRad="63500" dist="35921" dir="2700000" algn="ctr" rotWithShape="0">
                     <a:schemeClr val="bg2"/>
@@ -14374,7 +14374,7 @@
           </a:ln>
           <a:extLst>
             <a:ext uri="{AF507438-7753-43e0-B8FC-AC1667EBCBE1}">
-              <a14:hiddenEffects xmlns="" xmlns:a14="http://schemas.microsoft.com/office/drawing/2010/main">
+              <a14:hiddenEffects xmlns:a14="http://schemas.microsoft.com/office/drawing/2010/main" xmlns="">
                 <a:effectLst>
                   <a:outerShdw blurRad="63500" dist="35921" dir="2700000" algn="ctr" rotWithShape="0">
                     <a:schemeClr val="bg2"/>
@@ -14459,7 +14459,7 @@
           </a:ln>
           <a:extLst>
             <a:ext uri="{AF507438-7753-43e0-B8FC-AC1667EBCBE1}">
-              <a14:hiddenEffects xmlns="" xmlns:a14="http://schemas.microsoft.com/office/drawing/2010/main">
+              <a14:hiddenEffects xmlns:a14="http://schemas.microsoft.com/office/drawing/2010/main" xmlns="">
                 <a:effectLst>
                   <a:outerShdw blurRad="63500" dist="35921" dir="2700000" algn="ctr" rotWithShape="0">
                     <a:schemeClr val="bg2"/>
@@ -14544,7 +14544,7 @@
           </a:ln>
           <a:extLst>
             <a:ext uri="{AF507438-7753-43e0-B8FC-AC1667EBCBE1}">
-              <a14:hiddenEffects xmlns="" xmlns:a14="http://schemas.microsoft.com/office/drawing/2010/main">
+              <a14:hiddenEffects xmlns:a14="http://schemas.microsoft.com/office/drawing/2010/main" xmlns="">
                 <a:effectLst>
                   <a:outerShdw blurRad="63500" dist="35921" dir="2700000" algn="ctr" rotWithShape="0">
                     <a:schemeClr val="bg2"/>
@@ -14627,7 +14627,7 @@
           </a:ln>
           <a:extLst>
             <a:ext uri="{AF507438-7753-43e0-B8FC-AC1667EBCBE1}">
-              <a14:hiddenEffects xmlns="" xmlns:a14="http://schemas.microsoft.com/office/drawing/2010/main">
+              <a14:hiddenEffects xmlns:a14="http://schemas.microsoft.com/office/drawing/2010/main" xmlns="">
                 <a:effectLst>
                   <a:outerShdw blurRad="63500" dist="35921" dir="2700000" algn="ctr" rotWithShape="0">
                     <a:schemeClr val="bg2"/>
@@ -14742,7 +14742,7 @@
           </a:ln>
           <a:extLst>
             <a:ext uri="{AF507438-7753-43e0-B8FC-AC1667EBCBE1}">
-              <a14:hiddenEffects xmlns="" xmlns:a14="http://schemas.microsoft.com/office/drawing/2010/main">
+              <a14:hiddenEffects xmlns:a14="http://schemas.microsoft.com/office/drawing/2010/main" xmlns="">
                 <a:effectLst>
                   <a:outerShdw blurRad="63500" dist="35921" dir="2700000" algn="ctr" rotWithShape="0">
                     <a:schemeClr val="bg2"/>
@@ -15404,7 +15404,7 @@
           </a:ln>
           <a:extLst>
             <a:ext uri="{AF507438-7753-43e0-B8FC-AC1667EBCBE1}">
-              <a14:hiddenEffects xmlns="" xmlns:a14="http://schemas.microsoft.com/office/drawing/2010/main">
+              <a14:hiddenEffects xmlns:a14="http://schemas.microsoft.com/office/drawing/2010/main" xmlns="">
                 <a:effectLst>
                   <a:outerShdw blurRad="63500" dist="35921" dir="2700000" algn="ctr" rotWithShape="0">
                     <a:schemeClr val="bg2"/>
@@ -15487,7 +15487,7 @@
           </a:ln>
           <a:extLst>
             <a:ext uri="{AF507438-7753-43e0-B8FC-AC1667EBCBE1}">
-              <a14:hiddenEffects xmlns="" xmlns:a14="http://schemas.microsoft.com/office/drawing/2010/main">
+              <a14:hiddenEffects xmlns:a14="http://schemas.microsoft.com/office/drawing/2010/main" xmlns="">
                 <a:effectLst>
                   <a:outerShdw blurRad="63500" dist="35921" dir="2700000" algn="ctr" rotWithShape="0">
                     <a:schemeClr val="bg2"/>
@@ -15570,7 +15570,7 @@
           </a:ln>
           <a:extLst>
             <a:ext uri="{AF507438-7753-43e0-B8FC-AC1667EBCBE1}">
-              <a14:hiddenEffects xmlns="" xmlns:a14="http://schemas.microsoft.com/office/drawing/2010/main">
+              <a14:hiddenEffects xmlns:a14="http://schemas.microsoft.com/office/drawing/2010/main" xmlns="">
                 <a:effectLst>
                   <a:outerShdw blurRad="63500" dist="35921" dir="2700000" algn="ctr" rotWithShape="0">
                     <a:schemeClr val="bg2"/>
@@ -15672,7 +15672,7 @@
           <a:p>
             <a:fld id="{6B983425-0FCF-4322-BAEA-0A4DFE9AC5A5}" type="datetime1">
               <a:rPr lang="en-US" smtClean="0"/>
-              <a:t>4/19/2017</a:t>
+              <a:t>4/20/2017</a:t>
             </a:fld>
             <a:endParaRPr lang="en-US" dirty="0"/>
           </a:p>
@@ -15749,7 +15749,7 @@
           </a:ln>
           <a:extLst>
             <a:ext uri="{AF507438-7753-43e0-B8FC-AC1667EBCBE1}">
-              <a14:hiddenEffects xmlns="" xmlns:a14="http://schemas.microsoft.com/office/drawing/2010/main">
+              <a14:hiddenEffects xmlns:a14="http://schemas.microsoft.com/office/drawing/2010/main" xmlns="">
                 <a:effectLst>
                   <a:outerShdw blurRad="63500" dist="35921" dir="2700000" algn="ctr" rotWithShape="0">
                     <a:schemeClr val="bg2"/>
@@ -15832,7 +15832,7 @@
           </a:ln>
           <a:extLst>
             <a:ext uri="{AF507438-7753-43e0-B8FC-AC1667EBCBE1}">
-              <a14:hiddenEffects xmlns="" xmlns:a14="http://schemas.microsoft.com/office/drawing/2010/main">
+              <a14:hiddenEffects xmlns:a14="http://schemas.microsoft.com/office/drawing/2010/main" xmlns="">
                 <a:effectLst>
                   <a:outerShdw blurRad="63500" dist="35921" dir="2700000" algn="ctr" rotWithShape="0">
                     <a:schemeClr val="bg2"/>
@@ -15975,7 +15975,7 @@
           </a:ln>
           <a:extLst>
             <a:ext uri="{AF507438-7753-43e0-B8FC-AC1667EBCBE1}">
-              <a14:hiddenEffects xmlns="" xmlns:a14="http://schemas.microsoft.com/office/drawing/2010/main">
+              <a14:hiddenEffects xmlns:a14="http://schemas.microsoft.com/office/drawing/2010/main" xmlns="">
                 <a:effectLst>
                   <a:outerShdw blurRad="63500" dist="35921" dir="2700000" algn="ctr" rotWithShape="0">
                     <a:schemeClr val="bg2"/>
@@ -16060,7 +16060,7 @@
           </a:ln>
           <a:extLst>
             <a:ext uri="{AF507438-7753-43e0-B8FC-AC1667EBCBE1}">
-              <a14:hiddenEffects xmlns="" xmlns:a14="http://schemas.microsoft.com/office/drawing/2010/main">
+              <a14:hiddenEffects xmlns:a14="http://schemas.microsoft.com/office/drawing/2010/main" xmlns="">
                 <a:effectLst>
                   <a:outerShdw blurRad="63500" dist="35921" dir="2700000" algn="ctr" rotWithShape="0">
                     <a:schemeClr val="bg2"/>
@@ -16145,7 +16145,7 @@
           </a:ln>
           <a:extLst>
             <a:ext uri="{AF507438-7753-43e0-B8FC-AC1667EBCBE1}">
-              <a14:hiddenEffects xmlns="" xmlns:a14="http://schemas.microsoft.com/office/drawing/2010/main">
+              <a14:hiddenEffects xmlns:a14="http://schemas.microsoft.com/office/drawing/2010/main" xmlns="">
                 <a:effectLst>
                   <a:outerShdw blurRad="63500" dist="35921" dir="2700000" algn="ctr" rotWithShape="0">
                     <a:schemeClr val="bg2"/>
@@ -16230,7 +16230,7 @@
           </a:ln>
           <a:extLst>
             <a:ext uri="{AF507438-7753-43e0-B8FC-AC1667EBCBE1}">
-              <a14:hiddenEffects xmlns="" xmlns:a14="http://schemas.microsoft.com/office/drawing/2010/main">
+              <a14:hiddenEffects xmlns:a14="http://schemas.microsoft.com/office/drawing/2010/main" xmlns="">
                 <a:effectLst>
                   <a:outerShdw blurRad="63500" dist="35921" dir="2700000" algn="ctr" rotWithShape="0">
                     <a:schemeClr val="bg2"/>
@@ -16315,7 +16315,7 @@
           </a:ln>
           <a:extLst>
             <a:ext uri="{AF507438-7753-43e0-B8FC-AC1667EBCBE1}">
-              <a14:hiddenEffects xmlns="" xmlns:a14="http://schemas.microsoft.com/office/drawing/2010/main">
+              <a14:hiddenEffects xmlns:a14="http://schemas.microsoft.com/office/drawing/2010/main" xmlns="">
                 <a:effectLst>
                   <a:outerShdw blurRad="63500" dist="35921" dir="2700000" algn="ctr" rotWithShape="0">
                     <a:schemeClr val="bg2"/>
@@ -16400,7 +16400,7 @@
           </a:ln>
           <a:extLst>
             <a:ext uri="{AF507438-7753-43e0-B8FC-AC1667EBCBE1}">
-              <a14:hiddenEffects xmlns="" xmlns:a14="http://schemas.microsoft.com/office/drawing/2010/main">
+              <a14:hiddenEffects xmlns:a14="http://schemas.microsoft.com/office/drawing/2010/main" xmlns="">
                 <a:effectLst>
                   <a:outerShdw blurRad="63500" dist="35921" dir="2700000" algn="ctr" rotWithShape="0">
                     <a:schemeClr val="bg2"/>
@@ -16483,7 +16483,7 @@
           </a:ln>
           <a:extLst>
             <a:ext uri="{AF507438-7753-43e0-B8FC-AC1667EBCBE1}">
-              <a14:hiddenEffects xmlns="" xmlns:a14="http://schemas.microsoft.com/office/drawing/2010/main">
+              <a14:hiddenEffects xmlns:a14="http://schemas.microsoft.com/office/drawing/2010/main" xmlns="">
                 <a:effectLst>
                   <a:outerShdw blurRad="63500" dist="35921" dir="2700000" algn="ctr" rotWithShape="0">
                     <a:schemeClr val="bg2"/>
@@ -16598,7 +16598,7 @@
           </a:ln>
           <a:extLst>
             <a:ext uri="{AF507438-7753-43e0-B8FC-AC1667EBCBE1}">
-              <a14:hiddenEffects xmlns="" xmlns:a14="http://schemas.microsoft.com/office/drawing/2010/main">
+              <a14:hiddenEffects xmlns:a14="http://schemas.microsoft.com/office/drawing/2010/main" xmlns="">
                 <a:effectLst>
                   <a:outerShdw blurRad="63500" dist="35921" dir="2700000" algn="ctr" rotWithShape="0">
                     <a:schemeClr val="bg2"/>
@@ -16683,7 +16683,7 @@
           </a:ln>
           <a:extLst>
             <a:ext uri="{AF507438-7753-43e0-B8FC-AC1667EBCBE1}">
-              <a14:hiddenEffects xmlns="" xmlns:a14="http://schemas.microsoft.com/office/drawing/2010/main">
+              <a14:hiddenEffects xmlns:a14="http://schemas.microsoft.com/office/drawing/2010/main" xmlns="">
                 <a:effectLst>
                   <a:outerShdw blurRad="63500" dist="35921" dir="2700000" algn="ctr" rotWithShape="0">
                     <a:schemeClr val="bg2"/>
@@ -17676,7 +17676,7 @@
           </a:ln>
           <a:extLst>
             <a:ext uri="{AF507438-7753-43e0-B8FC-AC1667EBCBE1}">
-              <a14:hiddenEffects xmlns="" xmlns:a14="http://schemas.microsoft.com/office/drawing/2010/main">
+              <a14:hiddenEffects xmlns:a14="http://schemas.microsoft.com/office/drawing/2010/main" xmlns="">
                 <a:effectLst>
                   <a:outerShdw blurRad="63500" dist="35921" dir="2700000" algn="ctr" rotWithShape="0">
                     <a:schemeClr val="bg2"/>
@@ -17759,7 +17759,7 @@
           </a:ln>
           <a:extLst>
             <a:ext uri="{AF507438-7753-43e0-B8FC-AC1667EBCBE1}">
-              <a14:hiddenEffects xmlns="" xmlns:a14="http://schemas.microsoft.com/office/drawing/2010/main">
+              <a14:hiddenEffects xmlns:a14="http://schemas.microsoft.com/office/drawing/2010/main" xmlns="">
                 <a:effectLst>
                   <a:outerShdw blurRad="63500" dist="35921" dir="2700000" algn="ctr" rotWithShape="0">
                     <a:schemeClr val="bg2"/>
@@ -17861,7 +17861,7 @@
           <a:p>
             <a:fld id="{6B983425-0FCF-4322-BAEA-0A4DFE9AC5A5}" type="datetime1">
               <a:rPr lang="en-US" smtClean="0"/>
-              <a:t>4/19/2017</a:t>
+              <a:t>4/20/2017</a:t>
             </a:fld>
             <a:endParaRPr lang="en-US" dirty="0"/>
           </a:p>
@@ -17938,7 +17938,7 @@
           </a:ln>
           <a:extLst>
             <a:ext uri="{AF507438-7753-43e0-B8FC-AC1667EBCBE1}">
-              <a14:hiddenEffects xmlns="" xmlns:a14="http://schemas.microsoft.com/office/drawing/2010/main">
+              <a14:hiddenEffects xmlns:a14="http://schemas.microsoft.com/office/drawing/2010/main" xmlns="">
                 <a:effectLst>
                   <a:outerShdw blurRad="63500" dist="35921" dir="2700000" algn="ctr" rotWithShape="0">
                     <a:schemeClr val="bg2"/>
@@ -18021,7 +18021,7 @@
           </a:ln>
           <a:extLst>
             <a:ext uri="{AF507438-7753-43e0-B8FC-AC1667EBCBE1}">
-              <a14:hiddenEffects xmlns="" xmlns:a14="http://schemas.microsoft.com/office/drawing/2010/main">
+              <a14:hiddenEffects xmlns:a14="http://schemas.microsoft.com/office/drawing/2010/main" xmlns="">
                 <a:effectLst>
                   <a:outerShdw blurRad="63500" dist="35921" dir="2700000" algn="ctr" rotWithShape="0">
                     <a:schemeClr val="bg2"/>
@@ -18166,7 +18166,7 @@
           </a:ln>
           <a:extLst>
             <a:ext uri="{AF507438-7753-43e0-B8FC-AC1667EBCBE1}">
-              <a14:hiddenEffects xmlns="" xmlns:a14="http://schemas.microsoft.com/office/drawing/2010/main">
+              <a14:hiddenEffects xmlns:a14="http://schemas.microsoft.com/office/drawing/2010/main" xmlns="">
                 <a:effectLst>
                   <a:outerShdw blurRad="63500" dist="35921" dir="2700000" algn="ctr" rotWithShape="0">
                     <a:schemeClr val="bg2"/>
@@ -18251,7 +18251,7 @@
           </a:ln>
           <a:extLst>
             <a:ext uri="{AF507438-7753-43e0-B8FC-AC1667EBCBE1}">
-              <a14:hiddenEffects xmlns="" xmlns:a14="http://schemas.microsoft.com/office/drawing/2010/main">
+              <a14:hiddenEffects xmlns:a14="http://schemas.microsoft.com/office/drawing/2010/main" xmlns="">
                 <a:effectLst>
                   <a:outerShdw blurRad="63500" dist="35921" dir="2700000" algn="ctr" rotWithShape="0">
                     <a:schemeClr val="bg2"/>
@@ -18334,7 +18334,7 @@
           </a:ln>
           <a:extLst>
             <a:ext uri="{AF507438-7753-43e0-B8FC-AC1667EBCBE1}">
-              <a14:hiddenEffects xmlns="" xmlns:a14="http://schemas.microsoft.com/office/drawing/2010/main">
+              <a14:hiddenEffects xmlns:a14="http://schemas.microsoft.com/office/drawing/2010/main" xmlns="">
                 <a:effectLst>
                   <a:outerShdw blurRad="63500" dist="35921" dir="2700000" algn="ctr" rotWithShape="0">
                     <a:schemeClr val="bg2"/>
@@ -18449,7 +18449,7 @@
           </a:ln>
           <a:extLst>
             <a:ext uri="{AF507438-7753-43e0-B8FC-AC1667EBCBE1}">
-              <a14:hiddenEffects xmlns="" xmlns:a14="http://schemas.microsoft.com/office/drawing/2010/main">
+              <a14:hiddenEffects xmlns:a14="http://schemas.microsoft.com/office/drawing/2010/main" xmlns="">
                 <a:effectLst>
                   <a:outerShdw blurRad="63500" dist="35921" dir="2700000" algn="ctr" rotWithShape="0">
                     <a:schemeClr val="bg2"/>
@@ -18912,7 +18912,7 @@
           <a:p>
             <a:fld id="{DB0B2F36-CFDA-4EEF-BC45-DB620249CF2E}" type="datetime1">
               <a:rPr lang="en-US" smtClean="0"/>
-              <a:t>4/19/2017</a:t>
+              <a:t>4/20/2017</a:t>
             </a:fld>
             <a:endParaRPr lang="en-US" dirty="0"/>
           </a:p>
@@ -19373,6 +19373,101 @@
                 <a:pPr marL="0" indent="0">
                   <a:buNone/>
                 </a:pPr>
+                <a14:m>
+                  <m:oMathPara xmlns:m="http://schemas.openxmlformats.org/officeDocument/2006/math">
+                    <m:oMathParaPr>
+                      <m:jc m:val="centerGroup"/>
+                    </m:oMathParaPr>
+                    <m:oMath xmlns:m="http://schemas.openxmlformats.org/officeDocument/2006/math">
+                      <m:sSub>
+                        <m:sSubPr>
+                          <m:ctrlPr>
+                            <a:rPr lang="en-US" b="0" i="1" smtClean="0">
+                              <a:latin typeface="Cambria Math" panose="02040503050406030204" pitchFamily="18" charset="0"/>
+                            </a:rPr>
+                          </m:ctrlPr>
+                        </m:sSubPr>
+                        <m:e>
+                          <m:r>
+                            <a:rPr lang="en-US" b="0" i="1" smtClean="0">
+                              <a:latin typeface="Cambria Math" panose="02040503050406030204" pitchFamily="18" charset="0"/>
+                            </a:rPr>
+                            <m:t>𝑥</m:t>
+                          </m:r>
+                        </m:e>
+                        <m:sub>
+                          <m:r>
+                            <a:rPr lang="en-US" b="0" i="1" smtClean="0">
+                              <a:latin typeface="Cambria Math" panose="02040503050406030204" pitchFamily="18" charset="0"/>
+                            </a:rPr>
+                            <m:t>𝑖𝑗</m:t>
+                          </m:r>
+                        </m:sub>
+                      </m:sSub>
+                      <m:r>
+                        <a:rPr lang="en-US" b="0" i="1" smtClean="0">
+                          <a:latin typeface="Cambria Math" panose="02040503050406030204" pitchFamily="18" charset="0"/>
+                        </a:rPr>
+                        <m:t>=0 </m:t>
+                      </m:r>
+                      <m:r>
+                        <m:rPr>
+                          <m:nor/>
+                        </m:rPr>
+                        <a:rPr lang="en-US" b="0" i="0" smtClean="0">
+                          <a:latin typeface="Cambria Math" panose="02040503050406030204" pitchFamily="18" charset="0"/>
+                        </a:rPr>
+                        <m:t>or</m:t>
+                      </m:r>
+                      <m:r>
+                        <m:rPr>
+                          <m:nor/>
+                        </m:rPr>
+                        <a:rPr lang="en-US" b="0" i="0" smtClean="0">
+                          <a:latin typeface="Cambria Math" panose="02040503050406030204" pitchFamily="18" charset="0"/>
+                        </a:rPr>
+                        <m:t> </m:t>
+                      </m:r>
+                      <m:sSub>
+                        <m:sSubPr>
+                          <m:ctrlPr>
+                            <a:rPr lang="en-US" b="0" i="1" smtClean="0">
+                              <a:latin typeface="Cambria Math" panose="02040503050406030204" pitchFamily="18" charset="0"/>
+                            </a:rPr>
+                          </m:ctrlPr>
+                        </m:sSubPr>
+                        <m:e>
+                          <m:r>
+                            <a:rPr lang="en-US" b="0" i="1" smtClean="0">
+                              <a:latin typeface="Cambria Math" panose="02040503050406030204" pitchFamily="18" charset="0"/>
+                            </a:rPr>
+                            <m:t>𝑥</m:t>
+                          </m:r>
+                        </m:e>
+                        <m:sub>
+                          <m:r>
+                            <a:rPr lang="en-US" b="0" i="1" smtClean="0">
+                              <a:latin typeface="Cambria Math" panose="02040503050406030204" pitchFamily="18" charset="0"/>
+                            </a:rPr>
+                            <m:t>𝑖𝑗</m:t>
+                          </m:r>
+                        </m:sub>
+                      </m:sSub>
+                      <m:r>
+                        <a:rPr lang="en-US" b="0" i="1" smtClean="0">
+                          <a:latin typeface="Cambria Math" panose="02040503050406030204" pitchFamily="18" charset="0"/>
+                        </a:rPr>
+                        <m:t>=1</m:t>
+                      </m:r>
+                    </m:oMath>
+                  </m:oMathPara>
+                </a14:m>
+                <a:endParaRPr lang="en-US" dirty="0" smtClean="0"/>
+              </a:p>
+              <a:p>
+                <a:pPr marL="0" indent="0">
+                  <a:buNone/>
+                </a:pPr>
                 <a:endParaRPr lang="en-US" dirty="0"/>
               </a:p>
             </p:txBody>
@@ -19429,7 +19524,7 @@
           <a:p>
             <a:fld id="{DB0B2F36-CFDA-4EEF-BC45-DB620249CF2E}" type="datetime1">
               <a:rPr lang="en-US" smtClean="0"/>
-              <a:t>4/19/2017</a:t>
+              <a:t>4/20/2017</a:t>
             </a:fld>
             <a:endParaRPr lang="en-US" dirty="0"/>
           </a:p>
@@ -19511,7 +19606,7 @@
           </a:ln>
           <a:extLst>
             <a:ext uri="{AF507438-7753-43e0-B8FC-AC1667EBCBE1}">
-              <a14:hiddenEffects xmlns="" xmlns:a14="http://schemas.microsoft.com/office/drawing/2010/main">
+              <a14:hiddenEffects xmlns:a14="http://schemas.microsoft.com/office/drawing/2010/main" xmlns="">
                 <a:effectLst>
                   <a:outerShdw blurRad="63500" dist="35921" dir="2700000" algn="ctr" rotWithShape="0">
                     <a:schemeClr val="bg2"/>
@@ -19614,7 +19709,7 @@
           </a:ln>
           <a:extLst>
             <a:ext uri="{AF507438-7753-43e0-B8FC-AC1667EBCBE1}">
-              <a14:hiddenEffects xmlns="" xmlns:a14="http://schemas.microsoft.com/office/drawing/2010/main">
+              <a14:hiddenEffects xmlns:a14="http://schemas.microsoft.com/office/drawing/2010/main" xmlns="">
                 <a:effectLst>
                   <a:outerShdw blurRad="63500" dist="35921" dir="2700000" algn="ctr" rotWithShape="0">
                     <a:schemeClr val="bg2"/>
@@ -19702,6 +19797,101 @@
               </a:rPr>
               <a:t>of assigned job</a:t>
             </a:r>
+          </a:p>
+        </p:txBody>
+      </p:sp>
+      <p:sp>
+        <p:nvSpPr>
+          <p:cNvPr id="10" name="Line Callout 1 9"/>
+          <p:cNvSpPr/>
+          <p:nvPr/>
+        </p:nvSpPr>
+        <p:spPr bwMode="auto">
+          <a:xfrm>
+            <a:off x="5376000" y="4149000"/>
+            <a:ext cx="2880000" cy="360000"/>
+          </a:xfrm>
+          <a:prstGeom prst="borderCallout1">
+            <a:avLst>
+              <a:gd name="adj1" fmla="val 18750"/>
+              <a:gd name="adj2" fmla="val -8333"/>
+              <a:gd name="adj3" fmla="val 25463"/>
+              <a:gd name="adj4" fmla="val -38498"/>
+            </a:avLst>
+          </a:prstGeom>
+          <a:ln>
+            <a:headEnd type="none" w="med" len="med"/>
+            <a:tailEnd type="none" w="med" len="med"/>
+          </a:ln>
+          <a:extLst>
+            <a:ext uri="{AF507438-7753-43e0-B8FC-AC1667EBCBE1}">
+              <a14:hiddenEffects xmlns:a14="http://schemas.microsoft.com/office/drawing/2010/main" xmlns="">
+                <a:effectLst>
+                  <a:outerShdw blurRad="63500" dist="35921" dir="2700000" algn="ctr" rotWithShape="0">
+                    <a:schemeClr val="bg2"/>
+                  </a:outerShdw>
+                </a:effectLst>
+              </a14:hiddenEffects>
+            </a:ext>
+          </a:extLst>
+        </p:spPr>
+        <p:style>
+          <a:lnRef idx="1">
+            <a:schemeClr val="accent1"/>
+          </a:lnRef>
+          <a:fillRef idx="3">
+            <a:schemeClr val="accent1"/>
+          </a:fillRef>
+          <a:effectRef idx="2">
+            <a:schemeClr val="accent1"/>
+          </a:effectRef>
+          <a:fontRef idx="minor">
+            <a:schemeClr val="lt1"/>
+          </a:fontRef>
+        </p:style>
+        <p:txBody>
+          <a:bodyPr vert="horz" wrap="none" lIns="0" tIns="0" rIns="0" bIns="0" numCol="1" rtlCol="0" anchor="ctr" anchorCtr="0" compatLnSpc="1">
+            <a:prstTxWarp prst="textNoShape">
+              <a:avLst/>
+            </a:prstTxWarp>
+          </a:bodyPr>
+          <a:lstStyle/>
+          <a:p>
+            <a:pPr marL="0" marR="0" indent="0" algn="ctr" defTabSz="914400" rtl="0" eaLnBrk="1" fontAlgn="base" latinLnBrk="0" hangingPunct="1">
+              <a:lnSpc>
+                <a:spcPct val="100000"/>
+              </a:lnSpc>
+              <a:spcBef>
+                <a:spcPct val="0"/>
+              </a:spcBef>
+              <a:spcAft>
+                <a:spcPct val="0"/>
+              </a:spcAft>
+              <a:buClrTx/>
+              <a:buSzTx/>
+              <a:buFontTx/>
+              <a:buNone/>
+              <a:tabLst/>
+            </a:pPr>
+            <a:r>
+              <a:rPr lang="en-US" dirty="0" smtClean="0">
+                <a:solidFill>
+                  <a:schemeClr val="bg1"/>
+                </a:solidFill>
+                <a:latin typeface="Arial" charset="0"/>
+                <a:ea typeface="ＭＳ Ｐゴシック" charset="0"/>
+                <a:cs typeface="Arial" charset="0"/>
+              </a:rPr>
+              <a:t>Binary job assignment</a:t>
+            </a:r>
+            <a:endParaRPr lang="en-US" dirty="0" smtClean="0">
+              <a:solidFill>
+                <a:schemeClr val="bg1"/>
+              </a:solidFill>
+              <a:latin typeface="Arial" charset="0"/>
+              <a:ea typeface="ＭＳ Ｐゴシック" charset="0"/>
+              <a:cs typeface="Arial" charset="0"/>
+            </a:endParaRPr>
           </a:p>
         </p:txBody>
       </p:sp>
@@ -19909,6 +20099,99 @@
                       </p:childTnLst>
                     </p:cTn>
                   </p:par>
+                  <p:par>
+                    <p:cTn id="19" fill="hold">
+                      <p:stCondLst>
+                        <p:cond delay="indefinite"/>
+                      </p:stCondLst>
+                      <p:childTnLst>
+                        <p:par>
+                          <p:cTn id="20" fill="hold">
+                            <p:stCondLst>
+                              <p:cond delay="0"/>
+                            </p:stCondLst>
+                            <p:childTnLst>
+                              <p:par>
+                                <p:cTn id="21" presetID="1" presetClass="entr" presetSubtype="0" fill="hold" nodeType="clickEffect">
+                                  <p:stCondLst>
+                                    <p:cond delay="0"/>
+                                  </p:stCondLst>
+                                  <p:childTnLst>
+                                    <p:set>
+                                      <p:cBhvr>
+                                        <p:cTn id="22" dur="1" fill="hold">
+                                          <p:stCondLst>
+                                            <p:cond delay="0"/>
+                                          </p:stCondLst>
+                                        </p:cTn>
+                                        <p:tgtEl>
+                                          <p:spTgt spid="3">
+                                            <p:txEl>
+                                              <p:pRg st="4" end="4"/>
+                                            </p:txEl>
+                                          </p:spTgt>
+                                        </p:tgtEl>
+                                        <p:attrNameLst>
+                                          <p:attrName>style.visibility</p:attrName>
+                                        </p:attrNameLst>
+                                      </p:cBhvr>
+                                      <p:to>
+                                        <p:strVal val="visible"/>
+                                      </p:to>
+                                    </p:set>
+                                  </p:childTnLst>
+                                </p:cTn>
+                              </p:par>
+                            </p:childTnLst>
+                          </p:cTn>
+                        </p:par>
+                        <p:par>
+                          <p:cTn id="23" fill="hold">
+                            <p:stCondLst>
+                              <p:cond delay="0"/>
+                            </p:stCondLst>
+                            <p:childTnLst>
+                              <p:par>
+                                <p:cTn id="24" presetID="10" presetClass="entr" presetSubtype="0" fill="hold" grpId="0" nodeType="afterEffect">
+                                  <p:stCondLst>
+                                    <p:cond delay="0"/>
+                                  </p:stCondLst>
+                                  <p:childTnLst>
+                                    <p:set>
+                                      <p:cBhvr>
+                                        <p:cTn id="25" dur="1" fill="hold">
+                                          <p:stCondLst>
+                                            <p:cond delay="0"/>
+                                          </p:stCondLst>
+                                        </p:cTn>
+                                        <p:tgtEl>
+                                          <p:spTgt spid="10"/>
+                                        </p:tgtEl>
+                                        <p:attrNameLst>
+                                          <p:attrName>style.visibility</p:attrName>
+                                        </p:attrNameLst>
+                                      </p:cBhvr>
+                                      <p:to>
+                                        <p:strVal val="visible"/>
+                                      </p:to>
+                                    </p:set>
+                                    <p:animEffect transition="in" filter="fade">
+                                      <p:cBhvr>
+                                        <p:cTn id="26" dur="500"/>
+                                        <p:tgtEl>
+                                          <p:spTgt spid="10"/>
+                                        </p:tgtEl>
+                                      </p:cBhvr>
+                                    </p:animEffect>
+                                  </p:childTnLst>
+                                </p:cTn>
+                              </p:par>
+                            </p:childTnLst>
+                          </p:cTn>
+                        </p:par>
+                      </p:childTnLst>
+                    </p:cTn>
+                  </p:par>
                 </p:childTnLst>
               </p:cTn>
               <p:prevCondLst>
@@ -19933,6 +20216,7 @@
     <p:bldLst>
       <p:bldP spid="13" grpId="0" animBg="1"/>
       <p:bldP spid="14" grpId="0" animBg="1"/>
+      <p:bldP spid="10" grpId="0" animBg="1"/>
     </p:bldLst>
   </p:timing>
 </p:sld>
@@ -19974,12 +20258,11 @@
               <a:rPr lang="en-US" dirty="0"/>
               <a:t>Service Time Minimization with ESDMF as Upper Bound (ST)</a:t>
             </a:r>
-            <a:endParaRPr lang="en-US" dirty="0"/>
           </a:p>
         </p:txBody>
       </p:sp>
-      <mc:AlternateContent xmlns:mc="http://schemas.openxmlformats.org/markup-compatibility/2006">
-        <mc:Choice xmlns:a14="http://schemas.microsoft.com/office/drawing/2010/main" Requires="a14">
+      <mc:AlternateContent xmlns:mc="http://schemas.openxmlformats.org/markup-compatibility/2006" xmlns:a14="http://schemas.microsoft.com/office/drawing/2010/main">
+        <mc:Choice Requires="a14">
           <p:sp>
             <p:nvSpPr>
               <p:cNvPr id="3" name="Content Placeholder 2"/>
@@ -21242,7 +21525,7 @@
             </p:txBody>
           </p:sp>
         </mc:Choice>
-        <mc:Fallback>
+        <mc:Fallback xmlns="">
           <p:sp>
             <p:nvSpPr>
               <p:cNvPr id="3" name="Content Placeholder 2"/>
@@ -21293,7 +21576,7 @@
           <a:p>
             <a:fld id="{DB0B2F36-CFDA-4EEF-BC45-DB620249CF2E}" type="datetime1">
               <a:rPr lang="en-US" smtClean="0"/>
-              <a:t>4/19/2017</a:t>
+              <a:t>4/20/2017</a:t>
             </a:fld>
             <a:endParaRPr lang="en-US" dirty="0"/>
           </a:p>
@@ -21375,7 +21658,7 @@
           </a:ln>
           <a:extLst>
             <a:ext uri="{AF507438-7753-43e0-B8FC-AC1667EBCBE1}">
-              <a14:hiddenEffects xmlns="" xmlns:a14="http://schemas.microsoft.com/office/drawing/2010/main">
+              <a14:hiddenEffects xmlns:a14="http://schemas.microsoft.com/office/drawing/2010/main" xmlns="">
                 <a:effectLst>
                   <a:outerShdw blurRad="63500" dist="35921" dir="2700000" algn="ctr" rotWithShape="0">
                     <a:schemeClr val="bg2"/>
@@ -21478,7 +21761,7 @@
           </a:ln>
           <a:extLst>
             <a:ext uri="{AF507438-7753-43e0-B8FC-AC1667EBCBE1}">
-              <a14:hiddenEffects xmlns="" xmlns:a14="http://schemas.microsoft.com/office/drawing/2010/main">
+              <a14:hiddenEffects xmlns:a14="http://schemas.microsoft.com/office/drawing/2010/main" xmlns="">
                 <a:effectLst>
                   <a:outerShdw blurRad="63500" dist="35921" dir="2700000" algn="ctr" rotWithShape="0">
                     <a:schemeClr val="bg2"/>
@@ -21569,7 +21852,7 @@
           </a:ln>
           <a:extLst>
             <a:ext uri="{AF507438-7753-43e0-B8FC-AC1667EBCBE1}">
-              <a14:hiddenEffects xmlns="" xmlns:a14="http://schemas.microsoft.com/office/drawing/2010/main">
+              <a14:hiddenEffects xmlns:a14="http://schemas.microsoft.com/office/drawing/2010/main" xmlns="">
                 <a:effectLst>
                   <a:outerShdw blurRad="63500" dist="35921" dir="2700000" algn="ctr" rotWithShape="0">
                     <a:schemeClr val="bg2"/>
@@ -21613,14 +21896,6 @@
               </a:rPr>
               <a:t>Result of ESDMF as upper bound</a:t>
             </a:r>
-            <a:endParaRPr lang="en-US" dirty="0">
-              <a:solidFill>
-                <a:schemeClr val="bg1"/>
-              </a:solidFill>
-              <a:latin typeface="Arial" charset="0"/>
-              <a:ea typeface="ＭＳ Ｐゴシック" charset="0"/>
-              <a:cs typeface="Arial" charset="0"/>
-            </a:endParaRPr>
           </a:p>
         </p:txBody>
       </p:sp>
@@ -21649,7 +21924,7 @@
           </a:ln>
           <a:extLst>
             <a:ext uri="{AF507438-7753-43e0-B8FC-AC1667EBCBE1}">
-              <a14:hiddenEffects xmlns="" xmlns:a14="http://schemas.microsoft.com/office/drawing/2010/main">
+              <a14:hiddenEffects xmlns:a14="http://schemas.microsoft.com/office/drawing/2010/main" xmlns="">
                 <a:effectLst>
                   <a:outerShdw blurRad="63500" dist="35921" dir="2700000" algn="ctr" rotWithShape="0">
                     <a:schemeClr val="bg2"/>
@@ -21693,14 +21968,6 @@
               </a:rPr>
               <a:t>Each user gets only 1 job</a:t>
             </a:r>
-            <a:endParaRPr lang="en-US" dirty="0">
-              <a:solidFill>
-                <a:schemeClr val="bg1"/>
-              </a:solidFill>
-              <a:latin typeface="Arial" charset="0"/>
-              <a:ea typeface="ＭＳ Ｐゴシック" charset="0"/>
-              <a:cs typeface="Arial" charset="0"/>
-            </a:endParaRPr>
           </a:p>
         </p:txBody>
       </p:sp>
@@ -21729,7 +21996,7 @@
           </a:ln>
           <a:extLst>
             <a:ext uri="{AF507438-7753-43e0-B8FC-AC1667EBCBE1}">
-              <a14:hiddenEffects xmlns="" xmlns:a14="http://schemas.microsoft.com/office/drawing/2010/main">
+              <a14:hiddenEffects xmlns:a14="http://schemas.microsoft.com/office/drawing/2010/main" xmlns="">
                 <a:effectLst>
                   <a:outerShdw blurRad="63500" dist="35921" dir="2700000" algn="ctr" rotWithShape="0">
                     <a:schemeClr val="bg2"/>
@@ -21773,14 +22040,6 @@
               </a:rPr>
               <a:t>Each user gets only 1 job considering order</a:t>
             </a:r>
-            <a:endParaRPr lang="en-US" dirty="0">
-              <a:solidFill>
-                <a:schemeClr val="bg1"/>
-              </a:solidFill>
-              <a:latin typeface="Arial" charset="0"/>
-              <a:ea typeface="ＭＳ Ｐゴシック" charset="0"/>
-              <a:cs typeface="Arial" charset="0"/>
-            </a:endParaRPr>
           </a:p>
         </p:txBody>
       </p:sp>
@@ -21809,7 +22068,7 @@
           </a:ln>
           <a:extLst>
             <a:ext uri="{AF507438-7753-43e0-B8FC-AC1667EBCBE1}">
-              <a14:hiddenEffects xmlns="" xmlns:a14="http://schemas.microsoft.com/office/drawing/2010/main">
+              <a14:hiddenEffects xmlns:a14="http://schemas.microsoft.com/office/drawing/2010/main" xmlns="">
                 <a:effectLst>
                   <a:outerShdw blurRad="63500" dist="35921" dir="2700000" algn="ctr" rotWithShape="0">
                     <a:schemeClr val="bg2"/>
@@ -21887,8 +22146,8 @@
           </a:p>
         </p:txBody>
       </p:sp>
-      <mc:AlternateContent xmlns:mc="http://schemas.openxmlformats.org/markup-compatibility/2006">
-        <mc:Choice xmlns:a14="http://schemas.microsoft.com/office/drawing/2010/main" Requires="a14">
+      <mc:AlternateContent xmlns:mc="http://schemas.openxmlformats.org/markup-compatibility/2006" xmlns:a14="http://schemas.microsoft.com/office/drawing/2010/main">
+        <mc:Choice Requires="a14">
           <p:sp>
             <p:nvSpPr>
               <p:cNvPr id="15" name="Line Callout 3 14"/>
@@ -22299,7 +22558,7 @@
             </p:txBody>
           </p:sp>
         </mc:Choice>
-        <mc:Fallback>
+        <mc:Fallback xmlns="">
           <p:sp>
             <p:nvSpPr>
               <p:cNvPr id="15" name="Line Callout 3 14"/>
@@ -22362,8 +22621,8 @@
           </p:sp>
         </mc:Fallback>
       </mc:AlternateContent>
-      <mc:AlternateContent xmlns:mc="http://schemas.openxmlformats.org/markup-compatibility/2006">
-        <mc:Choice xmlns:a14="http://schemas.microsoft.com/office/drawing/2010/main" Requires="a14">
+      <mc:AlternateContent xmlns:mc="http://schemas.openxmlformats.org/markup-compatibility/2006" xmlns:a14="http://schemas.microsoft.com/office/drawing/2010/main">
+        <mc:Choice Requires="a14">
           <p:sp>
             <p:nvSpPr>
               <p:cNvPr id="16" name="Line Callout 3 15"/>
@@ -22533,7 +22792,7 @@
             </p:txBody>
           </p:sp>
         </mc:Choice>
-        <mc:Fallback>
+        <mc:Fallback xmlns="">
           <p:sp>
             <p:nvSpPr>
               <p:cNvPr id="16" name="Line Callout 3 15"/>
@@ -23311,11 +23570,7 @@
           <a:p>
             <a:r>
               <a:rPr lang="en-US" dirty="0" smtClean="0"/>
-              <a:t>Reinforcement </a:t>
-            </a:r>
-            <a:r>
-              <a:rPr lang="en-US" dirty="0" smtClean="0"/>
-              <a:t>Learning According to Sutton and </a:t>
+              <a:t>Reinforcement Learning According to Sutton and </a:t>
             </a:r>
             <a:r>
               <a:rPr lang="en-US" dirty="0" err="1" smtClean="0"/>
@@ -23437,7 +23692,7 @@
           <a:p>
             <a:fld id="{DB0B2F36-CFDA-4EEF-BC45-DB620249CF2E}" type="datetime1">
               <a:rPr lang="en-US" smtClean="0"/>
-              <a:t>4/19/2017</a:t>
+              <a:t>4/20/2017</a:t>
             </a:fld>
             <a:endParaRPr lang="en-US" dirty="0"/>
           </a:p>
@@ -23554,8 +23809,8 @@
           </a:p>
         </p:txBody>
       </p:sp>
-      <mc:AlternateContent xmlns:mc="http://schemas.openxmlformats.org/markup-compatibility/2006" xmlns:a14="http://schemas.microsoft.com/office/drawing/2010/main">
-        <mc:Choice Requires="a14">
+      <mc:AlternateContent xmlns:mc="http://schemas.openxmlformats.org/markup-compatibility/2006">
+        <mc:Choice xmlns:a14="http://schemas.microsoft.com/office/drawing/2010/main" Requires="a14">
           <p:sp>
             <p:nvSpPr>
               <p:cNvPr id="3" name="Content Placeholder 2"/>
@@ -23571,207 +23826,510 @@
               <a:bodyPr/>
               <a:lstStyle/>
               <a:p>
+                <a:r>
+                  <a:rPr lang="en-US" dirty="0" smtClean="0"/>
+                  <a:t>Discounted rewards</a:t>
+                </a:r>
+                <a:endParaRPr lang="en-US" b="0" i="1" dirty="0" smtClean="0">
+                  <a:latin typeface="Cambria Math" panose="02040503050406030204" pitchFamily="18" charset="0"/>
+                </a:endParaRPr>
+              </a:p>
+              <a:p>
+                <a:pPr marL="0" indent="0">
+                  <a:buNone/>
+                </a:pPr>
                 <a14:m>
-                  <m:oMath xmlns:m="http://schemas.openxmlformats.org/officeDocument/2006/math">
-                    <m:r>
-                      <a:rPr lang="en-US" i="1">
-                        <a:latin typeface="Cambria Math" panose="02040503050406030204" pitchFamily="18" charset="0"/>
-                      </a:rPr>
-                      <m:t>𝑉</m:t>
-                    </m:r>
-                    <m:d>
-                      <m:dPr>
-                        <m:ctrlPr>
-                          <a:rPr lang="en-US" i="1">
-                            <a:latin typeface="Cambria Math" panose="02040503050406030204" pitchFamily="18" charset="0"/>
-                          </a:rPr>
-                        </m:ctrlPr>
-                      </m:dPr>
-                      <m:e>
-                        <m:sSub>
-                          <m:sSubPr>
-                            <m:ctrlPr>
-                              <a:rPr lang="en-US" i="1">
-                                <a:latin typeface="Cambria Math" panose="02040503050406030204" pitchFamily="18" charset="0"/>
-                              </a:rPr>
-                            </m:ctrlPr>
-                          </m:sSubPr>
-                          <m:e>
-                            <m:r>
-                              <a:rPr lang="en-US" i="1">
-                                <a:latin typeface="Cambria Math" panose="02040503050406030204" pitchFamily="18" charset="0"/>
-                              </a:rPr>
-                              <m:t>𝑆</m:t>
-                            </m:r>
-                          </m:e>
-                          <m:sub>
-                            <m:r>
-                              <a:rPr lang="en-US" i="1">
-                                <a:latin typeface="Cambria Math" panose="02040503050406030204" pitchFamily="18" charset="0"/>
-                              </a:rPr>
-                              <m:t>𝑡</m:t>
-                            </m:r>
-                          </m:sub>
-                        </m:sSub>
-                      </m:e>
-                    </m:d>
-                    <m:r>
-                      <a:rPr lang="en-US" i="1">
-                        <a:latin typeface="Cambria Math" panose="02040503050406030204" pitchFamily="18" charset="0"/>
-                        <a:ea typeface="Cambria Math" panose="02040503050406030204" pitchFamily="18" charset="0"/>
-                      </a:rPr>
-                      <m:t>←</m:t>
-                    </m:r>
-                    <m:r>
-                      <a:rPr lang="en-US" i="1">
-                        <a:latin typeface="Cambria Math" panose="02040503050406030204" pitchFamily="18" charset="0"/>
-                        <a:ea typeface="Cambria Math" panose="02040503050406030204" pitchFamily="18" charset="0"/>
-                      </a:rPr>
-                      <m:t>𝑉</m:t>
-                    </m:r>
-                    <m:d>
-                      <m:dPr>
-                        <m:ctrlPr>
-                          <a:rPr lang="en-US" i="1">
-                            <a:latin typeface="Cambria Math" panose="02040503050406030204" pitchFamily="18" charset="0"/>
-                            <a:ea typeface="Cambria Math" panose="02040503050406030204" pitchFamily="18" charset="0"/>
-                          </a:rPr>
-                        </m:ctrlPr>
-                      </m:dPr>
-                      <m:e>
-                        <m:sSub>
-                          <m:sSubPr>
-                            <m:ctrlPr>
-                              <a:rPr lang="en-US" i="1">
-                                <a:latin typeface="Cambria Math" panose="02040503050406030204" pitchFamily="18" charset="0"/>
-                              </a:rPr>
-                            </m:ctrlPr>
-                          </m:sSubPr>
-                          <m:e>
-                            <m:r>
-                              <a:rPr lang="en-US" i="1">
-                                <a:latin typeface="Cambria Math" panose="02040503050406030204" pitchFamily="18" charset="0"/>
-                              </a:rPr>
-                              <m:t>𝑆</m:t>
-                            </m:r>
-                          </m:e>
-                          <m:sub>
-                            <m:r>
-                              <a:rPr lang="en-US" i="1">
-                                <a:latin typeface="Cambria Math" panose="02040503050406030204" pitchFamily="18" charset="0"/>
-                              </a:rPr>
-                              <m:t>𝑡</m:t>
-                            </m:r>
-                          </m:sub>
-                        </m:sSub>
-                      </m:e>
-                    </m:d>
-                    <m:r>
-                      <a:rPr lang="en-US" i="1">
-                        <a:latin typeface="Cambria Math" panose="02040503050406030204" pitchFamily="18" charset="0"/>
-                      </a:rPr>
-                      <m:t>+</m:t>
-                    </m:r>
-                    <m:r>
-                      <a:rPr lang="en-US" i="1">
-                        <a:latin typeface="Cambria Math" panose="02040503050406030204" pitchFamily="18" charset="0"/>
-                      </a:rPr>
-                      <m:t>𝛼</m:t>
-                    </m:r>
-                    <m:d>
-                      <m:dPr>
-                        <m:begChr m:val="["/>
-                        <m:endChr m:val="]"/>
-                        <m:ctrlPr>
-                          <a:rPr lang="en-US" i="1">
-                            <a:latin typeface="Cambria Math" panose="02040503050406030204" pitchFamily="18" charset="0"/>
-                          </a:rPr>
-                        </m:ctrlPr>
-                      </m:dPr>
-                      <m:e>
-                        <m:sSub>
-                          <m:sSubPr>
-                            <m:ctrlPr>
-                              <a:rPr lang="en-US" i="1">
-                                <a:latin typeface="Cambria Math" panose="02040503050406030204" pitchFamily="18" charset="0"/>
-                              </a:rPr>
-                            </m:ctrlPr>
-                          </m:sSubPr>
-                          <m:e>
-                            <m:r>
-                              <a:rPr lang="en-US" i="1">
-                                <a:latin typeface="Cambria Math" panose="02040503050406030204" pitchFamily="18" charset="0"/>
-                              </a:rPr>
-                              <m:t>𝐺</m:t>
-                            </m:r>
-                          </m:e>
-                          <m:sub>
-                            <m:r>
-                              <a:rPr lang="en-US" i="1">
-                                <a:latin typeface="Cambria Math" panose="02040503050406030204" pitchFamily="18" charset="0"/>
-                              </a:rPr>
-                              <m:t>𝑡</m:t>
-                            </m:r>
-                          </m:sub>
-                        </m:sSub>
-                        <m:r>
-                          <a:rPr lang="en-US" i="1">
-                            <a:latin typeface="Cambria Math" panose="02040503050406030204" pitchFamily="18" charset="0"/>
-                          </a:rPr>
-                          <m:t>−</m:t>
-                        </m:r>
-                        <m:r>
-                          <a:rPr lang="en-US" i="1">
-                            <a:latin typeface="Cambria Math" panose="02040503050406030204" pitchFamily="18" charset="0"/>
-                          </a:rPr>
-                          <m:t>𝑉</m:t>
-                        </m:r>
-                        <m:d>
-                          <m:dPr>
-                            <m:ctrlPr>
-                              <a:rPr lang="en-US" i="1">
-                                <a:latin typeface="Cambria Math" panose="02040503050406030204" pitchFamily="18" charset="0"/>
-                              </a:rPr>
-                            </m:ctrlPr>
-                          </m:dPr>
-                          <m:e>
-                            <m:sSub>
-                              <m:sSubPr>
-                                <m:ctrlPr>
-                                  <a:rPr lang="en-US" i="1">
-                                    <a:latin typeface="Cambria Math" panose="02040503050406030204" pitchFamily="18" charset="0"/>
-                                  </a:rPr>
-                                </m:ctrlPr>
-                              </m:sSubPr>
-                              <m:e>
-                                <m:r>
-                                  <a:rPr lang="en-US" i="1">
-                                    <a:latin typeface="Cambria Math" panose="02040503050406030204" pitchFamily="18" charset="0"/>
-                                  </a:rPr>
-                                  <m:t>𝑆</m:t>
-                                </m:r>
-                              </m:e>
-                              <m:sub>
-                                <m:r>
-                                  <a:rPr lang="en-US" i="1">
-                                    <a:latin typeface="Cambria Math" panose="02040503050406030204" pitchFamily="18" charset="0"/>
-                                  </a:rPr>
-                                  <m:t>𝑡</m:t>
-                                </m:r>
-                              </m:sub>
-                            </m:sSub>
-                          </m:e>
-                        </m:d>
-                      </m:e>
-                    </m:d>
-                  </m:oMath>
+                  <m:oMathPara xmlns:m="http://schemas.openxmlformats.org/officeDocument/2006/math">
+                    <m:oMathParaPr>
+                      <m:jc m:val="centerGroup"/>
+                    </m:oMathParaPr>
+                    <m:oMath xmlns:m="http://schemas.openxmlformats.org/officeDocument/2006/math">
+                      <m:sSub>
+                        <m:sSubPr>
+                          <m:ctrlPr>
+                            <a:rPr lang="en-US" b="0" i="1" smtClean="0">
+                              <a:latin typeface="Cambria Math" panose="02040503050406030204" pitchFamily="18" charset="0"/>
+                            </a:rPr>
+                          </m:ctrlPr>
+                        </m:sSubPr>
+                        <m:e>
+                          <m:r>
+                            <a:rPr lang="en-US" b="0" i="1" smtClean="0">
+                              <a:latin typeface="Cambria Math" panose="02040503050406030204" pitchFamily="18" charset="0"/>
+                            </a:rPr>
+                            <m:t>𝐺</m:t>
+                          </m:r>
+                        </m:e>
+                        <m:sub>
+                          <m:r>
+                            <a:rPr lang="en-US" b="0" i="1" smtClean="0">
+                              <a:latin typeface="Cambria Math" panose="02040503050406030204" pitchFamily="18" charset="0"/>
+                            </a:rPr>
+                            <m:t>𝑡</m:t>
+                          </m:r>
+                        </m:sub>
+                      </m:sSub>
+                      <m:acc>
+                        <m:accPr>
+                          <m:chr m:val="̇"/>
+                          <m:ctrlPr>
+                            <a:rPr lang="en-US" b="0" i="1" smtClean="0">
+                              <a:latin typeface="Cambria Math" panose="02040503050406030204" pitchFamily="18" charset="0"/>
+                            </a:rPr>
+                          </m:ctrlPr>
+                        </m:accPr>
+                        <m:e>
+                          <m:r>
+                            <a:rPr lang="en-US" b="0" i="1" smtClean="0">
+                              <a:latin typeface="Cambria Math" panose="02040503050406030204" pitchFamily="18" charset="0"/>
+                            </a:rPr>
+                            <m:t>=</m:t>
+                          </m:r>
+                        </m:e>
+                      </m:acc>
+                      <m:sSub>
+                        <m:sSubPr>
+                          <m:ctrlPr>
+                            <a:rPr lang="en-US" b="0" i="1" smtClean="0">
+                              <a:latin typeface="Cambria Math" panose="02040503050406030204" pitchFamily="18" charset="0"/>
+                            </a:rPr>
+                          </m:ctrlPr>
+                        </m:sSubPr>
+                        <m:e>
+                          <m:r>
+                            <a:rPr lang="en-US" b="0" i="1" smtClean="0">
+                              <a:latin typeface="Cambria Math" panose="02040503050406030204" pitchFamily="18" charset="0"/>
+                            </a:rPr>
+                            <m:t>𝑅</m:t>
+                          </m:r>
+                        </m:e>
+                        <m:sub>
+                          <m:r>
+                            <a:rPr lang="en-US" b="0" i="1" smtClean="0">
+                              <a:latin typeface="Cambria Math" panose="02040503050406030204" pitchFamily="18" charset="0"/>
+                            </a:rPr>
+                            <m:t>𝑡</m:t>
+                          </m:r>
+                          <m:r>
+                            <a:rPr lang="en-US" b="0" i="1" smtClean="0">
+                              <a:latin typeface="Cambria Math" panose="02040503050406030204" pitchFamily="18" charset="0"/>
+                            </a:rPr>
+                            <m:t>+1</m:t>
+                          </m:r>
+                        </m:sub>
+                      </m:sSub>
+                      <m:r>
+                        <a:rPr lang="en-US" b="0" i="1" smtClean="0">
+                          <a:latin typeface="Cambria Math" panose="02040503050406030204" pitchFamily="18" charset="0"/>
+                        </a:rPr>
+                        <m:t>+</m:t>
+                      </m:r>
+                      <m:sSub>
+                        <m:sSubPr>
+                          <m:ctrlPr>
+                            <a:rPr lang="en-US" i="1">
+                              <a:latin typeface="Cambria Math" panose="02040503050406030204" pitchFamily="18" charset="0"/>
+                            </a:rPr>
+                          </m:ctrlPr>
+                        </m:sSubPr>
+                        <m:e>
+                          <m:r>
+                            <a:rPr lang="en-US" i="1">
+                              <a:latin typeface="Cambria Math" panose="02040503050406030204" pitchFamily="18" charset="0"/>
+                            </a:rPr>
+                            <m:t>𝑅</m:t>
+                          </m:r>
+                        </m:e>
+                        <m:sub>
+                          <m:r>
+                            <a:rPr lang="en-US" i="1">
+                              <a:latin typeface="Cambria Math" panose="02040503050406030204" pitchFamily="18" charset="0"/>
+                            </a:rPr>
+                            <m:t>𝑡</m:t>
+                          </m:r>
+                          <m:r>
+                            <a:rPr lang="en-US" i="1">
+                              <a:latin typeface="Cambria Math" panose="02040503050406030204" pitchFamily="18" charset="0"/>
+                            </a:rPr>
+                            <m:t>+2</m:t>
+                          </m:r>
+                        </m:sub>
+                      </m:sSub>
+                      <m:r>
+                        <a:rPr lang="en-US" b="0" i="1" smtClean="0">
+                          <a:latin typeface="Cambria Math" panose="02040503050406030204" pitchFamily="18" charset="0"/>
+                        </a:rPr>
+                        <m:t>+</m:t>
+                      </m:r>
+                      <m:sSub>
+                        <m:sSubPr>
+                          <m:ctrlPr>
+                            <a:rPr lang="en-US" i="1">
+                              <a:latin typeface="Cambria Math" panose="02040503050406030204" pitchFamily="18" charset="0"/>
+                            </a:rPr>
+                          </m:ctrlPr>
+                        </m:sSubPr>
+                        <m:e>
+                          <m:r>
+                            <a:rPr lang="en-US" i="1">
+                              <a:latin typeface="Cambria Math" panose="02040503050406030204" pitchFamily="18" charset="0"/>
+                            </a:rPr>
+                            <m:t>𝑅</m:t>
+                          </m:r>
+                        </m:e>
+                        <m:sub>
+                          <m:r>
+                            <a:rPr lang="en-US" i="1">
+                              <a:latin typeface="Cambria Math" panose="02040503050406030204" pitchFamily="18" charset="0"/>
+                            </a:rPr>
+                            <m:t>𝑡</m:t>
+                          </m:r>
+                          <m:r>
+                            <a:rPr lang="en-US" i="1">
+                              <a:latin typeface="Cambria Math" panose="02040503050406030204" pitchFamily="18" charset="0"/>
+                            </a:rPr>
+                            <m:t>+3</m:t>
+                          </m:r>
+                        </m:sub>
+                      </m:sSub>
+                      <m:r>
+                        <a:rPr lang="en-US" b="0" i="1" smtClean="0">
+                          <a:latin typeface="Cambria Math" panose="02040503050406030204" pitchFamily="18" charset="0"/>
+                        </a:rPr>
+                        <m:t>+…=</m:t>
+                      </m:r>
+                      <m:nary>
+                        <m:naryPr>
+                          <m:chr m:val="∑"/>
+                          <m:ctrlPr>
+                            <a:rPr lang="en-US" b="0" i="1" smtClean="0">
+                              <a:latin typeface="Cambria Math" panose="02040503050406030204" pitchFamily="18" charset="0"/>
+                            </a:rPr>
+                          </m:ctrlPr>
+                        </m:naryPr>
+                        <m:sub>
+                          <m:r>
+                            <m:rPr>
+                              <m:brk m:alnAt="23"/>
+                            </m:rPr>
+                            <a:rPr lang="en-US" b="0" i="1" smtClean="0">
+                              <a:latin typeface="Cambria Math" panose="02040503050406030204" pitchFamily="18" charset="0"/>
+                            </a:rPr>
+                            <m:t>𝑘</m:t>
+                          </m:r>
+                          <m:r>
+                            <a:rPr lang="en-US" b="0" i="1" smtClean="0">
+                              <a:latin typeface="Cambria Math" panose="02040503050406030204" pitchFamily="18" charset="0"/>
+                            </a:rPr>
+                            <m:t>=0</m:t>
+                          </m:r>
+                        </m:sub>
+                        <m:sup>
+                          <m:r>
+                            <a:rPr lang="en-US" b="0" i="1" smtClean="0">
+                              <a:latin typeface="Cambria Math" panose="02040503050406030204" pitchFamily="18" charset="0"/>
+                              <a:ea typeface="Cambria Math" panose="02040503050406030204" pitchFamily="18" charset="0"/>
+                            </a:rPr>
+                            <m:t>∞</m:t>
+                          </m:r>
+                        </m:sup>
+                        <m:e>
+                          <m:sSup>
+                            <m:sSupPr>
+                              <m:ctrlPr>
+                                <a:rPr lang="en-US" b="0" i="1" smtClean="0">
+                                  <a:latin typeface="Cambria Math" panose="02040503050406030204" pitchFamily="18" charset="0"/>
+                                </a:rPr>
+                              </m:ctrlPr>
+                            </m:sSupPr>
+                            <m:e>
+                              <m:r>
+                                <a:rPr lang="en-US" b="0" i="1" smtClean="0">
+                                  <a:latin typeface="Cambria Math" panose="02040503050406030204" pitchFamily="18" charset="0"/>
+                                </a:rPr>
+                                <m:t>𝛾</m:t>
+                              </m:r>
+                            </m:e>
+                            <m:sup>
+                              <m:r>
+                                <a:rPr lang="en-US" b="0" i="1" smtClean="0">
+                                  <a:latin typeface="Cambria Math" panose="02040503050406030204" pitchFamily="18" charset="0"/>
+                                </a:rPr>
+                                <m:t>𝑘</m:t>
+                              </m:r>
+                            </m:sup>
+                          </m:sSup>
+                          <m:sSub>
+                            <m:sSubPr>
+                              <m:ctrlPr>
+                                <a:rPr lang="en-US" b="0" i="1" smtClean="0">
+                                  <a:latin typeface="Cambria Math" panose="02040503050406030204" pitchFamily="18" charset="0"/>
+                                </a:rPr>
+                              </m:ctrlPr>
+                            </m:sSubPr>
+                            <m:e>
+                              <m:r>
+                                <a:rPr lang="en-US" b="0" i="1" smtClean="0">
+                                  <a:latin typeface="Cambria Math" panose="02040503050406030204" pitchFamily="18" charset="0"/>
+                                </a:rPr>
+                                <m:t>𝑅</m:t>
+                              </m:r>
+                            </m:e>
+                            <m:sub>
+                              <m:r>
+                                <a:rPr lang="en-US" b="0" i="1" smtClean="0">
+                                  <a:latin typeface="Cambria Math" panose="02040503050406030204" pitchFamily="18" charset="0"/>
+                                </a:rPr>
+                                <m:t>𝑡</m:t>
+                              </m:r>
+                              <m:r>
+                                <a:rPr lang="en-US" b="0" i="1" smtClean="0">
+                                  <a:latin typeface="Cambria Math" panose="02040503050406030204" pitchFamily="18" charset="0"/>
+                                </a:rPr>
+                                <m:t>+</m:t>
+                              </m:r>
+                              <m:r>
+                                <a:rPr lang="en-US" b="0" i="1" smtClean="0">
+                                  <a:latin typeface="Cambria Math" panose="02040503050406030204" pitchFamily="18" charset="0"/>
+                                </a:rPr>
+                                <m:t>𝑘</m:t>
+                              </m:r>
+                              <m:r>
+                                <a:rPr lang="en-US" b="0" i="1" smtClean="0">
+                                  <a:latin typeface="Cambria Math" panose="02040503050406030204" pitchFamily="18" charset="0"/>
+                                </a:rPr>
+                                <m:t>+1</m:t>
+                              </m:r>
+                            </m:sub>
+                          </m:sSub>
+                        </m:e>
+                      </m:nary>
+                    </m:oMath>
+                  </m:oMathPara>
+                </a14:m>
+                <a:endParaRPr lang="en-US" b="0" i="1" dirty="0" smtClean="0">
+                  <a:latin typeface="Cambria Math" panose="02040503050406030204" pitchFamily="18" charset="0"/>
+                </a:endParaRPr>
+              </a:p>
+              <a:p>
+                <a:r>
+                  <a:rPr lang="en-US" dirty="0"/>
+                  <a:t>Update</a:t>
+                </a:r>
+                <a:endParaRPr lang="en-US" i="1" dirty="0" smtClean="0">
+                  <a:latin typeface="Cambria Math" panose="02040503050406030204" pitchFamily="18" charset="0"/>
+                </a:endParaRPr>
+              </a:p>
+              <a:p>
+                <a:pPr marL="0" indent="0">
+                  <a:buNone/>
+                </a:pPr>
+                <a14:m>
+                  <m:oMathPara xmlns:m="http://schemas.openxmlformats.org/officeDocument/2006/math">
+                    <m:oMathParaPr>
+                      <m:jc m:val="centerGroup"/>
+                    </m:oMathParaPr>
+                    <m:oMath xmlns:m="http://schemas.openxmlformats.org/officeDocument/2006/math">
+                      <m:r>
+                        <a:rPr lang="en-US" i="1">
+                          <a:latin typeface="Cambria Math" panose="02040503050406030204" pitchFamily="18" charset="0"/>
+                        </a:rPr>
+                        <m:t>𝑉</m:t>
+                      </m:r>
+                      <m:d>
+                        <m:dPr>
+                          <m:ctrlPr>
+                            <a:rPr lang="en-US" i="1">
+                              <a:latin typeface="Cambria Math" panose="02040503050406030204" pitchFamily="18" charset="0"/>
+                            </a:rPr>
+                          </m:ctrlPr>
+                        </m:dPr>
+                        <m:e>
+                          <m:sSub>
+                            <m:sSubPr>
+                              <m:ctrlPr>
+                                <a:rPr lang="en-US" i="1">
+                                  <a:latin typeface="Cambria Math" panose="02040503050406030204" pitchFamily="18" charset="0"/>
+                                </a:rPr>
+                              </m:ctrlPr>
+                            </m:sSubPr>
+                            <m:e>
+                              <m:r>
+                                <a:rPr lang="en-US" i="1">
+                                  <a:latin typeface="Cambria Math" panose="02040503050406030204" pitchFamily="18" charset="0"/>
+                                </a:rPr>
+                                <m:t>𝑆</m:t>
+                              </m:r>
+                            </m:e>
+                            <m:sub>
+                              <m:r>
+                                <a:rPr lang="en-US" i="1">
+                                  <a:latin typeface="Cambria Math" panose="02040503050406030204" pitchFamily="18" charset="0"/>
+                                </a:rPr>
+                                <m:t>𝑡</m:t>
+                              </m:r>
+                            </m:sub>
+                          </m:sSub>
+                        </m:e>
+                      </m:d>
+                      <m:r>
+                        <a:rPr lang="en-US" i="1">
+                          <a:latin typeface="Cambria Math" panose="02040503050406030204" pitchFamily="18" charset="0"/>
+                          <a:ea typeface="Cambria Math" panose="02040503050406030204" pitchFamily="18" charset="0"/>
+                        </a:rPr>
+                        <m:t>←</m:t>
+                      </m:r>
+                      <m:r>
+                        <a:rPr lang="en-US" i="1">
+                          <a:latin typeface="Cambria Math" panose="02040503050406030204" pitchFamily="18" charset="0"/>
+                          <a:ea typeface="Cambria Math" panose="02040503050406030204" pitchFamily="18" charset="0"/>
+                        </a:rPr>
+                        <m:t>𝑉</m:t>
+                      </m:r>
+                      <m:d>
+                        <m:dPr>
+                          <m:ctrlPr>
+                            <a:rPr lang="en-US" i="1">
+                              <a:latin typeface="Cambria Math" panose="02040503050406030204" pitchFamily="18" charset="0"/>
+                              <a:ea typeface="Cambria Math" panose="02040503050406030204" pitchFamily="18" charset="0"/>
+                            </a:rPr>
+                          </m:ctrlPr>
+                        </m:dPr>
+                        <m:e>
+                          <m:sSub>
+                            <m:sSubPr>
+                              <m:ctrlPr>
+                                <a:rPr lang="en-US" i="1">
+                                  <a:latin typeface="Cambria Math" panose="02040503050406030204" pitchFamily="18" charset="0"/>
+                                </a:rPr>
+                              </m:ctrlPr>
+                            </m:sSubPr>
+                            <m:e>
+                              <m:r>
+                                <a:rPr lang="en-US" i="1">
+                                  <a:latin typeface="Cambria Math" panose="02040503050406030204" pitchFamily="18" charset="0"/>
+                                </a:rPr>
+                                <m:t>𝑆</m:t>
+                              </m:r>
+                            </m:e>
+                            <m:sub>
+                              <m:r>
+                                <a:rPr lang="en-US" i="1">
+                                  <a:latin typeface="Cambria Math" panose="02040503050406030204" pitchFamily="18" charset="0"/>
+                                </a:rPr>
+                                <m:t>𝑡</m:t>
+                              </m:r>
+                            </m:sub>
+                          </m:sSub>
+                        </m:e>
+                      </m:d>
+                      <m:r>
+                        <a:rPr lang="en-US" i="1">
+                          <a:latin typeface="Cambria Math" panose="02040503050406030204" pitchFamily="18" charset="0"/>
+                        </a:rPr>
+                        <m:t>+</m:t>
+                      </m:r>
+                      <m:r>
+                        <a:rPr lang="en-US" i="1">
+                          <a:latin typeface="Cambria Math" panose="02040503050406030204" pitchFamily="18" charset="0"/>
+                        </a:rPr>
+                        <m:t>𝛼</m:t>
+                      </m:r>
+                      <m:d>
+                        <m:dPr>
+                          <m:begChr m:val="["/>
+                          <m:endChr m:val="]"/>
+                          <m:ctrlPr>
+                            <a:rPr lang="en-US" i="1">
+                              <a:latin typeface="Cambria Math" panose="02040503050406030204" pitchFamily="18" charset="0"/>
+                            </a:rPr>
+                          </m:ctrlPr>
+                        </m:dPr>
+                        <m:e>
+                          <m:sSub>
+                            <m:sSubPr>
+                              <m:ctrlPr>
+                                <a:rPr lang="en-US" i="1">
+                                  <a:latin typeface="Cambria Math" panose="02040503050406030204" pitchFamily="18" charset="0"/>
+                                </a:rPr>
+                              </m:ctrlPr>
+                            </m:sSubPr>
+                            <m:e>
+                              <m:r>
+                                <a:rPr lang="en-US" i="1">
+                                  <a:latin typeface="Cambria Math" panose="02040503050406030204" pitchFamily="18" charset="0"/>
+                                </a:rPr>
+                                <m:t>𝐺</m:t>
+                              </m:r>
+                            </m:e>
+                            <m:sub>
+                              <m:r>
+                                <a:rPr lang="en-US" i="1">
+                                  <a:latin typeface="Cambria Math" panose="02040503050406030204" pitchFamily="18" charset="0"/>
+                                </a:rPr>
+                                <m:t>𝑡</m:t>
+                              </m:r>
+                            </m:sub>
+                          </m:sSub>
+                          <m:r>
+                            <a:rPr lang="en-US" i="1">
+                              <a:latin typeface="Cambria Math" panose="02040503050406030204" pitchFamily="18" charset="0"/>
+                            </a:rPr>
+                            <m:t>−</m:t>
+                          </m:r>
+                          <m:r>
+                            <a:rPr lang="en-US" i="1">
+                              <a:latin typeface="Cambria Math" panose="02040503050406030204" pitchFamily="18" charset="0"/>
+                            </a:rPr>
+                            <m:t>𝑉</m:t>
+                          </m:r>
+                          <m:d>
+                            <m:dPr>
+                              <m:ctrlPr>
+                                <a:rPr lang="en-US" i="1">
+                                  <a:latin typeface="Cambria Math" panose="02040503050406030204" pitchFamily="18" charset="0"/>
+                                </a:rPr>
+                              </m:ctrlPr>
+                            </m:dPr>
+                            <m:e>
+                              <m:sSub>
+                                <m:sSubPr>
+                                  <m:ctrlPr>
+                                    <a:rPr lang="en-US" i="1">
+                                      <a:latin typeface="Cambria Math" panose="02040503050406030204" pitchFamily="18" charset="0"/>
+                                    </a:rPr>
+                                  </m:ctrlPr>
+                                </m:sSubPr>
+                                <m:e>
+                                  <m:r>
+                                    <a:rPr lang="en-US" i="1">
+                                      <a:latin typeface="Cambria Math" panose="02040503050406030204" pitchFamily="18" charset="0"/>
+                                    </a:rPr>
+                                    <m:t>𝑆</m:t>
+                                  </m:r>
+                                </m:e>
+                                <m:sub>
+                                  <m:r>
+                                    <a:rPr lang="en-US" i="1">
+                                      <a:latin typeface="Cambria Math" panose="02040503050406030204" pitchFamily="18" charset="0"/>
+                                    </a:rPr>
+                                    <m:t>𝑡</m:t>
+                                  </m:r>
+                                </m:sub>
+                              </m:sSub>
+                            </m:e>
+                          </m:d>
+                        </m:e>
+                      </m:d>
+                    </m:oMath>
+                  </m:oMathPara>
                 </a14:m>
                 <a:endParaRPr lang="en-US" dirty="0"/>
               </a:p>
             </p:txBody>
           </p:sp>
         </mc:Choice>
-        <mc:Fallback xmlns="">
+        <mc:Fallback>
           <p:sp>
             <p:nvSpPr>
               <p:cNvPr id="3" name="Content Placeholder 2"/>
@@ -23786,7 +24344,7 @@
               <a:blipFill rotWithShape="0">
                 <a:blip r:embed="rId2"/>
                 <a:stretch>
-                  <a:fillRect l="-2433" t="-1413"/>
+                  <a:fillRect l="-2433" t="-1727"/>
                 </a:stretch>
               </a:blipFill>
             </p:spPr>
@@ -23847,7 +24405,7 @@
           <a:p>
             <a:fld id="{DB0B2F36-CFDA-4EEF-BC45-DB620249CF2E}" type="datetime1">
               <a:rPr lang="en-US" smtClean="0"/>
-              <a:t>4/19/2017</a:t>
+              <a:t>4/20/2017</a:t>
             </a:fld>
             <a:endParaRPr lang="en-US" dirty="0"/>
           </a:p>
@@ -24019,8 +24577,8 @@
           </a:p>
         </p:txBody>
       </p:sp>
-      <mc:AlternateContent xmlns:mc="http://schemas.openxmlformats.org/markup-compatibility/2006" xmlns:a14="http://schemas.microsoft.com/office/drawing/2010/main">
-        <mc:Choice Requires="a14">
+      <mc:AlternateContent xmlns:mc="http://schemas.openxmlformats.org/markup-compatibility/2006">
+        <mc:Choice xmlns:a14="http://schemas.microsoft.com/office/drawing/2010/main" Requires="a14">
           <p:sp>
             <p:nvSpPr>
               <p:cNvPr id="3" name="Content Placeholder 2"/>
@@ -24036,278 +24594,289 @@
               <a:bodyPr/>
               <a:lstStyle/>
               <a:p>
-                <a14:m>
-                  <m:oMath xmlns:m="http://schemas.openxmlformats.org/officeDocument/2006/math">
-                    <m:r>
-                      <a:rPr lang="en-US" i="1">
-                        <a:latin typeface="Cambria Math" panose="02040503050406030204" pitchFamily="18" charset="0"/>
-                      </a:rPr>
-                      <m:t>𝑉</m:t>
-                    </m:r>
-                    <m:d>
-                      <m:dPr>
-                        <m:ctrlPr>
-                          <a:rPr lang="en-US" i="1">
-                            <a:latin typeface="Cambria Math" panose="02040503050406030204" pitchFamily="18" charset="0"/>
-                          </a:rPr>
-                        </m:ctrlPr>
-                      </m:dPr>
-                      <m:e>
-                        <m:sSub>
-                          <m:sSubPr>
-                            <m:ctrlPr>
-                              <a:rPr lang="en-US" i="1">
-                                <a:latin typeface="Cambria Math" panose="02040503050406030204" pitchFamily="18" charset="0"/>
-                              </a:rPr>
-                            </m:ctrlPr>
-                          </m:sSubPr>
-                          <m:e>
-                            <m:r>
-                              <a:rPr lang="en-US" i="1">
-                                <a:latin typeface="Cambria Math" panose="02040503050406030204" pitchFamily="18" charset="0"/>
-                              </a:rPr>
-                              <m:t>𝑆</m:t>
-                            </m:r>
-                          </m:e>
-                          <m:sub>
-                            <m:r>
-                              <a:rPr lang="en-US" i="1">
-                                <a:latin typeface="Cambria Math" panose="02040503050406030204" pitchFamily="18" charset="0"/>
-                              </a:rPr>
-                              <m:t>𝑡</m:t>
-                            </m:r>
-                          </m:sub>
-                        </m:sSub>
-                      </m:e>
-                    </m:d>
-                    <m:r>
-                      <a:rPr lang="en-US" i="1">
-                        <a:latin typeface="Cambria Math" panose="02040503050406030204" pitchFamily="18" charset="0"/>
-                        <a:ea typeface="Cambria Math" panose="02040503050406030204" pitchFamily="18" charset="0"/>
-                      </a:rPr>
-                      <m:t>←</m:t>
-                    </m:r>
-                    <m:r>
-                      <a:rPr lang="en-US" i="1">
-                        <a:latin typeface="Cambria Math" panose="02040503050406030204" pitchFamily="18" charset="0"/>
-                        <a:ea typeface="Cambria Math" panose="02040503050406030204" pitchFamily="18" charset="0"/>
-                      </a:rPr>
-                      <m:t>𝑉</m:t>
-                    </m:r>
-                    <m:d>
-                      <m:dPr>
-                        <m:ctrlPr>
-                          <a:rPr lang="en-US" i="1">
-                            <a:latin typeface="Cambria Math" panose="02040503050406030204" pitchFamily="18" charset="0"/>
-                            <a:ea typeface="Cambria Math" panose="02040503050406030204" pitchFamily="18" charset="0"/>
-                          </a:rPr>
-                        </m:ctrlPr>
-                      </m:dPr>
-                      <m:e>
-                        <m:sSub>
-                          <m:sSubPr>
-                            <m:ctrlPr>
-                              <a:rPr lang="en-US" i="1">
-                                <a:latin typeface="Cambria Math" panose="02040503050406030204" pitchFamily="18" charset="0"/>
-                              </a:rPr>
-                            </m:ctrlPr>
-                          </m:sSubPr>
-                          <m:e>
-                            <m:r>
-                              <a:rPr lang="en-US" i="1">
-                                <a:latin typeface="Cambria Math" panose="02040503050406030204" pitchFamily="18" charset="0"/>
-                              </a:rPr>
-                              <m:t>𝑆</m:t>
-                            </m:r>
-                          </m:e>
-                          <m:sub>
-                            <m:r>
-                              <a:rPr lang="en-US" i="1">
-                                <a:latin typeface="Cambria Math" panose="02040503050406030204" pitchFamily="18" charset="0"/>
-                              </a:rPr>
-                              <m:t>𝑡</m:t>
-                            </m:r>
-                          </m:sub>
-                        </m:sSub>
-                      </m:e>
-                    </m:d>
-                    <m:r>
-                      <a:rPr lang="en-US" i="1">
-                        <a:latin typeface="Cambria Math" panose="02040503050406030204" pitchFamily="18" charset="0"/>
-                      </a:rPr>
-                      <m:t>+</m:t>
-                    </m:r>
-                    <m:r>
-                      <a:rPr lang="en-US" i="1">
-                        <a:latin typeface="Cambria Math" panose="02040503050406030204" pitchFamily="18" charset="0"/>
-                      </a:rPr>
-                      <m:t>𝛼</m:t>
-                    </m:r>
-                    <m:r>
-                      <a:rPr lang="en-US" i="1">
-                        <a:latin typeface="Cambria Math" panose="02040503050406030204" pitchFamily="18" charset="0"/>
-                      </a:rPr>
-                      <m:t>[</m:t>
-                    </m:r>
-                    <m:sSub>
-                      <m:sSubPr>
-                        <m:ctrlPr>
-                          <a:rPr lang="en-US" i="1">
-                            <a:latin typeface="Cambria Math" panose="02040503050406030204" pitchFamily="18" charset="0"/>
-                          </a:rPr>
-                        </m:ctrlPr>
-                      </m:sSubPr>
-                      <m:e>
-                        <m:r>
-                          <a:rPr lang="en-US" i="1">
-                            <a:latin typeface="Cambria Math" panose="02040503050406030204" pitchFamily="18" charset="0"/>
-                          </a:rPr>
-                          <m:t>𝑅</m:t>
-                        </m:r>
-                      </m:e>
-                      <m:sub>
-                        <m:r>
-                          <a:rPr lang="en-US" i="1">
-                            <a:latin typeface="Cambria Math" panose="02040503050406030204" pitchFamily="18" charset="0"/>
-                          </a:rPr>
-                          <m:t>𝑡</m:t>
-                        </m:r>
-                        <m:r>
-                          <a:rPr lang="en-US" i="1">
-                            <a:latin typeface="Cambria Math" panose="02040503050406030204" pitchFamily="18" charset="0"/>
-                          </a:rPr>
-                          <m:t>+1</m:t>
-                        </m:r>
-                      </m:sub>
-                    </m:sSub>
-                    <m:r>
-                      <a:rPr lang="en-US" i="1">
-                        <a:latin typeface="Cambria Math" panose="02040503050406030204" pitchFamily="18" charset="0"/>
-                      </a:rPr>
-                      <m:t>+</m:t>
-                    </m:r>
-                    <m:r>
-                      <a:rPr lang="en-US" i="1">
-                        <a:latin typeface="Cambria Math" panose="02040503050406030204" pitchFamily="18" charset="0"/>
-                      </a:rPr>
-                      <m:t>𝛾</m:t>
-                    </m:r>
-                    <m:r>
-                      <a:rPr lang="en-US" i="1">
-                        <a:latin typeface="Cambria Math" panose="02040503050406030204" pitchFamily="18" charset="0"/>
-                      </a:rPr>
-                      <m:t>𝑉</m:t>
-                    </m:r>
-                    <m:d>
-                      <m:dPr>
-                        <m:ctrlPr>
-                          <a:rPr lang="en-US" i="1">
-                            <a:latin typeface="Cambria Math" panose="02040503050406030204" pitchFamily="18" charset="0"/>
-                          </a:rPr>
-                        </m:ctrlPr>
-                      </m:dPr>
-                      <m:e>
-                        <m:sSub>
-                          <m:sSubPr>
-                            <m:ctrlPr>
-                              <a:rPr lang="en-US" i="1">
-                                <a:latin typeface="Cambria Math" panose="02040503050406030204" pitchFamily="18" charset="0"/>
-                              </a:rPr>
-                            </m:ctrlPr>
-                          </m:sSubPr>
-                          <m:e>
-                            <m:r>
-                              <a:rPr lang="en-US" i="1">
-                                <a:latin typeface="Cambria Math" panose="02040503050406030204" pitchFamily="18" charset="0"/>
-                              </a:rPr>
-                              <m:t>𝑆</m:t>
-                            </m:r>
-                          </m:e>
-                          <m:sub>
-                            <m:r>
-                              <a:rPr lang="en-US" i="1">
-                                <a:latin typeface="Cambria Math" panose="02040503050406030204" pitchFamily="18" charset="0"/>
-                              </a:rPr>
-                              <m:t>𝑡</m:t>
-                            </m:r>
-                            <m:r>
-                              <a:rPr lang="en-US" i="1">
-                                <a:latin typeface="Cambria Math" panose="02040503050406030204" pitchFamily="18" charset="0"/>
-                              </a:rPr>
-                              <m:t>+1</m:t>
-                            </m:r>
-                          </m:sub>
-                        </m:sSub>
-                      </m:e>
-                    </m:d>
-                    <m:r>
-                      <a:rPr lang="en-US" i="1">
-                        <a:latin typeface="Cambria Math" panose="02040503050406030204" pitchFamily="18" charset="0"/>
-                      </a:rPr>
-                      <m:t>−</m:t>
-                    </m:r>
-                    <m:r>
-                      <a:rPr lang="en-US" i="1">
-                        <a:latin typeface="Cambria Math" panose="02040503050406030204" pitchFamily="18" charset="0"/>
-                      </a:rPr>
-                      <m:t>𝑉</m:t>
-                    </m:r>
-                    <m:d>
-                      <m:dPr>
-                        <m:ctrlPr>
-                          <a:rPr lang="en-US" i="1">
-                            <a:latin typeface="Cambria Math" panose="02040503050406030204" pitchFamily="18" charset="0"/>
-                          </a:rPr>
-                        </m:ctrlPr>
-                      </m:dPr>
-                      <m:e>
-                        <m:sSub>
-                          <m:sSubPr>
-                            <m:ctrlPr>
-                              <a:rPr lang="en-US" i="1">
-                                <a:latin typeface="Cambria Math" panose="02040503050406030204" pitchFamily="18" charset="0"/>
-                              </a:rPr>
-                            </m:ctrlPr>
-                          </m:sSubPr>
-                          <m:e>
-                            <m:r>
-                              <a:rPr lang="en-US" i="1">
-                                <a:latin typeface="Cambria Math" panose="02040503050406030204" pitchFamily="18" charset="0"/>
-                              </a:rPr>
-                              <m:t>𝑆</m:t>
-                            </m:r>
-                          </m:e>
-                          <m:sub>
-                            <m:r>
-                              <a:rPr lang="en-US" i="1">
-                                <a:latin typeface="Cambria Math" panose="02040503050406030204" pitchFamily="18" charset="0"/>
-                              </a:rPr>
-                              <m:t>𝑡</m:t>
-                            </m:r>
-                          </m:sub>
-                        </m:sSub>
-                      </m:e>
-                    </m:d>
-                    <m:r>
-                      <a:rPr lang="en-US" i="1">
-                        <a:latin typeface="Cambria Math" panose="02040503050406030204" pitchFamily="18" charset="0"/>
-                      </a:rPr>
-                      <m:t>]</m:t>
-                    </m:r>
-                  </m:oMath>
-                </a14:m>
-                <a:endParaRPr lang="en-US" dirty="0"/>
+                <a:r>
+                  <a:rPr lang="en-US" dirty="0"/>
+                  <a:t>Update</a:t>
+                </a:r>
+                <a:endParaRPr lang="en-US" i="1" dirty="0" smtClean="0">
+                  <a:latin typeface="Cambria Math" panose="02040503050406030204" pitchFamily="18" charset="0"/>
+                </a:endParaRPr>
               </a:p>
               <a:p>
                 <a:pPr marL="0" indent="0">
                   <a:buNone/>
                 </a:pPr>
+                <a14:m>
+                  <m:oMathPara xmlns:m="http://schemas.openxmlformats.org/officeDocument/2006/math">
+                    <m:oMathParaPr>
+                      <m:jc m:val="centerGroup"/>
+                    </m:oMathParaPr>
+                    <m:oMath xmlns:m="http://schemas.openxmlformats.org/officeDocument/2006/math">
+                      <m:r>
+                        <a:rPr lang="en-US" i="1">
+                          <a:latin typeface="Cambria Math" panose="02040503050406030204" pitchFamily="18" charset="0"/>
+                        </a:rPr>
+                        <m:t>𝑉</m:t>
+                      </m:r>
+                      <m:d>
+                        <m:dPr>
+                          <m:ctrlPr>
+                            <a:rPr lang="en-US" i="1">
+                              <a:latin typeface="Cambria Math" panose="02040503050406030204" pitchFamily="18" charset="0"/>
+                            </a:rPr>
+                          </m:ctrlPr>
+                        </m:dPr>
+                        <m:e>
+                          <m:sSub>
+                            <m:sSubPr>
+                              <m:ctrlPr>
+                                <a:rPr lang="en-US" i="1">
+                                  <a:latin typeface="Cambria Math" panose="02040503050406030204" pitchFamily="18" charset="0"/>
+                                </a:rPr>
+                              </m:ctrlPr>
+                            </m:sSubPr>
+                            <m:e>
+                              <m:r>
+                                <a:rPr lang="en-US" i="1">
+                                  <a:latin typeface="Cambria Math" panose="02040503050406030204" pitchFamily="18" charset="0"/>
+                                </a:rPr>
+                                <m:t>𝑆</m:t>
+                              </m:r>
+                            </m:e>
+                            <m:sub>
+                              <m:r>
+                                <a:rPr lang="en-US" i="1">
+                                  <a:latin typeface="Cambria Math" panose="02040503050406030204" pitchFamily="18" charset="0"/>
+                                </a:rPr>
+                                <m:t>𝑡</m:t>
+                              </m:r>
+                            </m:sub>
+                          </m:sSub>
+                        </m:e>
+                      </m:d>
+                      <m:r>
+                        <a:rPr lang="en-US" i="1">
+                          <a:latin typeface="Cambria Math" panose="02040503050406030204" pitchFamily="18" charset="0"/>
+                          <a:ea typeface="Cambria Math" panose="02040503050406030204" pitchFamily="18" charset="0"/>
+                        </a:rPr>
+                        <m:t>←</m:t>
+                      </m:r>
+                      <m:r>
+                        <a:rPr lang="en-US" i="1">
+                          <a:latin typeface="Cambria Math" panose="02040503050406030204" pitchFamily="18" charset="0"/>
+                          <a:ea typeface="Cambria Math" panose="02040503050406030204" pitchFamily="18" charset="0"/>
+                        </a:rPr>
+                        <m:t>𝑉</m:t>
+                      </m:r>
+                      <m:d>
+                        <m:dPr>
+                          <m:ctrlPr>
+                            <a:rPr lang="en-US" i="1">
+                              <a:latin typeface="Cambria Math" panose="02040503050406030204" pitchFamily="18" charset="0"/>
+                              <a:ea typeface="Cambria Math" panose="02040503050406030204" pitchFamily="18" charset="0"/>
+                            </a:rPr>
+                          </m:ctrlPr>
+                        </m:dPr>
+                        <m:e>
+                          <m:sSub>
+                            <m:sSubPr>
+                              <m:ctrlPr>
+                                <a:rPr lang="en-US" i="1">
+                                  <a:latin typeface="Cambria Math" panose="02040503050406030204" pitchFamily="18" charset="0"/>
+                                </a:rPr>
+                              </m:ctrlPr>
+                            </m:sSubPr>
+                            <m:e>
+                              <m:r>
+                                <a:rPr lang="en-US" i="1">
+                                  <a:latin typeface="Cambria Math" panose="02040503050406030204" pitchFamily="18" charset="0"/>
+                                </a:rPr>
+                                <m:t>𝑆</m:t>
+                              </m:r>
+                            </m:e>
+                            <m:sub>
+                              <m:r>
+                                <a:rPr lang="en-US" i="1">
+                                  <a:latin typeface="Cambria Math" panose="02040503050406030204" pitchFamily="18" charset="0"/>
+                                </a:rPr>
+                                <m:t>𝑡</m:t>
+                              </m:r>
+                            </m:sub>
+                          </m:sSub>
+                        </m:e>
+                      </m:d>
+                      <m:r>
+                        <a:rPr lang="en-US" i="1">
+                          <a:latin typeface="Cambria Math" panose="02040503050406030204" pitchFamily="18" charset="0"/>
+                        </a:rPr>
+                        <m:t>+</m:t>
+                      </m:r>
+                      <m:r>
+                        <a:rPr lang="en-US" i="1">
+                          <a:latin typeface="Cambria Math" panose="02040503050406030204" pitchFamily="18" charset="0"/>
+                        </a:rPr>
+                        <m:t>𝛼</m:t>
+                      </m:r>
+                      <m:r>
+                        <a:rPr lang="en-US" i="1">
+                          <a:latin typeface="Cambria Math" panose="02040503050406030204" pitchFamily="18" charset="0"/>
+                        </a:rPr>
+                        <m:t>[</m:t>
+                      </m:r>
+                      <m:sSub>
+                        <m:sSubPr>
+                          <m:ctrlPr>
+                            <a:rPr lang="en-US" i="1">
+                              <a:latin typeface="Cambria Math" panose="02040503050406030204" pitchFamily="18" charset="0"/>
+                            </a:rPr>
+                          </m:ctrlPr>
+                        </m:sSubPr>
+                        <m:e>
+                          <m:r>
+                            <a:rPr lang="en-US" i="1">
+                              <a:latin typeface="Cambria Math" panose="02040503050406030204" pitchFamily="18" charset="0"/>
+                            </a:rPr>
+                            <m:t>𝑅</m:t>
+                          </m:r>
+                        </m:e>
+                        <m:sub>
+                          <m:r>
+                            <a:rPr lang="en-US" i="1">
+                              <a:latin typeface="Cambria Math" panose="02040503050406030204" pitchFamily="18" charset="0"/>
+                            </a:rPr>
+                            <m:t>𝑡</m:t>
+                          </m:r>
+                          <m:r>
+                            <a:rPr lang="en-US" i="1">
+                              <a:latin typeface="Cambria Math" panose="02040503050406030204" pitchFamily="18" charset="0"/>
+                            </a:rPr>
+                            <m:t>+1</m:t>
+                          </m:r>
+                        </m:sub>
+                      </m:sSub>
+                      <m:r>
+                        <a:rPr lang="en-US" i="1">
+                          <a:latin typeface="Cambria Math" panose="02040503050406030204" pitchFamily="18" charset="0"/>
+                        </a:rPr>
+                        <m:t>+</m:t>
+                      </m:r>
+                      <m:r>
+                        <a:rPr lang="en-US" i="1">
+                          <a:latin typeface="Cambria Math" panose="02040503050406030204" pitchFamily="18" charset="0"/>
+                        </a:rPr>
+                        <m:t>𝛾</m:t>
+                      </m:r>
+                      <m:r>
+                        <a:rPr lang="en-US" i="1">
+                          <a:latin typeface="Cambria Math" panose="02040503050406030204" pitchFamily="18" charset="0"/>
+                        </a:rPr>
+                        <m:t>𝑉</m:t>
+                      </m:r>
+                      <m:d>
+                        <m:dPr>
+                          <m:ctrlPr>
+                            <a:rPr lang="en-US" i="1">
+                              <a:latin typeface="Cambria Math" panose="02040503050406030204" pitchFamily="18" charset="0"/>
+                            </a:rPr>
+                          </m:ctrlPr>
+                        </m:dPr>
+                        <m:e>
+                          <m:sSub>
+                            <m:sSubPr>
+                              <m:ctrlPr>
+                                <a:rPr lang="en-US" i="1">
+                                  <a:latin typeface="Cambria Math" panose="02040503050406030204" pitchFamily="18" charset="0"/>
+                                </a:rPr>
+                              </m:ctrlPr>
+                            </m:sSubPr>
+                            <m:e>
+                              <m:r>
+                                <a:rPr lang="en-US" i="1">
+                                  <a:latin typeface="Cambria Math" panose="02040503050406030204" pitchFamily="18" charset="0"/>
+                                </a:rPr>
+                                <m:t>𝑆</m:t>
+                              </m:r>
+                            </m:e>
+                            <m:sub>
+                              <m:r>
+                                <a:rPr lang="en-US" i="1">
+                                  <a:latin typeface="Cambria Math" panose="02040503050406030204" pitchFamily="18" charset="0"/>
+                                </a:rPr>
+                                <m:t>𝑡</m:t>
+                              </m:r>
+                              <m:r>
+                                <a:rPr lang="en-US" i="1">
+                                  <a:latin typeface="Cambria Math" panose="02040503050406030204" pitchFamily="18" charset="0"/>
+                                </a:rPr>
+                                <m:t>+1</m:t>
+                              </m:r>
+                            </m:sub>
+                          </m:sSub>
+                        </m:e>
+                      </m:d>
+                      <m:r>
+                        <a:rPr lang="en-US" i="1">
+                          <a:latin typeface="Cambria Math" panose="02040503050406030204" pitchFamily="18" charset="0"/>
+                        </a:rPr>
+                        <m:t>−</m:t>
+                      </m:r>
+                      <m:r>
+                        <a:rPr lang="en-US" i="1">
+                          <a:latin typeface="Cambria Math" panose="02040503050406030204" pitchFamily="18" charset="0"/>
+                        </a:rPr>
+                        <m:t>𝑉</m:t>
+                      </m:r>
+                      <m:d>
+                        <m:dPr>
+                          <m:ctrlPr>
+                            <a:rPr lang="en-US" i="1">
+                              <a:latin typeface="Cambria Math" panose="02040503050406030204" pitchFamily="18" charset="0"/>
+                            </a:rPr>
+                          </m:ctrlPr>
+                        </m:dPr>
+                        <m:e>
+                          <m:sSub>
+                            <m:sSubPr>
+                              <m:ctrlPr>
+                                <a:rPr lang="en-US" i="1">
+                                  <a:latin typeface="Cambria Math" panose="02040503050406030204" pitchFamily="18" charset="0"/>
+                                </a:rPr>
+                              </m:ctrlPr>
+                            </m:sSubPr>
+                            <m:e>
+                              <m:r>
+                                <a:rPr lang="en-US" i="1">
+                                  <a:latin typeface="Cambria Math" panose="02040503050406030204" pitchFamily="18" charset="0"/>
+                                </a:rPr>
+                                <m:t>𝑆</m:t>
+                              </m:r>
+                            </m:e>
+                            <m:sub>
+                              <m:r>
+                                <a:rPr lang="en-US" i="1">
+                                  <a:latin typeface="Cambria Math" panose="02040503050406030204" pitchFamily="18" charset="0"/>
+                                </a:rPr>
+                                <m:t>𝑡</m:t>
+                              </m:r>
+                            </m:sub>
+                          </m:sSub>
+                        </m:e>
+                      </m:d>
+                      <m:r>
+                        <a:rPr lang="en-US" i="1">
+                          <a:latin typeface="Cambria Math" panose="02040503050406030204" pitchFamily="18" charset="0"/>
+                        </a:rPr>
+                        <m:t>]</m:t>
+                      </m:r>
+                    </m:oMath>
+                  </m:oMathPara>
+                </a14:m>
                 <a:endParaRPr lang="en-US" dirty="0"/>
               </a:p>
             </p:txBody>
           </p:sp>
         </mc:Choice>
-        <mc:Fallback xmlns="">
+        <mc:Fallback>
           <p:sp>
             <p:nvSpPr>
               <p:cNvPr id="3" name="Content Placeholder 2"/>
@@ -24322,7 +24891,7 @@
               <a:blipFill rotWithShape="0">
                 <a:blip r:embed="rId2"/>
                 <a:stretch>
-                  <a:fillRect l="-2433" t="-1413"/>
+                  <a:fillRect l="-2433" t="-1727"/>
                 </a:stretch>
               </a:blipFill>
             </p:spPr>
@@ -24358,7 +24927,7 @@
           <a:p>
             <a:fld id="{DB0B2F36-CFDA-4EEF-BC45-DB620249CF2E}" type="datetime1">
               <a:rPr lang="en-US" smtClean="0"/>
-              <a:t>4/19/2017</a:t>
+              <a:t>4/20/2017</a:t>
             </a:fld>
             <a:endParaRPr lang="en-US" dirty="0"/>
           </a:p>
@@ -24590,7 +25159,7 @@
           <a:p>
             <a:fld id="{DB0B2F36-CFDA-4EEF-BC45-DB620249CF2E}" type="datetime1">
               <a:rPr lang="en-US" smtClean="0"/>
-              <a:t>4/19/2017</a:t>
+              <a:t>4/20/2017</a:t>
             </a:fld>
             <a:endParaRPr lang="en-US" dirty="0"/>
           </a:p>
@@ -25157,7 +25726,7 @@
           <a:p>
             <a:fld id="{DB0B2F36-CFDA-4EEF-BC45-DB620249CF2E}" type="datetime1">
               <a:rPr lang="en-US" smtClean="0"/>
-              <a:t>4/19/2017</a:t>
+              <a:t>4/20/2017</a:t>
             </a:fld>
             <a:endParaRPr lang="en-US" dirty="0"/>
           </a:p>
@@ -25268,11 +25837,7 @@
           <a:p>
             <a:r>
               <a:rPr lang="en-US" dirty="0" smtClean="0"/>
-              <a:t>Optimization </a:t>
-            </a:r>
-            <a:r>
-              <a:rPr lang="en-US" dirty="0" smtClean="0"/>
-              <a:t>Results</a:t>
+              <a:t>Optimization Results</a:t>
             </a:r>
             <a:endParaRPr lang="en-US" dirty="0"/>
           </a:p>
@@ -25503,7 +26068,7 @@
           <a:p>
             <a:fld id="{DB0B2F36-CFDA-4EEF-BC45-DB620249CF2E}" type="datetime1">
               <a:rPr lang="en-US" smtClean="0"/>
-              <a:t>4/19/2017</a:t>
+              <a:t>4/20/2017</a:t>
             </a:fld>
             <a:endParaRPr lang="en-US" dirty="0"/>
           </a:p>
@@ -25614,11 +26179,7 @@
           <a:p>
             <a:r>
               <a:rPr lang="en-US" dirty="0" smtClean="0"/>
-              <a:t>Reinforcement Learning </a:t>
-            </a:r>
-            <a:r>
-              <a:rPr lang="en-US" dirty="0" smtClean="0"/>
-              <a:t>Results</a:t>
+              <a:t>Reinforcement Learning Results</a:t>
             </a:r>
             <a:endParaRPr lang="en-US" dirty="0"/>
           </a:p>
@@ -25849,7 +26410,7 @@
           <a:p>
             <a:fld id="{DB0B2F36-CFDA-4EEF-BC45-DB620249CF2E}" type="datetime1">
               <a:rPr lang="en-US" smtClean="0"/>
-              <a:t>4/19/2017</a:t>
+              <a:t>4/20/2017</a:t>
             </a:fld>
             <a:endParaRPr lang="en-US" dirty="0"/>
           </a:p>
@@ -26093,7 +26654,7 @@
           <a:p>
             <a:fld id="{DB0B2F36-CFDA-4EEF-BC45-DB620249CF2E}" type="datetime1">
               <a:rPr lang="en-US" smtClean="0"/>
-              <a:t>4/19/2017</a:t>
+              <a:t>4/20/2017</a:t>
             </a:fld>
             <a:endParaRPr lang="en-US" dirty="0"/>
           </a:p>
@@ -26979,7 +27540,7 @@
           <a:p>
             <a:fld id="{DB0B2F36-CFDA-4EEF-BC45-DB620249CF2E}" type="datetime1">
               <a:rPr lang="en-US" smtClean="0"/>
-              <a:t>4/19/2017</a:t>
+              <a:t>4/20/2017</a:t>
             </a:fld>
             <a:endParaRPr lang="en-US" dirty="0"/>
           </a:p>
@@ -27185,7 +27746,7 @@
           <a:p>
             <a:fld id="{DB0B2F36-CFDA-4EEF-BC45-DB620249CF2E}" type="datetime1">
               <a:rPr lang="en-US" smtClean="0"/>
-              <a:t>4/19/2017</a:t>
+              <a:t>4/20/2017</a:t>
             </a:fld>
             <a:endParaRPr lang="en-US" dirty="0"/>
           </a:p>
@@ -27423,7 +27984,7 @@
           <a:p>
             <a:fld id="{D4BB25E1-E5FA-40AE-A0DC-85655503F7EC}" type="datetime1">
               <a:rPr lang="en-US" smtClean="0"/>
-              <a:t>4/19/2017</a:t>
+              <a:t>4/20/2017</a:t>
             </a:fld>
             <a:endParaRPr lang="en-US" dirty="0"/>
           </a:p>
@@ -27624,7 +28185,7 @@
           <a:p>
             <a:fld id="{DB0B2F36-CFDA-4EEF-BC45-DB620249CF2E}" type="datetime1">
               <a:rPr lang="en-US" smtClean="0"/>
-              <a:t>4/19/2017</a:t>
+              <a:t>4/20/2017</a:t>
             </a:fld>
             <a:endParaRPr lang="en-US" dirty="0"/>
           </a:p>
@@ -27822,7 +28383,7 @@
           <a:p>
             <a:fld id="{DB0B2F36-CFDA-4EEF-BC45-DB620249CF2E}" type="datetime1">
               <a:rPr lang="en-US" smtClean="0"/>
-              <a:t>4/19/2017</a:t>
+              <a:t>4/20/2017</a:t>
             </a:fld>
             <a:endParaRPr lang="en-US" dirty="0"/>
           </a:p>
@@ -28106,7 +28667,7 @@
           <a:p>
             <a:fld id="{DB0B2F36-CFDA-4EEF-BC45-DB620249CF2E}" type="datetime1">
               <a:rPr lang="en-US" smtClean="0"/>
-              <a:t>4/19/2017</a:t>
+              <a:t>4/20/2017</a:t>
             </a:fld>
             <a:endParaRPr lang="en-US" dirty="0"/>
           </a:p>
@@ -28338,7 +28899,7 @@
           <a:p>
             <a:fld id="{DB0B2F36-CFDA-4EEF-BC45-DB620249CF2E}" type="datetime1">
               <a:rPr lang="en-US" smtClean="0"/>
-              <a:t>4/19/2017</a:t>
+              <a:t>4/20/2017</a:t>
             </a:fld>
             <a:endParaRPr lang="en-US" dirty="0"/>
           </a:p>
@@ -28472,7 +29033,7 @@
           <a:p>
             <a:fld id="{DB0B2F36-CFDA-4EEF-BC45-DB620249CF2E}" type="datetime1">
               <a:rPr lang="en-US" smtClean="0"/>
-              <a:t>4/19/2017</a:t>
+              <a:t>4/20/2017</a:t>
             </a:fld>
             <a:endParaRPr lang="en-US" dirty="0"/>
           </a:p>
@@ -28746,7 +29307,6 @@
               <a:rPr lang="en-US" dirty="0"/>
               <a:t> (Vol. 1, No. 1). Cambridge: MIT press.</a:t>
             </a:r>
-            <a:endParaRPr lang="en-US" dirty="0"/>
           </a:p>
         </p:txBody>
       </p:sp>
@@ -28796,7 +29356,7 @@
           <a:p>
             <a:fld id="{141D0F49-276D-4F56-B63B-4D6688C20884}" type="datetime1">
               <a:rPr lang="en-US" smtClean="0"/>
-              <a:t>4/19/2017</a:t>
+              <a:t>4/20/2017</a:t>
             </a:fld>
             <a:endParaRPr lang="en-US" dirty="0"/>
           </a:p>
@@ -29649,7 +30209,7 @@
           <a:p>
             <a:fld id="{775DBC5F-811A-4510-806A-774BA01822C0}" type="datetime1">
               <a:rPr lang="en-US" smtClean="0"/>
-              <a:t>4/19/2017</a:t>
+              <a:t>4/20/2017</a:t>
             </a:fld>
             <a:endParaRPr lang="en-US" dirty="0"/>
           </a:p>
@@ -30221,7 +30781,7 @@
           <a:p>
             <a:fld id="{4F22A586-2213-465D-A4DA-AF7218E30335}" type="datetime1">
               <a:rPr lang="en-US" smtClean="0"/>
-              <a:t>4/19/2017</a:t>
+              <a:t>4/20/2017</a:t>
             </a:fld>
             <a:endParaRPr lang="en-US" dirty="0"/>
           </a:p>
@@ -30426,7 +30986,7 @@
           <a:p>
             <a:fld id="{33702BFD-8F71-412D-ABAA-264257F552C9}" type="datetime1">
               <a:rPr lang="en-US" smtClean="0"/>
-              <a:t>4/19/2017</a:t>
+              <a:t>4/20/2017</a:t>
             </a:fld>
             <a:endParaRPr lang="en-US" dirty="0"/>
           </a:p>
@@ -32198,7 +32758,7 @@
           <a:p>
             <a:fld id="{AFE09599-E0A6-43F3-80A7-56B7E897668B}" type="datetime1">
               <a:rPr lang="en-US" smtClean="0"/>
-              <a:t>4/19/2017</a:t>
+              <a:t>4/20/2017</a:t>
             </a:fld>
             <a:endParaRPr lang="en-US" dirty="0"/>
           </a:p>
@@ -34400,15 +34960,7 @@
             </a:pPr>
             <a:r>
               <a:rPr lang="en-US" dirty="0" smtClean="0"/>
-              <a:t>Equalize w</a:t>
-            </a:r>
-            <a:r>
-              <a:rPr lang="en-US" dirty="0" smtClean="0"/>
-              <a:t>orkload </a:t>
-            </a:r>
-            <a:r>
-              <a:rPr lang="en-US" dirty="0" smtClean="0"/>
-              <a:t>fairness</a:t>
+              <a:t>Equalize workload fairness</a:t>
             </a:r>
           </a:p>
           <a:p>
@@ -34418,11 +34970,7 @@
             </a:pPr>
             <a:r>
               <a:rPr lang="en-US" dirty="0" smtClean="0"/>
-              <a:t>Improve resources </a:t>
-            </a:r>
-            <a:r>
-              <a:rPr lang="en-US" dirty="0" smtClean="0"/>
-              <a:t>usage</a:t>
+              <a:t>Improve resources usage</a:t>
             </a:r>
             <a:endParaRPr lang="en-US" dirty="0"/>
           </a:p>
@@ -34474,7 +35022,7 @@
           <a:p>
             <a:fld id="{DB0B2F36-CFDA-4EEF-BC45-DB620249CF2E}" type="datetime1">
               <a:rPr lang="en-US" smtClean="0"/>
-              <a:t>4/19/2017</a:t>
+              <a:t>4/20/2017</a:t>
             </a:fld>
             <a:endParaRPr lang="en-US" dirty="0"/>
           </a:p>
@@ -34685,7 +35233,7 @@
           <a:p>
             <a:fld id="{DB0B2F36-CFDA-4EEF-BC45-DB620249CF2E}" type="datetime1">
               <a:rPr lang="en-US" smtClean="0"/>
-              <a:t>4/19/2017</a:t>
+              <a:t>4/20/2017</a:t>
             </a:fld>
             <a:endParaRPr lang="en-US" dirty="0"/>
           </a:p>
@@ -34856,11 +35404,7 @@
           <a:p>
             <a:r>
               <a:rPr lang="en-US" dirty="0" smtClean="0"/>
-              <a:t>Optimization </a:t>
-            </a:r>
-            <a:r>
-              <a:rPr lang="en-US" dirty="0" smtClean="0"/>
-              <a:t>Policies According to Zeng and Zhao (2005)</a:t>
+              <a:t>Optimization Policies According to Zeng and Zhao (2005)</a:t>
             </a:r>
             <a:endParaRPr lang="en-US" dirty="0"/>
           </a:p>
@@ -34979,7 +35523,7 @@
           <a:p>
             <a:fld id="{DB0B2F36-CFDA-4EEF-BC45-DB620249CF2E}" type="datetime1">
               <a:rPr lang="en-US" smtClean="0"/>
-              <a:t>4/19/2017</a:t>
+              <a:t>4/20/2017</a:t>
             </a:fld>
             <a:endParaRPr lang="en-US" dirty="0"/>
           </a:p>
@@ -35336,7 +35880,7 @@
             <a:fld id="{141D0F49-276D-4F56-B63B-4D6688C20884}" type="datetime1">
               <a:rPr lang="en-US" smtClean="0"/>
               <a:pPr/>
-              <a:t>4/19/2017</a:t>
+              <a:t>4/20/2017</a:t>
             </a:fld>
             <a:endParaRPr lang="en-US" dirty="0"/>
           </a:p>
@@ -35413,7 +35957,7 @@
           </a:ln>
           <a:extLst>
             <a:ext uri="{AF507438-7753-43e0-B8FC-AC1667EBCBE1}">
-              <a14:hiddenEffects xmlns="" xmlns:a14="http://schemas.microsoft.com/office/drawing/2010/main">
+              <a14:hiddenEffects xmlns:a14="http://schemas.microsoft.com/office/drawing/2010/main" xmlns="">
                 <a:effectLst>
                   <a:outerShdw blurRad="63500" dist="35921" dir="2700000" algn="ctr" rotWithShape="0">
                     <a:schemeClr val="bg2"/>
@@ -35496,7 +36040,7 @@
           </a:ln>
           <a:extLst>
             <a:ext uri="{AF507438-7753-43e0-B8FC-AC1667EBCBE1}">
-              <a14:hiddenEffects xmlns="" xmlns:a14="http://schemas.microsoft.com/office/drawing/2010/main">
+              <a14:hiddenEffects xmlns:a14="http://schemas.microsoft.com/office/drawing/2010/main" xmlns="">
                 <a:effectLst>
                   <a:outerShdw blurRad="63500" dist="35921" dir="2700000" algn="ctr" rotWithShape="0">
                     <a:schemeClr val="bg2"/>
@@ -35579,7 +36123,7 @@
           </a:ln>
           <a:extLst>
             <a:ext uri="{AF507438-7753-43e0-B8FC-AC1667EBCBE1}">
-              <a14:hiddenEffects xmlns="" xmlns:a14="http://schemas.microsoft.com/office/drawing/2010/main">
+              <a14:hiddenEffects xmlns:a14="http://schemas.microsoft.com/office/drawing/2010/main" xmlns="">
                 <a:effectLst>
                   <a:outerShdw blurRad="63500" dist="35921" dir="2700000" algn="ctr" rotWithShape="0">
                     <a:schemeClr val="bg2"/>
@@ -35664,7 +36208,7 @@
           </a:ln>
           <a:extLst>
             <a:ext uri="{AF507438-7753-43e0-B8FC-AC1667EBCBE1}">
-              <a14:hiddenEffects xmlns="" xmlns:a14="http://schemas.microsoft.com/office/drawing/2010/main">
+              <a14:hiddenEffects xmlns:a14="http://schemas.microsoft.com/office/drawing/2010/main" xmlns="">
                 <a:effectLst>
                   <a:outerShdw blurRad="63500" dist="35921" dir="2700000" algn="ctr" rotWithShape="0">
                     <a:schemeClr val="bg2"/>
@@ -35749,7 +36293,7 @@
           </a:ln>
           <a:extLst>
             <a:ext uri="{AF507438-7753-43e0-B8FC-AC1667EBCBE1}">
-              <a14:hiddenEffects xmlns="" xmlns:a14="http://schemas.microsoft.com/office/drawing/2010/main">
+              <a14:hiddenEffects xmlns:a14="http://schemas.microsoft.com/office/drawing/2010/main" xmlns="">
                 <a:effectLst>
                   <a:outerShdw blurRad="63500" dist="35921" dir="2700000" algn="ctr" rotWithShape="0">
                     <a:schemeClr val="bg2"/>
@@ -35862,7 +36406,7 @@
           </a:ln>
           <a:extLst>
             <a:ext uri="{AF507438-7753-43e0-B8FC-AC1667EBCBE1}">
-              <a14:hiddenEffects xmlns="" xmlns:a14="http://schemas.microsoft.com/office/drawing/2010/main">
+              <a14:hiddenEffects xmlns:a14="http://schemas.microsoft.com/office/drawing/2010/main" xmlns="">
                 <a:effectLst>
                   <a:outerShdw blurRad="63500" dist="35921" dir="2700000" algn="ctr" rotWithShape="0">
                     <a:schemeClr val="bg2"/>
@@ -35945,7 +36489,7 @@
           </a:ln>
           <a:extLst>
             <a:ext uri="{AF507438-7753-43e0-B8FC-AC1667EBCBE1}">
-              <a14:hiddenEffects xmlns="" xmlns:a14="http://schemas.microsoft.com/office/drawing/2010/main">
+              <a14:hiddenEffects xmlns:a14="http://schemas.microsoft.com/office/drawing/2010/main" xmlns="">
                 <a:effectLst>
                   <a:outerShdw blurRad="63500" dist="35921" dir="2700000" algn="ctr" rotWithShape="0">
                     <a:schemeClr val="bg2"/>
@@ -36290,7 +36834,7 @@
         <a:effectLst/>
         <a:extLst>
           <a:ext uri="{AF507438-7753-43e0-B8FC-AC1667EBCBE1}">
-            <a14:hiddenEffects xmlns="" xmlns:a14="http://schemas.microsoft.com/office/drawing/2010/main">
+            <a14:hiddenEffects xmlns:a14="http://schemas.microsoft.com/office/drawing/2010/main" xmlns="">
               <a:effectLst>
                 <a:outerShdw blurRad="63500" dist="35921" dir="2700000" algn="ctr" rotWithShape="0">
                   <a:schemeClr val="bg2"/>
@@ -36365,7 +36909,7 @@
         <a:effectLst/>
         <a:extLst>
           <a:ext uri="{AF507438-7753-43e0-B8FC-AC1667EBCBE1}">
-            <a14:hiddenEffects xmlns="" xmlns:a14="http://schemas.microsoft.com/office/drawing/2010/main">
+            <a14:hiddenEffects xmlns:a14="http://schemas.microsoft.com/office/drawing/2010/main" xmlns="">
               <a:effectLst>
                 <a:outerShdw blurRad="63500" dist="35921" dir="2700000" algn="ctr" rotWithShape="0">
                   <a:schemeClr val="bg2"/>

--- a/Workflow Optimization.pptx
+++ b/Workflow Optimization.pptx
@@ -759,11 +759,11 @@
           <c:showBubbleSize val="0"/>
         </c:dLbls>
         <c:smooth val="0"/>
-        <c:axId val="377205232"/>
-        <c:axId val="377204448"/>
+        <c:axId val="295328672"/>
+        <c:axId val="295330632"/>
       </c:lineChart>
       <c:catAx>
-        <c:axId val="377205232"/>
+        <c:axId val="295328672"/>
         <c:scaling>
           <c:orientation val="minMax"/>
         </c:scaling>
@@ -806,7 +806,7 @@
             <a:endParaRPr lang="en-US"/>
           </a:p>
         </c:txPr>
-        <c:crossAx val="377204448"/>
+        <c:crossAx val="295330632"/>
         <c:crosses val="autoZero"/>
         <c:auto val="1"/>
         <c:lblAlgn val="ctr"/>
@@ -814,7 +814,7 @@
         <c:noMultiLvlLbl val="0"/>
       </c:catAx>
       <c:valAx>
-        <c:axId val="377204448"/>
+        <c:axId val="295330632"/>
         <c:scaling>
           <c:orientation val="minMax"/>
           <c:max val="46"/>
@@ -881,7 +881,7 @@
             <a:endParaRPr lang="en-US"/>
           </a:p>
         </c:txPr>
-        <c:crossAx val="377205232"/>
+        <c:crossAx val="295328672"/>
         <c:crosses val="autoZero"/>
         <c:crossBetween val="between"/>
       </c:valAx>
@@ -1375,11 +1375,11 @@
           <c:showBubbleSize val="0"/>
         </c:dLbls>
         <c:smooth val="0"/>
-        <c:axId val="377202096"/>
-        <c:axId val="377202880"/>
+        <c:axId val="296382496"/>
+        <c:axId val="296382888"/>
       </c:lineChart>
       <c:catAx>
-        <c:axId val="377202096"/>
+        <c:axId val="296382496"/>
         <c:scaling>
           <c:orientation val="minMax"/>
         </c:scaling>
@@ -1422,7 +1422,7 @@
             <a:endParaRPr lang="en-US"/>
           </a:p>
         </c:txPr>
-        <c:crossAx val="377202880"/>
+        <c:crossAx val="296382888"/>
         <c:crosses val="autoZero"/>
         <c:auto val="1"/>
         <c:lblAlgn val="ctr"/>
@@ -1430,7 +1430,7 @@
         <c:noMultiLvlLbl val="0"/>
       </c:catAx>
       <c:valAx>
-        <c:axId val="377202880"/>
+        <c:axId val="296382888"/>
         <c:scaling>
           <c:orientation val="minMax"/>
           <c:max val="46"/>
@@ -1497,7 +1497,7 @@
             <a:endParaRPr lang="en-US"/>
           </a:p>
         </c:txPr>
-        <c:crossAx val="377202096"/>
+        <c:crossAx val="296382496"/>
         <c:crosses val="autoZero"/>
         <c:crossBetween val="between"/>
       </c:valAx>
@@ -1577,7 +1577,6 @@
           </a:p>
         </c:rich>
       </c:tx>
-      <c:layout/>
       <c:overlay val="0"/>
       <c:spPr>
         <a:noFill/>
@@ -1839,11 +1838,11 @@
           <c:showBubbleSize val="0"/>
         </c:dLbls>
         <c:gapWidth val="150"/>
-        <c:axId val="332556888"/>
-        <c:axId val="332559240"/>
+        <c:axId val="469225304"/>
+        <c:axId val="469228832"/>
       </c:barChart>
       <c:catAx>
-        <c:axId val="332556888"/>
+        <c:axId val="469225304"/>
         <c:scaling>
           <c:orientation val="minMax"/>
         </c:scaling>
@@ -1880,7 +1879,7 @@
             <a:endParaRPr lang="en-US"/>
           </a:p>
         </c:txPr>
-        <c:crossAx val="332559240"/>
+        <c:crossAx val="469228832"/>
         <c:crosses val="autoZero"/>
         <c:auto val="1"/>
         <c:lblAlgn val="ctr"/>
@@ -1888,7 +1887,7 @@
         <c:noMultiLvlLbl val="0"/>
       </c:catAx>
       <c:valAx>
-        <c:axId val="332559240"/>
+        <c:axId val="469228832"/>
         <c:scaling>
           <c:orientation val="minMax"/>
         </c:scaling>
@@ -1939,7 +1938,7 @@
             <a:endParaRPr lang="en-US"/>
           </a:p>
         </c:txPr>
-        <c:crossAx val="332556888"/>
+        <c:crossAx val="469225304"/>
         <c:crosses val="autoZero"/>
         <c:crossBetween val="between"/>
       </c:valAx>
@@ -1953,7 +1952,6 @@
     </c:plotArea>
     <c:legend>
       <c:legendPos val="b"/>
-      <c:layout/>
       <c:overlay val="0"/>
       <c:spPr>
         <a:noFill/>
@@ -2051,7 +2049,6 @@
           </a:p>
         </c:rich>
       </c:tx>
-      <c:layout/>
       <c:overlay val="0"/>
       <c:spPr>
         <a:noFill/>
@@ -2313,11 +2310,11 @@
           <c:showBubbleSize val="0"/>
         </c:dLbls>
         <c:gapWidth val="150"/>
-        <c:axId val="381936488"/>
-        <c:axId val="381932176"/>
+        <c:axId val="469227656"/>
+        <c:axId val="469225696"/>
       </c:barChart>
       <c:catAx>
-        <c:axId val="381936488"/>
+        <c:axId val="469227656"/>
         <c:scaling>
           <c:orientation val="minMax"/>
         </c:scaling>
@@ -2354,7 +2351,7 @@
             <a:endParaRPr lang="en-US"/>
           </a:p>
         </c:txPr>
-        <c:crossAx val="381932176"/>
+        <c:crossAx val="469225696"/>
         <c:crosses val="autoZero"/>
         <c:auto val="1"/>
         <c:lblAlgn val="ctr"/>
@@ -2362,7 +2359,7 @@
         <c:noMultiLvlLbl val="0"/>
       </c:catAx>
       <c:valAx>
-        <c:axId val="381932176"/>
+        <c:axId val="469225696"/>
         <c:scaling>
           <c:orientation val="minMax"/>
         </c:scaling>
@@ -2413,7 +2410,7 @@
             <a:endParaRPr lang="en-US"/>
           </a:p>
         </c:txPr>
-        <c:crossAx val="381936488"/>
+        <c:crossAx val="469227656"/>
         <c:crosses val="autoZero"/>
         <c:crossBetween val="between"/>
       </c:valAx>
@@ -2427,7 +2424,6 @@
     </c:plotArea>
     <c:legend>
       <c:legendPos val="b"/>
-      <c:layout/>
       <c:overlay val="0"/>
       <c:spPr>
         <a:noFill/>
@@ -2525,7 +2521,6 @@
           </a:p>
         </c:rich>
       </c:tx>
-      <c:layout/>
       <c:overlay val="0"/>
       <c:spPr>
         <a:noFill/>
@@ -2811,11 +2806,11 @@
           <c:showBubbleSize val="0"/>
         </c:dLbls>
         <c:gapWidth val="150"/>
-        <c:axId val="381931392"/>
-        <c:axId val="381931784"/>
+        <c:axId val="469224520"/>
+        <c:axId val="469224912"/>
       </c:barChart>
       <c:catAx>
-        <c:axId val="381931392"/>
+        <c:axId val="469224520"/>
         <c:scaling>
           <c:orientation val="minMax"/>
         </c:scaling>
@@ -2852,7 +2847,7 @@
             <a:endParaRPr lang="en-US"/>
           </a:p>
         </c:txPr>
-        <c:crossAx val="381931784"/>
+        <c:crossAx val="469224912"/>
         <c:crosses val="autoZero"/>
         <c:auto val="1"/>
         <c:lblAlgn val="ctr"/>
@@ -2860,7 +2855,7 @@
         <c:noMultiLvlLbl val="0"/>
       </c:catAx>
       <c:valAx>
-        <c:axId val="381931784"/>
+        <c:axId val="469224912"/>
         <c:scaling>
           <c:orientation val="minMax"/>
           <c:max val="40"/>
@@ -2913,7 +2908,7 @@
             <a:endParaRPr lang="en-US"/>
           </a:p>
         </c:txPr>
-        <c:crossAx val="381931392"/>
+        <c:crossAx val="469224520"/>
         <c:crosses val="autoZero"/>
         <c:crossBetween val="between"/>
       </c:valAx>
@@ -2927,7 +2922,6 @@
     </c:plotArea>
     <c:legend>
       <c:legendPos val="b"/>
-      <c:layout/>
       <c:overlay val="0"/>
       <c:spPr>
         <a:noFill/>
@@ -3025,7 +3019,6 @@
           </a:p>
         </c:rich>
       </c:tx>
-      <c:layout/>
       <c:overlay val="0"/>
       <c:spPr>
         <a:noFill/>
@@ -3311,11 +3304,11 @@
           <c:showBubbleSize val="0"/>
         </c:dLbls>
         <c:gapWidth val="150"/>
-        <c:axId val="381936880"/>
-        <c:axId val="381935704"/>
+        <c:axId val="469230792"/>
+        <c:axId val="469229224"/>
       </c:barChart>
       <c:catAx>
-        <c:axId val="381936880"/>
+        <c:axId val="469230792"/>
         <c:scaling>
           <c:orientation val="minMax"/>
         </c:scaling>
@@ -3352,7 +3345,7 @@
             <a:endParaRPr lang="en-US"/>
           </a:p>
         </c:txPr>
-        <c:crossAx val="381935704"/>
+        <c:crossAx val="469229224"/>
         <c:crosses val="autoZero"/>
         <c:auto val="1"/>
         <c:lblAlgn val="ctr"/>
@@ -3360,7 +3353,7 @@
         <c:noMultiLvlLbl val="0"/>
       </c:catAx>
       <c:valAx>
-        <c:axId val="381935704"/>
+        <c:axId val="469229224"/>
         <c:scaling>
           <c:orientation val="minMax"/>
           <c:max val="40"/>
@@ -3412,7 +3405,7 @@
             <a:endParaRPr lang="en-US"/>
           </a:p>
         </c:txPr>
-        <c:crossAx val="381936880"/>
+        <c:crossAx val="469230792"/>
         <c:crosses val="autoZero"/>
         <c:crossBetween val="between"/>
       </c:valAx>
@@ -3426,7 +3419,6 @@
     </c:plotArea>
     <c:legend>
       <c:legendPos val="b"/>
-      <c:layout/>
       <c:overlay val="0"/>
       <c:spPr>
         <a:noFill/>
@@ -7519,7 +7511,7 @@
           <a:p>
             <a:fld id="{DEC37592-88B6-44B8-8DC1-F031E7284748}" type="datetime1">
               <a:rPr lang="en-US" smtClean="0"/>
-              <a:t>4/27/2017</a:t>
+              <a:t>5/2/2017</a:t>
             </a:fld>
             <a:endParaRPr lang="en-US" dirty="0"/>
           </a:p>
@@ -7847,7 +7839,7 @@
           <a:p>
             <a:fld id="{141D0F49-276D-4F56-B63B-4D6688C20884}" type="datetime1">
               <a:rPr lang="en-US" smtClean="0"/>
-              <a:t>4/27/2017</a:t>
+              <a:t>5/2/2017</a:t>
             </a:fld>
             <a:endParaRPr lang="en-US" dirty="0"/>
           </a:p>
@@ -8088,7 +8080,7 @@
           <a:p>
             <a:fld id="{DB0B2F36-CFDA-4EEF-BC45-DB620249CF2E}" type="datetime1">
               <a:rPr lang="en-US" smtClean="0"/>
-              <a:t>4/27/2017</a:t>
+              <a:t>5/2/2017</a:t>
             </a:fld>
             <a:endParaRPr lang="en-US" dirty="0"/>
           </a:p>
@@ -8215,7 +8207,7 @@
           <a:p>
             <a:fld id="{0A71E8A6-07E6-4E35-BA17-942B67FDBF2E}" type="datetime1">
               <a:rPr lang="en-US" smtClean="0"/>
-              <a:t>4/27/2017</a:t>
+              <a:t>5/2/2017</a:t>
             </a:fld>
             <a:endParaRPr lang="en-US" dirty="0"/>
           </a:p>
@@ -8403,7 +8395,7 @@
           <a:p>
             <a:fld id="{6B983425-0FCF-4322-BAEA-0A4DFE9AC5A5}" type="datetime1">
               <a:rPr lang="en-US" smtClean="0"/>
-              <a:t>4/27/2017</a:t>
+              <a:t>5/2/2017</a:t>
             </a:fld>
             <a:endParaRPr lang="en-US" dirty="0"/>
           </a:p>
@@ -8838,7 +8830,7 @@
           <a:p>
             <a:fld id="{AC3A2CD8-0910-4F3E-B4BC-AB1508329ADD}" type="datetime1">
               <a:rPr lang="en-US" smtClean="0"/>
-              <a:t>4/27/2017</a:t>
+              <a:t>5/2/2017</a:t>
             </a:fld>
             <a:endParaRPr lang="en-US" dirty="0"/>
           </a:p>
@@ -9732,7 +9724,7 @@
           <a:p>
             <a:fld id="{0F735448-6BEC-4714-AC28-524840E5388C}" type="datetime1">
               <a:rPr lang="en-US" smtClean="0"/>
-              <a:t>4/27/2017</a:t>
+              <a:t>5/2/2017</a:t>
             </a:fld>
             <a:endParaRPr lang="en-US" dirty="0"/>
           </a:p>
@@ -10089,7 +10081,7 @@
             <a:fld id="{141D0F49-276D-4F56-B63B-4D6688C20884}" type="datetime1">
               <a:rPr lang="en-US" smtClean="0"/>
               <a:pPr/>
-              <a:t>4/27/2017</a:t>
+              <a:t>5/2/2017</a:t>
             </a:fld>
             <a:endParaRPr lang="en-US" dirty="0"/>
           </a:p>
@@ -11038,7 +11030,7 @@
           <a:p>
             <a:fld id="{6B983425-0FCF-4322-BAEA-0A4DFE9AC5A5}" type="datetime1">
               <a:rPr lang="en-US" smtClean="0"/>
-              <a:t>4/27/2017</a:t>
+              <a:t>5/2/2017</a:t>
             </a:fld>
             <a:endParaRPr lang="en-US" dirty="0"/>
           </a:p>
@@ -12782,7 +12774,7 @@
           <a:p>
             <a:fld id="{6B983425-0FCF-4322-BAEA-0A4DFE9AC5A5}" type="datetime1">
               <a:rPr lang="en-US" smtClean="0"/>
-              <a:t>4/27/2017</a:t>
+              <a:t>5/2/2017</a:t>
             </a:fld>
             <a:endParaRPr lang="en-US" dirty="0"/>
           </a:p>
@@ -14471,7 +14463,7 @@
           <a:p>
             <a:fld id="{6B983425-0FCF-4322-BAEA-0A4DFE9AC5A5}" type="datetime1">
               <a:rPr lang="en-US" smtClean="0"/>
-              <a:t>4/27/2017</a:t>
+              <a:t>5/2/2017</a:t>
             </a:fld>
             <a:endParaRPr lang="en-US" dirty="0"/>
           </a:p>
@@ -16497,7 +16489,7 @@
           <a:p>
             <a:fld id="{6B983425-0FCF-4322-BAEA-0A4DFE9AC5A5}" type="datetime1">
               <a:rPr lang="en-US" smtClean="0"/>
-              <a:t>4/27/2017</a:t>
+              <a:t>5/2/2017</a:t>
             </a:fld>
             <a:endParaRPr lang="en-US" dirty="0"/>
           </a:p>
@@ -18686,7 +18678,7 @@
           <a:p>
             <a:fld id="{6B983425-0FCF-4322-BAEA-0A4DFE9AC5A5}" type="datetime1">
               <a:rPr lang="en-US" smtClean="0"/>
-              <a:t>4/27/2017</a:t>
+              <a:t>5/2/2017</a:t>
             </a:fld>
             <a:endParaRPr lang="en-US" dirty="0"/>
           </a:p>
@@ -19737,7 +19729,7 @@
           <a:p>
             <a:fld id="{DB0B2F36-CFDA-4EEF-BC45-DB620249CF2E}" type="datetime1">
               <a:rPr lang="en-US" smtClean="0"/>
-              <a:t>4/27/2017</a:t>
+              <a:t>5/2/2017</a:t>
             </a:fld>
             <a:endParaRPr lang="en-US" dirty="0"/>
           </a:p>
@@ -19853,8 +19845,8 @@
           </a:p>
         </p:txBody>
       </p:sp>
-      <mc:AlternateContent xmlns:mc="http://schemas.openxmlformats.org/markup-compatibility/2006">
-        <mc:Choice xmlns:a14="http://schemas.microsoft.com/office/drawing/2010/main" Requires="a14">
+      <mc:AlternateContent xmlns:mc="http://schemas.openxmlformats.org/markup-compatibility/2006" xmlns:a14="http://schemas.microsoft.com/office/drawing/2010/main">
+        <mc:Choice Requires="a14">
           <p:sp>
             <p:nvSpPr>
               <p:cNvPr id="3" name="Content Placeholder 2"/>
@@ -20274,7 +20266,7 @@
             </p:txBody>
           </p:sp>
         </mc:Choice>
-        <mc:Fallback>
+        <mc:Fallback xmlns="">
           <p:sp>
             <p:nvSpPr>
               <p:cNvPr id="3" name="Content Placeholder 2"/>
@@ -20325,7 +20317,7 @@
           <a:p>
             <a:fld id="{DB0B2F36-CFDA-4EEF-BC45-DB620249CF2E}" type="datetime1">
               <a:rPr lang="en-US" smtClean="0"/>
-              <a:t>4/27/2017</a:t>
+              <a:t>5/2/2017</a:t>
             </a:fld>
             <a:endParaRPr lang="en-US" dirty="0"/>
           </a:p>
@@ -21211,8 +21203,8 @@
           </a:p>
         </p:txBody>
       </p:sp>
-      <mc:AlternateContent xmlns:mc="http://schemas.openxmlformats.org/markup-compatibility/2006">
-        <mc:Choice xmlns:a14="http://schemas.microsoft.com/office/drawing/2010/main" Requires="a14">
+      <mc:AlternateContent xmlns:mc="http://schemas.openxmlformats.org/markup-compatibility/2006" xmlns:a14="http://schemas.microsoft.com/office/drawing/2010/main">
+        <mc:Choice Requires="a14">
           <p:sp>
             <p:nvSpPr>
               <p:cNvPr id="3" name="Content Placeholder 2"/>
@@ -22347,7 +22339,7 @@
             </p:txBody>
           </p:sp>
         </mc:Choice>
-        <mc:Fallback>
+        <mc:Fallback xmlns="">
           <p:sp>
             <p:nvSpPr>
               <p:cNvPr id="3" name="Content Placeholder 2"/>
@@ -22398,7 +22390,7 @@
           <a:p>
             <a:fld id="{DB0B2F36-CFDA-4EEF-BC45-DB620249CF2E}" type="datetime1">
               <a:rPr lang="en-US" smtClean="0"/>
-              <a:t>4/27/2017</a:t>
+              <a:t>5/2/2017</a:t>
             </a:fld>
             <a:endParaRPr lang="en-US" dirty="0"/>
           </a:p>
@@ -22968,8 +22960,8 @@
           </a:p>
         </p:txBody>
       </p:sp>
-      <mc:AlternateContent xmlns:mc="http://schemas.openxmlformats.org/markup-compatibility/2006">
-        <mc:Choice xmlns:a14="http://schemas.microsoft.com/office/drawing/2010/main" Requires="a14">
+      <mc:AlternateContent xmlns:mc="http://schemas.openxmlformats.org/markup-compatibility/2006" xmlns:a14="http://schemas.microsoft.com/office/drawing/2010/main">
+        <mc:Choice Requires="a14">
           <p:sp>
             <p:nvSpPr>
               <p:cNvPr id="15" name="Line Callout 3 14"/>
@@ -23356,7 +23348,7 @@
             </p:txBody>
           </p:sp>
         </mc:Choice>
-        <mc:Fallback>
+        <mc:Fallback xmlns="">
           <p:sp>
             <p:nvSpPr>
               <p:cNvPr id="15" name="Line Callout 3 14"/>
@@ -24208,7 +24200,7 @@
           <a:p>
             <a:fld id="{DB0B2F36-CFDA-4EEF-BC45-DB620249CF2E}" type="datetime1">
               <a:rPr lang="en-US" smtClean="0"/>
-              <a:t>4/27/2017</a:t>
+              <a:t>5/2/2017</a:t>
             </a:fld>
             <a:endParaRPr lang="en-US" dirty="0"/>
           </a:p>
@@ -24976,7 +24968,7 @@
           <a:p>
             <a:fld id="{DB0B2F36-CFDA-4EEF-BC45-DB620249CF2E}" type="datetime1">
               <a:rPr lang="en-US" smtClean="0"/>
-              <a:t>4/27/2017</a:t>
+              <a:t>5/2/2017</a:t>
             </a:fld>
             <a:endParaRPr lang="en-US" dirty="0"/>
           </a:p>
@@ -25443,7 +25435,7 @@
           <a:p>
             <a:fld id="{DB0B2F36-CFDA-4EEF-BC45-DB620249CF2E}" type="datetime1">
               <a:rPr lang="en-US" smtClean="0"/>
-              <a:t>4/27/2017</a:t>
+              <a:t>5/2/2017</a:t>
             </a:fld>
             <a:endParaRPr lang="en-US" dirty="0"/>
           </a:p>
@@ -25675,7 +25667,7 @@
           <a:p>
             <a:fld id="{DB0B2F36-CFDA-4EEF-BC45-DB620249CF2E}" type="datetime1">
               <a:rPr lang="en-US" smtClean="0"/>
-              <a:t>4/27/2017</a:t>
+              <a:t>5/2/2017</a:t>
             </a:fld>
             <a:endParaRPr lang="en-US" dirty="0"/>
           </a:p>
@@ -26242,7 +26234,7 @@
           <a:p>
             <a:fld id="{DB0B2F36-CFDA-4EEF-BC45-DB620249CF2E}" type="datetime1">
               <a:rPr lang="en-US" smtClean="0"/>
-              <a:t>4/27/2017</a:t>
+              <a:t>5/2/2017</a:t>
             </a:fld>
             <a:endParaRPr lang="en-US" dirty="0"/>
           </a:p>
@@ -26584,7 +26576,7 @@
           <a:p>
             <a:fld id="{DB0B2F36-CFDA-4EEF-BC45-DB620249CF2E}" type="datetime1">
               <a:rPr lang="en-US" smtClean="0"/>
-              <a:t>4/27/2017</a:t>
+              <a:t>5/2/2017</a:t>
             </a:fld>
             <a:endParaRPr lang="en-US" dirty="0"/>
           </a:p>
@@ -26926,7 +26918,7 @@
           <a:p>
             <a:fld id="{DB0B2F36-CFDA-4EEF-BC45-DB620249CF2E}" type="datetime1">
               <a:rPr lang="en-US" smtClean="0"/>
-              <a:t>4/27/2017</a:t>
+              <a:t>5/2/2017</a:t>
             </a:fld>
             <a:endParaRPr lang="en-US" dirty="0"/>
           </a:p>
@@ -27170,7 +27162,7 @@
           <a:p>
             <a:fld id="{DB0B2F36-CFDA-4EEF-BC45-DB620249CF2E}" type="datetime1">
               <a:rPr lang="en-US" smtClean="0"/>
-              <a:t>4/27/2017</a:t>
+              <a:t>5/2/2017</a:t>
             </a:fld>
             <a:endParaRPr lang="en-US" dirty="0"/>
           </a:p>
@@ -27287,8 +27279,8 @@
           </a:p>
         </p:txBody>
       </p:sp>
-      <mc:AlternateContent xmlns:mc="http://schemas.openxmlformats.org/markup-compatibility/2006">
-        <mc:Choice xmlns:a14="http://schemas.microsoft.com/office/drawing/2010/main" Requires="a14">
+      <mc:AlternateContent xmlns:mc="http://schemas.openxmlformats.org/markup-compatibility/2006" xmlns:a14="http://schemas.microsoft.com/office/drawing/2010/main">
+        <mc:Choice Requires="a14">
           <p:graphicFrame>
             <p:nvGraphicFramePr>
               <p:cNvPr id="8" name="Content Placeholder 7"/>
@@ -27764,7 +27756,7 @@
             </a:graphic>
           </p:graphicFrame>
         </mc:Choice>
-        <mc:Fallback>
+        <mc:Fallback xmlns="">
           <p:graphicFrame>
             <p:nvGraphicFramePr>
               <p:cNvPr id="8" name="Content Placeholder 7"/>
@@ -28041,7 +28033,7 @@
           <a:p>
             <a:fld id="{DB0B2F36-CFDA-4EEF-BC45-DB620249CF2E}" type="datetime1">
               <a:rPr lang="en-US" smtClean="0"/>
-              <a:t>4/27/2017</a:t>
+              <a:t>5/2/2017</a:t>
             </a:fld>
             <a:endParaRPr lang="en-US" dirty="0"/>
           </a:p>
@@ -28189,7 +28181,6 @@
               <a:rPr lang="en-US" dirty="0" smtClean="0"/>
               <a:t>Discrete Event Simulation</a:t>
             </a:r>
-            <a:endParaRPr lang="en-US" dirty="0" smtClean="0"/>
           </a:p>
           <a:p>
             <a:pPr lvl="1"/>
@@ -28197,7 +28188,6 @@
               <a:rPr lang="en-US" dirty="0" smtClean="0"/>
               <a:t>Mixed Integer Linear Programming Policies</a:t>
             </a:r>
-            <a:endParaRPr lang="en-US" dirty="0" smtClean="0"/>
           </a:p>
           <a:p>
             <a:pPr lvl="1"/>
@@ -28289,7 +28279,7 @@
           <a:p>
             <a:fld id="{D4BB25E1-E5FA-40AE-A0DC-85655503F7EC}" type="datetime1">
               <a:rPr lang="en-US" smtClean="0"/>
-              <a:t>4/27/2017</a:t>
+              <a:t>5/2/2017</a:t>
             </a:fld>
             <a:endParaRPr lang="en-US" dirty="0"/>
           </a:p>
@@ -28395,11 +28385,7 @@
           <a:p>
             <a:r>
               <a:rPr lang="en-US" dirty="0" smtClean="0"/>
-              <a:t>MILP Speedup </a:t>
-            </a:r>
-            <a:r>
-              <a:rPr lang="en-US" dirty="0" smtClean="0"/>
-              <a:t>Tradeoff</a:t>
+              <a:t>MILP Speedup Tradeoff</a:t>
             </a:r>
             <a:endParaRPr lang="en-US" dirty="0"/>
           </a:p>
@@ -28422,15 +28408,7 @@
           <a:p>
             <a:r>
               <a:rPr lang="en-US" dirty="0" smtClean="0"/>
-              <a:t>1.23-fold speedup </a:t>
-            </a:r>
-            <a:r>
-              <a:rPr lang="en-US" dirty="0" smtClean="0"/>
-              <a:t>requires quadratic higher </a:t>
-            </a:r>
-            <a:r>
-              <a:rPr lang="en-US" dirty="0" smtClean="0"/>
-              <a:t>complexity</a:t>
+              <a:t>1.23-fold speedup requires quadratic higher complexity</a:t>
             </a:r>
           </a:p>
           <a:p>
@@ -28438,7 +28416,6 @@
               <a:rPr lang="en-US" dirty="0" smtClean="0"/>
               <a:t>Solves role resolution in a deterministic way</a:t>
             </a:r>
-            <a:endParaRPr lang="en-US" dirty="0" smtClean="0"/>
           </a:p>
           <a:p>
             <a:r>
@@ -28517,7 +28494,7 @@
           <a:p>
             <a:fld id="{DB0B2F36-CFDA-4EEF-BC45-DB620249CF2E}" type="datetime1">
               <a:rPr lang="en-US" smtClean="0"/>
-              <a:t>4/27/2017</a:t>
+              <a:t>5/2/2017</a:t>
             </a:fld>
             <a:endParaRPr lang="en-US" dirty="0"/>
           </a:p>
@@ -28651,11 +28628,7 @@
           <a:p>
             <a:r>
               <a:rPr lang="en-US" dirty="0" smtClean="0"/>
-              <a:t>Exact same improvements as ST without high formulation </a:t>
-            </a:r>
-            <a:r>
-              <a:rPr lang="en-US" dirty="0" smtClean="0"/>
-              <a:t>complexity</a:t>
+              <a:t>Exact same improvements as ST without high formulation complexity</a:t>
             </a:r>
           </a:p>
           <a:p>
@@ -28663,7 +28636,6 @@
               <a:rPr lang="en-US" dirty="0" smtClean="0"/>
               <a:t>Solves role resolution in a stochastic way</a:t>
             </a:r>
-            <a:endParaRPr lang="en-US" dirty="0" smtClean="0"/>
           </a:p>
           <a:p>
             <a:r>
@@ -28734,7 +28706,7 @@
           <a:p>
             <a:fld id="{DB0B2F36-CFDA-4EEF-BC45-DB620249CF2E}" type="datetime1">
               <a:rPr lang="en-US" smtClean="0"/>
-              <a:t>4/27/2017</a:t>
+              <a:t>5/2/2017</a:t>
             </a:fld>
             <a:endParaRPr lang="en-US" dirty="0"/>
           </a:p>
@@ -28932,7 +28904,7 @@
           <a:p>
             <a:fld id="{DB0B2F36-CFDA-4EEF-BC45-DB620249CF2E}" type="datetime1">
               <a:rPr lang="en-US" smtClean="0"/>
-              <a:t>4/27/2017</a:t>
+              <a:t>5/2/2017</a:t>
             </a:fld>
             <a:endParaRPr lang="en-US" dirty="0"/>
           </a:p>
@@ -29049,8 +29021,8 @@
           </a:p>
         </p:txBody>
       </p:sp>
-      <mc:AlternateContent xmlns:mc="http://schemas.openxmlformats.org/markup-compatibility/2006">
-        <mc:Choice xmlns:a14="http://schemas.microsoft.com/office/drawing/2010/main" Requires="a14">
+      <mc:AlternateContent xmlns:mc="http://schemas.openxmlformats.org/markup-compatibility/2006" xmlns:a14="http://schemas.microsoft.com/office/drawing/2010/main">
+        <mc:Choice Requires="a14">
           <p:sp>
             <p:nvSpPr>
               <p:cNvPr id="3" name="Content Placeholder 2"/>
@@ -29072,19 +29044,7 @@
                 </a:pPr>
                 <a:r>
                   <a:rPr lang="en-US" dirty="0"/>
-                  <a:t>Can current optimization methods for job assignment in workflow </a:t>
-                </a:r>
-                <a:r>
-                  <a:rPr lang="en-US" dirty="0" smtClean="0"/>
-                  <a:t>management systems be </a:t>
-                </a:r>
-                <a:r>
-                  <a:rPr lang="en-US" dirty="0"/>
-                  <a:t>further developed</a:t>
-                </a:r>
-                <a:r>
-                  <a:rPr lang="en-US" dirty="0" smtClean="0"/>
-                  <a:t>?</a:t>
+                  <a:t>Do traditional mixed integer linear programming based methods for role resolution in workflow management systems exhibit further optimization potential?</a:t>
                 </a:r>
               </a:p>
               <a:p>
@@ -29144,7 +29104,7 @@
             </p:txBody>
           </p:sp>
         </mc:Choice>
-        <mc:Fallback>
+        <mc:Fallback xmlns="">
           <p:sp>
             <p:nvSpPr>
               <p:cNvPr id="3" name="Content Placeholder 2"/>
@@ -29159,7 +29119,7 @@
               <a:blipFill rotWithShape="0">
                 <a:blip r:embed="rId2"/>
                 <a:stretch>
-                  <a:fillRect l="-2433" t="-1727"/>
+                  <a:fillRect l="-2433" t="-1727" r="-1582"/>
                 </a:stretch>
               </a:blipFill>
             </p:spPr>
@@ -29231,7 +29191,7 @@
           <a:p>
             <a:fld id="{DB0B2F36-CFDA-4EEF-BC45-DB620249CF2E}" type="datetime1">
               <a:rPr lang="en-US" smtClean="0"/>
-              <a:t>4/27/2017</a:t>
+              <a:t>5/2/2017</a:t>
             </a:fld>
             <a:endParaRPr lang="en-US" dirty="0"/>
           </a:p>
@@ -29301,7 +29261,527 @@
   <p:timing>
     <p:tnLst>
       <p:par>
-        <p:cTn id="1" dur="indefinite" restart="never" nodeType="tmRoot"/>
+        <p:cTn id="1" dur="indefinite" restart="never" nodeType="tmRoot">
+          <p:childTnLst>
+            <p:seq concurrent="1" nextAc="seek">
+              <p:cTn id="2" dur="indefinite" nodeType="mainSeq">
+                <p:childTnLst>
+                  <p:par>
+                    <p:cTn id="3" fill="hold">
+                      <p:stCondLst>
+                        <p:cond delay="indefinite"/>
+                      </p:stCondLst>
+                      <p:childTnLst>
+                        <p:par>
+                          <p:cTn id="4" fill="hold">
+                            <p:stCondLst>
+                              <p:cond delay="0"/>
+                            </p:stCondLst>
+                            <p:childTnLst>
+                              <p:par>
+                                <p:cTn id="5" presetID="30" presetClass="entr" presetSubtype="0" fill="hold" nodeType="clickEffect">
+                                  <p:stCondLst>
+                                    <p:cond delay="0"/>
+                                  </p:stCondLst>
+                                  <p:childTnLst>
+                                    <p:set>
+                                      <p:cBhvr>
+                                        <p:cTn id="6" dur="1" fill="hold">
+                                          <p:stCondLst>
+                                            <p:cond delay="0"/>
+                                          </p:stCondLst>
+                                        </p:cTn>
+                                        <p:tgtEl>
+                                          <p:spTgt spid="8"/>
+                                        </p:tgtEl>
+                                        <p:attrNameLst>
+                                          <p:attrName>style.visibility</p:attrName>
+                                        </p:attrNameLst>
+                                      </p:cBhvr>
+                                      <p:to>
+                                        <p:strVal val="visible"/>
+                                      </p:to>
+                                    </p:set>
+                                    <p:animEffect transition="in" filter="fade">
+                                      <p:cBhvr>
+                                        <p:cTn id="7" dur="800" decel="100000"/>
+                                        <p:tgtEl>
+                                          <p:spTgt spid="8"/>
+                                        </p:tgtEl>
+                                      </p:cBhvr>
+                                    </p:animEffect>
+                                    <p:anim calcmode="lin" valueType="num">
+                                      <p:cBhvr>
+                                        <p:cTn id="8" dur="800" decel="100000" fill="hold"/>
+                                        <p:tgtEl>
+                                          <p:spTgt spid="8"/>
+                                        </p:tgtEl>
+                                        <p:attrNameLst>
+                                          <p:attrName>style.rotation</p:attrName>
+                                        </p:attrNameLst>
+                                      </p:cBhvr>
+                                      <p:tavLst>
+                                        <p:tav tm="0">
+                                          <p:val>
+                                            <p:fltVal val="-90"/>
+                                          </p:val>
+                                        </p:tav>
+                                        <p:tav tm="100000">
+                                          <p:val>
+                                            <p:fltVal val="0"/>
+                                          </p:val>
+                                        </p:tav>
+                                      </p:tavLst>
+                                    </p:anim>
+                                    <p:anim calcmode="lin" valueType="num">
+                                      <p:cBhvr>
+                                        <p:cTn id="9" dur="800" decel="100000" fill="hold"/>
+                                        <p:tgtEl>
+                                          <p:spTgt spid="8"/>
+                                        </p:tgtEl>
+                                        <p:attrNameLst>
+                                          <p:attrName>ppt_x</p:attrName>
+                                        </p:attrNameLst>
+                                      </p:cBhvr>
+                                      <p:tavLst>
+                                        <p:tav tm="0">
+                                          <p:val>
+                                            <p:strVal val="#ppt_x+0.4"/>
+                                          </p:val>
+                                        </p:tav>
+                                        <p:tav tm="100000">
+                                          <p:val>
+                                            <p:strVal val="#ppt_x-0.05"/>
+                                          </p:val>
+                                        </p:tav>
+                                      </p:tavLst>
+                                    </p:anim>
+                                    <p:anim calcmode="lin" valueType="num">
+                                      <p:cBhvr>
+                                        <p:cTn id="10" dur="800" decel="100000" fill="hold"/>
+                                        <p:tgtEl>
+                                          <p:spTgt spid="8"/>
+                                        </p:tgtEl>
+                                        <p:attrNameLst>
+                                          <p:attrName>ppt_y</p:attrName>
+                                        </p:attrNameLst>
+                                      </p:cBhvr>
+                                      <p:tavLst>
+                                        <p:tav tm="0">
+                                          <p:val>
+                                            <p:strVal val="#ppt_y-0.4"/>
+                                          </p:val>
+                                        </p:tav>
+                                        <p:tav tm="100000">
+                                          <p:val>
+                                            <p:strVal val="#ppt_y+0.1"/>
+                                          </p:val>
+                                        </p:tav>
+                                      </p:tavLst>
+                                    </p:anim>
+                                    <p:anim calcmode="lin" valueType="num">
+                                      <p:cBhvr>
+                                        <p:cTn id="11" dur="200" accel="100000" fill="hold">
+                                          <p:stCondLst>
+                                            <p:cond delay="800"/>
+                                          </p:stCondLst>
+                                        </p:cTn>
+                                        <p:tgtEl>
+                                          <p:spTgt spid="8"/>
+                                        </p:tgtEl>
+                                        <p:attrNameLst>
+                                          <p:attrName>ppt_x</p:attrName>
+                                        </p:attrNameLst>
+                                      </p:cBhvr>
+                                      <p:tavLst>
+                                        <p:tav tm="0">
+                                          <p:val>
+                                            <p:strVal val="#ppt_x-0.05"/>
+                                          </p:val>
+                                        </p:tav>
+                                        <p:tav tm="100000">
+                                          <p:val>
+                                            <p:strVal val="#ppt_x"/>
+                                          </p:val>
+                                        </p:tav>
+                                      </p:tavLst>
+                                    </p:anim>
+                                    <p:anim calcmode="lin" valueType="num">
+                                      <p:cBhvr>
+                                        <p:cTn id="12" dur="200" accel="100000" fill="hold">
+                                          <p:stCondLst>
+                                            <p:cond delay="800"/>
+                                          </p:stCondLst>
+                                        </p:cTn>
+                                        <p:tgtEl>
+                                          <p:spTgt spid="8"/>
+                                        </p:tgtEl>
+                                        <p:attrNameLst>
+                                          <p:attrName>ppt_y</p:attrName>
+                                        </p:attrNameLst>
+                                      </p:cBhvr>
+                                      <p:tavLst>
+                                        <p:tav tm="0">
+                                          <p:val>
+                                            <p:strVal val="#ppt_y+0.1"/>
+                                          </p:val>
+                                        </p:tav>
+                                        <p:tav tm="100000">
+                                          <p:val>
+                                            <p:strVal val="#ppt_y"/>
+                                          </p:val>
+                                        </p:tav>
+                                      </p:tavLst>
+                                    </p:anim>
+                                  </p:childTnLst>
+                                </p:cTn>
+                              </p:par>
+                            </p:childTnLst>
+                          </p:cTn>
+                        </p:par>
+                      </p:childTnLst>
+                    </p:cTn>
+                  </p:par>
+                  <p:par>
+                    <p:cTn id="13" fill="hold">
+                      <p:stCondLst>
+                        <p:cond delay="indefinite"/>
+                      </p:stCondLst>
+                      <p:childTnLst>
+                        <p:par>
+                          <p:cTn id="14" fill="hold">
+                            <p:stCondLst>
+                              <p:cond delay="0"/>
+                            </p:stCondLst>
+                            <p:childTnLst>
+                              <p:par>
+                                <p:cTn id="15" presetID="10" presetClass="entr" presetSubtype="0" fill="hold" nodeType="clickEffect">
+                                  <p:stCondLst>
+                                    <p:cond delay="0"/>
+                                  </p:stCondLst>
+                                  <p:childTnLst>
+                                    <p:set>
+                                      <p:cBhvr>
+                                        <p:cTn id="16" dur="1" fill="hold">
+                                          <p:stCondLst>
+                                            <p:cond delay="0"/>
+                                          </p:stCondLst>
+                                        </p:cTn>
+                                        <p:tgtEl>
+                                          <p:spTgt spid="3">
+                                            <p:txEl>
+                                              <p:pRg st="1" end="1"/>
+                                            </p:txEl>
+                                          </p:spTgt>
+                                        </p:tgtEl>
+                                        <p:attrNameLst>
+                                          <p:attrName>style.visibility</p:attrName>
+                                        </p:attrNameLst>
+                                      </p:cBhvr>
+                                      <p:to>
+                                        <p:strVal val="visible"/>
+                                      </p:to>
+                                    </p:set>
+                                    <p:animEffect transition="in" filter="fade">
+                                      <p:cBhvr>
+                                        <p:cTn id="17" dur="500"/>
+                                        <p:tgtEl>
+                                          <p:spTgt spid="3">
+                                            <p:txEl>
+                                              <p:pRg st="1" end="1"/>
+                                            </p:txEl>
+                                          </p:spTgt>
+                                        </p:tgtEl>
+                                      </p:cBhvr>
+                                    </p:animEffect>
+                                  </p:childTnLst>
+                                </p:cTn>
+                              </p:par>
+                            </p:childTnLst>
+                          </p:cTn>
+                        </p:par>
+                        <p:par>
+                          <p:cTn id="18" fill="hold">
+                            <p:stCondLst>
+                              <p:cond delay="500"/>
+                            </p:stCondLst>
+                            <p:childTnLst>
+                              <p:par>
+                                <p:cTn id="19" presetID="10" presetClass="entr" presetSubtype="0" fill="hold" nodeType="afterEffect">
+                                  <p:stCondLst>
+                                    <p:cond delay="0"/>
+                                  </p:stCondLst>
+                                  <p:childTnLst>
+                                    <p:set>
+                                      <p:cBhvr>
+                                        <p:cTn id="20" dur="1" fill="hold">
+                                          <p:stCondLst>
+                                            <p:cond delay="0"/>
+                                          </p:stCondLst>
+                                        </p:cTn>
+                                        <p:tgtEl>
+                                          <p:spTgt spid="3">
+                                            <p:txEl>
+                                              <p:pRg st="2" end="2"/>
+                                            </p:txEl>
+                                          </p:spTgt>
+                                        </p:tgtEl>
+                                        <p:attrNameLst>
+                                          <p:attrName>style.visibility</p:attrName>
+                                        </p:attrNameLst>
+                                      </p:cBhvr>
+                                      <p:to>
+                                        <p:strVal val="visible"/>
+                                      </p:to>
+                                    </p:set>
+                                    <p:animEffect transition="in" filter="fade">
+                                      <p:cBhvr>
+                                        <p:cTn id="21" dur="500"/>
+                                        <p:tgtEl>
+                                          <p:spTgt spid="3">
+                                            <p:txEl>
+                                              <p:pRg st="2" end="2"/>
+                                            </p:txEl>
+                                          </p:spTgt>
+                                        </p:tgtEl>
+                                      </p:cBhvr>
+                                    </p:animEffect>
+                                  </p:childTnLst>
+                                </p:cTn>
+                              </p:par>
+                            </p:childTnLst>
+                          </p:cTn>
+                        </p:par>
+                        <p:par>
+                          <p:cTn id="22" fill="hold">
+                            <p:stCondLst>
+                              <p:cond delay="1000"/>
+                            </p:stCondLst>
+                            <p:childTnLst>
+                              <p:par>
+                                <p:cTn id="23" presetID="10" presetClass="entr" presetSubtype="0" fill="hold" nodeType="afterEffect">
+                                  <p:stCondLst>
+                                    <p:cond delay="0"/>
+                                  </p:stCondLst>
+                                  <p:childTnLst>
+                                    <p:set>
+                                      <p:cBhvr>
+                                        <p:cTn id="24" dur="1" fill="hold">
+                                          <p:stCondLst>
+                                            <p:cond delay="0"/>
+                                          </p:stCondLst>
+                                        </p:cTn>
+                                        <p:tgtEl>
+                                          <p:spTgt spid="3">
+                                            <p:txEl>
+                                              <p:pRg st="3" end="3"/>
+                                            </p:txEl>
+                                          </p:spTgt>
+                                        </p:tgtEl>
+                                        <p:attrNameLst>
+                                          <p:attrName>style.visibility</p:attrName>
+                                        </p:attrNameLst>
+                                      </p:cBhvr>
+                                      <p:to>
+                                        <p:strVal val="visible"/>
+                                      </p:to>
+                                    </p:set>
+                                    <p:animEffect transition="in" filter="fade">
+                                      <p:cBhvr>
+                                        <p:cTn id="25" dur="500"/>
+                                        <p:tgtEl>
+                                          <p:spTgt spid="3">
+                                            <p:txEl>
+                                              <p:pRg st="3" end="3"/>
+                                            </p:txEl>
+                                          </p:spTgt>
+                                        </p:tgtEl>
+                                      </p:cBhvr>
+                                    </p:animEffect>
+                                  </p:childTnLst>
+                                </p:cTn>
+                              </p:par>
+                            </p:childTnLst>
+                          </p:cTn>
+                        </p:par>
+                        <p:par>
+                          <p:cTn id="26" fill="hold">
+                            <p:stCondLst>
+                              <p:cond delay="1500"/>
+                            </p:stCondLst>
+                            <p:childTnLst>
+                              <p:par>
+                                <p:cTn id="27" presetID="10" presetClass="entr" presetSubtype="0" fill="hold" nodeType="afterEffect">
+                                  <p:stCondLst>
+                                    <p:cond delay="0"/>
+                                  </p:stCondLst>
+                                  <p:childTnLst>
+                                    <p:set>
+                                      <p:cBhvr>
+                                        <p:cTn id="28" dur="1" fill="hold">
+                                          <p:stCondLst>
+                                            <p:cond delay="0"/>
+                                          </p:stCondLst>
+                                        </p:cTn>
+                                        <p:tgtEl>
+                                          <p:spTgt spid="3">
+                                            <p:txEl>
+                                              <p:pRg st="4" end="4"/>
+                                            </p:txEl>
+                                          </p:spTgt>
+                                        </p:tgtEl>
+                                        <p:attrNameLst>
+                                          <p:attrName>style.visibility</p:attrName>
+                                        </p:attrNameLst>
+                                      </p:cBhvr>
+                                      <p:to>
+                                        <p:strVal val="visible"/>
+                                      </p:to>
+                                    </p:set>
+                                    <p:animEffect transition="in" filter="fade">
+                                      <p:cBhvr>
+                                        <p:cTn id="29" dur="500"/>
+                                        <p:tgtEl>
+                                          <p:spTgt spid="3">
+                                            <p:txEl>
+                                              <p:pRg st="4" end="4"/>
+                                            </p:txEl>
+                                          </p:spTgt>
+                                        </p:tgtEl>
+                                      </p:cBhvr>
+                                    </p:animEffect>
+                                  </p:childTnLst>
+                                </p:cTn>
+                              </p:par>
+                            </p:childTnLst>
+                          </p:cTn>
+                        </p:par>
+                        <p:par>
+                          <p:cTn id="30" fill="hold">
+                            <p:stCondLst>
+                              <p:cond delay="2000"/>
+                            </p:stCondLst>
+                            <p:childTnLst>
+                              <p:par>
+                                <p:cTn id="31" presetID="10" presetClass="entr" presetSubtype="0" fill="hold" nodeType="afterEffect">
+                                  <p:stCondLst>
+                                    <p:cond delay="0"/>
+                                  </p:stCondLst>
+                                  <p:childTnLst>
+                                    <p:set>
+                                      <p:cBhvr>
+                                        <p:cTn id="32" dur="1" fill="hold">
+                                          <p:stCondLst>
+                                            <p:cond delay="0"/>
+                                          </p:stCondLst>
+                                        </p:cTn>
+                                        <p:tgtEl>
+                                          <p:spTgt spid="3">
+                                            <p:txEl>
+                                              <p:pRg st="5" end="5"/>
+                                            </p:txEl>
+                                          </p:spTgt>
+                                        </p:tgtEl>
+                                        <p:attrNameLst>
+                                          <p:attrName>style.visibility</p:attrName>
+                                        </p:attrNameLst>
+                                      </p:cBhvr>
+                                      <p:to>
+                                        <p:strVal val="visible"/>
+                                      </p:to>
+                                    </p:set>
+                                    <p:animEffect transition="in" filter="fade">
+                                      <p:cBhvr>
+                                        <p:cTn id="33" dur="500"/>
+                                        <p:tgtEl>
+                                          <p:spTgt spid="3">
+                                            <p:txEl>
+                                              <p:pRg st="5" end="5"/>
+                                            </p:txEl>
+                                          </p:spTgt>
+                                        </p:tgtEl>
+                                      </p:cBhvr>
+                                    </p:animEffect>
+                                  </p:childTnLst>
+                                </p:cTn>
+                              </p:par>
+                            </p:childTnLst>
+                          </p:cTn>
+                        </p:par>
+                        <p:par>
+                          <p:cTn id="34" fill="hold">
+                            <p:stCondLst>
+                              <p:cond delay="2500"/>
+                            </p:stCondLst>
+                            <p:childTnLst>
+                              <p:par>
+                                <p:cTn id="35" presetID="10" presetClass="entr" presetSubtype="0" fill="hold" nodeType="afterEffect">
+                                  <p:stCondLst>
+                                    <p:cond delay="0"/>
+                                  </p:stCondLst>
+                                  <p:childTnLst>
+                                    <p:set>
+                                      <p:cBhvr>
+                                        <p:cTn id="36" dur="1" fill="hold">
+                                          <p:stCondLst>
+                                            <p:cond delay="0"/>
+                                          </p:stCondLst>
+                                        </p:cTn>
+                                        <p:tgtEl>
+                                          <p:spTgt spid="3">
+                                            <p:txEl>
+                                              <p:pRg st="6" end="6"/>
+                                            </p:txEl>
+                                          </p:spTgt>
+                                        </p:tgtEl>
+                                        <p:attrNameLst>
+                                          <p:attrName>style.visibility</p:attrName>
+                                        </p:attrNameLst>
+                                      </p:cBhvr>
+                                      <p:to>
+                                        <p:strVal val="visible"/>
+                                      </p:to>
+                                    </p:set>
+                                    <p:animEffect transition="in" filter="fade">
+                                      <p:cBhvr>
+                                        <p:cTn id="37" dur="500"/>
+                                        <p:tgtEl>
+                                          <p:spTgt spid="3">
+                                            <p:txEl>
+                                              <p:pRg st="6" end="6"/>
+                                            </p:txEl>
+                                          </p:spTgt>
+                                        </p:tgtEl>
+                                      </p:cBhvr>
+                                    </p:animEffect>
+                                  </p:childTnLst>
+                                </p:cTn>
+                              </p:par>
+                            </p:childTnLst>
+                          </p:cTn>
+                        </p:par>
+                      </p:childTnLst>
+                    </p:cTn>
+                  </p:par>
+                </p:childTnLst>
+              </p:cTn>
+              <p:prevCondLst>
+                <p:cond evt="onPrev" delay="0">
+                  <p:tgtEl>
+                    <p:sldTgt/>
+                  </p:tgtEl>
+                </p:cond>
+              </p:prevCondLst>
+              <p:nextCondLst>
+                <p:cond evt="onNext" delay="0">
+                  <p:tgtEl>
+                    <p:sldTgt/>
+                  </p:tgtEl>
+                </p:cond>
+              </p:nextCondLst>
+            </p:seq>
+          </p:childTnLst>
+        </p:cTn>
       </p:par>
     </p:tnLst>
   </p:timing>
@@ -29365,23 +29845,11 @@
           <a:p>
             <a:pPr marL="342900" indent="-342900">
               <a:buFont typeface="+mj-lt"/>
-              <a:buAutoNum type="arabicPeriod" startAt="2"/>
+              <a:buAutoNum type="arabicPeriod"/>
             </a:pPr>
             <a:r>
-              <a:rPr lang="en-US" dirty="0" smtClean="0"/>
-              <a:t>Are </a:t>
-            </a:r>
-            <a:r>
               <a:rPr lang="en-US" dirty="0"/>
-              <a:t>there state of the art approaches that can complement job assignment with </a:t>
-            </a:r>
-            <a:r>
-              <a:rPr lang="en-US" dirty="0" smtClean="0"/>
-              <a:t>mixed integer linear programming methods</a:t>
-            </a:r>
-            <a:r>
-              <a:rPr lang="en-US" dirty="0" smtClean="0"/>
-              <a:t>?</a:t>
+              <a:t>Do cutting edge alternative approaches for role resolution in workflow management systems exist?</a:t>
             </a:r>
           </a:p>
           <a:p>
@@ -29459,7 +29927,7 @@
           <a:p>
             <a:fld id="{DB0B2F36-CFDA-4EEF-BC45-DB620249CF2E}" type="datetime1">
               <a:rPr lang="en-US" smtClean="0"/>
-              <a:t>4/27/2017</a:t>
+              <a:t>5/2/2017</a:t>
             </a:fld>
             <a:endParaRPr lang="en-US" dirty="0"/>
           </a:p>
@@ -29529,7 +29997,423 @@
   <p:timing>
     <p:tnLst>
       <p:par>
-        <p:cTn id="1" dur="indefinite" restart="never" nodeType="tmRoot"/>
+        <p:cTn id="1" dur="indefinite" restart="never" nodeType="tmRoot">
+          <p:childTnLst>
+            <p:seq concurrent="1" nextAc="seek">
+              <p:cTn id="2" dur="indefinite" nodeType="mainSeq">
+                <p:childTnLst>
+                  <p:par>
+                    <p:cTn id="3" fill="hold">
+                      <p:stCondLst>
+                        <p:cond delay="indefinite"/>
+                      </p:stCondLst>
+                      <p:childTnLst>
+                        <p:par>
+                          <p:cTn id="4" fill="hold">
+                            <p:stCondLst>
+                              <p:cond delay="0"/>
+                            </p:stCondLst>
+                            <p:childTnLst>
+                              <p:par>
+                                <p:cTn id="5" presetID="30" presetClass="entr" presetSubtype="0" fill="hold" nodeType="clickEffect">
+                                  <p:stCondLst>
+                                    <p:cond delay="0"/>
+                                  </p:stCondLst>
+                                  <p:childTnLst>
+                                    <p:set>
+                                      <p:cBhvr>
+                                        <p:cTn id="6" dur="1" fill="hold">
+                                          <p:stCondLst>
+                                            <p:cond delay="0"/>
+                                          </p:stCondLst>
+                                        </p:cTn>
+                                        <p:tgtEl>
+                                          <p:spTgt spid="8"/>
+                                        </p:tgtEl>
+                                        <p:attrNameLst>
+                                          <p:attrName>style.visibility</p:attrName>
+                                        </p:attrNameLst>
+                                      </p:cBhvr>
+                                      <p:to>
+                                        <p:strVal val="visible"/>
+                                      </p:to>
+                                    </p:set>
+                                    <p:animEffect transition="in" filter="fade">
+                                      <p:cBhvr>
+                                        <p:cTn id="7" dur="800" decel="100000"/>
+                                        <p:tgtEl>
+                                          <p:spTgt spid="8"/>
+                                        </p:tgtEl>
+                                      </p:cBhvr>
+                                    </p:animEffect>
+                                    <p:anim calcmode="lin" valueType="num">
+                                      <p:cBhvr>
+                                        <p:cTn id="8" dur="800" decel="100000" fill="hold"/>
+                                        <p:tgtEl>
+                                          <p:spTgt spid="8"/>
+                                        </p:tgtEl>
+                                        <p:attrNameLst>
+                                          <p:attrName>style.rotation</p:attrName>
+                                        </p:attrNameLst>
+                                      </p:cBhvr>
+                                      <p:tavLst>
+                                        <p:tav tm="0">
+                                          <p:val>
+                                            <p:fltVal val="-90"/>
+                                          </p:val>
+                                        </p:tav>
+                                        <p:tav tm="100000">
+                                          <p:val>
+                                            <p:fltVal val="0"/>
+                                          </p:val>
+                                        </p:tav>
+                                      </p:tavLst>
+                                    </p:anim>
+                                    <p:anim calcmode="lin" valueType="num">
+                                      <p:cBhvr>
+                                        <p:cTn id="9" dur="800" decel="100000" fill="hold"/>
+                                        <p:tgtEl>
+                                          <p:spTgt spid="8"/>
+                                        </p:tgtEl>
+                                        <p:attrNameLst>
+                                          <p:attrName>ppt_x</p:attrName>
+                                        </p:attrNameLst>
+                                      </p:cBhvr>
+                                      <p:tavLst>
+                                        <p:tav tm="0">
+                                          <p:val>
+                                            <p:strVal val="#ppt_x+0.4"/>
+                                          </p:val>
+                                        </p:tav>
+                                        <p:tav tm="100000">
+                                          <p:val>
+                                            <p:strVal val="#ppt_x-0.05"/>
+                                          </p:val>
+                                        </p:tav>
+                                      </p:tavLst>
+                                    </p:anim>
+                                    <p:anim calcmode="lin" valueType="num">
+                                      <p:cBhvr>
+                                        <p:cTn id="10" dur="800" decel="100000" fill="hold"/>
+                                        <p:tgtEl>
+                                          <p:spTgt spid="8"/>
+                                        </p:tgtEl>
+                                        <p:attrNameLst>
+                                          <p:attrName>ppt_y</p:attrName>
+                                        </p:attrNameLst>
+                                      </p:cBhvr>
+                                      <p:tavLst>
+                                        <p:tav tm="0">
+                                          <p:val>
+                                            <p:strVal val="#ppt_y-0.4"/>
+                                          </p:val>
+                                        </p:tav>
+                                        <p:tav tm="100000">
+                                          <p:val>
+                                            <p:strVal val="#ppt_y+0.1"/>
+                                          </p:val>
+                                        </p:tav>
+                                      </p:tavLst>
+                                    </p:anim>
+                                    <p:anim calcmode="lin" valueType="num">
+                                      <p:cBhvr>
+                                        <p:cTn id="11" dur="200" accel="100000" fill="hold">
+                                          <p:stCondLst>
+                                            <p:cond delay="800"/>
+                                          </p:stCondLst>
+                                        </p:cTn>
+                                        <p:tgtEl>
+                                          <p:spTgt spid="8"/>
+                                        </p:tgtEl>
+                                        <p:attrNameLst>
+                                          <p:attrName>ppt_x</p:attrName>
+                                        </p:attrNameLst>
+                                      </p:cBhvr>
+                                      <p:tavLst>
+                                        <p:tav tm="0">
+                                          <p:val>
+                                            <p:strVal val="#ppt_x-0.05"/>
+                                          </p:val>
+                                        </p:tav>
+                                        <p:tav tm="100000">
+                                          <p:val>
+                                            <p:strVal val="#ppt_x"/>
+                                          </p:val>
+                                        </p:tav>
+                                      </p:tavLst>
+                                    </p:anim>
+                                    <p:anim calcmode="lin" valueType="num">
+                                      <p:cBhvr>
+                                        <p:cTn id="12" dur="200" accel="100000" fill="hold">
+                                          <p:stCondLst>
+                                            <p:cond delay="800"/>
+                                          </p:stCondLst>
+                                        </p:cTn>
+                                        <p:tgtEl>
+                                          <p:spTgt spid="8"/>
+                                        </p:tgtEl>
+                                        <p:attrNameLst>
+                                          <p:attrName>ppt_y</p:attrName>
+                                        </p:attrNameLst>
+                                      </p:cBhvr>
+                                      <p:tavLst>
+                                        <p:tav tm="0">
+                                          <p:val>
+                                            <p:strVal val="#ppt_y+0.1"/>
+                                          </p:val>
+                                        </p:tav>
+                                        <p:tav tm="100000">
+                                          <p:val>
+                                            <p:strVal val="#ppt_y"/>
+                                          </p:val>
+                                        </p:tav>
+                                      </p:tavLst>
+                                    </p:anim>
+                                  </p:childTnLst>
+                                </p:cTn>
+                              </p:par>
+                            </p:childTnLst>
+                          </p:cTn>
+                        </p:par>
+                      </p:childTnLst>
+                    </p:cTn>
+                  </p:par>
+                  <p:par>
+                    <p:cTn id="13" fill="hold">
+                      <p:stCondLst>
+                        <p:cond delay="indefinite"/>
+                      </p:stCondLst>
+                      <p:childTnLst>
+                        <p:par>
+                          <p:cTn id="14" fill="hold">
+                            <p:stCondLst>
+                              <p:cond delay="0"/>
+                            </p:stCondLst>
+                            <p:childTnLst>
+                              <p:par>
+                                <p:cTn id="15" presetID="10" presetClass="entr" presetSubtype="0" fill="hold" nodeType="clickEffect">
+                                  <p:stCondLst>
+                                    <p:cond delay="0"/>
+                                  </p:stCondLst>
+                                  <p:childTnLst>
+                                    <p:set>
+                                      <p:cBhvr>
+                                        <p:cTn id="16" dur="1" fill="hold">
+                                          <p:stCondLst>
+                                            <p:cond delay="0"/>
+                                          </p:stCondLst>
+                                        </p:cTn>
+                                        <p:tgtEl>
+                                          <p:spTgt spid="3">
+                                            <p:txEl>
+                                              <p:pRg st="1" end="1"/>
+                                            </p:txEl>
+                                          </p:spTgt>
+                                        </p:tgtEl>
+                                        <p:attrNameLst>
+                                          <p:attrName>style.visibility</p:attrName>
+                                        </p:attrNameLst>
+                                      </p:cBhvr>
+                                      <p:to>
+                                        <p:strVal val="visible"/>
+                                      </p:to>
+                                    </p:set>
+                                    <p:animEffect transition="in" filter="fade">
+                                      <p:cBhvr>
+                                        <p:cTn id="17" dur="500"/>
+                                        <p:tgtEl>
+                                          <p:spTgt spid="3">
+                                            <p:txEl>
+                                              <p:pRg st="1" end="1"/>
+                                            </p:txEl>
+                                          </p:spTgt>
+                                        </p:tgtEl>
+                                      </p:cBhvr>
+                                    </p:animEffect>
+                                  </p:childTnLst>
+                                </p:cTn>
+                              </p:par>
+                            </p:childTnLst>
+                          </p:cTn>
+                        </p:par>
+                        <p:par>
+                          <p:cTn id="18" fill="hold">
+                            <p:stCondLst>
+                              <p:cond delay="500"/>
+                            </p:stCondLst>
+                            <p:childTnLst>
+                              <p:par>
+                                <p:cTn id="19" presetID="10" presetClass="entr" presetSubtype="0" fill="hold" nodeType="afterEffect">
+                                  <p:stCondLst>
+                                    <p:cond delay="0"/>
+                                  </p:stCondLst>
+                                  <p:childTnLst>
+                                    <p:set>
+                                      <p:cBhvr>
+                                        <p:cTn id="20" dur="1" fill="hold">
+                                          <p:stCondLst>
+                                            <p:cond delay="0"/>
+                                          </p:stCondLst>
+                                        </p:cTn>
+                                        <p:tgtEl>
+                                          <p:spTgt spid="3">
+                                            <p:txEl>
+                                              <p:pRg st="2" end="2"/>
+                                            </p:txEl>
+                                          </p:spTgt>
+                                        </p:tgtEl>
+                                        <p:attrNameLst>
+                                          <p:attrName>style.visibility</p:attrName>
+                                        </p:attrNameLst>
+                                      </p:cBhvr>
+                                      <p:to>
+                                        <p:strVal val="visible"/>
+                                      </p:to>
+                                    </p:set>
+                                    <p:animEffect transition="in" filter="fade">
+                                      <p:cBhvr>
+                                        <p:cTn id="21" dur="500"/>
+                                        <p:tgtEl>
+                                          <p:spTgt spid="3">
+                                            <p:txEl>
+                                              <p:pRg st="2" end="2"/>
+                                            </p:txEl>
+                                          </p:spTgt>
+                                        </p:tgtEl>
+                                      </p:cBhvr>
+                                    </p:animEffect>
+                                  </p:childTnLst>
+                                </p:cTn>
+                              </p:par>
+                            </p:childTnLst>
+                          </p:cTn>
+                        </p:par>
+                        <p:par>
+                          <p:cTn id="22" fill="hold">
+                            <p:stCondLst>
+                              <p:cond delay="1000"/>
+                            </p:stCondLst>
+                            <p:childTnLst>
+                              <p:par>
+                                <p:cTn id="23" presetID="10" presetClass="entr" presetSubtype="0" fill="hold" nodeType="afterEffect">
+                                  <p:stCondLst>
+                                    <p:cond delay="0"/>
+                                  </p:stCondLst>
+                                  <p:childTnLst>
+                                    <p:set>
+                                      <p:cBhvr>
+                                        <p:cTn id="24" dur="1" fill="hold">
+                                          <p:stCondLst>
+                                            <p:cond delay="0"/>
+                                          </p:stCondLst>
+                                        </p:cTn>
+                                        <p:tgtEl>
+                                          <p:spTgt spid="3">
+                                            <p:txEl>
+                                              <p:pRg st="3" end="3"/>
+                                            </p:txEl>
+                                          </p:spTgt>
+                                        </p:tgtEl>
+                                        <p:attrNameLst>
+                                          <p:attrName>style.visibility</p:attrName>
+                                        </p:attrNameLst>
+                                      </p:cBhvr>
+                                      <p:to>
+                                        <p:strVal val="visible"/>
+                                      </p:to>
+                                    </p:set>
+                                    <p:animEffect transition="in" filter="fade">
+                                      <p:cBhvr>
+                                        <p:cTn id="25" dur="500"/>
+                                        <p:tgtEl>
+                                          <p:spTgt spid="3">
+                                            <p:txEl>
+                                              <p:pRg st="3" end="3"/>
+                                            </p:txEl>
+                                          </p:spTgt>
+                                        </p:tgtEl>
+                                      </p:cBhvr>
+                                    </p:animEffect>
+                                  </p:childTnLst>
+                                </p:cTn>
+                              </p:par>
+                            </p:childTnLst>
+                          </p:cTn>
+                        </p:par>
+                        <p:par>
+                          <p:cTn id="26" fill="hold">
+                            <p:stCondLst>
+                              <p:cond delay="1500"/>
+                            </p:stCondLst>
+                            <p:childTnLst>
+                              <p:par>
+                                <p:cTn id="27" presetID="10" presetClass="entr" presetSubtype="0" fill="hold" nodeType="afterEffect">
+                                  <p:stCondLst>
+                                    <p:cond delay="0"/>
+                                  </p:stCondLst>
+                                  <p:childTnLst>
+                                    <p:set>
+                                      <p:cBhvr>
+                                        <p:cTn id="28" dur="1" fill="hold">
+                                          <p:stCondLst>
+                                            <p:cond delay="0"/>
+                                          </p:stCondLst>
+                                        </p:cTn>
+                                        <p:tgtEl>
+                                          <p:spTgt spid="3">
+                                            <p:txEl>
+                                              <p:pRg st="4" end="4"/>
+                                            </p:txEl>
+                                          </p:spTgt>
+                                        </p:tgtEl>
+                                        <p:attrNameLst>
+                                          <p:attrName>style.visibility</p:attrName>
+                                        </p:attrNameLst>
+                                      </p:cBhvr>
+                                      <p:to>
+                                        <p:strVal val="visible"/>
+                                      </p:to>
+                                    </p:set>
+                                    <p:animEffect transition="in" filter="fade">
+                                      <p:cBhvr>
+                                        <p:cTn id="29" dur="500"/>
+                                        <p:tgtEl>
+                                          <p:spTgt spid="3">
+                                            <p:txEl>
+                                              <p:pRg st="4" end="4"/>
+                                            </p:txEl>
+                                          </p:spTgt>
+                                        </p:tgtEl>
+                                      </p:cBhvr>
+                                    </p:animEffect>
+                                  </p:childTnLst>
+                                </p:cTn>
+                              </p:par>
+                            </p:childTnLst>
+                          </p:cTn>
+                        </p:par>
+                      </p:childTnLst>
+                    </p:cTn>
+                  </p:par>
+                </p:childTnLst>
+              </p:cTn>
+              <p:prevCondLst>
+                <p:cond evt="onPrev" delay="0">
+                  <p:tgtEl>
+                    <p:sldTgt/>
+                  </p:tgtEl>
+                </p:cond>
+              </p:prevCondLst>
+              <p:nextCondLst>
+                <p:cond evt="onNext" delay="0">
+                  <p:tgtEl>
+                    <p:sldTgt/>
+                  </p:tgtEl>
+                </p:cond>
+              </p:nextCondLst>
+            </p:seq>
+          </p:childTnLst>
+        </p:cTn>
       </p:par>
     </p:tnLst>
   </p:timing>
@@ -29593,7 +30477,7 @@
           <a:p>
             <a:fld id="{DB0B2F36-CFDA-4EEF-BC45-DB620249CF2E}" type="datetime1">
               <a:rPr lang="en-US" smtClean="0"/>
-              <a:t>4/27/2017</a:t>
+              <a:t>5/2/2017</a:t>
             </a:fld>
             <a:endParaRPr lang="en-US" dirty="0"/>
           </a:p>
@@ -29857,7 +30741,15 @@
             </a:r>
             <a:r>
               <a:rPr lang="en-US" dirty="0"/>
-              <a:t>, A. G. (1998). </a:t>
+              <a:t>, A. G. </a:t>
+            </a:r>
+            <a:r>
+              <a:rPr lang="en-US" dirty="0" smtClean="0"/>
+              <a:t>(2017).</a:t>
+            </a:r>
+            <a:r>
+              <a:rPr lang="en-US" dirty="0"/>
+              <a:t> </a:t>
             </a:r>
             <a:r>
               <a:rPr lang="en-US" i="1" dirty="0"/>
@@ -29865,7 +30757,15 @@
             </a:r>
             <a:r>
               <a:rPr lang="en-US" dirty="0"/>
-              <a:t> (Vol. 1, No. 1). Cambridge: MIT press.</a:t>
+              <a:t> (Vol. </a:t>
+            </a:r>
+            <a:r>
+              <a:rPr lang="en-US" smtClean="0"/>
+              <a:t>2). </a:t>
+            </a:r>
+            <a:r>
+              <a:rPr lang="en-US" dirty="0"/>
+              <a:t>Cambridge: MIT press.</a:t>
             </a:r>
           </a:p>
         </p:txBody>
@@ -29916,7 +30816,7 @@
           <a:p>
             <a:fld id="{141D0F49-276D-4F56-B63B-4D6688C20884}" type="datetime1">
               <a:rPr lang="en-US" smtClean="0"/>
-              <a:t>4/27/2017</a:t>
+              <a:t>5/2/2017</a:t>
             </a:fld>
             <a:endParaRPr lang="en-US" dirty="0"/>
           </a:p>
@@ -30769,7 +31669,7 @@
           <a:p>
             <a:fld id="{775DBC5F-811A-4510-806A-774BA01822C0}" type="datetime1">
               <a:rPr lang="en-US" smtClean="0"/>
-              <a:t>4/27/2017</a:t>
+              <a:t>5/2/2017</a:t>
             </a:fld>
             <a:endParaRPr lang="en-US" dirty="0"/>
           </a:p>
@@ -31341,7 +32241,7 @@
           <a:p>
             <a:fld id="{4F22A586-2213-465D-A4DA-AF7218E30335}" type="datetime1">
               <a:rPr lang="en-US" smtClean="0"/>
-              <a:t>4/27/2017</a:t>
+              <a:t>5/2/2017</a:t>
             </a:fld>
             <a:endParaRPr lang="en-US" dirty="0"/>
           </a:p>
@@ -31606,7 +32506,7 @@
           <a:p>
             <a:fld id="{33702BFD-8F71-412D-ABAA-264257F552C9}" type="datetime1">
               <a:rPr lang="en-US" smtClean="0"/>
-              <a:t>4/27/2017</a:t>
+              <a:t>5/2/2017</a:t>
             </a:fld>
             <a:endParaRPr lang="en-US" dirty="0"/>
           </a:p>
@@ -33318,7 +34218,7 @@
           <a:p>
             <a:fld id="{AFE09599-E0A6-43F3-80A7-56B7E897668B}" type="datetime1">
               <a:rPr lang="en-US" smtClean="0"/>
-              <a:t>4/27/2017</a:t>
+              <a:t>5/2/2017</a:t>
             </a:fld>
             <a:endParaRPr lang="en-US" dirty="0"/>
           </a:p>
@@ -35500,15 +36400,7 @@
           <a:p>
             <a:r>
               <a:rPr lang="en-US" dirty="0" smtClean="0"/>
-              <a:t>Optimize human agents interaction with </a:t>
-            </a:r>
-            <a:r>
-              <a:rPr lang="en-US" dirty="0" smtClean="0"/>
-              <a:t>workflow management systems in </a:t>
-            </a:r>
-            <a:r>
-              <a:rPr lang="en-US" dirty="0" smtClean="0"/>
-              <a:t>order to:</a:t>
+              <a:t>Optimize human agents interaction with workflow management systems in order to:</a:t>
             </a:r>
           </a:p>
           <a:p>
@@ -35590,7 +36482,7 @@
           <a:p>
             <a:fld id="{DB0B2F36-CFDA-4EEF-BC45-DB620249CF2E}" type="datetime1">
               <a:rPr lang="en-US" smtClean="0"/>
-              <a:t>4/27/2017</a:t>
+              <a:t>5/2/2017</a:t>
             </a:fld>
             <a:endParaRPr lang="en-US" dirty="0"/>
           </a:p>
@@ -35727,17 +36619,10 @@
               <a:buAutoNum type="arabicPeriod"/>
             </a:pPr>
             <a:r>
-              <a:rPr lang="en-US" dirty="0"/>
-              <a:t>Can current optimization methods for job assignment in </a:t>
-            </a:r>
-            <a:r>
               <a:rPr lang="en-US" dirty="0" smtClean="0"/>
-              <a:t>workflow management systems be </a:t>
-            </a:r>
-            <a:r>
-              <a:rPr lang="en-US" dirty="0"/>
-              <a:t>further developed?</a:t>
-            </a:r>
+              <a:t>Do traditional mixed integer linear programming based methods for role resolution in workflow management systems exhibit further optimization potential?</a:t>
+            </a:r>
+            <a:endParaRPr lang="en-US" dirty="0"/>
           </a:p>
           <a:p>
             <a:pPr marL="342900" indent="-342900">
@@ -35746,20 +36631,9 @@
             </a:pPr>
             <a:r>
               <a:rPr lang="en-US" dirty="0" smtClean="0"/>
-              <a:t>Are </a:t>
-            </a:r>
-            <a:r>
-              <a:rPr lang="en-US" dirty="0"/>
-              <a:t>there state of the art approaches that can complement job assignment with </a:t>
-            </a:r>
-            <a:r>
-              <a:rPr lang="en-US" dirty="0" smtClean="0"/>
-              <a:t>mixed integer linear programming </a:t>
-            </a:r>
-            <a:r>
-              <a:rPr lang="en-US" dirty="0"/>
-              <a:t>methods?</a:t>
-            </a:r>
+              <a:t>Do cutting edge alternative approaches for role resolution in workflow management systems exist?</a:t>
+            </a:r>
+            <a:endParaRPr lang="en-US" dirty="0"/>
           </a:p>
         </p:txBody>
       </p:sp>
@@ -35809,7 +36683,7 @@
           <a:p>
             <a:fld id="{DB0B2F36-CFDA-4EEF-BC45-DB620249CF2E}" type="datetime1">
               <a:rPr lang="en-US" smtClean="0"/>
-              <a:t>4/27/2017</a:t>
+              <a:t>5/2/2017</a:t>
             </a:fld>
             <a:endParaRPr lang="en-US" dirty="0"/>
           </a:p>
@@ -36010,8 +36884,8 @@
         </p:blipFill>
         <p:spPr>
           <a:xfrm>
-            <a:off x="911225" y="2987988"/>
-            <a:ext cx="10369550" cy="2321887"/>
+            <a:off x="911227" y="2987988"/>
+            <a:ext cx="10369546" cy="2321887"/>
           </a:xfrm>
         </p:spPr>
       </p:pic>
@@ -36032,7 +36906,7 @@
           <a:p>
             <a:fld id="{141D0F49-276D-4F56-B63B-4D6688C20884}" type="datetime1">
               <a:rPr lang="en-US" smtClean="0"/>
-              <a:t>4/27/2017</a:t>
+              <a:t>5/2/2017</a:t>
             </a:fld>
             <a:endParaRPr lang="en-US" dirty="0"/>
           </a:p>
@@ -36262,7 +37136,7 @@
           <a:p>
             <a:fld id="{DB0B2F36-CFDA-4EEF-BC45-DB620249CF2E}" type="datetime1">
               <a:rPr lang="en-US" smtClean="0"/>
-              <a:t>4/27/2017</a:t>
+              <a:t>5/2/2017</a:t>
             </a:fld>
             <a:endParaRPr lang="en-US" dirty="0"/>
           </a:p>

--- a/Workflow Optimization.pptx
+++ b/Workflow Optimization.pptx
@@ -775,11 +775,11 @@
           <c:showBubbleSize val="0"/>
         </c:dLbls>
         <c:smooth val="0"/>
-        <c:axId val="328528664"/>
-        <c:axId val="328460336"/>
+        <c:axId val="329299112"/>
+        <c:axId val="329292056"/>
       </c:lineChart>
       <c:catAx>
-        <c:axId val="328528664"/>
+        <c:axId val="329299112"/>
         <c:scaling>
           <c:orientation val="minMax"/>
         </c:scaling>
@@ -822,7 +822,7 @@
             <a:endParaRPr lang="en-US"/>
           </a:p>
         </c:txPr>
-        <c:crossAx val="328460336"/>
+        <c:crossAx val="329292056"/>
         <c:crosses val="autoZero"/>
         <c:auto val="1"/>
         <c:lblAlgn val="ctr"/>
@@ -830,7 +830,7 @@
         <c:noMultiLvlLbl val="0"/>
       </c:catAx>
       <c:valAx>
-        <c:axId val="328460336"/>
+        <c:axId val="329292056"/>
         <c:scaling>
           <c:orientation val="minMax"/>
           <c:max val="46"/>
@@ -897,7 +897,7 @@
             <a:endParaRPr lang="en-US"/>
           </a:p>
         </c:txPr>
-        <c:crossAx val="328528664"/>
+        <c:crossAx val="329299112"/>
         <c:crosses val="autoZero"/>
         <c:crossBetween val="between"/>
       </c:valAx>
@@ -1391,11 +1391,11 @@
           <c:showBubbleSize val="0"/>
         </c:dLbls>
         <c:smooth val="0"/>
-        <c:axId val="328459552"/>
-        <c:axId val="325997712"/>
+        <c:axId val="326810392"/>
+        <c:axId val="329294408"/>
       </c:lineChart>
       <c:catAx>
-        <c:axId val="328459552"/>
+        <c:axId val="326810392"/>
         <c:scaling>
           <c:orientation val="minMax"/>
         </c:scaling>
@@ -1438,7 +1438,7 @@
             <a:endParaRPr lang="en-US"/>
           </a:p>
         </c:txPr>
-        <c:crossAx val="325997712"/>
+        <c:crossAx val="329294408"/>
         <c:crosses val="autoZero"/>
         <c:auto val="1"/>
         <c:lblAlgn val="ctr"/>
@@ -1446,7 +1446,7 @@
         <c:noMultiLvlLbl val="0"/>
       </c:catAx>
       <c:valAx>
-        <c:axId val="325997712"/>
+        <c:axId val="329294408"/>
         <c:scaling>
           <c:orientation val="minMax"/>
           <c:max val="46"/>
@@ -1513,7 +1513,7 @@
             <a:endParaRPr lang="en-US"/>
           </a:p>
         </c:txPr>
-        <c:crossAx val="328459552"/>
+        <c:crossAx val="326810392"/>
         <c:crosses val="autoZero"/>
         <c:crossBetween val="between"/>
       </c:valAx>
@@ -1855,11 +1855,11 @@
           <c:showBubbleSize val="0"/>
         </c:dLbls>
         <c:gapWidth val="150"/>
-        <c:axId val="221389600"/>
-        <c:axId val="365081232"/>
+        <c:axId val="450793584"/>
+        <c:axId val="450799856"/>
       </c:barChart>
       <c:catAx>
-        <c:axId val="221389600"/>
+        <c:axId val="450793584"/>
         <c:scaling>
           <c:orientation val="minMax"/>
         </c:scaling>
@@ -1896,7 +1896,7 @@
             <a:endParaRPr lang="en-US"/>
           </a:p>
         </c:txPr>
-        <c:crossAx val="365081232"/>
+        <c:crossAx val="450799856"/>
         <c:crosses val="autoZero"/>
         <c:auto val="1"/>
         <c:lblAlgn val="ctr"/>
@@ -1904,7 +1904,7 @@
         <c:noMultiLvlLbl val="0"/>
       </c:catAx>
       <c:valAx>
-        <c:axId val="365081232"/>
+        <c:axId val="450799856"/>
         <c:scaling>
           <c:orientation val="minMax"/>
         </c:scaling>
@@ -1955,7 +1955,7 @@
             <a:endParaRPr lang="en-US"/>
           </a:p>
         </c:txPr>
-        <c:crossAx val="221389600"/>
+        <c:crossAx val="450793584"/>
         <c:crosses val="autoZero"/>
         <c:crossBetween val="between"/>
       </c:valAx>
@@ -2329,11 +2329,11 @@
           <c:showBubbleSize val="0"/>
         </c:dLbls>
         <c:gapWidth val="150"/>
-        <c:axId val="365080056"/>
-        <c:axId val="365080840"/>
+        <c:axId val="450800248"/>
+        <c:axId val="450795936"/>
       </c:barChart>
       <c:catAx>
-        <c:axId val="365080056"/>
+        <c:axId val="450800248"/>
         <c:scaling>
           <c:orientation val="minMax"/>
         </c:scaling>
@@ -2370,7 +2370,7 @@
             <a:endParaRPr lang="en-US"/>
           </a:p>
         </c:txPr>
-        <c:crossAx val="365080840"/>
+        <c:crossAx val="450795936"/>
         <c:crosses val="autoZero"/>
         <c:auto val="1"/>
         <c:lblAlgn val="ctr"/>
@@ -2378,7 +2378,7 @@
         <c:noMultiLvlLbl val="0"/>
       </c:catAx>
       <c:valAx>
-        <c:axId val="365080840"/>
+        <c:axId val="450795936"/>
         <c:scaling>
           <c:orientation val="minMax"/>
         </c:scaling>
@@ -2429,7 +2429,7 @@
             <a:endParaRPr lang="en-US"/>
           </a:p>
         </c:txPr>
-        <c:crossAx val="365080056"/>
+        <c:crossAx val="450800248"/>
         <c:crosses val="autoZero"/>
         <c:crossBetween val="between"/>
       </c:valAx>
@@ -2827,11 +2827,11 @@
           <c:showBubbleSize val="0"/>
         </c:dLbls>
         <c:gapWidth val="150"/>
-        <c:axId val="365079272"/>
-        <c:axId val="365076528"/>
+        <c:axId val="450795152"/>
+        <c:axId val="450797504"/>
       </c:barChart>
       <c:catAx>
-        <c:axId val="365079272"/>
+        <c:axId val="450795152"/>
         <c:scaling>
           <c:orientation val="minMax"/>
         </c:scaling>
@@ -2868,7 +2868,7 @@
             <a:endParaRPr lang="en-US"/>
           </a:p>
         </c:txPr>
-        <c:crossAx val="365076528"/>
+        <c:crossAx val="450797504"/>
         <c:crosses val="autoZero"/>
         <c:auto val="1"/>
         <c:lblAlgn val="ctr"/>
@@ -2876,7 +2876,7 @@
         <c:noMultiLvlLbl val="0"/>
       </c:catAx>
       <c:valAx>
-        <c:axId val="365076528"/>
+        <c:axId val="450797504"/>
         <c:scaling>
           <c:orientation val="minMax"/>
           <c:max val="40"/>
@@ -2929,7 +2929,7 @@
             <a:endParaRPr lang="en-US"/>
           </a:p>
         </c:txPr>
-        <c:crossAx val="365079272"/>
+        <c:crossAx val="450795152"/>
         <c:crosses val="autoZero"/>
         <c:crossBetween val="between"/>
       </c:valAx>
@@ -3327,11 +3327,11 @@
           <c:showBubbleSize val="0"/>
         </c:dLbls>
         <c:gapWidth val="150"/>
-        <c:axId val="365083192"/>
-        <c:axId val="365081624"/>
+        <c:axId val="450795544"/>
+        <c:axId val="450796328"/>
       </c:barChart>
       <c:catAx>
-        <c:axId val="365083192"/>
+        <c:axId val="450795544"/>
         <c:scaling>
           <c:orientation val="minMax"/>
         </c:scaling>
@@ -3368,7 +3368,7 @@
             <a:endParaRPr lang="en-US"/>
           </a:p>
         </c:txPr>
-        <c:crossAx val="365081624"/>
+        <c:crossAx val="450796328"/>
         <c:crosses val="autoZero"/>
         <c:auto val="1"/>
         <c:lblAlgn val="ctr"/>
@@ -3376,7 +3376,7 @@
         <c:noMultiLvlLbl val="0"/>
       </c:catAx>
       <c:valAx>
-        <c:axId val="365081624"/>
+        <c:axId val="450796328"/>
         <c:scaling>
           <c:orientation val="minMax"/>
           <c:max val="40"/>
@@ -3428,7 +3428,7 @@
             <a:endParaRPr lang="en-US"/>
           </a:p>
         </c:txPr>
-        <c:crossAx val="365083192"/>
+        <c:crossAx val="450795544"/>
         <c:crosses val="autoZero"/>
         <c:crossBetween val="between"/>
       </c:valAx>
@@ -6797,14 +6797,14 @@
           <a:effectLst/>
           <a:extLst>
             <a:ext uri="{909E8E84-426E-40dd-AFC4-6F175D3DCCD1}">
-              <a14:hiddenFill xmlns="" xmlns:a14="http://schemas.microsoft.com/office/drawing/2010/main">
+              <a14:hiddenFill xmlns:a14="http://schemas.microsoft.com/office/drawing/2010/main" xmlns="">
                 <a:solidFill>
                   <a:schemeClr val="accent1"/>
                 </a:solidFill>
               </a14:hiddenFill>
             </a:ext>
             <a:ext uri="{91240B29-F687-4f45-9708-019B960494DF}">
-              <a14:hiddenLine xmlns="" xmlns:a14="http://schemas.microsoft.com/office/drawing/2010/main" w="9525">
+              <a14:hiddenLine xmlns:a14="http://schemas.microsoft.com/office/drawing/2010/main" xmlns="" w="9525">
                 <a:solidFill>
                   <a:schemeClr val="tx1"/>
                 </a:solidFill>
@@ -6814,7 +6814,7 @@
               </a14:hiddenLine>
             </a:ext>
             <a:ext uri="{AF507438-7753-43e0-B8FC-AC1667EBCBE1}">
-              <a14:hiddenEffects xmlns="" xmlns:a14="http://schemas.microsoft.com/office/drawing/2010/main">
+              <a14:hiddenEffects xmlns:a14="http://schemas.microsoft.com/office/drawing/2010/main" xmlns="">
                 <a:effectLst>
                   <a:outerShdw blurRad="63500" dist="38099" dir="2700000" algn="ctr" rotWithShape="0">
                     <a:schemeClr val="bg2">
@@ -6825,7 +6825,7 @@
               </a14:hiddenEffects>
             </a:ext>
             <a:ext uri="{FAA26D3D-D897-4be2-8F04-BA451C77F1D7}">
-              <ma14:placeholderFlag xmlns="" xmlns:ma14="http://schemas.microsoft.com/office/mac/drawingml/2011/main" val="1"/>
+              <ma14:placeholderFlag xmlns:ma14="http://schemas.microsoft.com/office/mac/drawingml/2011/main" xmlns="" val="1"/>
             </a:ext>
           </a:extLst>
         </p:spPr>
@@ -6870,14 +6870,14 @@
           <a:effectLst/>
           <a:extLst>
             <a:ext uri="{909E8E84-426E-40dd-AFC4-6F175D3DCCD1}">
-              <a14:hiddenFill xmlns="" xmlns:a14="http://schemas.microsoft.com/office/drawing/2010/main">
+              <a14:hiddenFill xmlns:a14="http://schemas.microsoft.com/office/drawing/2010/main" xmlns="">
                 <a:solidFill>
                   <a:schemeClr val="accent1"/>
                 </a:solidFill>
               </a14:hiddenFill>
             </a:ext>
             <a:ext uri="{91240B29-F687-4f45-9708-019B960494DF}">
-              <a14:hiddenLine xmlns="" xmlns:a14="http://schemas.microsoft.com/office/drawing/2010/main" w="9525">
+              <a14:hiddenLine xmlns:a14="http://schemas.microsoft.com/office/drawing/2010/main" xmlns="" w="9525">
                 <a:solidFill>
                   <a:schemeClr val="tx1"/>
                 </a:solidFill>
@@ -6887,7 +6887,7 @@
               </a14:hiddenLine>
             </a:ext>
             <a:ext uri="{AF507438-7753-43e0-B8FC-AC1667EBCBE1}">
-              <a14:hiddenEffects xmlns="" xmlns:a14="http://schemas.microsoft.com/office/drawing/2010/main">
+              <a14:hiddenEffects xmlns:a14="http://schemas.microsoft.com/office/drawing/2010/main" xmlns="">
                 <a:effectLst>
                   <a:outerShdw blurRad="63500" dist="38099" dir="2700000" algn="ctr" rotWithShape="0">
                     <a:schemeClr val="bg2">
@@ -6898,7 +6898,7 @@
               </a14:hiddenEffects>
             </a:ext>
             <a:ext uri="{FAA26D3D-D897-4be2-8F04-BA451C77F1D7}">
-              <ma14:placeholderFlag xmlns="" xmlns:ma14="http://schemas.microsoft.com/office/mac/drawingml/2011/main" val="1"/>
+              <ma14:placeholderFlag xmlns:ma14="http://schemas.microsoft.com/office/mac/drawingml/2011/main" xmlns="" val="1"/>
             </a:ext>
           </a:extLst>
         </p:spPr>
@@ -6948,7 +6948,7 @@
           <a:effectLst/>
           <a:extLst>
             <a:ext uri="{AF507438-7753-43e0-B8FC-AC1667EBCBE1}">
-              <a14:hiddenEffects xmlns="" xmlns:a14="http://schemas.microsoft.com/office/drawing/2010/main">
+              <a14:hiddenEffects xmlns:a14="http://schemas.microsoft.com/office/drawing/2010/main" xmlns="">
                 <a:effectLst>
                   <a:outerShdw blurRad="63500" dist="38099" dir="2700000" algn="ctr" rotWithShape="0">
                     <a:srgbClr val="000000">
@@ -6959,7 +6959,7 @@
               </a14:hiddenEffects>
             </a:ext>
             <a:ext uri="{53640926-AAD7-44d8-BBD7-CCE9431645EC}">
-              <a14:shadowObscured xmlns="" xmlns:a14="http://schemas.microsoft.com/office/drawing/2010/main" val="1"/>
+              <a14:shadowObscured xmlns:a14="http://schemas.microsoft.com/office/drawing/2010/main" xmlns="" val="1"/>
             </a:ext>
           </a:extLst>
         </p:spPr>
@@ -6989,14 +6989,14 @@
           <a:effectLst/>
           <a:extLst>
             <a:ext uri="{909E8E84-426E-40dd-AFC4-6F175D3DCCD1}">
-              <a14:hiddenFill xmlns="" xmlns:a14="http://schemas.microsoft.com/office/drawing/2010/main">
+              <a14:hiddenFill xmlns:a14="http://schemas.microsoft.com/office/drawing/2010/main" xmlns="">
                 <a:solidFill>
                   <a:schemeClr val="accent1"/>
                 </a:solidFill>
               </a14:hiddenFill>
             </a:ext>
             <a:ext uri="{91240B29-F687-4f45-9708-019B960494DF}">
-              <a14:hiddenLine xmlns="" xmlns:a14="http://schemas.microsoft.com/office/drawing/2010/main" w="9525">
+              <a14:hiddenLine xmlns:a14="http://schemas.microsoft.com/office/drawing/2010/main" xmlns="" w="9525">
                 <a:solidFill>
                   <a:schemeClr val="tx1"/>
                 </a:solidFill>
@@ -7006,7 +7006,7 @@
               </a14:hiddenLine>
             </a:ext>
             <a:ext uri="{AF507438-7753-43e0-B8FC-AC1667EBCBE1}">
-              <a14:hiddenEffects xmlns="" xmlns:a14="http://schemas.microsoft.com/office/drawing/2010/main">
+              <a14:hiddenEffects xmlns:a14="http://schemas.microsoft.com/office/drawing/2010/main" xmlns="">
                 <a:effectLst>
                   <a:outerShdw blurRad="63500" dist="38099" dir="2700000" algn="ctr" rotWithShape="0">
                     <a:schemeClr val="bg2">
@@ -7017,7 +7017,7 @@
               </a14:hiddenEffects>
             </a:ext>
             <a:ext uri="{FAA26D3D-D897-4be2-8F04-BA451C77F1D7}">
-              <ma14:placeholderFlag xmlns="" xmlns:ma14="http://schemas.microsoft.com/office/mac/drawingml/2011/main" val="1"/>
+              <ma14:placeholderFlag xmlns:ma14="http://schemas.microsoft.com/office/mac/drawingml/2011/main" xmlns="" val="1"/>
             </a:ext>
           </a:extLst>
         </p:spPr>
@@ -7090,14 +7090,14 @@
           <a:effectLst/>
           <a:extLst>
             <a:ext uri="{909E8E84-426E-40dd-AFC4-6F175D3DCCD1}">
-              <a14:hiddenFill xmlns="" xmlns:a14="http://schemas.microsoft.com/office/drawing/2010/main">
+              <a14:hiddenFill xmlns:a14="http://schemas.microsoft.com/office/drawing/2010/main" xmlns="">
                 <a:solidFill>
                   <a:schemeClr val="accent1"/>
                 </a:solidFill>
               </a14:hiddenFill>
             </a:ext>
             <a:ext uri="{91240B29-F687-4f45-9708-019B960494DF}">
-              <a14:hiddenLine xmlns="" xmlns:a14="http://schemas.microsoft.com/office/drawing/2010/main" w="9525">
+              <a14:hiddenLine xmlns:a14="http://schemas.microsoft.com/office/drawing/2010/main" xmlns="" w="9525">
                 <a:solidFill>
                   <a:schemeClr val="tx1"/>
                 </a:solidFill>
@@ -7107,7 +7107,7 @@
               </a14:hiddenLine>
             </a:ext>
             <a:ext uri="{AF507438-7753-43e0-B8FC-AC1667EBCBE1}">
-              <a14:hiddenEffects xmlns="" xmlns:a14="http://schemas.microsoft.com/office/drawing/2010/main">
+              <a14:hiddenEffects xmlns:a14="http://schemas.microsoft.com/office/drawing/2010/main" xmlns="">
                 <a:effectLst>
                   <a:outerShdw blurRad="63500" dist="38099" dir="2700000" algn="ctr" rotWithShape="0">
                     <a:schemeClr val="bg2">
@@ -7118,7 +7118,7 @@
               </a14:hiddenEffects>
             </a:ext>
             <a:ext uri="{FAA26D3D-D897-4be2-8F04-BA451C77F1D7}">
-              <ma14:placeholderFlag xmlns="" xmlns:ma14="http://schemas.microsoft.com/office/mac/drawingml/2011/main" val="1"/>
+              <ma14:placeholderFlag xmlns:ma14="http://schemas.microsoft.com/office/mac/drawingml/2011/main" xmlns="" val="1"/>
             </a:ext>
           </a:extLst>
         </p:spPr>
@@ -7163,14 +7163,14 @@
           <a:effectLst/>
           <a:extLst>
             <a:ext uri="{909E8E84-426E-40dd-AFC4-6F175D3DCCD1}">
-              <a14:hiddenFill xmlns="" xmlns:a14="http://schemas.microsoft.com/office/drawing/2010/main">
+              <a14:hiddenFill xmlns:a14="http://schemas.microsoft.com/office/drawing/2010/main" xmlns="">
                 <a:solidFill>
                   <a:schemeClr val="accent1"/>
                 </a:solidFill>
               </a14:hiddenFill>
             </a:ext>
             <a:ext uri="{91240B29-F687-4f45-9708-019B960494DF}">
-              <a14:hiddenLine xmlns="" xmlns:a14="http://schemas.microsoft.com/office/drawing/2010/main" w="9525">
+              <a14:hiddenLine xmlns:a14="http://schemas.microsoft.com/office/drawing/2010/main" xmlns="" w="9525">
                 <a:solidFill>
                   <a:schemeClr val="tx1"/>
                 </a:solidFill>
@@ -7180,7 +7180,7 @@
               </a14:hiddenLine>
             </a:ext>
             <a:ext uri="{AF507438-7753-43e0-B8FC-AC1667EBCBE1}">
-              <a14:hiddenEffects xmlns="" xmlns:a14="http://schemas.microsoft.com/office/drawing/2010/main">
+              <a14:hiddenEffects xmlns:a14="http://schemas.microsoft.com/office/drawing/2010/main" xmlns="">
                 <a:effectLst>
                   <a:outerShdw blurRad="63500" dist="38099" dir="2700000" algn="ctr" rotWithShape="0">
                     <a:schemeClr val="bg2">
@@ -7191,7 +7191,7 @@
               </a14:hiddenEffects>
             </a:ext>
             <a:ext uri="{FAA26D3D-D897-4be2-8F04-BA451C77F1D7}">
-              <ma14:placeholderFlag xmlns="" xmlns:ma14="http://schemas.microsoft.com/office/mac/drawingml/2011/main" val="1"/>
+              <ma14:placeholderFlag xmlns:ma14="http://schemas.microsoft.com/office/mac/drawingml/2011/main" xmlns="" val="1"/>
             </a:ext>
           </a:extLst>
         </p:spPr>
@@ -7535,7 +7535,7 @@
           <a:p>
             <a:fld id="{DEC37592-88B6-44B8-8DC1-F031E7284748}" type="datetime1">
               <a:rPr lang="en-US" smtClean="0"/>
-              <a:t>5/4/2017</a:t>
+              <a:t>5/5/2017</a:t>
             </a:fld>
             <a:endParaRPr lang="en-US" dirty="0"/>
           </a:p>
@@ -7660,7 +7660,7 @@
           <a:effectLst/>
           <a:extLst>
             <a:ext uri="{AF507438-7753-43e0-B8FC-AC1667EBCBE1}">
-              <a14:hiddenEffects xmlns="" xmlns:a14="http://schemas.microsoft.com/office/drawing/2010/main">
+              <a14:hiddenEffects xmlns:a14="http://schemas.microsoft.com/office/drawing/2010/main" xmlns="">
                 <a:effectLst>
                   <a:outerShdw blurRad="63500" dist="35921" dir="2700000" algn="ctr" rotWithShape="0">
                     <a:schemeClr val="bg2"/>
@@ -7863,7 +7863,7 @@
           <a:p>
             <a:fld id="{141D0F49-276D-4F56-B63B-4D6688C20884}" type="datetime1">
               <a:rPr lang="en-US" smtClean="0"/>
-              <a:t>5/4/2017</a:t>
+              <a:t>5/5/2017</a:t>
             </a:fld>
             <a:endParaRPr lang="en-US" dirty="0"/>
           </a:p>
@@ -8104,7 +8104,7 @@
           <a:p>
             <a:fld id="{DB0B2F36-CFDA-4EEF-BC45-DB620249CF2E}" type="datetime1">
               <a:rPr lang="en-US" smtClean="0"/>
-              <a:t>5/4/2017</a:t>
+              <a:t>5/5/2017</a:t>
             </a:fld>
             <a:endParaRPr lang="en-US" dirty="0"/>
           </a:p>
@@ -8231,7 +8231,7 @@
           <a:p>
             <a:fld id="{0A71E8A6-07E6-4E35-BA17-942B67FDBF2E}" type="datetime1">
               <a:rPr lang="en-US" smtClean="0"/>
-              <a:t>5/4/2017</a:t>
+              <a:t>5/5/2017</a:t>
             </a:fld>
             <a:endParaRPr lang="en-US" dirty="0"/>
           </a:p>
@@ -8419,7 +8419,7 @@
           <a:p>
             <a:fld id="{6B983425-0FCF-4322-BAEA-0A4DFE9AC5A5}" type="datetime1">
               <a:rPr lang="en-US" smtClean="0"/>
-              <a:t>5/4/2017</a:t>
+              <a:t>5/5/2017</a:t>
             </a:fld>
             <a:endParaRPr lang="en-US" dirty="0"/>
           </a:p>
@@ -8546,7 +8546,7 @@
           <a:noFill/>
           <a:extLst>
             <a:ext uri="{909E8E84-426E-40dd-AFC4-6F175D3DCCD1}">
-              <a14:hiddenFill xmlns="" xmlns:a14="http://schemas.microsoft.com/office/drawing/2010/main">
+              <a14:hiddenFill xmlns:a14="http://schemas.microsoft.com/office/drawing/2010/main" xmlns="">
                 <a:solidFill>
                   <a:srgbClr val="FFFFFF"/>
                 </a:solidFill>
@@ -8580,14 +8580,14 @@
           <a:effectLst/>
           <a:extLst>
             <a:ext uri="{909E8E84-426E-40dd-AFC4-6F175D3DCCD1}">
-              <a14:hiddenFill xmlns="" xmlns:a14="http://schemas.microsoft.com/office/drawing/2010/main">
+              <a14:hiddenFill xmlns:a14="http://schemas.microsoft.com/office/drawing/2010/main" xmlns="">
                 <a:solidFill>
                   <a:schemeClr val="accent1"/>
                 </a:solidFill>
               </a14:hiddenFill>
             </a:ext>
             <a:ext uri="{91240B29-F687-4f45-9708-019B960494DF}">
-              <a14:hiddenLine xmlns="" xmlns:a14="http://schemas.microsoft.com/office/drawing/2010/main" w="9525">
+              <a14:hiddenLine xmlns:a14="http://schemas.microsoft.com/office/drawing/2010/main" xmlns="" w="9525">
                 <a:solidFill>
                   <a:schemeClr val="tx1"/>
                 </a:solidFill>
@@ -8597,7 +8597,7 @@
               </a14:hiddenLine>
             </a:ext>
             <a:ext uri="{AF507438-7753-43e0-B8FC-AC1667EBCBE1}">
-              <a14:hiddenEffects xmlns="" xmlns:a14="http://schemas.microsoft.com/office/drawing/2010/main">
+              <a14:hiddenEffects xmlns:a14="http://schemas.microsoft.com/office/drawing/2010/main" xmlns="">
                 <a:effectLst>
                   <a:outerShdw blurRad="63500" dist="38099" dir="2700000" algn="ctr" rotWithShape="0">
                     <a:schemeClr val="bg2">
@@ -8608,7 +8608,7 @@
               </a14:hiddenEffects>
             </a:ext>
             <a:ext uri="{FAA26D3D-D897-4be2-8F04-BA451C77F1D7}">
-              <ma14:placeholderFlag xmlns="" xmlns:ma14="http://schemas.microsoft.com/office/mac/drawingml/2011/main" val="1"/>
+              <ma14:placeholderFlag xmlns:ma14="http://schemas.microsoft.com/office/mac/drawingml/2011/main" xmlns="" val="1"/>
             </a:ext>
           </a:extLst>
         </p:spPr>
@@ -8662,14 +8662,14 @@
           <a:effectLst/>
           <a:extLst>
             <a:ext uri="{909E8E84-426E-40dd-AFC4-6F175D3DCCD1}">
-              <a14:hiddenFill xmlns="" xmlns:a14="http://schemas.microsoft.com/office/drawing/2010/main">
+              <a14:hiddenFill xmlns:a14="http://schemas.microsoft.com/office/drawing/2010/main" xmlns="">
                 <a:solidFill>
                   <a:schemeClr val="accent1"/>
                 </a:solidFill>
               </a14:hiddenFill>
             </a:ext>
             <a:ext uri="{91240B29-F687-4f45-9708-019B960494DF}">
-              <a14:hiddenLine xmlns="" xmlns:a14="http://schemas.microsoft.com/office/drawing/2010/main" w="9525">
+              <a14:hiddenLine xmlns:a14="http://schemas.microsoft.com/office/drawing/2010/main" xmlns="" w="9525">
                 <a:solidFill>
                   <a:schemeClr val="tx1"/>
                 </a:solidFill>
@@ -8679,7 +8679,7 @@
               </a14:hiddenLine>
             </a:ext>
             <a:ext uri="{AF507438-7753-43e0-B8FC-AC1667EBCBE1}">
-              <a14:hiddenEffects xmlns="" xmlns:a14="http://schemas.microsoft.com/office/drawing/2010/main">
+              <a14:hiddenEffects xmlns:a14="http://schemas.microsoft.com/office/drawing/2010/main" xmlns="">
                 <a:effectLst>
                   <a:outerShdw blurRad="63500" dist="38099" dir="2700000" algn="ctr" rotWithShape="0">
                     <a:schemeClr val="bg2">
@@ -8690,7 +8690,7 @@
               </a14:hiddenEffects>
             </a:ext>
             <a:ext uri="{FAA26D3D-D897-4be2-8F04-BA451C77F1D7}">
-              <ma14:placeholderFlag xmlns="" xmlns:ma14="http://schemas.microsoft.com/office/mac/drawingml/2011/main" val="1"/>
+              <ma14:placeholderFlag xmlns:ma14="http://schemas.microsoft.com/office/mac/drawingml/2011/main" xmlns="" val="1"/>
             </a:ext>
           </a:extLst>
         </p:spPr>
@@ -8808,14 +8808,14 @@
           <a:effectLst/>
           <a:extLst>
             <a:ext uri="{909E8E84-426E-40dd-AFC4-6F175D3DCCD1}">
-              <a14:hiddenFill xmlns="" xmlns:a14="http://schemas.microsoft.com/office/drawing/2010/main">
+              <a14:hiddenFill xmlns:a14="http://schemas.microsoft.com/office/drawing/2010/main" xmlns="">
                 <a:solidFill>
                   <a:schemeClr val="accent1"/>
                 </a:solidFill>
               </a14:hiddenFill>
             </a:ext>
             <a:ext uri="{91240B29-F687-4f45-9708-019B960494DF}">
-              <a14:hiddenLine xmlns="" xmlns:a14="http://schemas.microsoft.com/office/drawing/2010/main" w="9525">
+              <a14:hiddenLine xmlns:a14="http://schemas.microsoft.com/office/drawing/2010/main" xmlns="" w="9525">
                 <a:solidFill>
                   <a:schemeClr val="tx1"/>
                 </a:solidFill>
@@ -8825,7 +8825,7 @@
               </a14:hiddenLine>
             </a:ext>
             <a:ext uri="{AF507438-7753-43e0-B8FC-AC1667EBCBE1}">
-              <a14:hiddenEffects xmlns="" xmlns:a14="http://schemas.microsoft.com/office/drawing/2010/main">
+              <a14:hiddenEffects xmlns:a14="http://schemas.microsoft.com/office/drawing/2010/main" xmlns="">
                 <a:effectLst>
                   <a:outerShdw blurRad="63500" dist="38099" dir="2700000" algn="ctr" rotWithShape="0">
                     <a:schemeClr val="bg2">
@@ -8836,7 +8836,7 @@
               </a14:hiddenEffects>
             </a:ext>
             <a:ext uri="{FAA26D3D-D897-4be2-8F04-BA451C77F1D7}">
-              <ma14:placeholderFlag xmlns="" xmlns:ma14="http://schemas.microsoft.com/office/mac/drawingml/2011/main" val="1"/>
+              <ma14:placeholderFlag xmlns:ma14="http://schemas.microsoft.com/office/mac/drawingml/2011/main" xmlns="" val="1"/>
             </a:ext>
           </a:extLst>
         </p:spPr>
@@ -8854,7 +8854,7 @@
           <a:p>
             <a:fld id="{AC3A2CD8-0910-4F3E-B4BC-AB1508329ADD}" type="datetime1">
               <a:rPr lang="en-US" smtClean="0"/>
-              <a:t>5/4/2017</a:t>
+              <a:t>5/5/2017</a:t>
             </a:fld>
             <a:endParaRPr lang="en-US" dirty="0"/>
           </a:p>
@@ -8885,14 +8885,14 @@
           <a:effectLst/>
           <a:extLst>
             <a:ext uri="{909E8E84-426E-40dd-AFC4-6F175D3DCCD1}">
-              <a14:hiddenFill xmlns="" xmlns:a14="http://schemas.microsoft.com/office/drawing/2010/main">
+              <a14:hiddenFill xmlns:a14="http://schemas.microsoft.com/office/drawing/2010/main" xmlns="">
                 <a:solidFill>
                   <a:schemeClr val="accent1"/>
                 </a:solidFill>
               </a14:hiddenFill>
             </a:ext>
             <a:ext uri="{91240B29-F687-4f45-9708-019B960494DF}">
-              <a14:hiddenLine xmlns="" xmlns:a14="http://schemas.microsoft.com/office/drawing/2010/main" w="9525">
+              <a14:hiddenLine xmlns:a14="http://schemas.microsoft.com/office/drawing/2010/main" xmlns="" w="9525">
                 <a:solidFill>
                   <a:schemeClr val="tx1"/>
                 </a:solidFill>
@@ -8902,7 +8902,7 @@
               </a14:hiddenLine>
             </a:ext>
             <a:ext uri="{AF507438-7753-43e0-B8FC-AC1667EBCBE1}">
-              <a14:hiddenEffects xmlns="" xmlns:a14="http://schemas.microsoft.com/office/drawing/2010/main">
+              <a14:hiddenEffects xmlns:a14="http://schemas.microsoft.com/office/drawing/2010/main" xmlns="">
                 <a:effectLst>
                   <a:outerShdw blurRad="63500" dist="38099" dir="2700000" algn="ctr" rotWithShape="0">
                     <a:schemeClr val="bg2">
@@ -8913,7 +8913,7 @@
               </a14:hiddenEffects>
             </a:ext>
             <a:ext uri="{FAA26D3D-D897-4be2-8F04-BA451C77F1D7}">
-              <ma14:placeholderFlag xmlns="" xmlns:ma14="http://schemas.microsoft.com/office/mac/drawingml/2011/main" val="1"/>
+              <ma14:placeholderFlag xmlns:ma14="http://schemas.microsoft.com/office/mac/drawingml/2011/main" xmlns="" val="1"/>
             </a:ext>
           </a:extLst>
         </p:spPr>
@@ -8962,14 +8962,14 @@
           <a:effectLst/>
           <a:extLst>
             <a:ext uri="{909E8E84-426E-40dd-AFC4-6F175D3DCCD1}">
-              <a14:hiddenFill xmlns="" xmlns:a14="http://schemas.microsoft.com/office/drawing/2010/main">
+              <a14:hiddenFill xmlns:a14="http://schemas.microsoft.com/office/drawing/2010/main" xmlns="">
                 <a:solidFill>
                   <a:schemeClr val="accent1"/>
                 </a:solidFill>
               </a14:hiddenFill>
             </a:ext>
             <a:ext uri="{91240B29-F687-4f45-9708-019B960494DF}">
-              <a14:hiddenLine xmlns="" xmlns:a14="http://schemas.microsoft.com/office/drawing/2010/main" w="9525">
+              <a14:hiddenLine xmlns:a14="http://schemas.microsoft.com/office/drawing/2010/main" xmlns="" w="9525">
                 <a:solidFill>
                   <a:schemeClr val="tx1"/>
                 </a:solidFill>
@@ -8979,7 +8979,7 @@
               </a14:hiddenLine>
             </a:ext>
             <a:ext uri="{AF507438-7753-43e0-B8FC-AC1667EBCBE1}">
-              <a14:hiddenEffects xmlns="" xmlns:a14="http://schemas.microsoft.com/office/drawing/2010/main">
+              <a14:hiddenEffects xmlns:a14="http://schemas.microsoft.com/office/drawing/2010/main" xmlns="">
                 <a:effectLst>
                   <a:outerShdw blurRad="63500" dist="38099" dir="2700000" algn="ctr" rotWithShape="0">
                     <a:schemeClr val="bg2">
@@ -8990,7 +8990,7 @@
               </a14:hiddenEffects>
             </a:ext>
             <a:ext uri="{FAA26D3D-D897-4be2-8F04-BA451C77F1D7}">
-              <ma14:placeholderFlag xmlns="" xmlns:ma14="http://schemas.microsoft.com/office/mac/drawingml/2011/main" val="1"/>
+              <ma14:placeholderFlag xmlns:ma14="http://schemas.microsoft.com/office/mac/drawingml/2011/main" xmlns="" val="1"/>
             </a:ext>
           </a:extLst>
         </p:spPr>
@@ -9047,12 +9047,12 @@
           <a:effectLst/>
           <a:extLst>
             <a:ext uri="{909E8E84-426E-40dd-AFC4-6F175D3DCCD1}">
-              <a14:hiddenFill xmlns="" xmlns:a14="http://schemas.microsoft.com/office/drawing/2010/main">
+              <a14:hiddenFill xmlns:a14="http://schemas.microsoft.com/office/drawing/2010/main" xmlns="">
                 <a:noFill/>
               </a14:hiddenFill>
             </a:ext>
             <a:ext uri="{AF507438-7753-43e0-B8FC-AC1667EBCBE1}">
-              <a14:hiddenEffects xmlns="" xmlns:a14="http://schemas.microsoft.com/office/drawing/2010/main">
+              <a14:hiddenEffects xmlns:a14="http://schemas.microsoft.com/office/drawing/2010/main" xmlns="">
                 <a:effectLst>
                   <a:outerShdw blurRad="63500" dist="38099" dir="2700000" algn="ctr" rotWithShape="0">
                     <a:schemeClr val="bg2">
@@ -9095,14 +9095,14 @@
           <a:effectLst/>
           <a:extLst>
             <a:ext uri="{909E8E84-426E-40dd-AFC4-6F175D3DCCD1}">
-              <a14:hiddenFill xmlns="" xmlns:a14="http://schemas.microsoft.com/office/drawing/2010/main">
+              <a14:hiddenFill xmlns:a14="http://schemas.microsoft.com/office/drawing/2010/main" xmlns="">
                 <a:solidFill>
                   <a:schemeClr val="accent1"/>
                 </a:solidFill>
               </a14:hiddenFill>
             </a:ext>
             <a:ext uri="{91240B29-F687-4f45-9708-019B960494DF}">
-              <a14:hiddenLine xmlns="" xmlns:a14="http://schemas.microsoft.com/office/drawing/2010/main" w="9525">
+              <a14:hiddenLine xmlns:a14="http://schemas.microsoft.com/office/drawing/2010/main" xmlns="" w="9525">
                 <a:solidFill>
                   <a:schemeClr val="tx1"/>
                 </a:solidFill>
@@ -9112,7 +9112,7 @@
               </a14:hiddenLine>
             </a:ext>
             <a:ext uri="{AF507438-7753-43e0-B8FC-AC1667EBCBE1}">
-              <a14:hiddenEffects xmlns="" xmlns:a14="http://schemas.microsoft.com/office/drawing/2010/main">
+              <a14:hiddenEffects xmlns:a14="http://schemas.microsoft.com/office/drawing/2010/main" xmlns="">
                 <a:effectLst>
                   <a:outerShdw blurRad="63500" dist="38099" dir="2700000" algn="ctr" rotWithShape="0">
                     <a:schemeClr val="bg2">
@@ -9748,7 +9748,7 @@
           <a:p>
             <a:fld id="{0F735448-6BEC-4714-AC28-524840E5388C}" type="datetime1">
               <a:rPr lang="en-US" smtClean="0"/>
-              <a:t>5/4/2017</a:t>
+              <a:t>5/5/2017</a:t>
             </a:fld>
             <a:endParaRPr lang="en-US" dirty="0"/>
           </a:p>
@@ -9940,7 +9940,7 @@
           <a:p>
             <a:fld id="{DB0B2F36-CFDA-4EEF-BC45-DB620249CF2E}" type="datetime1">
               <a:rPr lang="en-US" smtClean="0"/>
-              <a:t>5/4/2017</a:t>
+              <a:t>5/5/2017</a:t>
             </a:fld>
             <a:endParaRPr lang="en-US" dirty="0"/>
           </a:p>
@@ -10172,7 +10172,7 @@
           <a:p>
             <a:fld id="{DB0B2F36-CFDA-4EEF-BC45-DB620249CF2E}" type="datetime1">
               <a:rPr lang="en-US" smtClean="0"/>
-              <a:t>5/4/2017</a:t>
+              <a:t>5/5/2017</a:t>
             </a:fld>
             <a:endParaRPr lang="en-US" dirty="0"/>
           </a:p>
@@ -10364,7 +10364,7 @@
           <a:p>
             <a:fld id="{DB0B2F36-CFDA-4EEF-BC45-DB620249CF2E}" type="datetime1">
               <a:rPr lang="en-US" smtClean="0"/>
-              <a:t>5/4/2017</a:t>
+              <a:t>5/5/2017</a:t>
             </a:fld>
             <a:endParaRPr lang="en-US" dirty="0"/>
           </a:p>
@@ -10594,7 +10594,7 @@
           <a:p>
             <a:fld id="{DB0B2F36-CFDA-4EEF-BC45-DB620249CF2E}" type="datetime1">
               <a:rPr lang="en-US" smtClean="0"/>
-              <a:t>5/4/2017</a:t>
+              <a:t>5/5/2017</a:t>
             </a:fld>
             <a:endParaRPr lang="en-US" dirty="0"/>
           </a:p>
@@ -10951,7 +10951,7 @@
             <a:fld id="{141D0F49-276D-4F56-B63B-4D6688C20884}" type="datetime1">
               <a:rPr lang="en-US" smtClean="0"/>
               <a:pPr/>
-              <a:t>5/4/2017</a:t>
+              <a:t>5/5/2017</a:t>
             </a:fld>
             <a:endParaRPr lang="en-US" dirty="0"/>
           </a:p>
@@ -11028,7 +11028,7 @@
           </a:ln>
           <a:extLst>
             <a:ext uri="{AF507438-7753-43e0-B8FC-AC1667EBCBE1}">
-              <a14:hiddenEffects xmlns="" xmlns:a14="http://schemas.microsoft.com/office/drawing/2010/main">
+              <a14:hiddenEffects xmlns:a14="http://schemas.microsoft.com/office/drawing/2010/main" xmlns="">
                 <a:effectLst>
                   <a:outerShdw blurRad="63500" dist="35921" dir="2700000" algn="ctr" rotWithShape="0">
                     <a:schemeClr val="bg2"/>
@@ -11111,7 +11111,7 @@
           </a:ln>
           <a:extLst>
             <a:ext uri="{AF507438-7753-43e0-B8FC-AC1667EBCBE1}">
-              <a14:hiddenEffects xmlns="" xmlns:a14="http://schemas.microsoft.com/office/drawing/2010/main">
+              <a14:hiddenEffects xmlns:a14="http://schemas.microsoft.com/office/drawing/2010/main" xmlns="">
                 <a:effectLst>
                   <a:outerShdw blurRad="63500" dist="35921" dir="2700000" algn="ctr" rotWithShape="0">
                     <a:schemeClr val="bg2"/>
@@ -11194,7 +11194,7 @@
           </a:ln>
           <a:extLst>
             <a:ext uri="{AF507438-7753-43e0-B8FC-AC1667EBCBE1}">
-              <a14:hiddenEffects xmlns="" xmlns:a14="http://schemas.microsoft.com/office/drawing/2010/main">
+              <a14:hiddenEffects xmlns:a14="http://schemas.microsoft.com/office/drawing/2010/main" xmlns="">
                 <a:effectLst>
                   <a:outerShdw blurRad="63500" dist="35921" dir="2700000" algn="ctr" rotWithShape="0">
                     <a:schemeClr val="bg2"/>
@@ -11279,7 +11279,7 @@
           </a:ln>
           <a:extLst>
             <a:ext uri="{AF507438-7753-43e0-B8FC-AC1667EBCBE1}">
-              <a14:hiddenEffects xmlns="" xmlns:a14="http://schemas.microsoft.com/office/drawing/2010/main">
+              <a14:hiddenEffects xmlns:a14="http://schemas.microsoft.com/office/drawing/2010/main" xmlns="">
                 <a:effectLst>
                   <a:outerShdw blurRad="63500" dist="35921" dir="2700000" algn="ctr" rotWithShape="0">
                     <a:schemeClr val="bg2"/>
@@ -11364,7 +11364,7 @@
           </a:ln>
           <a:extLst>
             <a:ext uri="{AF507438-7753-43e0-B8FC-AC1667EBCBE1}">
-              <a14:hiddenEffects xmlns="" xmlns:a14="http://schemas.microsoft.com/office/drawing/2010/main">
+              <a14:hiddenEffects xmlns:a14="http://schemas.microsoft.com/office/drawing/2010/main" xmlns="">
                 <a:effectLst>
                   <a:outerShdw blurRad="63500" dist="35921" dir="2700000" algn="ctr" rotWithShape="0">
                     <a:schemeClr val="bg2"/>
@@ -11477,7 +11477,7 @@
           </a:ln>
           <a:extLst>
             <a:ext uri="{AF507438-7753-43e0-B8FC-AC1667EBCBE1}">
-              <a14:hiddenEffects xmlns="" xmlns:a14="http://schemas.microsoft.com/office/drawing/2010/main">
+              <a14:hiddenEffects xmlns:a14="http://schemas.microsoft.com/office/drawing/2010/main" xmlns="">
                 <a:effectLst>
                   <a:outerShdw blurRad="63500" dist="35921" dir="2700000" algn="ctr" rotWithShape="0">
                     <a:schemeClr val="bg2"/>
@@ -11560,7 +11560,7 @@
           </a:ln>
           <a:extLst>
             <a:ext uri="{AF507438-7753-43e0-B8FC-AC1667EBCBE1}">
-              <a14:hiddenEffects xmlns="" xmlns:a14="http://schemas.microsoft.com/office/drawing/2010/main">
+              <a14:hiddenEffects xmlns:a14="http://schemas.microsoft.com/office/drawing/2010/main" xmlns="">
                 <a:effectLst>
                   <a:outerShdw blurRad="63500" dist="35921" dir="2700000" algn="ctr" rotWithShape="0">
                     <a:schemeClr val="bg2"/>
@@ -11663,11 +11663,11 @@
   <p:clrMapOvr>
     <a:masterClrMapping/>
   </p:clrMapOvr>
-  <mc:AlternateContent xmlns:mc="http://schemas.openxmlformats.org/markup-compatibility/2006">
-    <mc:Choice xmlns:p14="http://schemas.microsoft.com/office/powerpoint/2010/main" Requires="p14">
+  <mc:AlternateContent xmlns:mc="http://schemas.openxmlformats.org/markup-compatibility/2006" xmlns:p14="http://schemas.microsoft.com/office/powerpoint/2010/main">
+    <mc:Choice Requires="p14">
       <p:transition spd="slow" p14:dur="2000"/>
     </mc:Choice>
-    <mc:Fallback>
+    <mc:Fallback xmlns="">
       <p:transition spd="slow"/>
     </mc:Fallback>
   </mc:AlternateContent>
@@ -11718,7 +11718,7 @@
           </a:ln>
           <a:extLst>
             <a:ext uri="{AF507438-7753-43e0-B8FC-AC1667EBCBE1}">
-              <a14:hiddenEffects xmlns="" xmlns:a14="http://schemas.microsoft.com/office/drawing/2010/main">
+              <a14:hiddenEffects xmlns:a14="http://schemas.microsoft.com/office/drawing/2010/main" xmlns="">
                 <a:effectLst>
                   <a:outerShdw blurRad="63500" dist="35921" dir="2700000" algn="ctr" rotWithShape="0">
                     <a:schemeClr val="bg2"/>
@@ -11801,7 +11801,7 @@
           </a:ln>
           <a:extLst>
             <a:ext uri="{AF507438-7753-43e0-B8FC-AC1667EBCBE1}">
-              <a14:hiddenEffects xmlns="" xmlns:a14="http://schemas.microsoft.com/office/drawing/2010/main">
+              <a14:hiddenEffects xmlns:a14="http://schemas.microsoft.com/office/drawing/2010/main" xmlns="">
                 <a:effectLst>
                   <a:outerShdw blurRad="63500" dist="35921" dir="2700000" algn="ctr" rotWithShape="0">
                     <a:schemeClr val="bg2"/>
@@ -11908,7 +11908,7 @@
           <a:p>
             <a:fld id="{6B983425-0FCF-4322-BAEA-0A4DFE9AC5A5}" type="datetime1">
               <a:rPr lang="en-US" smtClean="0"/>
-              <a:t>5/4/2017</a:t>
+              <a:t>5/5/2017</a:t>
             </a:fld>
             <a:endParaRPr lang="en-US" dirty="0"/>
           </a:p>
@@ -11985,7 +11985,7 @@
           </a:ln>
           <a:extLst>
             <a:ext uri="{AF507438-7753-43e0-B8FC-AC1667EBCBE1}">
-              <a14:hiddenEffects xmlns="" xmlns:a14="http://schemas.microsoft.com/office/drawing/2010/main">
+              <a14:hiddenEffects xmlns:a14="http://schemas.microsoft.com/office/drawing/2010/main" xmlns="">
                 <a:effectLst>
                   <a:outerShdw blurRad="63500" dist="35921" dir="2700000" algn="ctr" rotWithShape="0">
                     <a:schemeClr val="bg2"/>
@@ -12068,7 +12068,7 @@
           </a:ln>
           <a:extLst>
             <a:ext uri="{AF507438-7753-43e0-B8FC-AC1667EBCBE1}">
-              <a14:hiddenEffects xmlns="" xmlns:a14="http://schemas.microsoft.com/office/drawing/2010/main">
+              <a14:hiddenEffects xmlns:a14="http://schemas.microsoft.com/office/drawing/2010/main" xmlns="">
                 <a:effectLst>
                   <a:outerShdw blurRad="63500" dist="35921" dir="2700000" algn="ctr" rotWithShape="0">
                     <a:schemeClr val="bg2"/>
@@ -12211,7 +12211,7 @@
           </a:ln>
           <a:extLst>
             <a:ext uri="{AF507438-7753-43e0-B8FC-AC1667EBCBE1}">
-              <a14:hiddenEffects xmlns="" xmlns:a14="http://schemas.microsoft.com/office/drawing/2010/main">
+              <a14:hiddenEffects xmlns:a14="http://schemas.microsoft.com/office/drawing/2010/main" xmlns="">
                 <a:effectLst>
                   <a:outerShdw blurRad="63500" dist="35921" dir="2700000" algn="ctr" rotWithShape="0">
                     <a:schemeClr val="bg2"/>
@@ -12296,7 +12296,7 @@
           </a:ln>
           <a:extLst>
             <a:ext uri="{AF507438-7753-43e0-B8FC-AC1667EBCBE1}">
-              <a14:hiddenEffects xmlns="" xmlns:a14="http://schemas.microsoft.com/office/drawing/2010/main">
+              <a14:hiddenEffects xmlns:a14="http://schemas.microsoft.com/office/drawing/2010/main" xmlns="">
                 <a:effectLst>
                   <a:outerShdw blurRad="63500" dist="35921" dir="2700000" algn="ctr" rotWithShape="0">
                     <a:schemeClr val="bg2"/>
@@ -12381,7 +12381,7 @@
           </a:ln>
           <a:extLst>
             <a:ext uri="{AF507438-7753-43e0-B8FC-AC1667EBCBE1}">
-              <a14:hiddenEffects xmlns="" xmlns:a14="http://schemas.microsoft.com/office/drawing/2010/main">
+              <a14:hiddenEffects xmlns:a14="http://schemas.microsoft.com/office/drawing/2010/main" xmlns="">
                 <a:effectLst>
                   <a:outerShdw blurRad="63500" dist="35921" dir="2700000" algn="ctr" rotWithShape="0">
                     <a:schemeClr val="bg2"/>
@@ -12466,7 +12466,7 @@
           </a:ln>
           <a:extLst>
             <a:ext uri="{AF507438-7753-43e0-B8FC-AC1667EBCBE1}">
-              <a14:hiddenEffects xmlns="" xmlns:a14="http://schemas.microsoft.com/office/drawing/2010/main">
+              <a14:hiddenEffects xmlns:a14="http://schemas.microsoft.com/office/drawing/2010/main" xmlns="">
                 <a:effectLst>
                   <a:outerShdw blurRad="63500" dist="35921" dir="2700000" algn="ctr" rotWithShape="0">
                     <a:schemeClr val="bg2"/>
@@ -12549,7 +12549,7 @@
           </a:ln>
           <a:extLst>
             <a:ext uri="{AF507438-7753-43e0-B8FC-AC1667EBCBE1}">
-              <a14:hiddenEffects xmlns="" xmlns:a14="http://schemas.microsoft.com/office/drawing/2010/main">
+              <a14:hiddenEffects xmlns:a14="http://schemas.microsoft.com/office/drawing/2010/main" xmlns="">
                 <a:effectLst>
                   <a:outerShdw blurRad="63500" dist="35921" dir="2700000" algn="ctr" rotWithShape="0">
                     <a:schemeClr val="bg2"/>
@@ -12634,7 +12634,7 @@
           </a:ln>
           <a:extLst>
             <a:ext uri="{AF507438-7753-43e0-B8FC-AC1667EBCBE1}">
-              <a14:hiddenEffects xmlns="" xmlns:a14="http://schemas.microsoft.com/office/drawing/2010/main">
+              <a14:hiddenEffects xmlns:a14="http://schemas.microsoft.com/office/drawing/2010/main" xmlns="">
                 <a:effectLst>
                   <a:outerShdw blurRad="63500" dist="35921" dir="2700000" algn="ctr" rotWithShape="0">
                     <a:schemeClr val="bg2"/>
@@ -12719,7 +12719,7 @@
           </a:ln>
           <a:extLst>
             <a:ext uri="{AF507438-7753-43e0-B8FC-AC1667EBCBE1}">
-              <a14:hiddenEffects xmlns="" xmlns:a14="http://schemas.microsoft.com/office/drawing/2010/main">
+              <a14:hiddenEffects xmlns:a14="http://schemas.microsoft.com/office/drawing/2010/main" xmlns="">
                 <a:effectLst>
                   <a:outerShdw blurRad="63500" dist="35921" dir="2700000" algn="ctr" rotWithShape="0">
                     <a:schemeClr val="bg2"/>
@@ -12802,7 +12802,7 @@
           </a:ln>
           <a:extLst>
             <a:ext uri="{AF507438-7753-43e0-B8FC-AC1667EBCBE1}">
-              <a14:hiddenEffects xmlns="" xmlns:a14="http://schemas.microsoft.com/office/drawing/2010/main">
+              <a14:hiddenEffects xmlns:a14="http://schemas.microsoft.com/office/drawing/2010/main" xmlns="">
                 <a:effectLst>
                   <a:outerShdw blurRad="63500" dist="35921" dir="2700000" algn="ctr" rotWithShape="0">
                     <a:schemeClr val="bg2"/>
@@ -12887,7 +12887,7 @@
           </a:ln>
           <a:extLst>
             <a:ext uri="{AF507438-7753-43e0-B8FC-AC1667EBCBE1}">
-              <a14:hiddenEffects xmlns="" xmlns:a14="http://schemas.microsoft.com/office/drawing/2010/main">
+              <a14:hiddenEffects xmlns:a14="http://schemas.microsoft.com/office/drawing/2010/main" xmlns="">
                 <a:effectLst>
                   <a:outerShdw blurRad="63500" dist="35921" dir="2700000" algn="ctr" rotWithShape="0">
                     <a:schemeClr val="bg2"/>
@@ -13467,7 +13467,7 @@
           </a:ln>
           <a:extLst>
             <a:ext uri="{AF507438-7753-43e0-B8FC-AC1667EBCBE1}">
-              <a14:hiddenEffects xmlns="" xmlns:a14="http://schemas.microsoft.com/office/drawing/2010/main">
+              <a14:hiddenEffects xmlns:a14="http://schemas.microsoft.com/office/drawing/2010/main" xmlns="">
                 <a:effectLst>
                   <a:outerShdw blurRad="63500" dist="35921" dir="2700000" algn="ctr" rotWithShape="0">
                     <a:schemeClr val="bg2"/>
@@ -13550,7 +13550,7 @@
           </a:ln>
           <a:extLst>
             <a:ext uri="{AF507438-7753-43e0-B8FC-AC1667EBCBE1}">
-              <a14:hiddenEffects xmlns="" xmlns:a14="http://schemas.microsoft.com/office/drawing/2010/main">
+              <a14:hiddenEffects xmlns:a14="http://schemas.microsoft.com/office/drawing/2010/main" xmlns="">
                 <a:effectLst>
                   <a:outerShdw blurRad="63500" dist="35921" dir="2700000" algn="ctr" rotWithShape="0">
                     <a:schemeClr val="bg2"/>
@@ -13652,7 +13652,7 @@
           <a:p>
             <a:fld id="{6B983425-0FCF-4322-BAEA-0A4DFE9AC5A5}" type="datetime1">
               <a:rPr lang="en-US" smtClean="0"/>
-              <a:t>5/4/2017</a:t>
+              <a:t>5/5/2017</a:t>
             </a:fld>
             <a:endParaRPr lang="en-US" dirty="0"/>
           </a:p>
@@ -13789,7 +13789,7 @@
           </a:ln>
           <a:extLst>
             <a:ext uri="{AF507438-7753-43e0-B8FC-AC1667EBCBE1}">
-              <a14:hiddenEffects xmlns="" xmlns:a14="http://schemas.microsoft.com/office/drawing/2010/main">
+              <a14:hiddenEffects xmlns:a14="http://schemas.microsoft.com/office/drawing/2010/main" xmlns="">
                 <a:effectLst>
                   <a:outerShdw blurRad="63500" dist="35921" dir="2700000" algn="ctr" rotWithShape="0">
                     <a:schemeClr val="bg2"/>
@@ -13872,7 +13872,7 @@
           </a:ln>
           <a:extLst>
             <a:ext uri="{AF507438-7753-43e0-B8FC-AC1667EBCBE1}">
-              <a14:hiddenEffects xmlns="" xmlns:a14="http://schemas.microsoft.com/office/drawing/2010/main">
+              <a14:hiddenEffects xmlns:a14="http://schemas.microsoft.com/office/drawing/2010/main" xmlns="">
                 <a:effectLst>
                   <a:outerShdw blurRad="63500" dist="35921" dir="2700000" algn="ctr" rotWithShape="0">
                     <a:schemeClr val="bg2"/>
@@ -13957,7 +13957,7 @@
           </a:ln>
           <a:extLst>
             <a:ext uri="{AF507438-7753-43e0-B8FC-AC1667EBCBE1}">
-              <a14:hiddenEffects xmlns="" xmlns:a14="http://schemas.microsoft.com/office/drawing/2010/main">
+              <a14:hiddenEffects xmlns:a14="http://schemas.microsoft.com/office/drawing/2010/main" xmlns="">
                 <a:effectLst>
                   <a:outerShdw blurRad="63500" dist="35921" dir="2700000" algn="ctr" rotWithShape="0">
                     <a:schemeClr val="bg2"/>
@@ -14040,7 +14040,7 @@
           </a:ln>
           <a:extLst>
             <a:ext uri="{AF507438-7753-43e0-B8FC-AC1667EBCBE1}">
-              <a14:hiddenEffects xmlns="" xmlns:a14="http://schemas.microsoft.com/office/drawing/2010/main">
+              <a14:hiddenEffects xmlns:a14="http://schemas.microsoft.com/office/drawing/2010/main" xmlns="">
                 <a:effectLst>
                   <a:outerShdw blurRad="63500" dist="35921" dir="2700000" algn="ctr" rotWithShape="0">
                     <a:schemeClr val="bg2"/>
@@ -14125,7 +14125,7 @@
           </a:ln>
           <a:extLst>
             <a:ext uri="{AF507438-7753-43e0-B8FC-AC1667EBCBE1}">
-              <a14:hiddenEffects xmlns="" xmlns:a14="http://schemas.microsoft.com/office/drawing/2010/main">
+              <a14:hiddenEffects xmlns:a14="http://schemas.microsoft.com/office/drawing/2010/main" xmlns="">
                 <a:effectLst>
                   <a:outerShdw blurRad="63500" dist="35921" dir="2700000" algn="ctr" rotWithShape="0">
                     <a:schemeClr val="bg2"/>
@@ -14208,7 +14208,7 @@
           </a:ln>
           <a:extLst>
             <a:ext uri="{AF507438-7753-43e0-B8FC-AC1667EBCBE1}">
-              <a14:hiddenEffects xmlns="" xmlns:a14="http://schemas.microsoft.com/office/drawing/2010/main">
+              <a14:hiddenEffects xmlns:a14="http://schemas.microsoft.com/office/drawing/2010/main" xmlns="">
                 <a:effectLst>
                   <a:outerShdw blurRad="63500" dist="35921" dir="2700000" algn="ctr" rotWithShape="0">
                     <a:schemeClr val="bg2"/>
@@ -14293,7 +14293,7 @@
           </a:ln>
           <a:extLst>
             <a:ext uri="{AF507438-7753-43e0-B8FC-AC1667EBCBE1}">
-              <a14:hiddenEffects xmlns="" xmlns:a14="http://schemas.microsoft.com/office/drawing/2010/main">
+              <a14:hiddenEffects xmlns:a14="http://schemas.microsoft.com/office/drawing/2010/main" xmlns="">
                 <a:effectLst>
                   <a:outerShdw blurRad="63500" dist="35921" dir="2700000" algn="ctr" rotWithShape="0">
                     <a:schemeClr val="bg2"/>
@@ -14378,7 +14378,7 @@
           </a:ln>
           <a:extLst>
             <a:ext uri="{AF507438-7753-43e0-B8FC-AC1667EBCBE1}">
-              <a14:hiddenEffects xmlns="" xmlns:a14="http://schemas.microsoft.com/office/drawing/2010/main">
+              <a14:hiddenEffects xmlns:a14="http://schemas.microsoft.com/office/drawing/2010/main" xmlns="">
                 <a:effectLst>
                   <a:outerShdw blurRad="63500" dist="35921" dir="2700000" algn="ctr" rotWithShape="0">
                     <a:schemeClr val="bg2"/>
@@ -14463,7 +14463,7 @@
           </a:ln>
           <a:extLst>
             <a:ext uri="{AF507438-7753-43e0-B8FC-AC1667EBCBE1}">
-              <a14:hiddenEffects xmlns="" xmlns:a14="http://schemas.microsoft.com/office/drawing/2010/main">
+              <a14:hiddenEffects xmlns:a14="http://schemas.microsoft.com/office/drawing/2010/main" xmlns="">
                 <a:effectLst>
                   <a:outerShdw blurRad="63500" dist="35921" dir="2700000" algn="ctr" rotWithShape="0">
                     <a:schemeClr val="bg2"/>
@@ -14548,7 +14548,7 @@
           </a:ln>
           <a:extLst>
             <a:ext uri="{AF507438-7753-43e0-B8FC-AC1667EBCBE1}">
-              <a14:hiddenEffects xmlns="" xmlns:a14="http://schemas.microsoft.com/office/drawing/2010/main">
+              <a14:hiddenEffects xmlns:a14="http://schemas.microsoft.com/office/drawing/2010/main" xmlns="">
                 <a:effectLst>
                   <a:outerShdw blurRad="63500" dist="35921" dir="2700000" algn="ctr" rotWithShape="0">
                     <a:schemeClr val="bg2"/>
@@ -15156,7 +15156,7 @@
           </a:ln>
           <a:extLst>
             <a:ext uri="{AF507438-7753-43e0-B8FC-AC1667EBCBE1}">
-              <a14:hiddenEffects xmlns="" xmlns:a14="http://schemas.microsoft.com/office/drawing/2010/main">
+              <a14:hiddenEffects xmlns:a14="http://schemas.microsoft.com/office/drawing/2010/main" xmlns="">
                 <a:effectLst>
                   <a:outerShdw blurRad="63500" dist="35921" dir="2700000" algn="ctr" rotWithShape="0">
                     <a:schemeClr val="bg2"/>
@@ -15239,7 +15239,7 @@
           </a:ln>
           <a:extLst>
             <a:ext uri="{AF507438-7753-43e0-B8FC-AC1667EBCBE1}">
-              <a14:hiddenEffects xmlns="" xmlns:a14="http://schemas.microsoft.com/office/drawing/2010/main">
+              <a14:hiddenEffects xmlns:a14="http://schemas.microsoft.com/office/drawing/2010/main" xmlns="">
                 <a:effectLst>
                   <a:outerShdw blurRad="63500" dist="35921" dir="2700000" algn="ctr" rotWithShape="0">
                     <a:schemeClr val="bg2"/>
@@ -15341,7 +15341,7 @@
           <a:p>
             <a:fld id="{6B983425-0FCF-4322-BAEA-0A4DFE9AC5A5}" type="datetime1">
               <a:rPr lang="en-US" smtClean="0"/>
-              <a:t>5/4/2017</a:t>
+              <a:t>5/5/2017</a:t>
             </a:fld>
             <a:endParaRPr lang="en-US" dirty="0"/>
           </a:p>
@@ -15418,7 +15418,7 @@
           </a:ln>
           <a:extLst>
             <a:ext uri="{AF507438-7753-43e0-B8FC-AC1667EBCBE1}">
-              <a14:hiddenEffects xmlns="" xmlns:a14="http://schemas.microsoft.com/office/drawing/2010/main">
+              <a14:hiddenEffects xmlns:a14="http://schemas.microsoft.com/office/drawing/2010/main" xmlns="">
                 <a:effectLst>
                   <a:outerShdw blurRad="63500" dist="35921" dir="2700000" algn="ctr" rotWithShape="0">
                     <a:schemeClr val="bg2"/>
@@ -15501,7 +15501,7 @@
           </a:ln>
           <a:extLst>
             <a:ext uri="{AF507438-7753-43e0-B8FC-AC1667EBCBE1}">
-              <a14:hiddenEffects xmlns="" xmlns:a14="http://schemas.microsoft.com/office/drawing/2010/main">
+              <a14:hiddenEffects xmlns:a14="http://schemas.microsoft.com/office/drawing/2010/main" xmlns="">
                 <a:effectLst>
                   <a:outerShdw blurRad="63500" dist="35921" dir="2700000" algn="ctr" rotWithShape="0">
                     <a:schemeClr val="bg2"/>
@@ -15644,7 +15644,7 @@
           </a:ln>
           <a:extLst>
             <a:ext uri="{AF507438-7753-43e0-B8FC-AC1667EBCBE1}">
-              <a14:hiddenEffects xmlns="" xmlns:a14="http://schemas.microsoft.com/office/drawing/2010/main">
+              <a14:hiddenEffects xmlns:a14="http://schemas.microsoft.com/office/drawing/2010/main" xmlns="">
                 <a:effectLst>
                   <a:outerShdw blurRad="63500" dist="35921" dir="2700000" algn="ctr" rotWithShape="0">
                     <a:schemeClr val="bg2"/>
@@ -15729,7 +15729,7 @@
           </a:ln>
           <a:extLst>
             <a:ext uri="{AF507438-7753-43e0-B8FC-AC1667EBCBE1}">
-              <a14:hiddenEffects xmlns="" xmlns:a14="http://schemas.microsoft.com/office/drawing/2010/main">
+              <a14:hiddenEffects xmlns:a14="http://schemas.microsoft.com/office/drawing/2010/main" xmlns="">
                 <a:effectLst>
                   <a:outerShdw blurRad="63500" dist="35921" dir="2700000" algn="ctr" rotWithShape="0">
                     <a:schemeClr val="bg2"/>
@@ -15814,7 +15814,7 @@
           </a:ln>
           <a:extLst>
             <a:ext uri="{AF507438-7753-43e0-B8FC-AC1667EBCBE1}">
-              <a14:hiddenEffects xmlns="" xmlns:a14="http://schemas.microsoft.com/office/drawing/2010/main">
+              <a14:hiddenEffects xmlns:a14="http://schemas.microsoft.com/office/drawing/2010/main" xmlns="">
                 <a:effectLst>
                   <a:outerShdw blurRad="63500" dist="35921" dir="2700000" algn="ctr" rotWithShape="0">
                     <a:schemeClr val="bg2"/>
@@ -15899,7 +15899,7 @@
           </a:ln>
           <a:extLst>
             <a:ext uri="{AF507438-7753-43e0-B8FC-AC1667EBCBE1}">
-              <a14:hiddenEffects xmlns="" xmlns:a14="http://schemas.microsoft.com/office/drawing/2010/main">
+              <a14:hiddenEffects xmlns:a14="http://schemas.microsoft.com/office/drawing/2010/main" xmlns="">
                 <a:effectLst>
                   <a:outerShdw blurRad="63500" dist="35921" dir="2700000" algn="ctr" rotWithShape="0">
                     <a:schemeClr val="bg2"/>
@@ -15984,7 +15984,7 @@
           </a:ln>
           <a:extLst>
             <a:ext uri="{AF507438-7753-43e0-B8FC-AC1667EBCBE1}">
-              <a14:hiddenEffects xmlns="" xmlns:a14="http://schemas.microsoft.com/office/drawing/2010/main">
+              <a14:hiddenEffects xmlns:a14="http://schemas.microsoft.com/office/drawing/2010/main" xmlns="">
                 <a:effectLst>
                   <a:outerShdw blurRad="63500" dist="35921" dir="2700000" algn="ctr" rotWithShape="0">
                     <a:schemeClr val="bg2"/>
@@ -16069,7 +16069,7 @@
           </a:ln>
           <a:extLst>
             <a:ext uri="{AF507438-7753-43e0-B8FC-AC1667EBCBE1}">
-              <a14:hiddenEffects xmlns="" xmlns:a14="http://schemas.microsoft.com/office/drawing/2010/main">
+              <a14:hiddenEffects xmlns:a14="http://schemas.microsoft.com/office/drawing/2010/main" xmlns="">
                 <a:effectLst>
                   <a:outerShdw blurRad="63500" dist="35921" dir="2700000" algn="ctr" rotWithShape="0">
                     <a:schemeClr val="bg2"/>
@@ -16154,7 +16154,7 @@
           </a:ln>
           <a:extLst>
             <a:ext uri="{AF507438-7753-43e0-B8FC-AC1667EBCBE1}">
-              <a14:hiddenEffects xmlns="" xmlns:a14="http://schemas.microsoft.com/office/drawing/2010/main">
+              <a14:hiddenEffects xmlns:a14="http://schemas.microsoft.com/office/drawing/2010/main" xmlns="">
                 <a:effectLst>
                   <a:outerShdw blurRad="63500" dist="35921" dir="2700000" algn="ctr" rotWithShape="0">
                     <a:schemeClr val="bg2"/>
@@ -16239,7 +16239,7 @@
           </a:ln>
           <a:extLst>
             <a:ext uri="{AF507438-7753-43e0-B8FC-AC1667EBCBE1}">
-              <a14:hiddenEffects xmlns="" xmlns:a14="http://schemas.microsoft.com/office/drawing/2010/main">
+              <a14:hiddenEffects xmlns:a14="http://schemas.microsoft.com/office/drawing/2010/main" xmlns="">
                 <a:effectLst>
                   <a:outerShdw blurRad="63500" dist="35921" dir="2700000" algn="ctr" rotWithShape="0">
                     <a:schemeClr val="bg2"/>
@@ -16322,7 +16322,7 @@
           </a:ln>
           <a:extLst>
             <a:ext uri="{AF507438-7753-43e0-B8FC-AC1667EBCBE1}">
-              <a14:hiddenEffects xmlns="" xmlns:a14="http://schemas.microsoft.com/office/drawing/2010/main">
+              <a14:hiddenEffects xmlns:a14="http://schemas.microsoft.com/office/drawing/2010/main" xmlns="">
                 <a:effectLst>
                   <a:outerShdw blurRad="63500" dist="35921" dir="2700000" algn="ctr" rotWithShape="0">
                     <a:schemeClr val="bg2"/>
@@ -16437,7 +16437,7 @@
           </a:ln>
           <a:extLst>
             <a:ext uri="{AF507438-7753-43e0-B8FC-AC1667EBCBE1}">
-              <a14:hiddenEffects xmlns="" xmlns:a14="http://schemas.microsoft.com/office/drawing/2010/main">
+              <a14:hiddenEffects xmlns:a14="http://schemas.microsoft.com/office/drawing/2010/main" xmlns="">
                 <a:effectLst>
                   <a:outerShdw blurRad="63500" dist="35921" dir="2700000" algn="ctr" rotWithShape="0">
                     <a:schemeClr val="bg2"/>
@@ -17099,7 +17099,7 @@
           </a:ln>
           <a:extLst>
             <a:ext uri="{AF507438-7753-43e0-B8FC-AC1667EBCBE1}">
-              <a14:hiddenEffects xmlns="" xmlns:a14="http://schemas.microsoft.com/office/drawing/2010/main">
+              <a14:hiddenEffects xmlns:a14="http://schemas.microsoft.com/office/drawing/2010/main" xmlns="">
                 <a:effectLst>
                   <a:outerShdw blurRad="63500" dist="35921" dir="2700000" algn="ctr" rotWithShape="0">
                     <a:schemeClr val="bg2"/>
@@ -17182,7 +17182,7 @@
           </a:ln>
           <a:extLst>
             <a:ext uri="{AF507438-7753-43e0-B8FC-AC1667EBCBE1}">
-              <a14:hiddenEffects xmlns="" xmlns:a14="http://schemas.microsoft.com/office/drawing/2010/main">
+              <a14:hiddenEffects xmlns:a14="http://schemas.microsoft.com/office/drawing/2010/main" xmlns="">
                 <a:effectLst>
                   <a:outerShdw blurRad="63500" dist="35921" dir="2700000" algn="ctr" rotWithShape="0">
                     <a:schemeClr val="bg2"/>
@@ -17265,7 +17265,7 @@
           </a:ln>
           <a:extLst>
             <a:ext uri="{AF507438-7753-43e0-B8FC-AC1667EBCBE1}">
-              <a14:hiddenEffects xmlns="" xmlns:a14="http://schemas.microsoft.com/office/drawing/2010/main">
+              <a14:hiddenEffects xmlns:a14="http://schemas.microsoft.com/office/drawing/2010/main" xmlns="">
                 <a:effectLst>
                   <a:outerShdw blurRad="63500" dist="35921" dir="2700000" algn="ctr" rotWithShape="0">
                     <a:schemeClr val="bg2"/>
@@ -17367,7 +17367,7 @@
           <a:p>
             <a:fld id="{6B983425-0FCF-4322-BAEA-0A4DFE9AC5A5}" type="datetime1">
               <a:rPr lang="en-US" smtClean="0"/>
-              <a:t>5/4/2017</a:t>
+              <a:t>5/5/2017</a:t>
             </a:fld>
             <a:endParaRPr lang="en-US" dirty="0"/>
           </a:p>
@@ -17444,7 +17444,7 @@
           </a:ln>
           <a:extLst>
             <a:ext uri="{AF507438-7753-43e0-B8FC-AC1667EBCBE1}">
-              <a14:hiddenEffects xmlns="" xmlns:a14="http://schemas.microsoft.com/office/drawing/2010/main">
+              <a14:hiddenEffects xmlns:a14="http://schemas.microsoft.com/office/drawing/2010/main" xmlns="">
                 <a:effectLst>
                   <a:outerShdw blurRad="63500" dist="35921" dir="2700000" algn="ctr" rotWithShape="0">
                     <a:schemeClr val="bg2"/>
@@ -17527,7 +17527,7 @@
           </a:ln>
           <a:extLst>
             <a:ext uri="{AF507438-7753-43e0-B8FC-AC1667EBCBE1}">
-              <a14:hiddenEffects xmlns="" xmlns:a14="http://schemas.microsoft.com/office/drawing/2010/main">
+              <a14:hiddenEffects xmlns:a14="http://schemas.microsoft.com/office/drawing/2010/main" xmlns="">
                 <a:effectLst>
                   <a:outerShdw blurRad="63500" dist="35921" dir="2700000" algn="ctr" rotWithShape="0">
                     <a:schemeClr val="bg2"/>
@@ -17670,7 +17670,7 @@
           </a:ln>
           <a:extLst>
             <a:ext uri="{AF507438-7753-43e0-B8FC-AC1667EBCBE1}">
-              <a14:hiddenEffects xmlns="" xmlns:a14="http://schemas.microsoft.com/office/drawing/2010/main">
+              <a14:hiddenEffects xmlns:a14="http://schemas.microsoft.com/office/drawing/2010/main" xmlns="">
                 <a:effectLst>
                   <a:outerShdw blurRad="63500" dist="35921" dir="2700000" algn="ctr" rotWithShape="0">
                     <a:schemeClr val="bg2"/>
@@ -17755,7 +17755,7 @@
           </a:ln>
           <a:extLst>
             <a:ext uri="{AF507438-7753-43e0-B8FC-AC1667EBCBE1}">
-              <a14:hiddenEffects xmlns="" xmlns:a14="http://schemas.microsoft.com/office/drawing/2010/main">
+              <a14:hiddenEffects xmlns:a14="http://schemas.microsoft.com/office/drawing/2010/main" xmlns="">
                 <a:effectLst>
                   <a:outerShdw blurRad="63500" dist="35921" dir="2700000" algn="ctr" rotWithShape="0">
                     <a:schemeClr val="bg2"/>
@@ -17840,7 +17840,7 @@
           </a:ln>
           <a:extLst>
             <a:ext uri="{AF507438-7753-43e0-B8FC-AC1667EBCBE1}">
-              <a14:hiddenEffects xmlns="" xmlns:a14="http://schemas.microsoft.com/office/drawing/2010/main">
+              <a14:hiddenEffects xmlns:a14="http://schemas.microsoft.com/office/drawing/2010/main" xmlns="">
                 <a:effectLst>
                   <a:outerShdw blurRad="63500" dist="35921" dir="2700000" algn="ctr" rotWithShape="0">
                     <a:schemeClr val="bg2"/>
@@ -17925,7 +17925,7 @@
           </a:ln>
           <a:extLst>
             <a:ext uri="{AF507438-7753-43e0-B8FC-AC1667EBCBE1}">
-              <a14:hiddenEffects xmlns="" xmlns:a14="http://schemas.microsoft.com/office/drawing/2010/main">
+              <a14:hiddenEffects xmlns:a14="http://schemas.microsoft.com/office/drawing/2010/main" xmlns="">
                 <a:effectLst>
                   <a:outerShdw blurRad="63500" dist="35921" dir="2700000" algn="ctr" rotWithShape="0">
                     <a:schemeClr val="bg2"/>
@@ -18010,7 +18010,7 @@
           </a:ln>
           <a:extLst>
             <a:ext uri="{AF507438-7753-43e0-B8FC-AC1667EBCBE1}">
-              <a14:hiddenEffects xmlns="" xmlns:a14="http://schemas.microsoft.com/office/drawing/2010/main">
+              <a14:hiddenEffects xmlns:a14="http://schemas.microsoft.com/office/drawing/2010/main" xmlns="">
                 <a:effectLst>
                   <a:outerShdw blurRad="63500" dist="35921" dir="2700000" algn="ctr" rotWithShape="0">
                     <a:schemeClr val="bg2"/>
@@ -18095,7 +18095,7 @@
           </a:ln>
           <a:extLst>
             <a:ext uri="{AF507438-7753-43e0-B8FC-AC1667EBCBE1}">
-              <a14:hiddenEffects xmlns="" xmlns:a14="http://schemas.microsoft.com/office/drawing/2010/main">
+              <a14:hiddenEffects xmlns:a14="http://schemas.microsoft.com/office/drawing/2010/main" xmlns="">
                 <a:effectLst>
                   <a:outerShdw blurRad="63500" dist="35921" dir="2700000" algn="ctr" rotWithShape="0">
                     <a:schemeClr val="bg2"/>
@@ -18178,7 +18178,7 @@
           </a:ln>
           <a:extLst>
             <a:ext uri="{AF507438-7753-43e0-B8FC-AC1667EBCBE1}">
-              <a14:hiddenEffects xmlns="" xmlns:a14="http://schemas.microsoft.com/office/drawing/2010/main">
+              <a14:hiddenEffects xmlns:a14="http://schemas.microsoft.com/office/drawing/2010/main" xmlns="">
                 <a:effectLst>
                   <a:outerShdw blurRad="63500" dist="35921" dir="2700000" algn="ctr" rotWithShape="0">
                     <a:schemeClr val="bg2"/>
@@ -18293,7 +18293,7 @@
           </a:ln>
           <a:extLst>
             <a:ext uri="{AF507438-7753-43e0-B8FC-AC1667EBCBE1}">
-              <a14:hiddenEffects xmlns="" xmlns:a14="http://schemas.microsoft.com/office/drawing/2010/main">
+              <a14:hiddenEffects xmlns:a14="http://schemas.microsoft.com/office/drawing/2010/main" xmlns="">
                 <a:effectLst>
                   <a:outerShdw blurRad="63500" dist="35921" dir="2700000" algn="ctr" rotWithShape="0">
                     <a:schemeClr val="bg2"/>
@@ -18378,7 +18378,7 @@
           </a:ln>
           <a:extLst>
             <a:ext uri="{AF507438-7753-43e0-B8FC-AC1667EBCBE1}">
-              <a14:hiddenEffects xmlns="" xmlns:a14="http://schemas.microsoft.com/office/drawing/2010/main">
+              <a14:hiddenEffects xmlns:a14="http://schemas.microsoft.com/office/drawing/2010/main" xmlns="">
                 <a:effectLst>
                   <a:outerShdw blurRad="63500" dist="35921" dir="2700000" algn="ctr" rotWithShape="0">
                     <a:schemeClr val="bg2"/>
@@ -19371,7 +19371,7 @@
           </a:ln>
           <a:extLst>
             <a:ext uri="{AF507438-7753-43e0-B8FC-AC1667EBCBE1}">
-              <a14:hiddenEffects xmlns="" xmlns:a14="http://schemas.microsoft.com/office/drawing/2010/main">
+              <a14:hiddenEffects xmlns:a14="http://schemas.microsoft.com/office/drawing/2010/main" xmlns="">
                 <a:effectLst>
                   <a:outerShdw blurRad="63500" dist="35921" dir="2700000" algn="ctr" rotWithShape="0">
                     <a:schemeClr val="bg2"/>
@@ -19454,7 +19454,7 @@
           </a:ln>
           <a:extLst>
             <a:ext uri="{AF507438-7753-43e0-B8FC-AC1667EBCBE1}">
-              <a14:hiddenEffects xmlns="" xmlns:a14="http://schemas.microsoft.com/office/drawing/2010/main">
+              <a14:hiddenEffects xmlns:a14="http://schemas.microsoft.com/office/drawing/2010/main" xmlns="">
                 <a:effectLst>
                   <a:outerShdw blurRad="63500" dist="35921" dir="2700000" algn="ctr" rotWithShape="0">
                     <a:schemeClr val="bg2"/>
@@ -19556,7 +19556,7 @@
           <a:p>
             <a:fld id="{6B983425-0FCF-4322-BAEA-0A4DFE9AC5A5}" type="datetime1">
               <a:rPr lang="en-US" smtClean="0"/>
-              <a:t>5/4/2017</a:t>
+              <a:t>5/5/2017</a:t>
             </a:fld>
             <a:endParaRPr lang="en-US" dirty="0"/>
           </a:p>
@@ -19633,7 +19633,7 @@
           </a:ln>
           <a:extLst>
             <a:ext uri="{AF507438-7753-43e0-B8FC-AC1667EBCBE1}">
-              <a14:hiddenEffects xmlns="" xmlns:a14="http://schemas.microsoft.com/office/drawing/2010/main">
+              <a14:hiddenEffects xmlns:a14="http://schemas.microsoft.com/office/drawing/2010/main" xmlns="">
                 <a:effectLst>
                   <a:outerShdw blurRad="63500" dist="35921" dir="2700000" algn="ctr" rotWithShape="0">
                     <a:schemeClr val="bg2"/>
@@ -19716,7 +19716,7 @@
           </a:ln>
           <a:extLst>
             <a:ext uri="{AF507438-7753-43e0-B8FC-AC1667EBCBE1}">
-              <a14:hiddenEffects xmlns="" xmlns:a14="http://schemas.microsoft.com/office/drawing/2010/main">
+              <a14:hiddenEffects xmlns:a14="http://schemas.microsoft.com/office/drawing/2010/main" xmlns="">
                 <a:effectLst>
                   <a:outerShdw blurRad="63500" dist="35921" dir="2700000" algn="ctr" rotWithShape="0">
                     <a:schemeClr val="bg2"/>
@@ -19861,7 +19861,7 @@
           </a:ln>
           <a:extLst>
             <a:ext uri="{AF507438-7753-43e0-B8FC-AC1667EBCBE1}">
-              <a14:hiddenEffects xmlns="" xmlns:a14="http://schemas.microsoft.com/office/drawing/2010/main">
+              <a14:hiddenEffects xmlns:a14="http://schemas.microsoft.com/office/drawing/2010/main" xmlns="">
                 <a:effectLst>
                   <a:outerShdw blurRad="63500" dist="35921" dir="2700000" algn="ctr" rotWithShape="0">
                     <a:schemeClr val="bg2"/>
@@ -19946,7 +19946,7 @@
           </a:ln>
           <a:extLst>
             <a:ext uri="{AF507438-7753-43e0-B8FC-AC1667EBCBE1}">
-              <a14:hiddenEffects xmlns="" xmlns:a14="http://schemas.microsoft.com/office/drawing/2010/main">
+              <a14:hiddenEffects xmlns:a14="http://schemas.microsoft.com/office/drawing/2010/main" xmlns="">
                 <a:effectLst>
                   <a:outerShdw blurRad="63500" dist="35921" dir="2700000" algn="ctr" rotWithShape="0">
                     <a:schemeClr val="bg2"/>
@@ -20029,7 +20029,7 @@
           </a:ln>
           <a:extLst>
             <a:ext uri="{AF507438-7753-43e0-B8FC-AC1667EBCBE1}">
-              <a14:hiddenEffects xmlns="" xmlns:a14="http://schemas.microsoft.com/office/drawing/2010/main">
+              <a14:hiddenEffects xmlns:a14="http://schemas.microsoft.com/office/drawing/2010/main" xmlns="">
                 <a:effectLst>
                   <a:outerShdw blurRad="63500" dist="35921" dir="2700000" algn="ctr" rotWithShape="0">
                     <a:schemeClr val="bg2"/>
@@ -20144,7 +20144,7 @@
           </a:ln>
           <a:extLst>
             <a:ext uri="{AF507438-7753-43e0-B8FC-AC1667EBCBE1}">
-              <a14:hiddenEffects xmlns="" xmlns:a14="http://schemas.microsoft.com/office/drawing/2010/main">
+              <a14:hiddenEffects xmlns:a14="http://schemas.microsoft.com/office/drawing/2010/main" xmlns="">
                 <a:effectLst>
                   <a:outerShdw blurRad="63500" dist="35921" dir="2700000" algn="ctr" rotWithShape="0">
                     <a:schemeClr val="bg2"/>
@@ -20662,7 +20662,7 @@
           <a:p>
             <a:fld id="{DB0B2F36-CFDA-4EEF-BC45-DB620249CF2E}" type="datetime1">
               <a:rPr lang="en-US" smtClean="0"/>
-              <a:t>5/4/2017</a:t>
+              <a:t>5/5/2017</a:t>
             </a:fld>
             <a:endParaRPr lang="en-US" dirty="0"/>
           </a:p>
@@ -21250,7 +21250,7 @@
           <a:p>
             <a:fld id="{DB0B2F36-CFDA-4EEF-BC45-DB620249CF2E}" type="datetime1">
               <a:rPr lang="en-US" smtClean="0"/>
-              <a:t>5/4/2017</a:t>
+              <a:t>5/5/2017</a:t>
             </a:fld>
             <a:endParaRPr lang="en-US" dirty="0"/>
           </a:p>
@@ -21332,7 +21332,7 @@
           </a:ln>
           <a:extLst>
             <a:ext uri="{AF507438-7753-43e0-B8FC-AC1667EBCBE1}">
-              <a14:hiddenEffects xmlns="" xmlns:a14="http://schemas.microsoft.com/office/drawing/2010/main">
+              <a14:hiddenEffects xmlns:a14="http://schemas.microsoft.com/office/drawing/2010/main" xmlns="">
                 <a:effectLst>
                   <a:outerShdw blurRad="63500" dist="35921" dir="2700000" algn="ctr" rotWithShape="0">
                     <a:schemeClr val="bg2"/>
@@ -21423,37 +21423,7 @@
                 <a:ea typeface="ＭＳ Ｐゴシック" charset="0"/>
                 <a:cs typeface="Arial" charset="0"/>
               </a:rPr>
-              <a:t> gets assigned to only </a:t>
-            </a:r>
-            <a:r>
-              <a:rPr kumimoji="0" lang="en-US" b="0" i="0" u="none" strike="noStrike" cap="none" normalizeH="0" baseline="0" dirty="0" smtClean="0">
-                <a:ln>
-                  <a:noFill/>
-                </a:ln>
-                <a:solidFill>
-                  <a:schemeClr val="bg1"/>
-                </a:solidFill>
-                <a:effectLst/>
-                <a:latin typeface="Arial" charset="0"/>
-                <a:ea typeface="ＭＳ Ｐゴシック" charset="0"/>
-                <a:cs typeface="Arial" charset="0"/>
-              </a:rPr>
-              <a:t>1 </a:t>
-            </a:r>
-            <a:r>
-              <a:rPr kumimoji="0" lang="en-US" b="0" i="0" u="none" strike="noStrike" cap="none" normalizeH="0" baseline="0" dirty="0" smtClean="0">
-                <a:ln>
-                  <a:noFill/>
-                </a:ln>
-                <a:solidFill>
-                  <a:schemeClr val="bg1"/>
-                </a:solidFill>
-                <a:effectLst/>
-                <a:latin typeface="Arial" charset="0"/>
-                <a:ea typeface="ＭＳ Ｐゴシック" charset="0"/>
-                <a:cs typeface="Arial" charset="0"/>
-              </a:rPr>
-              <a:t>user</a:t>
+              <a:t> gets assigned to only 1 user</a:t>
             </a:r>
             <a:endParaRPr kumimoji="0" lang="en-US" b="0" i="0" u="none" strike="noStrike" cap="none" normalizeH="0" baseline="0" dirty="0">
               <a:ln>
@@ -21495,7 +21465,7 @@
           </a:ln>
           <a:extLst>
             <a:ext uri="{AF507438-7753-43e0-B8FC-AC1667EBCBE1}">
-              <a14:hiddenEffects xmlns="" xmlns:a14="http://schemas.microsoft.com/office/drawing/2010/main">
+              <a14:hiddenEffects xmlns:a14="http://schemas.microsoft.com/office/drawing/2010/main" xmlns="">
                 <a:effectLst>
                   <a:outerShdw blurRad="63500" dist="35921" dir="2700000" algn="ctr" rotWithShape="0">
                     <a:schemeClr val="bg2"/>
@@ -21611,7 +21581,7 @@
           </a:ln>
           <a:extLst>
             <a:ext uri="{AF507438-7753-43e0-B8FC-AC1667EBCBE1}">
-              <a14:hiddenEffects xmlns="" xmlns:a14="http://schemas.microsoft.com/office/drawing/2010/main">
+              <a14:hiddenEffects xmlns:a14="http://schemas.microsoft.com/office/drawing/2010/main" xmlns="">
                 <a:effectLst>
                   <a:outerShdw blurRad="63500" dist="35921" dir="2700000" algn="ctr" rotWithShape="0">
                     <a:schemeClr val="bg2"/>
@@ -21698,7 +21668,7 @@
           </a:ln>
           <a:extLst>
             <a:ext uri="{AF507438-7753-43e0-B8FC-AC1667EBCBE1}">
-              <a14:hiddenEffects xmlns="" xmlns:a14="http://schemas.microsoft.com/office/drawing/2010/main">
+              <a14:hiddenEffects xmlns:a14="http://schemas.microsoft.com/office/drawing/2010/main" xmlns="">
                 <a:effectLst>
                   <a:outerShdw blurRad="63500" dist="35921" dir="2700000" algn="ctr" rotWithShape="0">
                     <a:schemeClr val="bg2"/>
@@ -21798,7 +21768,7 @@
           </a:ln>
           <a:extLst>
             <a:ext uri="{AF507438-7753-43e0-B8FC-AC1667EBCBE1}">
-              <a14:hiddenEffects xmlns="" xmlns:a14="http://schemas.microsoft.com/office/drawing/2010/main">
+              <a14:hiddenEffects xmlns:a14="http://schemas.microsoft.com/office/drawing/2010/main" xmlns="">
                 <a:effectLst>
                   <a:outerShdw blurRad="63500" dist="35921" dir="2700000" algn="ctr" rotWithShape="0">
                     <a:schemeClr val="bg2"/>
@@ -23550,7 +23520,7 @@
           </a:ln>
           <a:extLst>
             <a:ext uri="{AF507438-7753-43e0-B8FC-AC1667EBCBE1}">
-              <a14:hiddenEffects xmlns="" xmlns:a14="http://schemas.microsoft.com/office/drawing/2010/main">
+              <a14:hiddenEffects xmlns:a14="http://schemas.microsoft.com/office/drawing/2010/main" xmlns="">
                 <a:effectLst>
                   <a:outerShdw blurRad="63500" dist="35921" dir="2700000" algn="ctr" rotWithShape="0">
                     <a:schemeClr val="bg2"/>
@@ -23653,7 +23623,7 @@
           </a:ln>
           <a:extLst>
             <a:ext uri="{AF507438-7753-43e0-B8FC-AC1667EBCBE1}">
-              <a14:hiddenEffects xmlns="" xmlns:a14="http://schemas.microsoft.com/office/drawing/2010/main">
+              <a14:hiddenEffects xmlns:a14="http://schemas.microsoft.com/office/drawing/2010/main" xmlns="">
                 <a:effectLst>
                   <a:outerShdw blurRad="63500" dist="35921" dir="2700000" algn="ctr" rotWithShape="0">
                     <a:schemeClr val="bg2"/>
@@ -23744,7 +23714,7 @@
           </a:ln>
           <a:extLst>
             <a:ext uri="{AF507438-7753-43e0-B8FC-AC1667EBCBE1}">
-              <a14:hiddenEffects xmlns="" xmlns:a14="http://schemas.microsoft.com/office/drawing/2010/main">
+              <a14:hiddenEffects xmlns:a14="http://schemas.microsoft.com/office/drawing/2010/main" xmlns="">
                 <a:effectLst>
                   <a:outerShdw blurRad="63500" dist="35921" dir="2700000" algn="ctr" rotWithShape="0">
                     <a:schemeClr val="bg2"/>
@@ -23816,7 +23786,7 @@
           </a:ln>
           <a:extLst>
             <a:ext uri="{AF507438-7753-43e0-B8FC-AC1667EBCBE1}">
-              <a14:hiddenEffects xmlns="" xmlns:a14="http://schemas.microsoft.com/office/drawing/2010/main">
+              <a14:hiddenEffects xmlns:a14="http://schemas.microsoft.com/office/drawing/2010/main" xmlns="">
                 <a:effectLst>
                   <a:outerShdw blurRad="63500" dist="35921" dir="2700000" algn="ctr" rotWithShape="0">
                     <a:schemeClr val="bg2"/>
@@ -23860,14 +23830,6 @@
               </a:rPr>
               <a:t>Each job gets assigned to only 1 user</a:t>
             </a:r>
-            <a:endParaRPr lang="en-US" dirty="0">
-              <a:solidFill>
-                <a:schemeClr val="bg1"/>
-              </a:solidFill>
-              <a:latin typeface="Arial" charset="0"/>
-              <a:ea typeface="ＭＳ Ｐゴシック" charset="0"/>
-              <a:cs typeface="Arial" charset="0"/>
-            </a:endParaRPr>
           </a:p>
         </p:txBody>
       </p:sp>
@@ -23896,7 +23858,7 @@
           </a:ln>
           <a:extLst>
             <a:ext uri="{AF507438-7753-43e0-B8FC-AC1667EBCBE1}">
-              <a14:hiddenEffects xmlns="" xmlns:a14="http://schemas.microsoft.com/office/drawing/2010/main">
+              <a14:hiddenEffects xmlns:a14="http://schemas.microsoft.com/office/drawing/2010/main" xmlns="">
                 <a:effectLst>
                   <a:outerShdw blurRad="63500" dist="35921" dir="2700000" algn="ctr" rotWithShape="0">
                     <a:schemeClr val="bg2"/>
@@ -23968,7 +23930,7 @@
           </a:ln>
           <a:extLst>
             <a:ext uri="{AF507438-7753-43e0-B8FC-AC1667EBCBE1}">
-              <a14:hiddenEffects xmlns="" xmlns:a14="http://schemas.microsoft.com/office/drawing/2010/main">
+              <a14:hiddenEffects xmlns:a14="http://schemas.microsoft.com/office/drawing/2010/main" xmlns="">
                 <a:effectLst>
                   <a:outerShdw blurRad="63500" dist="35921" dir="2700000" algn="ctr" rotWithShape="0">
                     <a:schemeClr val="bg2"/>
@@ -24753,7 +24715,7 @@
           </a:ln>
           <a:extLst>
             <a:ext uri="{AF507438-7753-43e0-B8FC-AC1667EBCBE1}">
-              <a14:hiddenEffects xmlns="" xmlns:a14="http://schemas.microsoft.com/office/drawing/2010/main">
+              <a14:hiddenEffects xmlns:a14="http://schemas.microsoft.com/office/drawing/2010/main" xmlns="">
                 <a:effectLst>
                   <a:outerShdw blurRad="63500" dist="35921" dir="2700000" algn="ctr" rotWithShape="0">
                     <a:schemeClr val="bg2"/>
@@ -25507,7 +25469,7 @@
           <a:effectLst/>
           <a:extLst>
             <a:ext uri="{AF507438-7753-43e0-B8FC-AC1667EBCBE1}">
-              <a14:hiddenEffects xmlns="" xmlns:a14="http://schemas.microsoft.com/office/drawing/2010/main">
+              <a14:hiddenEffects xmlns:a14="http://schemas.microsoft.com/office/drawing/2010/main" xmlns="">
                 <a:effectLst>
                   <a:outerShdw blurRad="63500" dist="35921" dir="2700000" algn="ctr" rotWithShape="0">
                     <a:schemeClr val="bg2"/>
@@ -25547,7 +25509,7 @@
           <a:effectLst/>
           <a:extLst>
             <a:ext uri="{AF507438-7753-43e0-B8FC-AC1667EBCBE1}">
-              <a14:hiddenEffects xmlns="" xmlns:a14="http://schemas.microsoft.com/office/drawing/2010/main">
+              <a14:hiddenEffects xmlns:a14="http://schemas.microsoft.com/office/drawing/2010/main" xmlns="">
                 <a:effectLst>
                   <a:outerShdw blurRad="63500" dist="35921" dir="2700000" algn="ctr" rotWithShape="0">
                     <a:schemeClr val="bg2"/>
@@ -25598,7 +25560,7 @@
           <a:p>
             <a:fld id="{0A71E8A6-07E6-4E35-BA17-942B67FDBF2E}" type="datetime1">
               <a:rPr lang="en-US" smtClean="0"/>
-              <a:t>5/4/2017</a:t>
+              <a:t>5/5/2017</a:t>
             </a:fld>
             <a:endParaRPr lang="en-US" dirty="0"/>
           </a:p>
@@ -25744,7 +25706,7 @@
           <a:effectLst/>
           <a:extLst>
             <a:ext uri="{AF507438-7753-43e0-B8FC-AC1667EBCBE1}">
-              <a14:hiddenEffects xmlns="" xmlns:a14="http://schemas.microsoft.com/office/drawing/2010/main">
+              <a14:hiddenEffects xmlns:a14="http://schemas.microsoft.com/office/drawing/2010/main" xmlns="">
                 <a:effectLst>
                   <a:outerShdw blurRad="63500" dist="35921" dir="2700000" algn="ctr" rotWithShape="0">
                     <a:schemeClr val="bg2"/>
@@ -25784,7 +25746,7 @@
           <a:effectLst/>
           <a:extLst>
             <a:ext uri="{AF507438-7753-43e0-B8FC-AC1667EBCBE1}">
-              <a14:hiddenEffects xmlns="" xmlns:a14="http://schemas.microsoft.com/office/drawing/2010/main">
+              <a14:hiddenEffects xmlns:a14="http://schemas.microsoft.com/office/drawing/2010/main" xmlns="">
                 <a:effectLst>
                   <a:outerShdw blurRad="63500" dist="35921" dir="2700000" algn="ctr" rotWithShape="0">
                     <a:schemeClr val="bg2"/>
@@ -25795,8 +25757,8 @@
           </a:extLst>
         </p:spPr>
       </p:cxnSp>
-      <mc:AlternateContent xmlns:mc="http://schemas.openxmlformats.org/markup-compatibility/2006">
-        <mc:Choice xmlns:a14="http://schemas.microsoft.com/office/drawing/2010/main" Requires="a14">
+      <mc:AlternateContent xmlns:mc="http://schemas.openxmlformats.org/markup-compatibility/2006" xmlns:a14="http://schemas.microsoft.com/office/drawing/2010/main">
+        <mc:Choice Requires="a14">
           <p:sp>
             <p:nvSpPr>
               <p:cNvPr id="76" name="Rectangle 75"/>
@@ -25942,7 +25904,7 @@
             </p:txBody>
           </p:sp>
         </mc:Choice>
-        <mc:Fallback>
+        <mc:Fallback xmlns="">
           <p:sp>
             <p:nvSpPr>
               <p:cNvPr id="76" name="Rectangle 75"/>
@@ -25996,8 +25958,8 @@
           </p:sp>
         </mc:Fallback>
       </mc:AlternateContent>
-      <mc:AlternateContent xmlns:mc="http://schemas.openxmlformats.org/markup-compatibility/2006">
-        <mc:Choice xmlns:a14="http://schemas.microsoft.com/office/drawing/2010/main" Requires="a14">
+      <mc:AlternateContent xmlns:mc="http://schemas.openxmlformats.org/markup-compatibility/2006" xmlns:a14="http://schemas.microsoft.com/office/drawing/2010/main">
+        <mc:Choice Requires="a14">
           <p:sp>
             <p:nvSpPr>
               <p:cNvPr id="77" name="Rectangle 76"/>
@@ -26143,7 +26105,7 @@
             </p:txBody>
           </p:sp>
         </mc:Choice>
-        <mc:Fallback>
+        <mc:Fallback xmlns="">
           <p:sp>
             <p:nvSpPr>
               <p:cNvPr id="77" name="Rectangle 76"/>
@@ -26197,8 +26159,8 @@
           </p:sp>
         </mc:Fallback>
       </mc:AlternateContent>
-      <mc:AlternateContent xmlns:mc="http://schemas.openxmlformats.org/markup-compatibility/2006">
-        <mc:Choice xmlns:a14="http://schemas.microsoft.com/office/drawing/2010/main" Requires="a14">
+      <mc:AlternateContent xmlns:mc="http://schemas.openxmlformats.org/markup-compatibility/2006" xmlns:a14="http://schemas.microsoft.com/office/drawing/2010/main">
+        <mc:Choice Requires="a14">
           <p:sp>
             <p:nvSpPr>
               <p:cNvPr id="78" name="Rectangle 77"/>
@@ -26344,7 +26306,7 @@
             </p:txBody>
           </p:sp>
         </mc:Choice>
-        <mc:Fallback>
+        <mc:Fallback xmlns="">
           <p:sp>
             <p:nvSpPr>
               <p:cNvPr id="78" name="Rectangle 77"/>
@@ -26398,8 +26360,8 @@
           </p:sp>
         </mc:Fallback>
       </mc:AlternateContent>
-      <mc:AlternateContent xmlns:mc="http://schemas.openxmlformats.org/markup-compatibility/2006">
-        <mc:Choice xmlns:a14="http://schemas.microsoft.com/office/drawing/2010/main" Requires="a14">
+      <mc:AlternateContent xmlns:mc="http://schemas.openxmlformats.org/markup-compatibility/2006" xmlns:a14="http://schemas.microsoft.com/office/drawing/2010/main">
+        <mc:Choice Requires="a14">
           <p:sp>
             <p:nvSpPr>
               <p:cNvPr id="79" name="Rectangle 78"/>
@@ -26545,7 +26507,7 @@
             </p:txBody>
           </p:sp>
         </mc:Choice>
-        <mc:Fallback>
+        <mc:Fallback xmlns="">
           <p:sp>
             <p:nvSpPr>
               <p:cNvPr id="79" name="Rectangle 78"/>
@@ -26599,8 +26561,8 @@
           </p:sp>
         </mc:Fallback>
       </mc:AlternateContent>
-      <mc:AlternateContent xmlns:mc="http://schemas.openxmlformats.org/markup-compatibility/2006">
-        <mc:Choice xmlns:a14="http://schemas.microsoft.com/office/drawing/2010/main" Requires="a14">
+      <mc:AlternateContent xmlns:mc="http://schemas.openxmlformats.org/markup-compatibility/2006" xmlns:a14="http://schemas.microsoft.com/office/drawing/2010/main">
+        <mc:Choice Requires="a14">
           <p:sp>
             <p:nvSpPr>
               <p:cNvPr id="80" name="Rectangle 79"/>
@@ -26746,7 +26708,7 @@
             </p:txBody>
           </p:sp>
         </mc:Choice>
-        <mc:Fallback>
+        <mc:Fallback xmlns="">
           <p:sp>
             <p:nvSpPr>
               <p:cNvPr id="80" name="Rectangle 79"/>
@@ -26820,7 +26782,7 @@
           </a:ln>
           <a:extLst>
             <a:ext uri="{AF507438-7753-43e0-B8FC-AC1667EBCBE1}">
-              <a14:hiddenEffects xmlns="" xmlns:a14="http://schemas.microsoft.com/office/drawing/2010/main">
+              <a14:hiddenEffects xmlns:a14="http://schemas.microsoft.com/office/drawing/2010/main" xmlns="">
                 <a:effectLst>
                   <a:outerShdw blurRad="63500" dist="35921" dir="2700000" algn="ctr" rotWithShape="0">
                     <a:schemeClr val="bg2"/>
@@ -26845,8 +26807,8 @@
           </a:fontRef>
         </p:style>
       </p:cxnSp>
-      <mc:AlternateContent xmlns:mc="http://schemas.openxmlformats.org/markup-compatibility/2006">
-        <mc:Choice xmlns:a14="http://schemas.microsoft.com/office/drawing/2010/main" Requires="a14">
+      <mc:AlternateContent xmlns:mc="http://schemas.openxmlformats.org/markup-compatibility/2006" xmlns:a14="http://schemas.microsoft.com/office/drawing/2010/main">
+        <mc:Choice Requires="a14">
           <p:sp>
             <p:nvSpPr>
               <p:cNvPr id="86" name="TextBox 85"/>
@@ -26869,6 +26831,7 @@
               </a:bodyPr>
               <a:lstStyle/>
               <a:p>
+                <a:pPr/>
                 <a14:m>
                   <m:oMathPara xmlns:m="http://schemas.openxmlformats.org/officeDocument/2006/math">
                     <m:oMathParaPr>
@@ -26908,7 +26871,7 @@
             </p:txBody>
           </p:sp>
         </mc:Choice>
-        <mc:Fallback>
+        <mc:Fallback xmlns="">
           <p:sp>
             <p:nvSpPr>
               <p:cNvPr id="86" name="TextBox 85"/>
@@ -26947,8 +26910,8 @@
           </p:sp>
         </mc:Fallback>
       </mc:AlternateContent>
-      <mc:AlternateContent xmlns:mc="http://schemas.openxmlformats.org/markup-compatibility/2006">
-        <mc:Choice xmlns:a14="http://schemas.microsoft.com/office/drawing/2010/main" Requires="a14">
+      <mc:AlternateContent xmlns:mc="http://schemas.openxmlformats.org/markup-compatibility/2006" xmlns:a14="http://schemas.microsoft.com/office/drawing/2010/main">
+        <mc:Choice Requires="a14">
           <p:sp>
             <p:nvSpPr>
               <p:cNvPr id="87" name="TextBox 86"/>
@@ -26971,6 +26934,7 @@
               </a:bodyPr>
               <a:lstStyle/>
               <a:p>
+                <a:pPr/>
                 <a14:m>
                   <m:oMathPara xmlns:m="http://schemas.openxmlformats.org/officeDocument/2006/math">
                     <m:oMathParaPr>
@@ -27010,7 +26974,7 @@
             </p:txBody>
           </p:sp>
         </mc:Choice>
-        <mc:Fallback>
+        <mc:Fallback xmlns="">
           <p:sp>
             <p:nvSpPr>
               <p:cNvPr id="87" name="TextBox 86"/>
@@ -27049,8 +27013,8 @@
           </p:sp>
         </mc:Fallback>
       </mc:AlternateContent>
-      <mc:AlternateContent xmlns:mc="http://schemas.openxmlformats.org/markup-compatibility/2006">
-        <mc:Choice xmlns:a14="http://schemas.microsoft.com/office/drawing/2010/main" Requires="a14">
+      <mc:AlternateContent xmlns:mc="http://schemas.openxmlformats.org/markup-compatibility/2006" xmlns:a14="http://schemas.microsoft.com/office/drawing/2010/main">
+        <mc:Choice Requires="a14">
           <p:sp>
             <p:nvSpPr>
               <p:cNvPr id="89" name="TextBox 88"/>
@@ -27073,6 +27037,7 @@
               </a:bodyPr>
               <a:lstStyle/>
               <a:p>
+                <a:pPr/>
                 <a14:m>
                   <m:oMathPara xmlns:m="http://schemas.openxmlformats.org/officeDocument/2006/math">
                     <m:oMathParaPr>
@@ -27093,7 +27058,7 @@
             </p:txBody>
           </p:sp>
         </mc:Choice>
-        <mc:Fallback>
+        <mc:Fallback xmlns="">
           <p:sp>
             <p:nvSpPr>
               <p:cNvPr id="89" name="TextBox 88"/>
@@ -27154,7 +27119,7 @@
           </a:ln>
           <a:extLst>
             <a:ext uri="{AF507438-7753-43e0-B8FC-AC1667EBCBE1}">
-              <a14:hiddenEffects xmlns="" xmlns:a14="http://schemas.microsoft.com/office/drawing/2010/main">
+              <a14:hiddenEffects xmlns:a14="http://schemas.microsoft.com/office/drawing/2010/main" xmlns="">
                 <a:effectLst>
                   <a:outerShdw blurRad="63500" dist="35921" dir="2700000" algn="ctr" rotWithShape="0">
                     <a:schemeClr val="bg2"/>
@@ -27254,7 +27219,7 @@
           </a:ln>
           <a:extLst>
             <a:ext uri="{AF507438-7753-43e0-B8FC-AC1667EBCBE1}">
-              <a14:hiddenEffects xmlns="" xmlns:a14="http://schemas.microsoft.com/office/drawing/2010/main">
+              <a14:hiddenEffects xmlns:a14="http://schemas.microsoft.com/office/drawing/2010/main" xmlns="">
                 <a:effectLst>
                   <a:outerShdw blurRad="63500" dist="35921" dir="2700000" algn="ctr" rotWithShape="0">
                     <a:schemeClr val="bg2"/>
@@ -27411,7 +27376,7 @@
                                           </p:stCondLst>
                                         </p:cTn>
                                         <p:tgtEl>
-                                          <p:spTgt spid="79"/>
+                                          <p:spTgt spid="76"/>
                                         </p:tgtEl>
                                         <p:attrNameLst>
                                           <p:attrName>style.visibility</p:attrName>
@@ -27425,7 +27390,7 @@
                                       <p:cBhvr>
                                         <p:cTn id="7" dur="500"/>
                                         <p:tgtEl>
-                                          <p:spTgt spid="79"/>
+                                          <p:spTgt spid="76"/>
                                         </p:tgtEl>
                                       </p:cBhvr>
                                     </p:animEffect>
@@ -27464,7 +27429,7 @@
                                           </p:stCondLst>
                                         </p:cTn>
                                         <p:tgtEl>
-                                          <p:spTgt spid="80"/>
+                                          <p:spTgt spid="79"/>
                                         </p:tgtEl>
                                         <p:attrNameLst>
                                           <p:attrName>style.visibility</p:attrName>
@@ -27478,7 +27443,7 @@
                                       <p:cBhvr>
                                         <p:cTn id="12" dur="500"/>
                                         <p:tgtEl>
-                                          <p:spTgt spid="80"/>
+                                          <p:spTgt spid="79"/>
                                         </p:tgtEl>
                                       </p:cBhvr>
                                     </p:animEffect>
@@ -27517,7 +27482,7 @@
                                           </p:stCondLst>
                                         </p:cTn>
                                         <p:tgtEl>
-                                          <p:spTgt spid="78"/>
+                                          <p:spTgt spid="80"/>
                                         </p:tgtEl>
                                         <p:attrNameLst>
                                           <p:attrName>style.visibility</p:attrName>
@@ -27531,7 +27496,7 @@
                                       <p:cBhvr>
                                         <p:cTn id="17" dur="500"/>
                                         <p:tgtEl>
-                                          <p:spTgt spid="78"/>
+                                          <p:spTgt spid="80"/>
                                         </p:tgtEl>
                                       </p:cBhvr>
                                     </p:animEffect>
@@ -27645,7 +27610,7 @@
                             </p:stCondLst>
                             <p:childTnLst>
                               <p:par>
-                                <p:cTn id="28" presetID="10" presetClass="entr" presetSubtype="0" fill="hold" nodeType="clickEffect">
+                                <p:cTn id="28" presetID="10" presetClass="entr" presetSubtype="0" fill="hold" grpId="0" nodeType="clickEffect">
                                   <p:stCondLst>
                                     <p:cond delay="0"/>
                                   </p:stCondLst>
@@ -27653,6 +27618,112 @@
                                     <p:set>
                                       <p:cBhvr>
                                         <p:cTn id="29" dur="1" fill="hold">
+                                          <p:stCondLst>
+                                            <p:cond delay="0"/>
+                                          </p:stCondLst>
+                                        </p:cTn>
+                                        <p:tgtEl>
+                                          <p:spTgt spid="77"/>
+                                        </p:tgtEl>
+                                        <p:attrNameLst>
+                                          <p:attrName>style.visibility</p:attrName>
+                                        </p:attrNameLst>
+                                      </p:cBhvr>
+                                      <p:to>
+                                        <p:strVal val="visible"/>
+                                      </p:to>
+                                    </p:set>
+                                    <p:animEffect transition="in" filter="fade">
+                                      <p:cBhvr>
+                                        <p:cTn id="30" dur="500"/>
+                                        <p:tgtEl>
+                                          <p:spTgt spid="77"/>
+                                        </p:tgtEl>
+                                      </p:cBhvr>
+                                    </p:animEffect>
+                                  </p:childTnLst>
+                                </p:cTn>
+                              </p:par>
+                            </p:childTnLst>
+                          </p:cTn>
+                        </p:par>
+                      </p:childTnLst>
+                    </p:cTn>
+                  </p:par>
+                  <p:par>
+                    <p:cTn id="31" fill="hold">
+                      <p:stCondLst>
+                        <p:cond delay="indefinite"/>
+                      </p:stCondLst>
+                      <p:childTnLst>
+                        <p:par>
+                          <p:cTn id="32" fill="hold">
+                            <p:stCondLst>
+                              <p:cond delay="0"/>
+                            </p:stCondLst>
+                            <p:childTnLst>
+                              <p:par>
+                                <p:cTn id="33" presetID="10" presetClass="entr" presetSubtype="0" fill="hold" grpId="0" nodeType="clickEffect">
+                                  <p:stCondLst>
+                                    <p:cond delay="0"/>
+                                  </p:stCondLst>
+                                  <p:childTnLst>
+                                    <p:set>
+                                      <p:cBhvr>
+                                        <p:cTn id="34" dur="1" fill="hold">
+                                          <p:stCondLst>
+                                            <p:cond delay="0"/>
+                                          </p:stCondLst>
+                                        </p:cTn>
+                                        <p:tgtEl>
+                                          <p:spTgt spid="78"/>
+                                        </p:tgtEl>
+                                        <p:attrNameLst>
+                                          <p:attrName>style.visibility</p:attrName>
+                                        </p:attrNameLst>
+                                      </p:cBhvr>
+                                      <p:to>
+                                        <p:strVal val="visible"/>
+                                      </p:to>
+                                    </p:set>
+                                    <p:animEffect transition="in" filter="fade">
+                                      <p:cBhvr>
+                                        <p:cTn id="35" dur="500"/>
+                                        <p:tgtEl>
+                                          <p:spTgt spid="78"/>
+                                        </p:tgtEl>
+                                      </p:cBhvr>
+                                    </p:animEffect>
+                                  </p:childTnLst>
+                                </p:cTn>
+                              </p:par>
+                            </p:childTnLst>
+                          </p:cTn>
+                        </p:par>
+                      </p:childTnLst>
+                    </p:cTn>
+                  </p:par>
+                  <p:par>
+                    <p:cTn id="36" fill="hold">
+                      <p:stCondLst>
+                        <p:cond delay="indefinite"/>
+                      </p:stCondLst>
+                      <p:childTnLst>
+                        <p:par>
+                          <p:cTn id="37" fill="hold">
+                            <p:stCondLst>
+                              <p:cond delay="0"/>
+                            </p:stCondLst>
+                            <p:childTnLst>
+                              <p:par>
+                                <p:cTn id="38" presetID="10" presetClass="entr" presetSubtype="0" fill="hold" nodeType="clickEffect">
+                                  <p:stCondLst>
+                                    <p:cond delay="0"/>
+                                  </p:stCondLst>
+                                  <p:childTnLst>
+                                    <p:set>
+                                      <p:cBhvr>
+                                        <p:cTn id="39" dur="1" fill="hold">
                                           <p:stCondLst>
                                             <p:cond delay="0"/>
                                           </p:stCondLst>
@@ -27670,7 +27741,7 @@
                                     </p:set>
                                     <p:animEffect transition="in" filter="fade">
                                       <p:cBhvr>
-                                        <p:cTn id="30" dur="500"/>
+                                        <p:cTn id="40" dur="500"/>
                                         <p:tgtEl>
                                           <p:spTgt spid="82"/>
                                         </p:tgtEl>
@@ -27680,14 +27751,14 @@
                                 </p:cTn>
                               </p:par>
                               <p:par>
-                                <p:cTn id="31" presetID="10" presetClass="entr" presetSubtype="0" fill="hold" grpId="0" nodeType="withEffect">
+                                <p:cTn id="41" presetID="10" presetClass="entr" presetSubtype="0" fill="hold" grpId="0" nodeType="withEffect">
                                   <p:stCondLst>
                                     <p:cond delay="0"/>
                                   </p:stCondLst>
                                   <p:childTnLst>
                                     <p:set>
                                       <p:cBhvr>
-                                        <p:cTn id="32" dur="1" fill="hold">
+                                        <p:cTn id="42" dur="1" fill="hold">
                                           <p:stCondLst>
                                             <p:cond delay="0"/>
                                           </p:stCondLst>
@@ -27705,7 +27776,7 @@
                                     </p:set>
                                     <p:animEffect transition="in" filter="fade">
                                       <p:cBhvr>
-                                        <p:cTn id="33" dur="500"/>
+                                        <p:cTn id="43" dur="500"/>
                                         <p:tgtEl>
                                           <p:spTgt spid="87"/>
                                         </p:tgtEl>
@@ -27721,26 +27792,26 @@
                     </p:cTn>
                   </p:par>
                   <p:par>
-                    <p:cTn id="34" fill="hold">
+                    <p:cTn id="44" fill="hold">
                       <p:stCondLst>
                         <p:cond delay="indefinite"/>
                       </p:stCondLst>
                       <p:childTnLst>
                         <p:par>
-                          <p:cTn id="35" fill="hold">
+                          <p:cTn id="45" fill="hold">
                             <p:stCondLst>
                               <p:cond delay="0"/>
                             </p:stCondLst>
                             <p:childTnLst>
                               <p:par>
-                                <p:cTn id="36" presetID="2" presetClass="entr" presetSubtype="1" fill="hold" nodeType="clickEffect">
+                                <p:cTn id="46" presetID="2" presetClass="entr" presetSubtype="1" fill="hold" nodeType="clickEffect">
                                   <p:stCondLst>
                                     <p:cond delay="0"/>
                                   </p:stCondLst>
                                   <p:childTnLst>
                                     <p:set>
                                       <p:cBhvr>
-                                        <p:cTn id="37" dur="1" fill="hold">
+                                        <p:cTn id="47" dur="1" fill="hold">
                                           <p:stCondLst>
                                             <p:cond delay="0"/>
                                           </p:stCondLst>
@@ -27758,7 +27829,7 @@
                                     </p:set>
                                     <p:anim calcmode="lin" valueType="num">
                                       <p:cBhvr additive="base">
-                                        <p:cTn id="38" dur="500" fill="hold"/>
+                                        <p:cTn id="48" dur="500" fill="hold"/>
                                         <p:tgtEl>
                                           <p:spTgt spid="85"/>
                                         </p:tgtEl>
@@ -27781,7 +27852,7 @@
                                     </p:anim>
                                     <p:anim calcmode="lin" valueType="num">
                                       <p:cBhvr additive="base">
-                                        <p:cTn id="39" dur="500" fill="hold"/>
+                                        <p:cTn id="49" dur="500" fill="hold"/>
                                         <p:tgtEl>
                                           <p:spTgt spid="85"/>
                                         </p:tgtEl>
@@ -27806,14 +27877,14 @@
                                 </p:cTn>
                               </p:par>
                               <p:par>
-                                <p:cTn id="40" presetID="2" presetClass="entr" presetSubtype="8" fill="hold" grpId="0" nodeType="withEffect">
+                                <p:cTn id="50" presetID="2" presetClass="entr" presetSubtype="8" fill="hold" grpId="0" nodeType="withEffect">
                                   <p:stCondLst>
                                     <p:cond delay="0"/>
                                   </p:stCondLst>
                                   <p:childTnLst>
                                     <p:set>
                                       <p:cBhvr>
-                                        <p:cTn id="41" dur="1" fill="hold">
+                                        <p:cTn id="51" dur="1" fill="hold">
                                           <p:stCondLst>
                                             <p:cond delay="0"/>
                                           </p:stCondLst>
@@ -27831,7 +27902,7 @@
                                     </p:set>
                                     <p:anim calcmode="lin" valueType="num">
                                       <p:cBhvr additive="base">
-                                        <p:cTn id="42" dur="500" fill="hold"/>
+                                        <p:cTn id="52" dur="500" fill="hold"/>
                                         <p:tgtEl>
                                           <p:spTgt spid="89"/>
                                         </p:tgtEl>
@@ -27854,7 +27925,7 @@
                                     </p:anim>
                                     <p:anim calcmode="lin" valueType="num">
                                       <p:cBhvr additive="base">
-                                        <p:cTn id="43" dur="500" fill="hold"/>
+                                        <p:cTn id="53" dur="500" fill="hold"/>
                                         <p:tgtEl>
                                           <p:spTgt spid="89"/>
                                         </p:tgtEl>
@@ -27906,6 +27977,8 @@
       </p:par>
     </p:tnLst>
     <p:bldLst>
+      <p:bldP spid="76" grpId="0" animBg="1"/>
+      <p:bldP spid="77" grpId="0" animBg="1"/>
       <p:bldP spid="78" grpId="0" animBg="1"/>
       <p:bldP spid="79" grpId="0" animBg="1"/>
       <p:bldP spid="80" grpId="0" animBg="1"/>
@@ -28073,7 +28146,7 @@
           <a:p>
             <a:fld id="{DB0B2F36-CFDA-4EEF-BC45-DB620249CF2E}" type="datetime1">
               <a:rPr lang="en-US" smtClean="0"/>
-              <a:t>5/4/2017</a:t>
+              <a:t>5/5/2017</a:t>
             </a:fld>
             <a:endParaRPr lang="en-US" dirty="0"/>
           </a:p>
@@ -28786,7 +28859,7 @@
           <a:p>
             <a:fld id="{DB0B2F36-CFDA-4EEF-BC45-DB620249CF2E}" type="datetime1">
               <a:rPr lang="en-US" smtClean="0"/>
-              <a:t>5/4/2017</a:t>
+              <a:t>5/5/2017</a:t>
             </a:fld>
             <a:endParaRPr lang="en-US" dirty="0"/>
           </a:p>
@@ -29253,7 +29326,7 @@
           <a:p>
             <a:fld id="{DB0B2F36-CFDA-4EEF-BC45-DB620249CF2E}" type="datetime1">
               <a:rPr lang="en-US" smtClean="0"/>
-              <a:t>5/4/2017</a:t>
+              <a:t>5/5/2017</a:t>
             </a:fld>
             <a:endParaRPr lang="en-US" dirty="0"/>
           </a:p>
@@ -29485,7 +29558,7 @@
           <a:p>
             <a:fld id="{DB0B2F36-CFDA-4EEF-BC45-DB620249CF2E}" type="datetime1">
               <a:rPr lang="en-US" smtClean="0"/>
-              <a:t>5/4/2017</a:t>
+              <a:t>5/5/2017</a:t>
             </a:fld>
             <a:endParaRPr lang="en-US" dirty="0"/>
           </a:p>
@@ -29602,8 +29675,8 @@
           </a:p>
         </p:txBody>
       </p:sp>
-      <mc:AlternateContent xmlns:mc="http://schemas.openxmlformats.org/markup-compatibility/2006">
-        <mc:Choice xmlns:a14="http://schemas.microsoft.com/office/drawing/2010/main" Requires="a14">
+      <mc:AlternateContent xmlns:mc="http://schemas.openxmlformats.org/markup-compatibility/2006" xmlns:a14="http://schemas.microsoft.com/office/drawing/2010/main">
+        <mc:Choice Requires="a14">
           <p:sp>
             <p:nvSpPr>
               <p:cNvPr id="3" name="Content Placeholder 2"/>
@@ -30195,7 +30268,7 @@
             </p:txBody>
           </p:sp>
         </mc:Choice>
-        <mc:Fallback>
+        <mc:Fallback xmlns="">
           <p:sp>
             <p:nvSpPr>
               <p:cNvPr id="3" name="Content Placeholder 2"/>
@@ -30229,8 +30302,8 @@
           </p:sp>
         </mc:Fallback>
       </mc:AlternateContent>
-      <mc:AlternateContent xmlns:mc="http://schemas.openxmlformats.org/markup-compatibility/2006">
-        <mc:Choice xmlns:a14="http://schemas.microsoft.com/office/drawing/2010/main" Requires="a14">
+      <mc:AlternateContent xmlns:mc="http://schemas.openxmlformats.org/markup-compatibility/2006" xmlns:a14="http://schemas.microsoft.com/office/drawing/2010/main">
+        <mc:Choice Requires="a14">
           <p:sp>
             <p:nvSpPr>
               <p:cNvPr id="4" name="Content Placeholder 3"/>
@@ -30409,7 +30482,7 @@
                         <a:rPr lang="en-US" b="0" i="0" smtClean="0">
                           <a:latin typeface="Cambria Math" panose="02040503050406030204" pitchFamily="18" charset="0"/>
                         </a:rPr>
-                        <m:t>∇</m:t>
+                        <m:t>𝛻</m:t>
                       </m:r>
                       <m:acc>
                         <m:accPr>
@@ -30904,7 +30977,7 @@
             </p:txBody>
           </p:sp>
         </mc:Choice>
-        <mc:Fallback>
+        <mc:Fallback xmlns="">
           <p:sp>
             <p:nvSpPr>
               <p:cNvPr id="4" name="Content Placeholder 3"/>
@@ -30955,7 +31028,7 @@
           <a:p>
             <a:fld id="{DB0B2F36-CFDA-4EEF-BC45-DB620249CF2E}" type="datetime1">
               <a:rPr lang="en-US" smtClean="0"/>
-              <a:t>5/4/2017</a:t>
+              <a:t>5/5/2017</a:t>
             </a:fld>
             <a:endParaRPr lang="en-US" dirty="0"/>
           </a:p>
@@ -31072,8 +31145,8 @@
           </a:p>
         </p:txBody>
       </p:sp>
-      <mc:AlternateContent xmlns:mc="http://schemas.openxmlformats.org/markup-compatibility/2006">
-        <mc:Choice xmlns:a14="http://schemas.microsoft.com/office/drawing/2010/main" Requires="a14">
+      <mc:AlternateContent xmlns:mc="http://schemas.openxmlformats.org/markup-compatibility/2006" xmlns:a14="http://schemas.microsoft.com/office/drawing/2010/main">
+        <mc:Choice Requires="a14">
           <p:sp>
             <p:nvSpPr>
               <p:cNvPr id="3" name="Content Placeholder 2"/>
@@ -31677,7 +31750,7 @@
             </p:txBody>
           </p:sp>
         </mc:Choice>
-        <mc:Fallback>
+        <mc:Fallback xmlns="">
           <p:sp>
             <p:nvSpPr>
               <p:cNvPr id="3" name="Content Placeholder 2"/>
@@ -31728,7 +31801,7 @@
           <a:p>
             <a:fld id="{DB0B2F36-CFDA-4EEF-BC45-DB620249CF2E}" type="datetime1">
               <a:rPr lang="en-US" smtClean="0"/>
-              <a:t>5/4/2017</a:t>
+              <a:t>5/5/2017</a:t>
             </a:fld>
             <a:endParaRPr lang="en-US" dirty="0"/>
           </a:p>
@@ -31879,7 +31952,6 @@
               <a:rPr lang="en-US" dirty="0" smtClean="0"/>
               <a:t>Research Questions</a:t>
             </a:r>
-            <a:endParaRPr lang="en-US" dirty="0" smtClean="0"/>
           </a:p>
           <a:p>
             <a:r>
@@ -31905,11 +31977,7 @@
             <a:pPr lvl="1"/>
             <a:r>
               <a:rPr lang="en-US" dirty="0" smtClean="0"/>
-              <a:t>Reinforcement </a:t>
-            </a:r>
-            <a:r>
-              <a:rPr lang="en-US" dirty="0" smtClean="0"/>
-              <a:t>Learning Policies</a:t>
+              <a:t>Reinforcement Learning Policies</a:t>
             </a:r>
           </a:p>
           <a:p>
@@ -31988,7 +32056,7 @@
           <a:p>
             <a:fld id="{D4BB25E1-E5FA-40AE-A0DC-85655503F7EC}" type="datetime1">
               <a:rPr lang="en-US" smtClean="0"/>
-              <a:t>5/4/2017</a:t>
+              <a:t>5/5/2017</a:t>
             </a:fld>
             <a:endParaRPr lang="en-US" dirty="0"/>
           </a:p>
@@ -32100,8 +32168,8 @@
           </a:p>
         </p:txBody>
       </p:sp>
-      <mc:AlternateContent xmlns:mc="http://schemas.openxmlformats.org/markup-compatibility/2006">
-        <mc:Choice xmlns:a14="http://schemas.microsoft.com/office/drawing/2010/main" Requires="a14">
+      <mc:AlternateContent xmlns:mc="http://schemas.openxmlformats.org/markup-compatibility/2006" xmlns:a14="http://schemas.microsoft.com/office/drawing/2010/main">
+        <mc:Choice Requires="a14">
           <p:sp>
             <p:nvSpPr>
               <p:cNvPr id="3" name="Content Placeholder 2"/>
@@ -32403,7 +32471,7 @@
             </p:txBody>
           </p:sp>
         </mc:Choice>
-        <mc:Fallback>
+        <mc:Fallback xmlns="">
           <p:sp>
             <p:nvSpPr>
               <p:cNvPr id="3" name="Content Placeholder 2"/>
@@ -32454,7 +32522,7 @@
           <a:p>
             <a:fld id="{DB0B2F36-CFDA-4EEF-BC45-DB620249CF2E}" type="datetime1">
               <a:rPr lang="en-US" smtClean="0"/>
-              <a:t>5/4/2017</a:t>
+              <a:t>5/5/2017</a:t>
             </a:fld>
             <a:endParaRPr lang="en-US" dirty="0"/>
           </a:p>
@@ -32531,7 +32599,7 @@
           </a:ln>
           <a:extLst>
             <a:ext uri="{AF507438-7753-43e0-B8FC-AC1667EBCBE1}">
-              <a14:hiddenEffects xmlns="" xmlns:a14="http://schemas.microsoft.com/office/drawing/2010/main">
+              <a14:hiddenEffects xmlns:a14="http://schemas.microsoft.com/office/drawing/2010/main" xmlns="">
                 <a:effectLst>
                   <a:outerShdw blurRad="63500" dist="35921" dir="2700000" algn="ctr" rotWithShape="0">
                     <a:schemeClr val="bg2"/>
@@ -32614,7 +32682,7 @@
           </a:ln>
           <a:extLst>
             <a:ext uri="{AF507438-7753-43e0-B8FC-AC1667EBCBE1}">
-              <a14:hiddenEffects xmlns="" xmlns:a14="http://schemas.microsoft.com/office/drawing/2010/main">
+              <a14:hiddenEffects xmlns:a14="http://schemas.microsoft.com/office/drawing/2010/main" xmlns="">
                 <a:effectLst>
                   <a:outerShdw blurRad="63500" dist="35921" dir="2700000" algn="ctr" rotWithShape="0">
                     <a:schemeClr val="bg2"/>
@@ -32697,7 +32765,7 @@
           </a:ln>
           <a:extLst>
             <a:ext uri="{AF507438-7753-43e0-B8FC-AC1667EBCBE1}">
-              <a14:hiddenEffects xmlns="" xmlns:a14="http://schemas.microsoft.com/office/drawing/2010/main">
+              <a14:hiddenEffects xmlns:a14="http://schemas.microsoft.com/office/drawing/2010/main" xmlns="">
                 <a:effectLst>
                   <a:outerShdw blurRad="63500" dist="35921" dir="2700000" algn="ctr" rotWithShape="0">
                     <a:schemeClr val="bg2"/>
@@ -32780,7 +32848,7 @@
           </a:ln>
           <a:extLst>
             <a:ext uri="{AF507438-7753-43e0-B8FC-AC1667EBCBE1}">
-              <a14:hiddenEffects xmlns="" xmlns:a14="http://schemas.microsoft.com/office/drawing/2010/main">
+              <a14:hiddenEffects xmlns:a14="http://schemas.microsoft.com/office/drawing/2010/main" xmlns="">
                 <a:effectLst>
                   <a:outerShdw blurRad="63500" dist="35921" dir="2700000" algn="ctr" rotWithShape="0">
                     <a:schemeClr val="bg2"/>
@@ -32863,7 +32931,7 @@
           </a:ln>
           <a:extLst>
             <a:ext uri="{AF507438-7753-43e0-B8FC-AC1667EBCBE1}">
-              <a14:hiddenEffects xmlns="" xmlns:a14="http://schemas.microsoft.com/office/drawing/2010/main">
+              <a14:hiddenEffects xmlns:a14="http://schemas.microsoft.com/office/drawing/2010/main" xmlns="">
                 <a:effectLst>
                   <a:outerShdw blurRad="63500" dist="35921" dir="2700000" algn="ctr" rotWithShape="0">
                     <a:schemeClr val="bg2"/>
@@ -32946,7 +33014,7 @@
           </a:ln>
           <a:extLst>
             <a:ext uri="{AF507438-7753-43e0-B8FC-AC1667EBCBE1}">
-              <a14:hiddenEffects xmlns="" xmlns:a14="http://schemas.microsoft.com/office/drawing/2010/main">
+              <a14:hiddenEffects xmlns:a14="http://schemas.microsoft.com/office/drawing/2010/main" xmlns="">
                 <a:effectLst>
                   <a:outerShdw blurRad="63500" dist="35921" dir="2700000" algn="ctr" rotWithShape="0">
                     <a:schemeClr val="bg2"/>
@@ -33029,7 +33097,7 @@
           </a:ln>
           <a:extLst>
             <a:ext uri="{AF507438-7753-43e0-B8FC-AC1667EBCBE1}">
-              <a14:hiddenEffects xmlns="" xmlns:a14="http://schemas.microsoft.com/office/drawing/2010/main">
+              <a14:hiddenEffects xmlns:a14="http://schemas.microsoft.com/office/drawing/2010/main" xmlns="">
                 <a:effectLst>
                   <a:outerShdw blurRad="63500" dist="35921" dir="2700000" algn="ctr" rotWithShape="0">
                     <a:schemeClr val="bg2"/>
@@ -33112,7 +33180,7 @@
           </a:ln>
           <a:extLst>
             <a:ext uri="{AF507438-7753-43e0-B8FC-AC1667EBCBE1}">
-              <a14:hiddenEffects xmlns="" xmlns:a14="http://schemas.microsoft.com/office/drawing/2010/main">
+              <a14:hiddenEffects xmlns:a14="http://schemas.microsoft.com/office/drawing/2010/main" xmlns="">
                 <a:effectLst>
                   <a:outerShdw blurRad="63500" dist="35921" dir="2700000" algn="ctr" rotWithShape="0">
                     <a:schemeClr val="bg2"/>
@@ -33198,7 +33266,7 @@
           </a:ln>
           <a:extLst>
             <a:ext uri="{AF507438-7753-43e0-B8FC-AC1667EBCBE1}">
-              <a14:hiddenEffects xmlns="" xmlns:a14="http://schemas.microsoft.com/office/drawing/2010/main">
+              <a14:hiddenEffects xmlns:a14="http://schemas.microsoft.com/office/drawing/2010/main" xmlns="">
                 <a:effectLst>
                   <a:outerShdw blurRad="63500" dist="35921" dir="2700000" algn="ctr" rotWithShape="0">
                     <a:schemeClr val="bg2"/>
@@ -33246,7 +33314,7 @@
           </a:ln>
           <a:extLst>
             <a:ext uri="{AF507438-7753-43e0-B8FC-AC1667EBCBE1}">
-              <a14:hiddenEffects xmlns="" xmlns:a14="http://schemas.microsoft.com/office/drawing/2010/main">
+              <a14:hiddenEffects xmlns:a14="http://schemas.microsoft.com/office/drawing/2010/main" xmlns="">
                 <a:effectLst>
                   <a:outerShdw blurRad="63500" dist="35921" dir="2700000" algn="ctr" rotWithShape="0">
                     <a:schemeClr val="bg2"/>
@@ -33294,7 +33362,7 @@
           </a:ln>
           <a:extLst>
             <a:ext uri="{AF507438-7753-43e0-B8FC-AC1667EBCBE1}">
-              <a14:hiddenEffects xmlns="" xmlns:a14="http://schemas.microsoft.com/office/drawing/2010/main">
+              <a14:hiddenEffects xmlns:a14="http://schemas.microsoft.com/office/drawing/2010/main" xmlns="">
                 <a:effectLst>
                   <a:outerShdw blurRad="63500" dist="35921" dir="2700000" algn="ctr" rotWithShape="0">
                     <a:schemeClr val="bg2"/>
@@ -33342,7 +33410,7 @@
           </a:ln>
           <a:extLst>
             <a:ext uri="{AF507438-7753-43e0-B8FC-AC1667EBCBE1}">
-              <a14:hiddenEffects xmlns="" xmlns:a14="http://schemas.microsoft.com/office/drawing/2010/main">
+              <a14:hiddenEffects xmlns:a14="http://schemas.microsoft.com/office/drawing/2010/main" xmlns="">
                 <a:effectLst>
                   <a:outerShdw blurRad="63500" dist="35921" dir="2700000" algn="ctr" rotWithShape="0">
                     <a:schemeClr val="bg2"/>
@@ -33390,7 +33458,7 @@
           </a:ln>
           <a:extLst>
             <a:ext uri="{AF507438-7753-43e0-B8FC-AC1667EBCBE1}">
-              <a14:hiddenEffects xmlns="" xmlns:a14="http://schemas.microsoft.com/office/drawing/2010/main">
+              <a14:hiddenEffects xmlns:a14="http://schemas.microsoft.com/office/drawing/2010/main" xmlns="">
                 <a:effectLst>
                   <a:outerShdw blurRad="63500" dist="35921" dir="2700000" algn="ctr" rotWithShape="0">
                     <a:schemeClr val="bg2"/>
@@ -33437,7 +33505,7 @@
           </a:ln>
           <a:extLst>
             <a:ext uri="{AF507438-7753-43e0-B8FC-AC1667EBCBE1}">
-              <a14:hiddenEffects xmlns="" xmlns:a14="http://schemas.microsoft.com/office/drawing/2010/main">
+              <a14:hiddenEffects xmlns:a14="http://schemas.microsoft.com/office/drawing/2010/main" xmlns="">
                 <a:effectLst>
                   <a:outerShdw blurRad="63500" dist="35921" dir="2700000" algn="ctr" rotWithShape="0">
                     <a:schemeClr val="bg2"/>
@@ -33485,7 +33553,7 @@
           </a:ln>
           <a:extLst>
             <a:ext uri="{AF507438-7753-43e0-B8FC-AC1667EBCBE1}">
-              <a14:hiddenEffects xmlns="" xmlns:a14="http://schemas.microsoft.com/office/drawing/2010/main">
+              <a14:hiddenEffects xmlns:a14="http://schemas.microsoft.com/office/drawing/2010/main" xmlns="">
                 <a:effectLst>
                   <a:outerShdw blurRad="63500" dist="35921" dir="2700000" algn="ctr" rotWithShape="0">
                     <a:schemeClr val="bg2"/>
@@ -33533,7 +33601,7 @@
           </a:ln>
           <a:extLst>
             <a:ext uri="{AF507438-7753-43e0-B8FC-AC1667EBCBE1}">
-              <a14:hiddenEffects xmlns="" xmlns:a14="http://schemas.microsoft.com/office/drawing/2010/main">
+              <a14:hiddenEffects xmlns:a14="http://schemas.microsoft.com/office/drawing/2010/main" xmlns="">
                 <a:effectLst>
                   <a:outerShdw blurRad="63500" dist="35921" dir="2700000" algn="ctr" rotWithShape="0">
                     <a:schemeClr val="bg2"/>
@@ -33581,7 +33649,7 @@
           </a:ln>
           <a:extLst>
             <a:ext uri="{AF507438-7753-43e0-B8FC-AC1667EBCBE1}">
-              <a14:hiddenEffects xmlns="" xmlns:a14="http://schemas.microsoft.com/office/drawing/2010/main">
+              <a14:hiddenEffects xmlns:a14="http://schemas.microsoft.com/office/drawing/2010/main" xmlns="">
                 <a:effectLst>
                   <a:outerShdw blurRad="63500" dist="35921" dir="2700000" algn="ctr" rotWithShape="0">
                     <a:schemeClr val="bg2"/>
@@ -33629,7 +33697,7 @@
           </a:ln>
           <a:extLst>
             <a:ext uri="{AF507438-7753-43e0-B8FC-AC1667EBCBE1}">
-              <a14:hiddenEffects xmlns="" xmlns:a14="http://schemas.microsoft.com/office/drawing/2010/main">
+              <a14:hiddenEffects xmlns:a14="http://schemas.microsoft.com/office/drawing/2010/main" xmlns="">
                 <a:effectLst>
                   <a:outerShdw blurRad="63500" dist="35921" dir="2700000" algn="ctr" rotWithShape="0">
                     <a:schemeClr val="bg2"/>
@@ -33677,7 +33745,7 @@
           </a:ln>
           <a:extLst>
             <a:ext uri="{AF507438-7753-43e0-B8FC-AC1667EBCBE1}">
-              <a14:hiddenEffects xmlns="" xmlns:a14="http://schemas.microsoft.com/office/drawing/2010/main">
+              <a14:hiddenEffects xmlns:a14="http://schemas.microsoft.com/office/drawing/2010/main" xmlns="">
                 <a:effectLst>
                   <a:outerShdw blurRad="63500" dist="35921" dir="2700000" algn="ctr" rotWithShape="0">
                     <a:schemeClr val="bg2"/>
@@ -33724,7 +33792,7 @@
           </a:ln>
           <a:extLst>
             <a:ext uri="{AF507438-7753-43e0-B8FC-AC1667EBCBE1}">
-              <a14:hiddenEffects xmlns="" xmlns:a14="http://schemas.microsoft.com/office/drawing/2010/main">
+              <a14:hiddenEffects xmlns:a14="http://schemas.microsoft.com/office/drawing/2010/main" xmlns="">
                 <a:effectLst>
                   <a:outerShdw blurRad="63500" dist="35921" dir="2700000" algn="ctr" rotWithShape="0">
                     <a:schemeClr val="bg2"/>
@@ -33772,7 +33840,7 @@
           </a:ln>
           <a:extLst>
             <a:ext uri="{AF507438-7753-43e0-B8FC-AC1667EBCBE1}">
-              <a14:hiddenEffects xmlns="" xmlns:a14="http://schemas.microsoft.com/office/drawing/2010/main">
+              <a14:hiddenEffects xmlns:a14="http://schemas.microsoft.com/office/drawing/2010/main" xmlns="">
                 <a:effectLst>
                   <a:outerShdw blurRad="63500" dist="35921" dir="2700000" algn="ctr" rotWithShape="0">
                     <a:schemeClr val="bg2"/>
@@ -33820,7 +33888,7 @@
           </a:ln>
           <a:extLst>
             <a:ext uri="{AF507438-7753-43e0-B8FC-AC1667EBCBE1}">
-              <a14:hiddenEffects xmlns="" xmlns:a14="http://schemas.microsoft.com/office/drawing/2010/main">
+              <a14:hiddenEffects xmlns:a14="http://schemas.microsoft.com/office/drawing/2010/main" xmlns="">
                 <a:effectLst>
                   <a:outerShdw blurRad="63500" dist="35921" dir="2700000" algn="ctr" rotWithShape="0">
                     <a:schemeClr val="bg2"/>
@@ -33868,7 +33936,7 @@
           </a:ln>
           <a:extLst>
             <a:ext uri="{AF507438-7753-43e0-B8FC-AC1667EBCBE1}">
-              <a14:hiddenEffects xmlns="" xmlns:a14="http://schemas.microsoft.com/office/drawing/2010/main">
+              <a14:hiddenEffects xmlns:a14="http://schemas.microsoft.com/office/drawing/2010/main" xmlns="">
                 <a:effectLst>
                   <a:outerShdw blurRad="63500" dist="35921" dir="2700000" algn="ctr" rotWithShape="0">
                     <a:schemeClr val="bg2"/>
@@ -33916,7 +33984,7 @@
           </a:ln>
           <a:extLst>
             <a:ext uri="{AF507438-7753-43e0-B8FC-AC1667EBCBE1}">
-              <a14:hiddenEffects xmlns="" xmlns:a14="http://schemas.microsoft.com/office/drawing/2010/main">
+              <a14:hiddenEffects xmlns:a14="http://schemas.microsoft.com/office/drawing/2010/main" xmlns="">
                 <a:effectLst>
                   <a:outerShdw blurRad="63500" dist="35921" dir="2700000" algn="ctr" rotWithShape="0">
                     <a:schemeClr val="bg2"/>
@@ -35219,7 +35287,7 @@
           <a:p>
             <a:fld id="{DB0B2F36-CFDA-4EEF-BC45-DB620249CF2E}" type="datetime1">
               <a:rPr lang="en-US" smtClean="0"/>
-              <a:t>5/4/2017</a:t>
+              <a:t>5/5/2017</a:t>
             </a:fld>
             <a:endParaRPr lang="en-US" dirty="0"/>
           </a:p>
@@ -35561,7 +35629,7 @@
           <a:p>
             <a:fld id="{DB0B2F36-CFDA-4EEF-BC45-DB620249CF2E}" type="datetime1">
               <a:rPr lang="en-US" smtClean="0"/>
-              <a:t>5/4/2017</a:t>
+              <a:t>5/5/2017</a:t>
             </a:fld>
             <a:endParaRPr lang="en-US" dirty="0"/>
           </a:p>
@@ -35903,7 +35971,7 @@
           <a:p>
             <a:fld id="{DB0B2F36-CFDA-4EEF-BC45-DB620249CF2E}" type="datetime1">
               <a:rPr lang="en-US" smtClean="0"/>
-              <a:t>5/4/2017</a:t>
+              <a:t>5/5/2017</a:t>
             </a:fld>
             <a:endParaRPr lang="en-US" dirty="0"/>
           </a:p>
@@ -36147,7 +36215,7 @@
           <a:p>
             <a:fld id="{DB0B2F36-CFDA-4EEF-BC45-DB620249CF2E}" type="datetime1">
               <a:rPr lang="en-US" smtClean="0"/>
-              <a:t>5/4/2017</a:t>
+              <a:t>5/5/2017</a:t>
             </a:fld>
             <a:endParaRPr lang="en-US" dirty="0"/>
           </a:p>
@@ -37018,7 +37086,7 @@
           <a:p>
             <a:fld id="{DB0B2F36-CFDA-4EEF-BC45-DB620249CF2E}" type="datetime1">
               <a:rPr lang="en-US" smtClean="0"/>
-              <a:t>5/4/2017</a:t>
+              <a:t>5/5/2017</a:t>
             </a:fld>
             <a:endParaRPr lang="en-US" dirty="0"/>
           </a:p>
@@ -37238,7 +37306,7 @@
           <a:p>
             <a:fld id="{DB0B2F36-CFDA-4EEF-BC45-DB620249CF2E}" type="datetime1">
               <a:rPr lang="en-US" smtClean="0"/>
-              <a:t>5/4/2017</a:t>
+              <a:t>5/5/2017</a:t>
             </a:fld>
             <a:endParaRPr lang="en-US" dirty="0"/>
           </a:p>
@@ -37450,7 +37518,7 @@
           <a:p>
             <a:fld id="{DB0B2F36-CFDA-4EEF-BC45-DB620249CF2E}" type="datetime1">
               <a:rPr lang="en-US" smtClean="0"/>
-              <a:t>5/4/2017</a:t>
+              <a:t>5/5/2017</a:t>
             </a:fld>
             <a:endParaRPr lang="en-US" dirty="0"/>
           </a:p>
@@ -37644,8 +37712,19 @@
           <a:p>
             <a:r>
               <a:rPr lang="en-US" dirty="0" smtClean="0"/>
-              <a:t>Test in operative environments</a:t>
-            </a:r>
+              <a:t>Test in operative </a:t>
+            </a:r>
+            <a:r>
+              <a:rPr lang="en-US" dirty="0" smtClean="0"/>
+              <a:t>environments</a:t>
+            </a:r>
+          </a:p>
+          <a:p>
+            <a:r>
+              <a:rPr lang="en-US" dirty="0" smtClean="0"/>
+              <a:t>Recurrent Artificial Neural Networks</a:t>
+            </a:r>
+            <a:endParaRPr lang="en-US" dirty="0" smtClean="0"/>
           </a:p>
           <a:p>
             <a:r>
@@ -37708,7 +37787,7 @@
           <a:p>
             <a:fld id="{DB0B2F36-CFDA-4EEF-BC45-DB620249CF2E}" type="datetime1">
               <a:rPr lang="en-US" smtClean="0"/>
-              <a:t>5/4/2017</a:t>
+              <a:t>5/5/2017</a:t>
             </a:fld>
             <a:endParaRPr lang="en-US" dirty="0"/>
           </a:p>
@@ -37825,8 +37904,8 @@
           </a:p>
         </p:txBody>
       </p:sp>
-      <mc:AlternateContent xmlns:mc="http://schemas.openxmlformats.org/markup-compatibility/2006" xmlns:a14="http://schemas.microsoft.com/office/drawing/2010/main">
-        <mc:Choice Requires="a14">
+      <mc:AlternateContent xmlns:mc="http://schemas.openxmlformats.org/markup-compatibility/2006">
+        <mc:Choice xmlns:a14="http://schemas.microsoft.com/office/drawing/2010/main" Requires="a14">
           <p:sp>
             <p:nvSpPr>
               <p:cNvPr id="3" name="Content Placeholder 2"/>
@@ -37885,30 +37964,15 @@
                 </a:r>
               </a:p>
               <a:p>
-                <a:r>
-                  <a:rPr lang="en-US" dirty="0" smtClean="0"/>
-                  <a:t>Long training sessions for reinforcement learning</a:t>
-                </a:r>
-              </a:p>
-              <a:p>
-                <a:r>
-                  <a:rPr lang="en-US" dirty="0" smtClean="0"/>
-                  <a:t>Overfitting</a:t>
-                </a:r>
-              </a:p>
-              <a:p>
-                <a:r>
-                  <a:rPr lang="en-US" dirty="0" smtClean="0"/>
-                  <a:t>Vanishing and exploding gradient problem</a:t>
-                </a:r>
-              </a:p>
-              <a:p>
+                <a:pPr marL="0" indent="0">
+                  <a:buNone/>
+                </a:pPr>
                 <a:endParaRPr lang="en-US" dirty="0"/>
               </a:p>
             </p:txBody>
           </p:sp>
         </mc:Choice>
-        <mc:Fallback xmlns="">
+        <mc:Fallback>
           <p:sp>
             <p:nvSpPr>
               <p:cNvPr id="3" name="Content Placeholder 2"/>
@@ -37995,7 +38059,7 @@
           <a:p>
             <a:fld id="{DB0B2F36-CFDA-4EEF-BC45-DB620249CF2E}" type="datetime1">
               <a:rPr lang="en-US" smtClean="0"/>
-              <a:t>5/4/2017</a:t>
+              <a:t>5/5/2017</a:t>
             </a:fld>
             <a:endParaRPr lang="en-US" dirty="0"/>
           </a:p>
@@ -38243,30 +38307,21 @@
                             </p:childTnLst>
                           </p:cTn>
                         </p:par>
-                      </p:childTnLst>
-                    </p:cTn>
-                  </p:par>
-                  <p:par>
-                    <p:cTn id="13" fill="hold">
-                      <p:stCondLst>
-                        <p:cond delay="indefinite"/>
-                      </p:stCondLst>
-                      <p:childTnLst>
                         <p:par>
-                          <p:cTn id="14" fill="hold">
+                          <p:cTn id="13" fill="hold">
                             <p:stCondLst>
-                              <p:cond delay="0"/>
+                              <p:cond delay="1000"/>
                             </p:stCondLst>
                             <p:childTnLst>
                               <p:par>
-                                <p:cTn id="15" presetID="10" presetClass="entr" presetSubtype="0" fill="hold" nodeType="clickEffect">
+                                <p:cTn id="14" presetID="10" presetClass="entr" presetSubtype="0" fill="hold" nodeType="afterEffect">
                                   <p:stCondLst>
                                     <p:cond delay="0"/>
                                   </p:stCondLst>
                                   <p:childTnLst>
                                     <p:set>
                                       <p:cBhvr>
-                                        <p:cTn id="16" dur="1" fill="hold">
+                                        <p:cTn id="15" dur="1" fill="hold">
                                           <p:stCondLst>
                                             <p:cond delay="0"/>
                                           </p:stCondLst>
@@ -38288,7 +38343,7 @@
                                     </p:set>
                                     <p:animEffect transition="in" filter="fade">
                                       <p:cBhvr>
-                                        <p:cTn id="17" dur="500"/>
+                                        <p:cTn id="16" dur="500"/>
                                         <p:tgtEl>
                                           <p:spTgt spid="3">
                                             <p:txEl>
@@ -38305,20 +38360,20 @@
                           </p:cTn>
                         </p:par>
                         <p:par>
-                          <p:cTn id="18" fill="hold">
+                          <p:cTn id="17" fill="hold">
                             <p:stCondLst>
-                              <p:cond delay="500"/>
+                              <p:cond delay="1500"/>
                             </p:stCondLst>
                             <p:childTnLst>
                               <p:par>
-                                <p:cTn id="19" presetID="10" presetClass="entr" presetSubtype="0" fill="hold" nodeType="afterEffect">
+                                <p:cTn id="18" presetID="10" presetClass="entr" presetSubtype="0" fill="hold" nodeType="afterEffect">
                                   <p:stCondLst>
                                     <p:cond delay="0"/>
                                   </p:stCondLst>
                                   <p:childTnLst>
                                     <p:set>
                                       <p:cBhvr>
-                                        <p:cTn id="20" dur="1" fill="hold">
+                                        <p:cTn id="19" dur="1" fill="hold">
                                           <p:stCondLst>
                                             <p:cond delay="0"/>
                                           </p:stCondLst>
@@ -38340,7 +38395,7 @@
                                     </p:set>
                                     <p:animEffect transition="in" filter="fade">
                                       <p:cBhvr>
-                                        <p:cTn id="21" dur="500"/>
+                                        <p:cTn id="20" dur="500"/>
                                         <p:tgtEl>
                                           <p:spTgt spid="3">
                                             <p:txEl>
@@ -38357,20 +38412,20 @@
                           </p:cTn>
                         </p:par>
                         <p:par>
-                          <p:cTn id="22" fill="hold">
+                          <p:cTn id="21" fill="hold">
                             <p:stCondLst>
-                              <p:cond delay="1000"/>
+                              <p:cond delay="2000"/>
                             </p:stCondLst>
                             <p:childTnLst>
                               <p:par>
-                                <p:cTn id="23" presetID="10" presetClass="entr" presetSubtype="0" fill="hold" nodeType="afterEffect">
+                                <p:cTn id="22" presetID="10" presetClass="entr" presetSubtype="0" fill="hold" nodeType="afterEffect">
                                   <p:stCondLst>
                                     <p:cond delay="0"/>
                                   </p:stCondLst>
                                   <p:childTnLst>
                                     <p:set>
                                       <p:cBhvr>
-                                        <p:cTn id="24" dur="1" fill="hold">
+                                        <p:cTn id="23" dur="1" fill="hold">
                                           <p:stCondLst>
                                             <p:cond delay="0"/>
                                           </p:stCondLst>
@@ -38392,167 +38447,11 @@
                                     </p:set>
                                     <p:animEffect transition="in" filter="fade">
                                       <p:cBhvr>
-                                        <p:cTn id="25" dur="500"/>
+                                        <p:cTn id="24" dur="500"/>
                                         <p:tgtEl>
                                           <p:spTgt spid="3">
                                             <p:txEl>
                                               <p:pRg st="3" end="3"/>
-                                            </p:txEl>
-                                          </p:spTgt>
-                                        </p:tgtEl>
-                                      </p:cBhvr>
-                                    </p:animEffect>
-                                  </p:childTnLst>
-                                </p:cTn>
-                              </p:par>
-                            </p:childTnLst>
-                          </p:cTn>
-                        </p:par>
-                        <p:par>
-                          <p:cTn id="26" fill="hold">
-                            <p:stCondLst>
-                              <p:cond delay="1500"/>
-                            </p:stCondLst>
-                            <p:childTnLst>
-                              <p:par>
-                                <p:cTn id="27" presetID="10" presetClass="entr" presetSubtype="0" fill="hold" nodeType="afterEffect">
-                                  <p:stCondLst>
-                                    <p:cond delay="0"/>
-                                  </p:stCondLst>
-                                  <p:childTnLst>
-                                    <p:set>
-                                      <p:cBhvr>
-                                        <p:cTn id="28" dur="1" fill="hold">
-                                          <p:stCondLst>
-                                            <p:cond delay="0"/>
-                                          </p:stCondLst>
-                                        </p:cTn>
-                                        <p:tgtEl>
-                                          <p:spTgt spid="3">
-                                            <p:txEl>
-                                              <p:pRg st="4" end="4"/>
-                                            </p:txEl>
-                                          </p:spTgt>
-                                        </p:tgtEl>
-                                        <p:attrNameLst>
-                                          <p:attrName>style.visibility</p:attrName>
-                                        </p:attrNameLst>
-                                      </p:cBhvr>
-                                      <p:to>
-                                        <p:strVal val="visible"/>
-                                      </p:to>
-                                    </p:set>
-                                    <p:animEffect transition="in" filter="fade">
-                                      <p:cBhvr>
-                                        <p:cTn id="29" dur="500"/>
-                                        <p:tgtEl>
-                                          <p:spTgt spid="3">
-                                            <p:txEl>
-                                              <p:pRg st="4" end="4"/>
-                                            </p:txEl>
-                                          </p:spTgt>
-                                        </p:tgtEl>
-                                      </p:cBhvr>
-                                    </p:animEffect>
-                                  </p:childTnLst>
-                                </p:cTn>
-                              </p:par>
-                            </p:childTnLst>
-                          </p:cTn>
-                        </p:par>
-                        <p:par>
-                          <p:cTn id="30" fill="hold">
-                            <p:stCondLst>
-                              <p:cond delay="2000"/>
-                            </p:stCondLst>
-                            <p:childTnLst>
-                              <p:par>
-                                <p:cTn id="31" presetID="10" presetClass="entr" presetSubtype="0" fill="hold" nodeType="afterEffect">
-                                  <p:stCondLst>
-                                    <p:cond delay="0"/>
-                                  </p:stCondLst>
-                                  <p:childTnLst>
-                                    <p:set>
-                                      <p:cBhvr>
-                                        <p:cTn id="32" dur="1" fill="hold">
-                                          <p:stCondLst>
-                                            <p:cond delay="0"/>
-                                          </p:stCondLst>
-                                        </p:cTn>
-                                        <p:tgtEl>
-                                          <p:spTgt spid="3">
-                                            <p:txEl>
-                                              <p:pRg st="5" end="5"/>
-                                            </p:txEl>
-                                          </p:spTgt>
-                                        </p:tgtEl>
-                                        <p:attrNameLst>
-                                          <p:attrName>style.visibility</p:attrName>
-                                        </p:attrNameLst>
-                                      </p:cBhvr>
-                                      <p:to>
-                                        <p:strVal val="visible"/>
-                                      </p:to>
-                                    </p:set>
-                                    <p:animEffect transition="in" filter="fade">
-                                      <p:cBhvr>
-                                        <p:cTn id="33" dur="500"/>
-                                        <p:tgtEl>
-                                          <p:spTgt spid="3">
-                                            <p:txEl>
-                                              <p:pRg st="5" end="5"/>
-                                            </p:txEl>
-                                          </p:spTgt>
-                                        </p:tgtEl>
-                                      </p:cBhvr>
-                                    </p:animEffect>
-                                  </p:childTnLst>
-                                </p:cTn>
-                              </p:par>
-                            </p:childTnLst>
-                          </p:cTn>
-                        </p:par>
-                        <p:par>
-                          <p:cTn id="34" fill="hold">
-                            <p:stCondLst>
-                              <p:cond delay="2500"/>
-                            </p:stCondLst>
-                            <p:childTnLst>
-                              <p:par>
-                                <p:cTn id="35" presetID="10" presetClass="entr" presetSubtype="0" fill="hold" nodeType="afterEffect">
-                                  <p:stCondLst>
-                                    <p:cond delay="0"/>
-                                  </p:stCondLst>
-                                  <p:childTnLst>
-                                    <p:set>
-                                      <p:cBhvr>
-                                        <p:cTn id="36" dur="1" fill="hold">
-                                          <p:stCondLst>
-                                            <p:cond delay="0"/>
-                                          </p:stCondLst>
-                                        </p:cTn>
-                                        <p:tgtEl>
-                                          <p:spTgt spid="3">
-                                            <p:txEl>
-                                              <p:pRg st="6" end="6"/>
-                                            </p:txEl>
-                                          </p:spTgt>
-                                        </p:tgtEl>
-                                        <p:attrNameLst>
-                                          <p:attrName>style.visibility</p:attrName>
-                                        </p:attrNameLst>
-                                      </p:cBhvr>
-                                      <p:to>
-                                        <p:strVal val="visible"/>
-                                      </p:to>
-                                    </p:set>
-                                    <p:animEffect transition="in" filter="fade">
-                                      <p:cBhvr>
-                                        <p:cTn id="37" dur="500"/>
-                                        <p:tgtEl>
-                                          <p:spTgt spid="3">
-                                            <p:txEl>
-                                              <p:pRg st="6" end="6"/>
                                             </p:txEl>
                                           </p:spTgt>
                                         </p:tgtEl>
@@ -38658,29 +38557,26 @@
           </a:p>
           <a:p>
             <a:r>
-              <a:rPr lang="en-US" dirty="0" smtClean="0"/>
-              <a:t>Test in operative environment</a:t>
-            </a:r>
-          </a:p>
-          <a:p>
-            <a:r>
-              <a:rPr lang="en-US" dirty="0" smtClean="0"/>
-              <a:t>Recurrent artificial neural networks</a:t>
-            </a:r>
-          </a:p>
-          <a:p>
-            <a:r>
-              <a:rPr lang="en-US" dirty="0" smtClean="0"/>
-              <a:t>Inverse reinforcement learning</a:t>
-            </a:r>
-          </a:p>
-          <a:p>
-            <a:r>
-              <a:rPr lang="en-US" dirty="0" smtClean="0"/>
-              <a:t>Apprenticeship learning</a:t>
-            </a:r>
-          </a:p>
-          <a:p>
+              <a:rPr lang="en-US" dirty="0"/>
+              <a:t>Long training sessions for reinforcement learning</a:t>
+            </a:r>
+          </a:p>
+          <a:p>
+            <a:r>
+              <a:rPr lang="en-US" dirty="0"/>
+              <a:t>Overfitting</a:t>
+            </a:r>
+          </a:p>
+          <a:p>
+            <a:r>
+              <a:rPr lang="en-US" dirty="0"/>
+              <a:t>Vanishing and exploding gradient problem</a:t>
+            </a:r>
+          </a:p>
+          <a:p>
+            <a:pPr marL="0" indent="0">
+              <a:buNone/>
+            </a:pPr>
             <a:endParaRPr lang="en-US" dirty="0"/>
           </a:p>
         </p:txBody>
@@ -38731,7 +38627,7 @@
           <a:p>
             <a:fld id="{DB0B2F36-CFDA-4EEF-BC45-DB620249CF2E}" type="datetime1">
               <a:rPr lang="en-US" smtClean="0"/>
-              <a:t>5/4/2017</a:t>
+              <a:t>5/5/2017</a:t>
             </a:fld>
             <a:endParaRPr lang="en-US" dirty="0"/>
           </a:p>
@@ -38979,30 +38875,21 @@
                             </p:childTnLst>
                           </p:cTn>
                         </p:par>
-                      </p:childTnLst>
-                    </p:cTn>
-                  </p:par>
-                  <p:par>
-                    <p:cTn id="13" fill="hold">
-                      <p:stCondLst>
-                        <p:cond delay="indefinite"/>
-                      </p:stCondLst>
-                      <p:childTnLst>
                         <p:par>
-                          <p:cTn id="14" fill="hold">
+                          <p:cTn id="13" fill="hold">
                             <p:stCondLst>
-                              <p:cond delay="0"/>
+                              <p:cond delay="1000"/>
                             </p:stCondLst>
                             <p:childTnLst>
                               <p:par>
-                                <p:cTn id="15" presetID="10" presetClass="entr" presetSubtype="0" fill="hold" nodeType="clickEffect">
+                                <p:cTn id="14" presetID="10" presetClass="entr" presetSubtype="0" fill="hold" nodeType="afterEffect">
                                   <p:stCondLst>
                                     <p:cond delay="0"/>
                                   </p:stCondLst>
                                   <p:childTnLst>
                                     <p:set>
                                       <p:cBhvr>
-                                        <p:cTn id="16" dur="1" fill="hold">
+                                        <p:cTn id="15" dur="1" fill="hold">
                                           <p:stCondLst>
                                             <p:cond delay="0"/>
                                           </p:stCondLst>
@@ -39024,7 +38911,7 @@
                                     </p:set>
                                     <p:animEffect transition="in" filter="fade">
                                       <p:cBhvr>
-                                        <p:cTn id="17" dur="500"/>
+                                        <p:cTn id="16" dur="500"/>
                                         <p:tgtEl>
                                           <p:spTgt spid="3">
                                             <p:txEl>
@@ -39041,20 +38928,20 @@
                           </p:cTn>
                         </p:par>
                         <p:par>
-                          <p:cTn id="18" fill="hold">
+                          <p:cTn id="17" fill="hold">
                             <p:stCondLst>
-                              <p:cond delay="500"/>
+                              <p:cond delay="1500"/>
                             </p:stCondLst>
                             <p:childTnLst>
                               <p:par>
-                                <p:cTn id="19" presetID="10" presetClass="entr" presetSubtype="0" fill="hold" nodeType="afterEffect">
+                                <p:cTn id="18" presetID="10" presetClass="entr" presetSubtype="0" fill="hold" nodeType="afterEffect">
                                   <p:stCondLst>
                                     <p:cond delay="0"/>
                                   </p:stCondLst>
                                   <p:childTnLst>
                                     <p:set>
                                       <p:cBhvr>
-                                        <p:cTn id="20" dur="1" fill="hold">
+                                        <p:cTn id="19" dur="1" fill="hold">
                                           <p:stCondLst>
                                             <p:cond delay="0"/>
                                           </p:stCondLst>
@@ -39076,7 +38963,7 @@
                                     </p:set>
                                     <p:animEffect transition="in" filter="fade">
                                       <p:cBhvr>
-                                        <p:cTn id="21" dur="500"/>
+                                        <p:cTn id="20" dur="500"/>
                                         <p:tgtEl>
                                           <p:spTgt spid="3">
                                             <p:txEl>
@@ -39093,20 +38980,20 @@
                           </p:cTn>
                         </p:par>
                         <p:par>
-                          <p:cTn id="22" fill="hold">
+                          <p:cTn id="21" fill="hold">
                             <p:stCondLst>
-                              <p:cond delay="1000"/>
+                              <p:cond delay="2000"/>
                             </p:stCondLst>
                             <p:childTnLst>
                               <p:par>
-                                <p:cTn id="23" presetID="10" presetClass="entr" presetSubtype="0" fill="hold" nodeType="afterEffect">
+                                <p:cTn id="22" presetID="10" presetClass="entr" presetSubtype="0" fill="hold" nodeType="afterEffect">
                                   <p:stCondLst>
                                     <p:cond delay="0"/>
                                   </p:stCondLst>
                                   <p:childTnLst>
                                     <p:set>
                                       <p:cBhvr>
-                                        <p:cTn id="24" dur="1" fill="hold">
+                                        <p:cTn id="23" dur="1" fill="hold">
                                           <p:stCondLst>
                                             <p:cond delay="0"/>
                                           </p:stCondLst>
@@ -39128,63 +39015,11 @@
                                     </p:set>
                                     <p:animEffect transition="in" filter="fade">
                                       <p:cBhvr>
-                                        <p:cTn id="25" dur="500"/>
+                                        <p:cTn id="24" dur="500"/>
                                         <p:tgtEl>
                                           <p:spTgt spid="3">
                                             <p:txEl>
                                               <p:pRg st="3" end="3"/>
-                                            </p:txEl>
-                                          </p:spTgt>
-                                        </p:tgtEl>
-                                      </p:cBhvr>
-                                    </p:animEffect>
-                                  </p:childTnLst>
-                                </p:cTn>
-                              </p:par>
-                            </p:childTnLst>
-                          </p:cTn>
-                        </p:par>
-                        <p:par>
-                          <p:cTn id="26" fill="hold">
-                            <p:stCondLst>
-                              <p:cond delay="1500"/>
-                            </p:stCondLst>
-                            <p:childTnLst>
-                              <p:par>
-                                <p:cTn id="27" presetID="10" presetClass="entr" presetSubtype="0" fill="hold" nodeType="afterEffect">
-                                  <p:stCondLst>
-                                    <p:cond delay="0"/>
-                                  </p:stCondLst>
-                                  <p:childTnLst>
-                                    <p:set>
-                                      <p:cBhvr>
-                                        <p:cTn id="28" dur="1" fill="hold">
-                                          <p:stCondLst>
-                                            <p:cond delay="0"/>
-                                          </p:stCondLst>
-                                        </p:cTn>
-                                        <p:tgtEl>
-                                          <p:spTgt spid="3">
-                                            <p:txEl>
-                                              <p:pRg st="4" end="4"/>
-                                            </p:txEl>
-                                          </p:spTgt>
-                                        </p:tgtEl>
-                                        <p:attrNameLst>
-                                          <p:attrName>style.visibility</p:attrName>
-                                        </p:attrNameLst>
-                                      </p:cBhvr>
-                                      <p:to>
-                                        <p:strVal val="visible"/>
-                                      </p:to>
-                                    </p:set>
-                                    <p:animEffect transition="in" filter="fade">
-                                      <p:cBhvr>
-                                        <p:cTn id="29" dur="500"/>
-                                        <p:tgtEl>
-                                          <p:spTgt spid="3">
-                                            <p:txEl>
-                                              <p:pRg st="4" end="4"/>
                                             </p:txEl>
                                           </p:spTgt>
                                         </p:tgtEl>
@@ -39281,7 +39116,7 @@
           <a:p>
             <a:fld id="{DB0B2F36-CFDA-4EEF-BC45-DB620249CF2E}" type="datetime1">
               <a:rPr lang="en-US" smtClean="0"/>
-              <a:t>5/4/2017</a:t>
+              <a:t>5/5/2017</a:t>
             </a:fld>
             <a:endParaRPr lang="en-US" dirty="0"/>
           </a:p>
@@ -39620,7 +39455,7 @@
           <a:p>
             <a:fld id="{141D0F49-276D-4F56-B63B-4D6688C20884}" type="datetime1">
               <a:rPr lang="en-US" smtClean="0"/>
-              <a:t>5/4/2017</a:t>
+              <a:t>5/5/2017</a:t>
             </a:fld>
             <a:endParaRPr lang="en-US" dirty="0"/>
           </a:p>
@@ -40473,7 +40308,7 @@
           <a:p>
             <a:fld id="{775DBC5F-811A-4510-806A-774BA01822C0}" type="datetime1">
               <a:rPr lang="en-US" smtClean="0"/>
-              <a:t>5/4/2017</a:t>
+              <a:t>5/5/2017</a:t>
             </a:fld>
             <a:endParaRPr lang="en-US" dirty="0"/>
           </a:p>
@@ -41045,7 +40880,7 @@
           <a:p>
             <a:fld id="{4F22A586-2213-465D-A4DA-AF7218E30335}" type="datetime1">
               <a:rPr lang="en-US" smtClean="0"/>
-              <a:t>5/4/2017</a:t>
+              <a:t>5/5/2017</a:t>
             </a:fld>
             <a:endParaRPr lang="en-US" dirty="0"/>
           </a:p>
@@ -41250,7 +41085,7 @@
           <a:p>
             <a:fld id="{33702BFD-8F71-412D-ABAA-264257F552C9}" type="datetime1">
               <a:rPr lang="en-US" smtClean="0"/>
-              <a:t>5/4/2017</a:t>
+              <a:t>5/5/2017</a:t>
             </a:fld>
             <a:endParaRPr lang="en-US" dirty="0"/>
           </a:p>
@@ -42962,7 +42797,7 @@
           <a:p>
             <a:fld id="{AFE09599-E0A6-43F3-80A7-56B7E897668B}" type="datetime1">
               <a:rPr lang="en-US" smtClean="0"/>
-              <a:t>5/4/2017</a:t>
+              <a:t>5/5/2017</a:t>
             </a:fld>
             <a:endParaRPr lang="en-US" dirty="0"/>
           </a:p>
@@ -45174,11 +45009,7 @@
             </a:pPr>
             <a:r>
               <a:rPr lang="en-US" dirty="0" smtClean="0"/>
-              <a:t>Improve resources </a:t>
-            </a:r>
-            <a:r>
-              <a:rPr lang="en-US" dirty="0" smtClean="0"/>
-              <a:t>usage</a:t>
+              <a:t>Improve resources usage</a:t>
             </a:r>
           </a:p>
           <a:p>
@@ -45242,7 +45073,7 @@
           <a:p>
             <a:fld id="{DB0B2F36-CFDA-4EEF-BC45-DB620249CF2E}" type="datetime1">
               <a:rPr lang="en-US" smtClean="0"/>
-              <a:t>5/4/2017</a:t>
+              <a:t>5/5/2017</a:t>
             </a:fld>
             <a:endParaRPr lang="en-US" dirty="0"/>
           </a:p>
@@ -45443,7 +45274,7 @@
           <a:p>
             <a:fld id="{DB0B2F36-CFDA-4EEF-BC45-DB620249CF2E}" type="datetime1">
               <a:rPr lang="en-US" smtClean="0"/>
-              <a:t>5/4/2017</a:t>
+              <a:t>5/5/2017</a:t>
             </a:fld>
             <a:endParaRPr lang="en-US" dirty="0"/>
           </a:p>
@@ -45614,15 +45445,7 @@
           <a:p>
             <a:r>
               <a:rPr lang="en-US" dirty="0" smtClean="0"/>
-              <a:t>Discrete </a:t>
-            </a:r>
-            <a:r>
-              <a:rPr lang="en-US" dirty="0" smtClean="0"/>
-              <a:t>Event </a:t>
-            </a:r>
-            <a:r>
-              <a:rPr lang="en-US" dirty="0" smtClean="0"/>
-              <a:t>Simulation Environment</a:t>
+              <a:t>Discrete Event Simulation Environment</a:t>
             </a:r>
             <a:endParaRPr lang="en-US" dirty="0"/>
           </a:p>
@@ -45674,7 +45497,7 @@
           <a:p>
             <a:fld id="{141D0F49-276D-4F56-B63B-4D6688C20884}" type="datetime1">
               <a:rPr lang="en-US" smtClean="0"/>
-              <a:t>5/4/2017</a:t>
+              <a:t>5/5/2017</a:t>
             </a:fld>
             <a:endParaRPr lang="en-US" dirty="0"/>
           </a:p>
@@ -45872,7 +45695,7 @@
           <a:p>
             <a:fld id="{DB0B2F36-CFDA-4EEF-BC45-DB620249CF2E}" type="datetime1">
               <a:rPr lang="en-US" smtClean="0"/>
-              <a:t>5/4/2017</a:t>
+              <a:t>5/5/2017</a:t>
             </a:fld>
             <a:endParaRPr lang="en-US" dirty="0"/>
           </a:p>
@@ -46181,7 +46004,7 @@
         <a:effectLst/>
         <a:extLst>
           <a:ext uri="{AF507438-7753-43e0-B8FC-AC1667EBCBE1}">
-            <a14:hiddenEffects xmlns="" xmlns:a14="http://schemas.microsoft.com/office/drawing/2010/main">
+            <a14:hiddenEffects xmlns:a14="http://schemas.microsoft.com/office/drawing/2010/main" xmlns="">
               <a:effectLst>
                 <a:outerShdw blurRad="63500" dist="35921" dir="2700000" algn="ctr" rotWithShape="0">
                   <a:schemeClr val="bg2"/>
@@ -46256,7 +46079,7 @@
         <a:effectLst/>
         <a:extLst>
           <a:ext uri="{AF507438-7753-43e0-B8FC-AC1667EBCBE1}">
-            <a14:hiddenEffects xmlns="" xmlns:a14="http://schemas.microsoft.com/office/drawing/2010/main">
+            <a14:hiddenEffects xmlns:a14="http://schemas.microsoft.com/office/drawing/2010/main" xmlns="">
               <a:effectLst>
                 <a:outerShdw blurRad="63500" dist="35921" dir="2700000" algn="ctr" rotWithShape="0">
                   <a:schemeClr val="bg2"/>

--- a/Workflow Optimization.pptx
+++ b/Workflow Optimization.pptx
@@ -590,11 +590,11 @@
           <c:showBubbleSize val="0"/>
         </c:dLbls>
         <c:gapWidth val="150"/>
-        <c:axId val="331692184"/>
-        <c:axId val="331693752"/>
+        <c:axId val="334355048"/>
+        <c:axId val="334355832"/>
       </c:barChart>
       <c:catAx>
-        <c:axId val="331692184"/>
+        <c:axId val="334355048"/>
         <c:scaling>
           <c:orientation val="minMax"/>
         </c:scaling>
@@ -631,7 +631,7 @@
             <a:endParaRPr lang="en-US"/>
           </a:p>
         </c:txPr>
-        <c:crossAx val="331693752"/>
+        <c:crossAx val="334355832"/>
         <c:crosses val="autoZero"/>
         <c:auto val="1"/>
         <c:lblAlgn val="ctr"/>
@@ -639,7 +639,7 @@
         <c:noMultiLvlLbl val="0"/>
       </c:catAx>
       <c:valAx>
-        <c:axId val="331693752"/>
+        <c:axId val="334355832"/>
         <c:scaling>
           <c:orientation val="minMax"/>
         </c:scaling>
@@ -690,7 +690,7 @@
             <a:endParaRPr lang="en-US"/>
           </a:p>
         </c:txPr>
-        <c:crossAx val="331692184"/>
+        <c:crossAx val="334355048"/>
         <c:crosses val="autoZero"/>
         <c:crossBetween val="between"/>
       </c:valAx>
@@ -1064,11 +1064,11 @@
           <c:showBubbleSize val="0"/>
         </c:dLbls>
         <c:gapWidth val="150"/>
-        <c:axId val="331689440"/>
-        <c:axId val="331689832"/>
+        <c:axId val="334358968"/>
+        <c:axId val="334359360"/>
       </c:barChart>
       <c:catAx>
-        <c:axId val="331689440"/>
+        <c:axId val="334358968"/>
         <c:scaling>
           <c:orientation val="minMax"/>
         </c:scaling>
@@ -1105,7 +1105,7 @@
             <a:endParaRPr lang="en-US"/>
           </a:p>
         </c:txPr>
-        <c:crossAx val="331689832"/>
+        <c:crossAx val="334359360"/>
         <c:crosses val="autoZero"/>
         <c:auto val="1"/>
         <c:lblAlgn val="ctr"/>
@@ -1113,7 +1113,7 @@
         <c:noMultiLvlLbl val="0"/>
       </c:catAx>
       <c:valAx>
-        <c:axId val="331689832"/>
+        <c:axId val="334359360"/>
         <c:scaling>
           <c:orientation val="minMax"/>
         </c:scaling>
@@ -1164,7 +1164,7 @@
             <a:endParaRPr lang="en-US"/>
           </a:p>
         </c:txPr>
-        <c:crossAx val="331689440"/>
+        <c:crossAx val="334358968"/>
         <c:crosses val="autoZero"/>
         <c:crossBetween val="between"/>
       </c:valAx>
@@ -1276,7 +1276,6 @@
           </a:p>
         </c:rich>
       </c:tx>
-      <c:layout/>
       <c:overlay val="0"/>
       <c:spPr>
         <a:noFill/>
@@ -1562,11 +1561,11 @@
           <c:showBubbleSize val="0"/>
         </c:dLbls>
         <c:gapWidth val="150"/>
-        <c:axId val="331325256"/>
-        <c:axId val="331319376"/>
+        <c:axId val="335796752"/>
+        <c:axId val="335795968"/>
       </c:barChart>
       <c:catAx>
-        <c:axId val="331325256"/>
+        <c:axId val="335796752"/>
         <c:scaling>
           <c:orientation val="minMax"/>
         </c:scaling>
@@ -1603,7 +1602,7 @@
             <a:endParaRPr lang="en-US"/>
           </a:p>
         </c:txPr>
-        <c:crossAx val="331319376"/>
+        <c:crossAx val="335795968"/>
         <c:crosses val="autoZero"/>
         <c:auto val="1"/>
         <c:lblAlgn val="ctr"/>
@@ -1611,7 +1610,7 @@
         <c:noMultiLvlLbl val="0"/>
       </c:catAx>
       <c:valAx>
-        <c:axId val="331319376"/>
+        <c:axId val="335795968"/>
         <c:scaling>
           <c:orientation val="minMax"/>
           <c:max val="40"/>
@@ -1664,7 +1663,7 @@
             <a:endParaRPr lang="en-US"/>
           </a:p>
         </c:txPr>
-        <c:crossAx val="331325256"/>
+        <c:crossAx val="335796752"/>
         <c:crosses val="autoZero"/>
         <c:crossBetween val="between"/>
       </c:valAx>
@@ -1678,7 +1677,6 @@
     </c:plotArea>
     <c:legend>
       <c:legendPos val="b"/>
-      <c:layout/>
       <c:overlay val="0"/>
       <c:spPr>
         <a:noFill/>
@@ -1776,7 +1774,6 @@
           </a:p>
         </c:rich>
       </c:tx>
-      <c:layout/>
       <c:overlay val="0"/>
       <c:spPr>
         <a:noFill/>
@@ -2062,11 +2059,11 @@
           <c:showBubbleSize val="0"/>
         </c:dLbls>
         <c:gapWidth val="150"/>
-        <c:axId val="287476576"/>
-        <c:axId val="287475792"/>
+        <c:axId val="333576832"/>
+        <c:axId val="332355480"/>
       </c:barChart>
       <c:catAx>
-        <c:axId val="287476576"/>
+        <c:axId val="333576832"/>
         <c:scaling>
           <c:orientation val="minMax"/>
         </c:scaling>
@@ -2103,7 +2100,7 @@
             <a:endParaRPr lang="en-US"/>
           </a:p>
         </c:txPr>
-        <c:crossAx val="287475792"/>
+        <c:crossAx val="332355480"/>
         <c:crosses val="autoZero"/>
         <c:auto val="1"/>
         <c:lblAlgn val="ctr"/>
@@ -2111,7 +2108,7 @@
         <c:noMultiLvlLbl val="0"/>
       </c:catAx>
       <c:valAx>
-        <c:axId val="287475792"/>
+        <c:axId val="332355480"/>
         <c:scaling>
           <c:orientation val="minMax"/>
           <c:max val="40"/>
@@ -2163,7 +2160,7 @@
             <a:endParaRPr lang="en-US"/>
           </a:p>
         </c:txPr>
-        <c:crossAx val="287476576"/>
+        <c:crossAx val="333576832"/>
         <c:crosses val="autoZero"/>
         <c:crossBetween val="between"/>
       </c:valAx>
@@ -2177,7 +2174,6 @@
     </c:plotArea>
     <c:legend>
       <c:legendPos val="b"/>
-      <c:layout/>
       <c:overlay val="0"/>
       <c:spPr>
         <a:noFill/>
@@ -4420,14 +4416,14 @@
           <a:effectLst/>
           <a:extLst>
             <a:ext uri="{909E8E84-426E-40dd-AFC4-6F175D3DCCD1}">
-              <a14:hiddenFill xmlns:a14="http://schemas.microsoft.com/office/drawing/2010/main" xmlns="">
+              <a14:hiddenFill xmlns="" xmlns:a14="http://schemas.microsoft.com/office/drawing/2010/main">
                 <a:solidFill>
                   <a:schemeClr val="accent1"/>
                 </a:solidFill>
               </a14:hiddenFill>
             </a:ext>
             <a:ext uri="{91240B29-F687-4f45-9708-019B960494DF}">
-              <a14:hiddenLine xmlns:a14="http://schemas.microsoft.com/office/drawing/2010/main" xmlns="" w="9525">
+              <a14:hiddenLine xmlns="" xmlns:a14="http://schemas.microsoft.com/office/drawing/2010/main" w="9525">
                 <a:solidFill>
                   <a:schemeClr val="tx1"/>
                 </a:solidFill>
@@ -4437,7 +4433,7 @@
               </a14:hiddenLine>
             </a:ext>
             <a:ext uri="{AF507438-7753-43e0-B8FC-AC1667EBCBE1}">
-              <a14:hiddenEffects xmlns:a14="http://schemas.microsoft.com/office/drawing/2010/main" xmlns="">
+              <a14:hiddenEffects xmlns="" xmlns:a14="http://schemas.microsoft.com/office/drawing/2010/main">
                 <a:effectLst>
                   <a:outerShdw blurRad="63500" dist="38099" dir="2700000" algn="ctr" rotWithShape="0">
                     <a:schemeClr val="bg2">
@@ -4448,7 +4444,7 @@
               </a14:hiddenEffects>
             </a:ext>
             <a:ext uri="{FAA26D3D-D897-4be2-8F04-BA451C77F1D7}">
-              <ma14:placeholderFlag xmlns:ma14="http://schemas.microsoft.com/office/mac/drawingml/2011/main" xmlns="" val="1"/>
+              <ma14:placeholderFlag xmlns="" xmlns:ma14="http://schemas.microsoft.com/office/mac/drawingml/2011/main" val="1"/>
             </a:ext>
           </a:extLst>
         </p:spPr>
@@ -4493,14 +4489,14 @@
           <a:effectLst/>
           <a:extLst>
             <a:ext uri="{909E8E84-426E-40dd-AFC4-6F175D3DCCD1}">
-              <a14:hiddenFill xmlns:a14="http://schemas.microsoft.com/office/drawing/2010/main" xmlns="">
+              <a14:hiddenFill xmlns="" xmlns:a14="http://schemas.microsoft.com/office/drawing/2010/main">
                 <a:solidFill>
                   <a:schemeClr val="accent1"/>
                 </a:solidFill>
               </a14:hiddenFill>
             </a:ext>
             <a:ext uri="{91240B29-F687-4f45-9708-019B960494DF}">
-              <a14:hiddenLine xmlns:a14="http://schemas.microsoft.com/office/drawing/2010/main" xmlns="" w="9525">
+              <a14:hiddenLine xmlns="" xmlns:a14="http://schemas.microsoft.com/office/drawing/2010/main" w="9525">
                 <a:solidFill>
                   <a:schemeClr val="tx1"/>
                 </a:solidFill>
@@ -4510,7 +4506,7 @@
               </a14:hiddenLine>
             </a:ext>
             <a:ext uri="{AF507438-7753-43e0-B8FC-AC1667EBCBE1}">
-              <a14:hiddenEffects xmlns:a14="http://schemas.microsoft.com/office/drawing/2010/main" xmlns="">
+              <a14:hiddenEffects xmlns="" xmlns:a14="http://schemas.microsoft.com/office/drawing/2010/main">
                 <a:effectLst>
                   <a:outerShdw blurRad="63500" dist="38099" dir="2700000" algn="ctr" rotWithShape="0">
                     <a:schemeClr val="bg2">
@@ -4521,7 +4517,7 @@
               </a14:hiddenEffects>
             </a:ext>
             <a:ext uri="{FAA26D3D-D897-4be2-8F04-BA451C77F1D7}">
-              <ma14:placeholderFlag xmlns:ma14="http://schemas.microsoft.com/office/mac/drawingml/2011/main" xmlns="" val="1"/>
+              <ma14:placeholderFlag xmlns="" xmlns:ma14="http://schemas.microsoft.com/office/mac/drawingml/2011/main" val="1"/>
             </a:ext>
           </a:extLst>
         </p:spPr>
@@ -4571,7 +4567,7 @@
           <a:effectLst/>
           <a:extLst>
             <a:ext uri="{AF507438-7753-43e0-B8FC-AC1667EBCBE1}">
-              <a14:hiddenEffects xmlns:a14="http://schemas.microsoft.com/office/drawing/2010/main" xmlns="">
+              <a14:hiddenEffects xmlns="" xmlns:a14="http://schemas.microsoft.com/office/drawing/2010/main">
                 <a:effectLst>
                   <a:outerShdw blurRad="63500" dist="38099" dir="2700000" algn="ctr" rotWithShape="0">
                     <a:srgbClr val="000000">
@@ -4582,7 +4578,7 @@
               </a14:hiddenEffects>
             </a:ext>
             <a:ext uri="{53640926-AAD7-44d8-BBD7-CCE9431645EC}">
-              <a14:shadowObscured xmlns:a14="http://schemas.microsoft.com/office/drawing/2010/main" xmlns="" val="1"/>
+              <a14:shadowObscured xmlns="" xmlns:a14="http://schemas.microsoft.com/office/drawing/2010/main" val="1"/>
             </a:ext>
           </a:extLst>
         </p:spPr>
@@ -4612,14 +4608,14 @@
           <a:effectLst/>
           <a:extLst>
             <a:ext uri="{909E8E84-426E-40dd-AFC4-6F175D3DCCD1}">
-              <a14:hiddenFill xmlns:a14="http://schemas.microsoft.com/office/drawing/2010/main" xmlns="">
+              <a14:hiddenFill xmlns="" xmlns:a14="http://schemas.microsoft.com/office/drawing/2010/main">
                 <a:solidFill>
                   <a:schemeClr val="accent1"/>
                 </a:solidFill>
               </a14:hiddenFill>
             </a:ext>
             <a:ext uri="{91240B29-F687-4f45-9708-019B960494DF}">
-              <a14:hiddenLine xmlns:a14="http://schemas.microsoft.com/office/drawing/2010/main" xmlns="" w="9525">
+              <a14:hiddenLine xmlns="" xmlns:a14="http://schemas.microsoft.com/office/drawing/2010/main" w="9525">
                 <a:solidFill>
                   <a:schemeClr val="tx1"/>
                 </a:solidFill>
@@ -4629,7 +4625,7 @@
               </a14:hiddenLine>
             </a:ext>
             <a:ext uri="{AF507438-7753-43e0-B8FC-AC1667EBCBE1}">
-              <a14:hiddenEffects xmlns:a14="http://schemas.microsoft.com/office/drawing/2010/main" xmlns="">
+              <a14:hiddenEffects xmlns="" xmlns:a14="http://schemas.microsoft.com/office/drawing/2010/main">
                 <a:effectLst>
                   <a:outerShdw blurRad="63500" dist="38099" dir="2700000" algn="ctr" rotWithShape="0">
                     <a:schemeClr val="bg2">
@@ -4640,7 +4636,7 @@
               </a14:hiddenEffects>
             </a:ext>
             <a:ext uri="{FAA26D3D-D897-4be2-8F04-BA451C77F1D7}">
-              <ma14:placeholderFlag xmlns:ma14="http://schemas.microsoft.com/office/mac/drawingml/2011/main" xmlns="" val="1"/>
+              <ma14:placeholderFlag xmlns="" xmlns:ma14="http://schemas.microsoft.com/office/mac/drawingml/2011/main" val="1"/>
             </a:ext>
           </a:extLst>
         </p:spPr>
@@ -4713,14 +4709,14 @@
           <a:effectLst/>
           <a:extLst>
             <a:ext uri="{909E8E84-426E-40dd-AFC4-6F175D3DCCD1}">
-              <a14:hiddenFill xmlns:a14="http://schemas.microsoft.com/office/drawing/2010/main" xmlns="">
+              <a14:hiddenFill xmlns="" xmlns:a14="http://schemas.microsoft.com/office/drawing/2010/main">
                 <a:solidFill>
                   <a:schemeClr val="accent1"/>
                 </a:solidFill>
               </a14:hiddenFill>
             </a:ext>
             <a:ext uri="{91240B29-F687-4f45-9708-019B960494DF}">
-              <a14:hiddenLine xmlns:a14="http://schemas.microsoft.com/office/drawing/2010/main" xmlns="" w="9525">
+              <a14:hiddenLine xmlns="" xmlns:a14="http://schemas.microsoft.com/office/drawing/2010/main" w="9525">
                 <a:solidFill>
                   <a:schemeClr val="tx1"/>
                 </a:solidFill>
@@ -4730,7 +4726,7 @@
               </a14:hiddenLine>
             </a:ext>
             <a:ext uri="{AF507438-7753-43e0-B8FC-AC1667EBCBE1}">
-              <a14:hiddenEffects xmlns:a14="http://schemas.microsoft.com/office/drawing/2010/main" xmlns="">
+              <a14:hiddenEffects xmlns="" xmlns:a14="http://schemas.microsoft.com/office/drawing/2010/main">
                 <a:effectLst>
                   <a:outerShdw blurRad="63500" dist="38099" dir="2700000" algn="ctr" rotWithShape="0">
                     <a:schemeClr val="bg2">
@@ -4741,7 +4737,7 @@
               </a14:hiddenEffects>
             </a:ext>
             <a:ext uri="{FAA26D3D-D897-4be2-8F04-BA451C77F1D7}">
-              <ma14:placeholderFlag xmlns:ma14="http://schemas.microsoft.com/office/mac/drawingml/2011/main" xmlns="" val="1"/>
+              <ma14:placeholderFlag xmlns="" xmlns:ma14="http://schemas.microsoft.com/office/mac/drawingml/2011/main" val="1"/>
             </a:ext>
           </a:extLst>
         </p:spPr>
@@ -4786,14 +4782,14 @@
           <a:effectLst/>
           <a:extLst>
             <a:ext uri="{909E8E84-426E-40dd-AFC4-6F175D3DCCD1}">
-              <a14:hiddenFill xmlns:a14="http://schemas.microsoft.com/office/drawing/2010/main" xmlns="">
+              <a14:hiddenFill xmlns="" xmlns:a14="http://schemas.microsoft.com/office/drawing/2010/main">
                 <a:solidFill>
                   <a:schemeClr val="accent1"/>
                 </a:solidFill>
               </a14:hiddenFill>
             </a:ext>
             <a:ext uri="{91240B29-F687-4f45-9708-019B960494DF}">
-              <a14:hiddenLine xmlns:a14="http://schemas.microsoft.com/office/drawing/2010/main" xmlns="" w="9525">
+              <a14:hiddenLine xmlns="" xmlns:a14="http://schemas.microsoft.com/office/drawing/2010/main" w="9525">
                 <a:solidFill>
                   <a:schemeClr val="tx1"/>
                 </a:solidFill>
@@ -4803,7 +4799,7 @@
               </a14:hiddenLine>
             </a:ext>
             <a:ext uri="{AF507438-7753-43e0-B8FC-AC1667EBCBE1}">
-              <a14:hiddenEffects xmlns:a14="http://schemas.microsoft.com/office/drawing/2010/main" xmlns="">
+              <a14:hiddenEffects xmlns="" xmlns:a14="http://schemas.microsoft.com/office/drawing/2010/main">
                 <a:effectLst>
                   <a:outerShdw blurRad="63500" dist="38099" dir="2700000" algn="ctr" rotWithShape="0">
                     <a:schemeClr val="bg2">
@@ -4814,7 +4810,7 @@
               </a14:hiddenEffects>
             </a:ext>
             <a:ext uri="{FAA26D3D-D897-4be2-8F04-BA451C77F1D7}">
-              <ma14:placeholderFlag xmlns:ma14="http://schemas.microsoft.com/office/mac/drawingml/2011/main" xmlns="" val="1"/>
+              <ma14:placeholderFlag xmlns="" xmlns:ma14="http://schemas.microsoft.com/office/mac/drawingml/2011/main" val="1"/>
             </a:ext>
           </a:extLst>
         </p:spPr>
@@ -5382,7 +5378,7 @@
           <a:effectLst/>
           <a:extLst>
             <a:ext uri="{AF507438-7753-43e0-B8FC-AC1667EBCBE1}">
-              <a14:hiddenEffects xmlns:a14="http://schemas.microsoft.com/office/drawing/2010/main" xmlns="">
+              <a14:hiddenEffects xmlns="" xmlns:a14="http://schemas.microsoft.com/office/drawing/2010/main">
                 <a:effectLst>
                   <a:outerShdw blurRad="63500" dist="35921" dir="2700000" algn="ctr" rotWithShape="0">
                     <a:schemeClr val="bg2"/>
@@ -6268,7 +6264,7 @@
           <a:noFill/>
           <a:extLst>
             <a:ext uri="{909E8E84-426E-40dd-AFC4-6F175D3DCCD1}">
-              <a14:hiddenFill xmlns:a14="http://schemas.microsoft.com/office/drawing/2010/main" xmlns="">
+              <a14:hiddenFill xmlns="" xmlns:a14="http://schemas.microsoft.com/office/drawing/2010/main">
                 <a:solidFill>
                   <a:srgbClr val="FFFFFF"/>
                 </a:solidFill>
@@ -6302,14 +6298,14 @@
           <a:effectLst/>
           <a:extLst>
             <a:ext uri="{909E8E84-426E-40dd-AFC4-6F175D3DCCD1}">
-              <a14:hiddenFill xmlns:a14="http://schemas.microsoft.com/office/drawing/2010/main" xmlns="">
+              <a14:hiddenFill xmlns="" xmlns:a14="http://schemas.microsoft.com/office/drawing/2010/main">
                 <a:solidFill>
                   <a:schemeClr val="accent1"/>
                 </a:solidFill>
               </a14:hiddenFill>
             </a:ext>
             <a:ext uri="{91240B29-F687-4f45-9708-019B960494DF}">
-              <a14:hiddenLine xmlns:a14="http://schemas.microsoft.com/office/drawing/2010/main" xmlns="" w="9525">
+              <a14:hiddenLine xmlns="" xmlns:a14="http://schemas.microsoft.com/office/drawing/2010/main" w="9525">
                 <a:solidFill>
                   <a:schemeClr val="tx1"/>
                 </a:solidFill>
@@ -6319,7 +6315,7 @@
               </a14:hiddenLine>
             </a:ext>
             <a:ext uri="{AF507438-7753-43e0-B8FC-AC1667EBCBE1}">
-              <a14:hiddenEffects xmlns:a14="http://schemas.microsoft.com/office/drawing/2010/main" xmlns="">
+              <a14:hiddenEffects xmlns="" xmlns:a14="http://schemas.microsoft.com/office/drawing/2010/main">
                 <a:effectLst>
                   <a:outerShdw blurRad="63500" dist="38099" dir="2700000" algn="ctr" rotWithShape="0">
                     <a:schemeClr val="bg2">
@@ -6330,7 +6326,7 @@
               </a14:hiddenEffects>
             </a:ext>
             <a:ext uri="{FAA26D3D-D897-4be2-8F04-BA451C77F1D7}">
-              <ma14:placeholderFlag xmlns:ma14="http://schemas.microsoft.com/office/mac/drawingml/2011/main" xmlns="" val="1"/>
+              <ma14:placeholderFlag xmlns="" xmlns:ma14="http://schemas.microsoft.com/office/mac/drawingml/2011/main" val="1"/>
             </a:ext>
           </a:extLst>
         </p:spPr>
@@ -6384,14 +6380,14 @@
           <a:effectLst/>
           <a:extLst>
             <a:ext uri="{909E8E84-426E-40dd-AFC4-6F175D3DCCD1}">
-              <a14:hiddenFill xmlns:a14="http://schemas.microsoft.com/office/drawing/2010/main" xmlns="">
+              <a14:hiddenFill xmlns="" xmlns:a14="http://schemas.microsoft.com/office/drawing/2010/main">
                 <a:solidFill>
                   <a:schemeClr val="accent1"/>
                 </a:solidFill>
               </a14:hiddenFill>
             </a:ext>
             <a:ext uri="{91240B29-F687-4f45-9708-019B960494DF}">
-              <a14:hiddenLine xmlns:a14="http://schemas.microsoft.com/office/drawing/2010/main" xmlns="" w="9525">
+              <a14:hiddenLine xmlns="" xmlns:a14="http://schemas.microsoft.com/office/drawing/2010/main" w="9525">
                 <a:solidFill>
                   <a:schemeClr val="tx1"/>
                 </a:solidFill>
@@ -6401,7 +6397,7 @@
               </a14:hiddenLine>
             </a:ext>
             <a:ext uri="{AF507438-7753-43e0-B8FC-AC1667EBCBE1}">
-              <a14:hiddenEffects xmlns:a14="http://schemas.microsoft.com/office/drawing/2010/main" xmlns="">
+              <a14:hiddenEffects xmlns="" xmlns:a14="http://schemas.microsoft.com/office/drawing/2010/main">
                 <a:effectLst>
                   <a:outerShdw blurRad="63500" dist="38099" dir="2700000" algn="ctr" rotWithShape="0">
                     <a:schemeClr val="bg2">
@@ -6412,7 +6408,7 @@
               </a14:hiddenEffects>
             </a:ext>
             <a:ext uri="{FAA26D3D-D897-4be2-8F04-BA451C77F1D7}">
-              <ma14:placeholderFlag xmlns:ma14="http://schemas.microsoft.com/office/mac/drawingml/2011/main" xmlns="" val="1"/>
+              <ma14:placeholderFlag xmlns="" xmlns:ma14="http://schemas.microsoft.com/office/mac/drawingml/2011/main" val="1"/>
             </a:ext>
           </a:extLst>
         </p:spPr>
@@ -6530,14 +6526,14 @@
           <a:effectLst/>
           <a:extLst>
             <a:ext uri="{909E8E84-426E-40dd-AFC4-6F175D3DCCD1}">
-              <a14:hiddenFill xmlns:a14="http://schemas.microsoft.com/office/drawing/2010/main" xmlns="">
+              <a14:hiddenFill xmlns="" xmlns:a14="http://schemas.microsoft.com/office/drawing/2010/main">
                 <a:solidFill>
                   <a:schemeClr val="accent1"/>
                 </a:solidFill>
               </a14:hiddenFill>
             </a:ext>
             <a:ext uri="{91240B29-F687-4f45-9708-019B960494DF}">
-              <a14:hiddenLine xmlns:a14="http://schemas.microsoft.com/office/drawing/2010/main" xmlns="" w="9525">
+              <a14:hiddenLine xmlns="" xmlns:a14="http://schemas.microsoft.com/office/drawing/2010/main" w="9525">
                 <a:solidFill>
                   <a:schemeClr val="tx1"/>
                 </a:solidFill>
@@ -6547,7 +6543,7 @@
               </a14:hiddenLine>
             </a:ext>
             <a:ext uri="{AF507438-7753-43e0-B8FC-AC1667EBCBE1}">
-              <a14:hiddenEffects xmlns:a14="http://schemas.microsoft.com/office/drawing/2010/main" xmlns="">
+              <a14:hiddenEffects xmlns="" xmlns:a14="http://schemas.microsoft.com/office/drawing/2010/main">
                 <a:effectLst>
                   <a:outerShdw blurRad="63500" dist="38099" dir="2700000" algn="ctr" rotWithShape="0">
                     <a:schemeClr val="bg2">
@@ -6558,7 +6554,7 @@
               </a14:hiddenEffects>
             </a:ext>
             <a:ext uri="{FAA26D3D-D897-4be2-8F04-BA451C77F1D7}">
-              <ma14:placeholderFlag xmlns:ma14="http://schemas.microsoft.com/office/mac/drawingml/2011/main" xmlns="" val="1"/>
+              <ma14:placeholderFlag xmlns="" xmlns:ma14="http://schemas.microsoft.com/office/mac/drawingml/2011/main" val="1"/>
             </a:ext>
           </a:extLst>
         </p:spPr>
@@ -6607,14 +6603,14 @@
           <a:effectLst/>
           <a:extLst>
             <a:ext uri="{909E8E84-426E-40dd-AFC4-6F175D3DCCD1}">
-              <a14:hiddenFill xmlns:a14="http://schemas.microsoft.com/office/drawing/2010/main" xmlns="">
+              <a14:hiddenFill xmlns="" xmlns:a14="http://schemas.microsoft.com/office/drawing/2010/main">
                 <a:solidFill>
                   <a:schemeClr val="accent1"/>
                 </a:solidFill>
               </a14:hiddenFill>
             </a:ext>
             <a:ext uri="{91240B29-F687-4f45-9708-019B960494DF}">
-              <a14:hiddenLine xmlns:a14="http://schemas.microsoft.com/office/drawing/2010/main" xmlns="" w="9525">
+              <a14:hiddenLine xmlns="" xmlns:a14="http://schemas.microsoft.com/office/drawing/2010/main" w="9525">
                 <a:solidFill>
                   <a:schemeClr val="tx1"/>
                 </a:solidFill>
@@ -6624,7 +6620,7 @@
               </a14:hiddenLine>
             </a:ext>
             <a:ext uri="{AF507438-7753-43e0-B8FC-AC1667EBCBE1}">
-              <a14:hiddenEffects xmlns:a14="http://schemas.microsoft.com/office/drawing/2010/main" xmlns="">
+              <a14:hiddenEffects xmlns="" xmlns:a14="http://schemas.microsoft.com/office/drawing/2010/main">
                 <a:effectLst>
                   <a:outerShdw blurRad="63500" dist="38099" dir="2700000" algn="ctr" rotWithShape="0">
                     <a:schemeClr val="bg2">
@@ -6635,7 +6631,7 @@
               </a14:hiddenEffects>
             </a:ext>
             <a:ext uri="{FAA26D3D-D897-4be2-8F04-BA451C77F1D7}">
-              <ma14:placeholderFlag xmlns:ma14="http://schemas.microsoft.com/office/mac/drawingml/2011/main" xmlns="" val="1"/>
+              <ma14:placeholderFlag xmlns="" xmlns:ma14="http://schemas.microsoft.com/office/mac/drawingml/2011/main" val="1"/>
             </a:ext>
           </a:extLst>
         </p:spPr>
@@ -6684,14 +6680,14 @@
           <a:effectLst/>
           <a:extLst>
             <a:ext uri="{909E8E84-426E-40dd-AFC4-6F175D3DCCD1}">
-              <a14:hiddenFill xmlns:a14="http://schemas.microsoft.com/office/drawing/2010/main" xmlns="">
+              <a14:hiddenFill xmlns="" xmlns:a14="http://schemas.microsoft.com/office/drawing/2010/main">
                 <a:solidFill>
                   <a:schemeClr val="accent1"/>
                 </a:solidFill>
               </a14:hiddenFill>
             </a:ext>
             <a:ext uri="{91240B29-F687-4f45-9708-019B960494DF}">
-              <a14:hiddenLine xmlns:a14="http://schemas.microsoft.com/office/drawing/2010/main" xmlns="" w="9525">
+              <a14:hiddenLine xmlns="" xmlns:a14="http://schemas.microsoft.com/office/drawing/2010/main" w="9525">
                 <a:solidFill>
                   <a:schemeClr val="tx1"/>
                 </a:solidFill>
@@ -6701,7 +6697,7 @@
               </a14:hiddenLine>
             </a:ext>
             <a:ext uri="{AF507438-7753-43e0-B8FC-AC1667EBCBE1}">
-              <a14:hiddenEffects xmlns:a14="http://schemas.microsoft.com/office/drawing/2010/main" xmlns="">
+              <a14:hiddenEffects xmlns="" xmlns:a14="http://schemas.microsoft.com/office/drawing/2010/main">
                 <a:effectLst>
                   <a:outerShdw blurRad="63500" dist="38099" dir="2700000" algn="ctr" rotWithShape="0">
                     <a:schemeClr val="bg2">
@@ -6712,7 +6708,7 @@
               </a14:hiddenEffects>
             </a:ext>
             <a:ext uri="{FAA26D3D-D897-4be2-8F04-BA451C77F1D7}">
-              <ma14:placeholderFlag xmlns:ma14="http://schemas.microsoft.com/office/mac/drawingml/2011/main" xmlns="" val="1"/>
+              <ma14:placeholderFlag xmlns="" xmlns:ma14="http://schemas.microsoft.com/office/mac/drawingml/2011/main" val="1"/>
             </a:ext>
           </a:extLst>
         </p:spPr>
@@ -6769,12 +6765,12 @@
           <a:effectLst/>
           <a:extLst>
             <a:ext uri="{909E8E84-426E-40dd-AFC4-6F175D3DCCD1}">
-              <a14:hiddenFill xmlns:a14="http://schemas.microsoft.com/office/drawing/2010/main" xmlns="">
+              <a14:hiddenFill xmlns="" xmlns:a14="http://schemas.microsoft.com/office/drawing/2010/main">
                 <a:noFill/>
               </a14:hiddenFill>
             </a:ext>
             <a:ext uri="{AF507438-7753-43e0-B8FC-AC1667EBCBE1}">
-              <a14:hiddenEffects xmlns:a14="http://schemas.microsoft.com/office/drawing/2010/main" xmlns="">
+              <a14:hiddenEffects xmlns="" xmlns:a14="http://schemas.microsoft.com/office/drawing/2010/main">
                 <a:effectLst>
                   <a:outerShdw blurRad="63500" dist="38099" dir="2700000" algn="ctr" rotWithShape="0">
                     <a:schemeClr val="bg2">
@@ -6817,14 +6813,14 @@
           <a:effectLst/>
           <a:extLst>
             <a:ext uri="{909E8E84-426E-40dd-AFC4-6F175D3DCCD1}">
-              <a14:hiddenFill xmlns:a14="http://schemas.microsoft.com/office/drawing/2010/main" xmlns="">
+              <a14:hiddenFill xmlns="" xmlns:a14="http://schemas.microsoft.com/office/drawing/2010/main">
                 <a:solidFill>
                   <a:schemeClr val="accent1"/>
                 </a:solidFill>
               </a14:hiddenFill>
             </a:ext>
             <a:ext uri="{91240B29-F687-4f45-9708-019B960494DF}">
-              <a14:hiddenLine xmlns:a14="http://schemas.microsoft.com/office/drawing/2010/main" xmlns="" w="9525">
+              <a14:hiddenLine xmlns="" xmlns:a14="http://schemas.microsoft.com/office/drawing/2010/main" w="9525">
                 <a:solidFill>
                   <a:schemeClr val="tx1"/>
                 </a:solidFill>
@@ -6834,7 +6830,7 @@
               </a14:hiddenLine>
             </a:ext>
             <a:ext uri="{AF507438-7753-43e0-B8FC-AC1667EBCBE1}">
-              <a14:hiddenEffects xmlns:a14="http://schemas.microsoft.com/office/drawing/2010/main" xmlns="">
+              <a14:hiddenEffects xmlns="" xmlns:a14="http://schemas.microsoft.com/office/drawing/2010/main">
                 <a:effectLst>
                   <a:outerShdw blurRad="63500" dist="38099" dir="2700000" algn="ctr" rotWithShape="0">
                     <a:schemeClr val="bg2">
@@ -7608,11 +7604,7 @@
             </a:pPr>
             <a:r>
               <a:rPr lang="en-US" dirty="0" smtClean="0"/>
-              <a:t>Least </a:t>
-            </a:r>
-            <a:r>
-              <a:rPr lang="en-US" dirty="0" smtClean="0"/>
-              <a:t>Loaded Qualified Person (LLQP)</a:t>
+              <a:t>Least Loaded Qualified Person (LLQP)</a:t>
             </a:r>
           </a:p>
           <a:p>
@@ -7782,7 +7774,7 @@
           </a:ln>
           <a:extLst>
             <a:ext uri="{AF507438-7753-43e0-B8FC-AC1667EBCBE1}">
-              <a14:hiddenEffects xmlns:a14="http://schemas.microsoft.com/office/drawing/2010/main" xmlns="">
+              <a14:hiddenEffects xmlns="" xmlns:a14="http://schemas.microsoft.com/office/drawing/2010/main">
                 <a:effectLst>
                   <a:outerShdw blurRad="63500" dist="35921" dir="2700000" algn="ctr" rotWithShape="0">
                     <a:schemeClr val="bg2"/>
@@ -7866,7 +7858,7 @@
           </a:ln>
           <a:extLst>
             <a:ext uri="{AF507438-7753-43e0-B8FC-AC1667EBCBE1}">
-              <a14:hiddenEffects xmlns:a14="http://schemas.microsoft.com/office/drawing/2010/main" xmlns="">
+              <a14:hiddenEffects xmlns="" xmlns:a14="http://schemas.microsoft.com/office/drawing/2010/main">
                 <a:effectLst>
                   <a:outerShdw blurRad="63500" dist="35921" dir="2700000" algn="ctr" rotWithShape="0">
                     <a:schemeClr val="bg2"/>
@@ -7958,7 +7950,7 @@
           </a:ln>
           <a:extLst>
             <a:ext uri="{AF507438-7753-43e0-B8FC-AC1667EBCBE1}">
-              <a14:hiddenEffects xmlns:a14="http://schemas.microsoft.com/office/drawing/2010/main" xmlns="">
+              <a14:hiddenEffects xmlns="" xmlns:a14="http://schemas.microsoft.com/office/drawing/2010/main">
                 <a:effectLst>
                   <a:outerShdw blurRad="63500" dist="35921" dir="2700000" algn="ctr" rotWithShape="0">
                     <a:schemeClr val="bg2"/>
@@ -8065,7 +8057,7 @@
           </a:ln>
           <a:extLst>
             <a:ext uri="{AF507438-7753-43e0-B8FC-AC1667EBCBE1}">
-              <a14:hiddenEffects xmlns:a14="http://schemas.microsoft.com/office/drawing/2010/main" xmlns="">
+              <a14:hiddenEffects xmlns="" xmlns:a14="http://schemas.microsoft.com/office/drawing/2010/main">
                 <a:effectLst>
                   <a:outerShdw blurRad="63500" dist="35921" dir="2700000" algn="ctr" rotWithShape="0">
                     <a:schemeClr val="bg2"/>
@@ -8650,7 +8642,7 @@
           </a:ln>
           <a:extLst>
             <a:ext uri="{AF507438-7753-43e0-B8FC-AC1667EBCBE1}">
-              <a14:hiddenEffects xmlns:a14="http://schemas.microsoft.com/office/drawing/2010/main" xmlns="">
+              <a14:hiddenEffects xmlns="" xmlns:a14="http://schemas.microsoft.com/office/drawing/2010/main">
                 <a:effectLst>
                   <a:outerShdw blurRad="63500" dist="35921" dir="2700000" algn="ctr" rotWithShape="0">
                     <a:schemeClr val="bg2"/>
@@ -8733,7 +8725,7 @@
           </a:ln>
           <a:extLst>
             <a:ext uri="{AF507438-7753-43e0-B8FC-AC1667EBCBE1}">
-              <a14:hiddenEffects xmlns:a14="http://schemas.microsoft.com/office/drawing/2010/main" xmlns="">
+              <a14:hiddenEffects xmlns="" xmlns:a14="http://schemas.microsoft.com/office/drawing/2010/main">
                 <a:effectLst>
                   <a:outerShdw blurRad="63500" dist="35921" dir="2700000" algn="ctr" rotWithShape="0">
                     <a:schemeClr val="bg2"/>
@@ -8917,7 +8909,7 @@
           </a:ln>
           <a:extLst>
             <a:ext uri="{AF507438-7753-43e0-B8FC-AC1667EBCBE1}">
-              <a14:hiddenEffects xmlns:a14="http://schemas.microsoft.com/office/drawing/2010/main" xmlns="">
+              <a14:hiddenEffects xmlns="" xmlns:a14="http://schemas.microsoft.com/office/drawing/2010/main">
                 <a:effectLst>
                   <a:outerShdw blurRad="63500" dist="35921" dir="2700000" algn="ctr" rotWithShape="0">
                     <a:schemeClr val="bg2"/>
@@ -9000,7 +8992,7 @@
           </a:ln>
           <a:extLst>
             <a:ext uri="{AF507438-7753-43e0-B8FC-AC1667EBCBE1}">
-              <a14:hiddenEffects xmlns:a14="http://schemas.microsoft.com/office/drawing/2010/main" xmlns="">
+              <a14:hiddenEffects xmlns="" xmlns:a14="http://schemas.microsoft.com/office/drawing/2010/main">
                 <a:effectLst>
                   <a:outerShdw blurRad="63500" dist="35921" dir="2700000" algn="ctr" rotWithShape="0">
                     <a:schemeClr val="bg2"/>
@@ -9143,7 +9135,7 @@
           </a:ln>
           <a:extLst>
             <a:ext uri="{AF507438-7753-43e0-B8FC-AC1667EBCBE1}">
-              <a14:hiddenEffects xmlns:a14="http://schemas.microsoft.com/office/drawing/2010/main" xmlns="">
+              <a14:hiddenEffects xmlns="" xmlns:a14="http://schemas.microsoft.com/office/drawing/2010/main">
                 <a:effectLst>
                   <a:outerShdw blurRad="63500" dist="35921" dir="2700000" algn="ctr" rotWithShape="0">
                     <a:schemeClr val="bg2"/>
@@ -9228,7 +9220,7 @@
           </a:ln>
           <a:extLst>
             <a:ext uri="{AF507438-7753-43e0-B8FC-AC1667EBCBE1}">
-              <a14:hiddenEffects xmlns:a14="http://schemas.microsoft.com/office/drawing/2010/main" xmlns="">
+              <a14:hiddenEffects xmlns="" xmlns:a14="http://schemas.microsoft.com/office/drawing/2010/main">
                 <a:effectLst>
                   <a:outerShdw blurRad="63500" dist="35921" dir="2700000" algn="ctr" rotWithShape="0">
                     <a:schemeClr val="bg2"/>
@@ -9313,7 +9305,7 @@
           </a:ln>
           <a:extLst>
             <a:ext uri="{AF507438-7753-43e0-B8FC-AC1667EBCBE1}">
-              <a14:hiddenEffects xmlns:a14="http://schemas.microsoft.com/office/drawing/2010/main" xmlns="">
+              <a14:hiddenEffects xmlns="" xmlns:a14="http://schemas.microsoft.com/office/drawing/2010/main">
                 <a:effectLst>
                   <a:outerShdw blurRad="63500" dist="35921" dir="2700000" algn="ctr" rotWithShape="0">
                     <a:schemeClr val="bg2"/>
@@ -9398,7 +9390,7 @@
           </a:ln>
           <a:extLst>
             <a:ext uri="{AF507438-7753-43e0-B8FC-AC1667EBCBE1}">
-              <a14:hiddenEffects xmlns:a14="http://schemas.microsoft.com/office/drawing/2010/main" xmlns="">
+              <a14:hiddenEffects xmlns="" xmlns:a14="http://schemas.microsoft.com/office/drawing/2010/main">
                 <a:effectLst>
                   <a:outerShdw blurRad="63500" dist="35921" dir="2700000" algn="ctr" rotWithShape="0">
                     <a:schemeClr val="bg2"/>
@@ -9481,7 +9473,7 @@
           </a:ln>
           <a:extLst>
             <a:ext uri="{AF507438-7753-43e0-B8FC-AC1667EBCBE1}">
-              <a14:hiddenEffects xmlns:a14="http://schemas.microsoft.com/office/drawing/2010/main" xmlns="">
+              <a14:hiddenEffects xmlns="" xmlns:a14="http://schemas.microsoft.com/office/drawing/2010/main">
                 <a:effectLst>
                   <a:outerShdw blurRad="63500" dist="35921" dir="2700000" algn="ctr" rotWithShape="0">
                     <a:schemeClr val="bg2"/>
@@ -9566,7 +9558,7 @@
           </a:ln>
           <a:extLst>
             <a:ext uri="{AF507438-7753-43e0-B8FC-AC1667EBCBE1}">
-              <a14:hiddenEffects xmlns:a14="http://schemas.microsoft.com/office/drawing/2010/main" xmlns="">
+              <a14:hiddenEffects xmlns="" xmlns:a14="http://schemas.microsoft.com/office/drawing/2010/main">
                 <a:effectLst>
                   <a:outerShdw blurRad="63500" dist="35921" dir="2700000" algn="ctr" rotWithShape="0">
                     <a:schemeClr val="bg2"/>
@@ -9651,7 +9643,7 @@
           </a:ln>
           <a:extLst>
             <a:ext uri="{AF507438-7753-43e0-B8FC-AC1667EBCBE1}">
-              <a14:hiddenEffects xmlns:a14="http://schemas.microsoft.com/office/drawing/2010/main" xmlns="">
+              <a14:hiddenEffects xmlns="" xmlns:a14="http://schemas.microsoft.com/office/drawing/2010/main">
                 <a:effectLst>
                   <a:outerShdw blurRad="63500" dist="35921" dir="2700000" algn="ctr" rotWithShape="0">
                     <a:schemeClr val="bg2"/>
@@ -9734,7 +9726,7 @@
           </a:ln>
           <a:extLst>
             <a:ext uri="{AF507438-7753-43e0-B8FC-AC1667EBCBE1}">
-              <a14:hiddenEffects xmlns:a14="http://schemas.microsoft.com/office/drawing/2010/main" xmlns="">
+              <a14:hiddenEffects xmlns="" xmlns:a14="http://schemas.microsoft.com/office/drawing/2010/main">
                 <a:effectLst>
                   <a:outerShdw blurRad="63500" dist="35921" dir="2700000" algn="ctr" rotWithShape="0">
                     <a:schemeClr val="bg2"/>
@@ -10236,6 +10228,28 @@
                                   </p:childTnLst>
                                 </p:cTn>
                               </p:par>
+                              <p:par>
+                                <p:cTn id="35" presetID="42" presetClass="path" presetSubtype="0" accel="50000" decel="50000" fill="hold" grpId="0" nodeType="withEffect">
+                                  <p:stCondLst>
+                                    <p:cond delay="0"/>
+                                  </p:stCondLst>
+                                  <p:childTnLst>
+                                    <p:animMotion origin="layout" path="M 1.04167E-6 -3.7037E-6 L -0.05912 -3.7037E-6 " pathEditMode="relative" rAng="0" ptsTypes="AA">
+                                      <p:cBhvr>
+                                        <p:cTn id="36" dur="1000" fill="hold"/>
+                                        <p:tgtEl>
+                                          <p:spTgt spid="23"/>
+                                        </p:tgtEl>
+                                        <p:attrNameLst>
+                                          <p:attrName>ppt_x</p:attrName>
+                                          <p:attrName>ppt_y</p:attrName>
+                                        </p:attrNameLst>
+                                      </p:cBhvr>
+                                      <p:rCtr x="-2982" y="0"/>
+                                    </p:animMotion>
+                                  </p:childTnLst>
+                                </p:cTn>
+                              </p:par>
                             </p:childTnLst>
                           </p:cTn>
                         </p:par>
@@ -10267,6 +10281,7 @@
       <p:bldP spid="28" grpId="0" animBg="1"/>
       <p:bldP spid="19" grpId="0" animBg="1"/>
       <p:bldP spid="22" grpId="0" animBg="1"/>
+      <p:bldP spid="23" grpId="0" animBg="1"/>
       <p:bldP spid="24" grpId="0" animBg="1"/>
       <p:bldP spid="25" grpId="0" animBg="1"/>
       <p:bldP spid="26" grpId="1" animBg="1"/>
@@ -10314,7 +10329,7 @@
           </a:ln>
           <a:extLst>
             <a:ext uri="{AF507438-7753-43e0-B8FC-AC1667EBCBE1}">
-              <a14:hiddenEffects xmlns:a14="http://schemas.microsoft.com/office/drawing/2010/main" xmlns="">
+              <a14:hiddenEffects xmlns="" xmlns:a14="http://schemas.microsoft.com/office/drawing/2010/main">
                 <a:effectLst>
                   <a:outerShdw blurRad="63500" dist="35921" dir="2700000" algn="ctr" rotWithShape="0">
                     <a:schemeClr val="bg2"/>
@@ -10397,7 +10412,7 @@
           </a:ln>
           <a:extLst>
             <a:ext uri="{AF507438-7753-43e0-B8FC-AC1667EBCBE1}">
-              <a14:hiddenEffects xmlns:a14="http://schemas.microsoft.com/office/drawing/2010/main" xmlns="">
+              <a14:hiddenEffects xmlns="" xmlns:a14="http://schemas.microsoft.com/office/drawing/2010/main">
                 <a:effectLst>
                   <a:outerShdw blurRad="63500" dist="35921" dir="2700000" algn="ctr" rotWithShape="0">
                     <a:schemeClr val="bg2"/>
@@ -10576,7 +10591,7 @@
           </a:ln>
           <a:extLst>
             <a:ext uri="{AF507438-7753-43e0-B8FC-AC1667EBCBE1}">
-              <a14:hiddenEffects xmlns:a14="http://schemas.microsoft.com/office/drawing/2010/main" xmlns="">
+              <a14:hiddenEffects xmlns="" xmlns:a14="http://schemas.microsoft.com/office/drawing/2010/main">
                 <a:effectLst>
                   <a:outerShdw blurRad="63500" dist="35921" dir="2700000" algn="ctr" rotWithShape="0">
                     <a:schemeClr val="bg2"/>
@@ -10659,7 +10674,7 @@
           </a:ln>
           <a:extLst>
             <a:ext uri="{AF507438-7753-43e0-B8FC-AC1667EBCBE1}">
-              <a14:hiddenEffects xmlns:a14="http://schemas.microsoft.com/office/drawing/2010/main" xmlns="">
+              <a14:hiddenEffects xmlns="" xmlns:a14="http://schemas.microsoft.com/office/drawing/2010/main">
                 <a:effectLst>
                   <a:outerShdw blurRad="63500" dist="35921" dir="2700000" algn="ctr" rotWithShape="0">
                     <a:schemeClr val="bg2"/>
@@ -10802,7 +10817,7 @@
           </a:ln>
           <a:extLst>
             <a:ext uri="{AF507438-7753-43e0-B8FC-AC1667EBCBE1}">
-              <a14:hiddenEffects xmlns:a14="http://schemas.microsoft.com/office/drawing/2010/main" xmlns="">
+              <a14:hiddenEffects xmlns="" xmlns:a14="http://schemas.microsoft.com/office/drawing/2010/main">
                 <a:effectLst>
                   <a:outerShdw blurRad="63500" dist="35921" dir="2700000" algn="ctr" rotWithShape="0">
                     <a:schemeClr val="bg2"/>
@@ -10887,7 +10902,7 @@
           </a:ln>
           <a:extLst>
             <a:ext uri="{AF507438-7753-43e0-B8FC-AC1667EBCBE1}">
-              <a14:hiddenEffects xmlns:a14="http://schemas.microsoft.com/office/drawing/2010/main" xmlns="">
+              <a14:hiddenEffects xmlns="" xmlns:a14="http://schemas.microsoft.com/office/drawing/2010/main">
                 <a:effectLst>
                   <a:outerShdw blurRad="63500" dist="35921" dir="2700000" algn="ctr" rotWithShape="0">
                     <a:schemeClr val="bg2"/>
@@ -10972,7 +10987,7 @@
           </a:ln>
           <a:extLst>
             <a:ext uri="{AF507438-7753-43e0-B8FC-AC1667EBCBE1}">
-              <a14:hiddenEffects xmlns:a14="http://schemas.microsoft.com/office/drawing/2010/main" xmlns="">
+              <a14:hiddenEffects xmlns="" xmlns:a14="http://schemas.microsoft.com/office/drawing/2010/main">
                 <a:effectLst>
                   <a:outerShdw blurRad="63500" dist="35921" dir="2700000" algn="ctr" rotWithShape="0">
                     <a:schemeClr val="bg2"/>
@@ -11057,7 +11072,7 @@
           </a:ln>
           <a:extLst>
             <a:ext uri="{AF507438-7753-43e0-B8FC-AC1667EBCBE1}">
-              <a14:hiddenEffects xmlns:a14="http://schemas.microsoft.com/office/drawing/2010/main" xmlns="">
+              <a14:hiddenEffects xmlns="" xmlns:a14="http://schemas.microsoft.com/office/drawing/2010/main">
                 <a:effectLst>
                   <a:outerShdw blurRad="63500" dist="35921" dir="2700000" algn="ctr" rotWithShape="0">
                     <a:schemeClr val="bg2"/>
@@ -11142,7 +11157,7 @@
           </a:ln>
           <a:extLst>
             <a:ext uri="{AF507438-7753-43e0-B8FC-AC1667EBCBE1}">
-              <a14:hiddenEffects xmlns:a14="http://schemas.microsoft.com/office/drawing/2010/main" xmlns="">
+              <a14:hiddenEffects xmlns="" xmlns:a14="http://schemas.microsoft.com/office/drawing/2010/main">
                 <a:effectLst>
                   <a:outerShdw blurRad="63500" dist="35921" dir="2700000" algn="ctr" rotWithShape="0">
                     <a:schemeClr val="bg2"/>
@@ -11227,7 +11242,7 @@
           </a:ln>
           <a:extLst>
             <a:ext uri="{AF507438-7753-43e0-B8FC-AC1667EBCBE1}">
-              <a14:hiddenEffects xmlns:a14="http://schemas.microsoft.com/office/drawing/2010/main" xmlns="">
+              <a14:hiddenEffects xmlns="" xmlns:a14="http://schemas.microsoft.com/office/drawing/2010/main">
                 <a:effectLst>
                   <a:outerShdw blurRad="63500" dist="35921" dir="2700000" algn="ctr" rotWithShape="0">
                     <a:schemeClr val="bg2"/>
@@ -11312,7 +11327,7 @@
           </a:ln>
           <a:extLst>
             <a:ext uri="{AF507438-7753-43e0-B8FC-AC1667EBCBE1}">
-              <a14:hiddenEffects xmlns:a14="http://schemas.microsoft.com/office/drawing/2010/main" xmlns="">
+              <a14:hiddenEffects xmlns="" xmlns:a14="http://schemas.microsoft.com/office/drawing/2010/main">
                 <a:effectLst>
                   <a:outerShdw blurRad="63500" dist="35921" dir="2700000" algn="ctr" rotWithShape="0">
                     <a:schemeClr val="bg2"/>
@@ -11397,7 +11412,7 @@
           </a:ln>
           <a:extLst>
             <a:ext uri="{AF507438-7753-43e0-B8FC-AC1667EBCBE1}">
-              <a14:hiddenEffects xmlns:a14="http://schemas.microsoft.com/office/drawing/2010/main" xmlns="">
+              <a14:hiddenEffects xmlns="" xmlns:a14="http://schemas.microsoft.com/office/drawing/2010/main">
                 <a:effectLst>
                   <a:outerShdw blurRad="63500" dist="35921" dir="2700000" algn="ctr" rotWithShape="0">
                     <a:schemeClr val="bg2"/>
@@ -11480,7 +11495,7 @@
           </a:ln>
           <a:extLst>
             <a:ext uri="{AF507438-7753-43e0-B8FC-AC1667EBCBE1}">
-              <a14:hiddenEffects xmlns:a14="http://schemas.microsoft.com/office/drawing/2010/main" xmlns="">
+              <a14:hiddenEffects xmlns="" xmlns:a14="http://schemas.microsoft.com/office/drawing/2010/main">
                 <a:effectLst>
                   <a:outerShdw blurRad="63500" dist="35921" dir="2700000" algn="ctr" rotWithShape="0">
                     <a:schemeClr val="bg2"/>
@@ -12660,8 +12675,8 @@
           </a:p>
         </p:txBody>
       </p:sp>
-      <mc:AlternateContent xmlns:mc="http://schemas.openxmlformats.org/markup-compatibility/2006">
-        <mc:Choice xmlns:a14="http://schemas.microsoft.com/office/drawing/2010/main" Requires="a14">
+      <mc:AlternateContent xmlns:mc="http://schemas.openxmlformats.org/markup-compatibility/2006" xmlns:a14="http://schemas.microsoft.com/office/drawing/2010/main">
+        <mc:Choice Requires="a14">
           <p:sp>
             <p:nvSpPr>
               <p:cNvPr id="3" name="Content Placeholder 2"/>
@@ -13081,7 +13096,7 @@
             </p:txBody>
           </p:sp>
         </mc:Choice>
-        <mc:Fallback>
+        <mc:Fallback xmlns="">
           <p:sp>
             <p:nvSpPr>
               <p:cNvPr id="3" name="Content Placeholder 2"/>
@@ -13218,7 +13233,7 @@
           <a:effectLst/>
           <a:extLst>
             <a:ext uri="{AF507438-7753-43e0-B8FC-AC1667EBCBE1}">
-              <a14:hiddenEffects xmlns:a14="http://schemas.microsoft.com/office/drawing/2010/main" xmlns="">
+              <a14:hiddenEffects xmlns="" xmlns:a14="http://schemas.microsoft.com/office/drawing/2010/main">
                 <a:effectLst>
                   <a:outerShdw blurRad="63500" dist="35921" dir="2700000" algn="ctr" rotWithShape="0">
                     <a:schemeClr val="bg2"/>
@@ -13258,7 +13273,7 @@
           <a:effectLst/>
           <a:extLst>
             <a:ext uri="{AF507438-7753-43e0-B8FC-AC1667EBCBE1}">
-              <a14:hiddenEffects xmlns:a14="http://schemas.microsoft.com/office/drawing/2010/main" xmlns="">
+              <a14:hiddenEffects xmlns="" xmlns:a14="http://schemas.microsoft.com/office/drawing/2010/main">
                 <a:effectLst>
                   <a:outerShdw blurRad="63500" dist="35921" dir="2700000" algn="ctr" rotWithShape="0">
                     <a:schemeClr val="bg2"/>
@@ -13358,7 +13373,7 @@
           <a:effectLst/>
           <a:extLst>
             <a:ext uri="{AF507438-7753-43e0-B8FC-AC1667EBCBE1}">
-              <a14:hiddenEffects xmlns:a14="http://schemas.microsoft.com/office/drawing/2010/main" xmlns="">
+              <a14:hiddenEffects xmlns="" xmlns:a14="http://schemas.microsoft.com/office/drawing/2010/main">
                 <a:effectLst>
                   <a:outerShdw blurRad="63500" dist="35921" dir="2700000" algn="ctr" rotWithShape="0">
                     <a:schemeClr val="bg2"/>
@@ -13398,7 +13413,7 @@
           <a:effectLst/>
           <a:extLst>
             <a:ext uri="{AF507438-7753-43e0-B8FC-AC1667EBCBE1}">
-              <a14:hiddenEffects xmlns:a14="http://schemas.microsoft.com/office/drawing/2010/main" xmlns="">
+              <a14:hiddenEffects xmlns="" xmlns:a14="http://schemas.microsoft.com/office/drawing/2010/main">
                 <a:effectLst>
                   <a:outerShdw blurRad="63500" dist="35921" dir="2700000" algn="ctr" rotWithShape="0">
                     <a:schemeClr val="bg2"/>
@@ -13409,8 +13424,8 @@
           </a:extLst>
         </p:spPr>
       </p:cxnSp>
-      <mc:AlternateContent xmlns:mc="http://schemas.openxmlformats.org/markup-compatibility/2006">
-        <mc:Choice xmlns:a14="http://schemas.microsoft.com/office/drawing/2010/main" Requires="a14">
+      <mc:AlternateContent xmlns:mc="http://schemas.openxmlformats.org/markup-compatibility/2006" xmlns:a14="http://schemas.microsoft.com/office/drawing/2010/main">
+        <mc:Choice Requires="a14">
           <p:sp>
             <p:nvSpPr>
               <p:cNvPr id="30" name="Rectangle 29"/>
@@ -13556,7 +13571,7 @@
             </p:txBody>
           </p:sp>
         </mc:Choice>
-        <mc:Fallback>
+        <mc:Fallback xmlns="">
           <p:sp>
             <p:nvSpPr>
               <p:cNvPr id="30" name="Rectangle 29"/>
@@ -13610,8 +13625,8 @@
           </p:sp>
         </mc:Fallback>
       </mc:AlternateContent>
-      <mc:AlternateContent xmlns:mc="http://schemas.openxmlformats.org/markup-compatibility/2006">
-        <mc:Choice xmlns:a14="http://schemas.microsoft.com/office/drawing/2010/main" Requires="a14">
+      <mc:AlternateContent xmlns:mc="http://schemas.openxmlformats.org/markup-compatibility/2006" xmlns:a14="http://schemas.microsoft.com/office/drawing/2010/main">
+        <mc:Choice Requires="a14">
           <p:sp>
             <p:nvSpPr>
               <p:cNvPr id="31" name="Rectangle 30"/>
@@ -13757,7 +13772,7 @@
             </p:txBody>
           </p:sp>
         </mc:Choice>
-        <mc:Fallback>
+        <mc:Fallback xmlns="">
           <p:sp>
             <p:nvSpPr>
               <p:cNvPr id="31" name="Rectangle 30"/>
@@ -13811,8 +13826,8 @@
           </p:sp>
         </mc:Fallback>
       </mc:AlternateContent>
-      <mc:AlternateContent xmlns:mc="http://schemas.openxmlformats.org/markup-compatibility/2006">
-        <mc:Choice xmlns:a14="http://schemas.microsoft.com/office/drawing/2010/main" Requires="a14">
+      <mc:AlternateContent xmlns:mc="http://schemas.openxmlformats.org/markup-compatibility/2006" xmlns:a14="http://schemas.microsoft.com/office/drawing/2010/main">
+        <mc:Choice Requires="a14">
           <p:sp>
             <p:nvSpPr>
               <p:cNvPr id="32" name="Rectangle 31"/>
@@ -13958,7 +13973,7 @@
             </p:txBody>
           </p:sp>
         </mc:Choice>
-        <mc:Fallback>
+        <mc:Fallback xmlns="">
           <p:sp>
             <p:nvSpPr>
               <p:cNvPr id="32" name="Rectangle 31"/>
@@ -14012,8 +14027,8 @@
           </p:sp>
         </mc:Fallback>
       </mc:AlternateContent>
-      <mc:AlternateContent xmlns:mc="http://schemas.openxmlformats.org/markup-compatibility/2006">
-        <mc:Choice xmlns:a14="http://schemas.microsoft.com/office/drawing/2010/main" Requires="a14">
+      <mc:AlternateContent xmlns:mc="http://schemas.openxmlformats.org/markup-compatibility/2006" xmlns:a14="http://schemas.microsoft.com/office/drawing/2010/main">
+        <mc:Choice Requires="a14">
           <p:sp>
             <p:nvSpPr>
               <p:cNvPr id="33" name="Rectangle 32"/>
@@ -14159,7 +14174,7 @@
             </p:txBody>
           </p:sp>
         </mc:Choice>
-        <mc:Fallback>
+        <mc:Fallback xmlns="">
           <p:sp>
             <p:nvSpPr>
               <p:cNvPr id="33" name="Rectangle 32"/>
@@ -14213,8 +14228,8 @@
           </p:sp>
         </mc:Fallback>
       </mc:AlternateContent>
-      <mc:AlternateContent xmlns:mc="http://schemas.openxmlformats.org/markup-compatibility/2006">
-        <mc:Choice xmlns:a14="http://schemas.microsoft.com/office/drawing/2010/main" Requires="a14">
+      <mc:AlternateContent xmlns:mc="http://schemas.openxmlformats.org/markup-compatibility/2006" xmlns:a14="http://schemas.microsoft.com/office/drawing/2010/main">
+        <mc:Choice Requires="a14">
           <p:sp>
             <p:nvSpPr>
               <p:cNvPr id="34" name="Rectangle 33"/>
@@ -14360,7 +14375,7 @@
             </p:txBody>
           </p:sp>
         </mc:Choice>
-        <mc:Fallback>
+        <mc:Fallback xmlns="">
           <p:sp>
             <p:nvSpPr>
               <p:cNvPr id="34" name="Rectangle 33"/>
@@ -14434,7 +14449,7 @@
           </a:ln>
           <a:extLst>
             <a:ext uri="{AF507438-7753-43e0-B8FC-AC1667EBCBE1}">
-              <a14:hiddenEffects xmlns:a14="http://schemas.microsoft.com/office/drawing/2010/main" xmlns="">
+              <a14:hiddenEffects xmlns="" xmlns:a14="http://schemas.microsoft.com/office/drawing/2010/main">
                 <a:effectLst>
                   <a:outerShdw blurRad="63500" dist="35921" dir="2700000" algn="ctr" rotWithShape="0">
                     <a:schemeClr val="bg2"/>
@@ -14459,8 +14474,8 @@
           </a:fontRef>
         </p:style>
       </p:cxnSp>
-      <mc:AlternateContent xmlns:mc="http://schemas.openxmlformats.org/markup-compatibility/2006">
-        <mc:Choice xmlns:a14="http://schemas.microsoft.com/office/drawing/2010/main" Requires="a14">
+      <mc:AlternateContent xmlns:mc="http://schemas.openxmlformats.org/markup-compatibility/2006" xmlns:a14="http://schemas.microsoft.com/office/drawing/2010/main">
+        <mc:Choice Requires="a14">
           <p:sp>
             <p:nvSpPr>
               <p:cNvPr id="36" name="TextBox 35"/>
@@ -14523,7 +14538,7 @@
             </p:txBody>
           </p:sp>
         </mc:Choice>
-        <mc:Fallback>
+        <mc:Fallback xmlns="">
           <p:sp>
             <p:nvSpPr>
               <p:cNvPr id="36" name="TextBox 35"/>
@@ -14562,8 +14577,8 @@
           </p:sp>
         </mc:Fallback>
       </mc:AlternateContent>
-      <mc:AlternateContent xmlns:mc="http://schemas.openxmlformats.org/markup-compatibility/2006">
-        <mc:Choice xmlns:a14="http://schemas.microsoft.com/office/drawing/2010/main" Requires="a14">
+      <mc:AlternateContent xmlns:mc="http://schemas.openxmlformats.org/markup-compatibility/2006" xmlns:a14="http://schemas.microsoft.com/office/drawing/2010/main">
+        <mc:Choice Requires="a14">
           <p:sp>
             <p:nvSpPr>
               <p:cNvPr id="37" name="TextBox 36"/>
@@ -14626,7 +14641,7 @@
             </p:txBody>
           </p:sp>
         </mc:Choice>
-        <mc:Fallback>
+        <mc:Fallback xmlns="">
           <p:sp>
             <p:nvSpPr>
               <p:cNvPr id="37" name="TextBox 36"/>
@@ -14665,8 +14680,8 @@
           </p:sp>
         </mc:Fallback>
       </mc:AlternateContent>
-      <mc:AlternateContent xmlns:mc="http://schemas.openxmlformats.org/markup-compatibility/2006">
-        <mc:Choice xmlns:a14="http://schemas.microsoft.com/office/drawing/2010/main" Requires="a14">
+      <mc:AlternateContent xmlns:mc="http://schemas.openxmlformats.org/markup-compatibility/2006" xmlns:a14="http://schemas.microsoft.com/office/drawing/2010/main">
+        <mc:Choice Requires="a14">
           <p:sp>
             <p:nvSpPr>
               <p:cNvPr id="38" name="TextBox 37"/>
@@ -14710,7 +14725,7 @@
             </p:txBody>
           </p:sp>
         </mc:Choice>
-        <mc:Fallback>
+        <mc:Fallback xmlns="">
           <p:sp>
             <p:nvSpPr>
               <p:cNvPr id="38" name="TextBox 37"/>
@@ -15481,8 +15496,8 @@
           </a:p>
         </p:txBody>
       </p:sp>
-      <mc:AlternateContent xmlns:mc="http://schemas.openxmlformats.org/markup-compatibility/2006">
-        <mc:Choice xmlns:a14="http://schemas.microsoft.com/office/drawing/2010/main" Requires="a14">
+      <mc:AlternateContent xmlns:mc="http://schemas.openxmlformats.org/markup-compatibility/2006" xmlns:a14="http://schemas.microsoft.com/office/drawing/2010/main">
+        <mc:Choice Requires="a14">
           <p:sp>
             <p:nvSpPr>
               <p:cNvPr id="3" name="Content Placeholder 2"/>
@@ -16617,7 +16632,7 @@
             </p:txBody>
           </p:sp>
         </mc:Choice>
-        <mc:Fallback>
+        <mc:Fallback xmlns="">
           <p:sp>
             <p:nvSpPr>
               <p:cNvPr id="3" name="Content Placeholder 2"/>
@@ -16754,7 +16769,7 @@
           <a:effectLst/>
           <a:extLst>
             <a:ext uri="{AF507438-7753-43e0-B8FC-AC1667EBCBE1}">
-              <a14:hiddenEffects xmlns:a14="http://schemas.microsoft.com/office/drawing/2010/main" xmlns="">
+              <a14:hiddenEffects xmlns="" xmlns:a14="http://schemas.microsoft.com/office/drawing/2010/main">
                 <a:effectLst>
                   <a:outerShdw blurRad="63500" dist="35921" dir="2700000" algn="ctr" rotWithShape="0">
                     <a:schemeClr val="bg2"/>
@@ -16794,7 +16809,7 @@
           <a:effectLst/>
           <a:extLst>
             <a:ext uri="{AF507438-7753-43e0-B8FC-AC1667EBCBE1}">
-              <a14:hiddenEffects xmlns:a14="http://schemas.microsoft.com/office/drawing/2010/main" xmlns="">
+              <a14:hiddenEffects xmlns="" xmlns:a14="http://schemas.microsoft.com/office/drawing/2010/main">
                 <a:effectLst>
                   <a:outerShdw blurRad="63500" dist="35921" dir="2700000" algn="ctr" rotWithShape="0">
                     <a:schemeClr val="bg2"/>
@@ -16894,7 +16909,7 @@
           <a:effectLst/>
           <a:extLst>
             <a:ext uri="{AF507438-7753-43e0-B8FC-AC1667EBCBE1}">
-              <a14:hiddenEffects xmlns:a14="http://schemas.microsoft.com/office/drawing/2010/main" xmlns="">
+              <a14:hiddenEffects xmlns="" xmlns:a14="http://schemas.microsoft.com/office/drawing/2010/main">
                 <a:effectLst>
                   <a:outerShdw blurRad="63500" dist="35921" dir="2700000" algn="ctr" rotWithShape="0">
                     <a:schemeClr val="bg2"/>
@@ -16934,7 +16949,7 @@
           <a:effectLst/>
           <a:extLst>
             <a:ext uri="{AF507438-7753-43e0-B8FC-AC1667EBCBE1}">
-              <a14:hiddenEffects xmlns:a14="http://schemas.microsoft.com/office/drawing/2010/main" xmlns="">
+              <a14:hiddenEffects xmlns="" xmlns:a14="http://schemas.microsoft.com/office/drawing/2010/main">
                 <a:effectLst>
                   <a:outerShdw blurRad="63500" dist="35921" dir="2700000" algn="ctr" rotWithShape="0">
                     <a:schemeClr val="bg2"/>
@@ -16945,8 +16960,8 @@
           </a:extLst>
         </p:spPr>
       </p:cxnSp>
-      <mc:AlternateContent xmlns:mc="http://schemas.openxmlformats.org/markup-compatibility/2006">
-        <mc:Choice xmlns:a14="http://schemas.microsoft.com/office/drawing/2010/main" Requires="a14">
+      <mc:AlternateContent xmlns:mc="http://schemas.openxmlformats.org/markup-compatibility/2006" xmlns:a14="http://schemas.microsoft.com/office/drawing/2010/main">
+        <mc:Choice Requires="a14">
           <p:sp>
             <p:nvSpPr>
               <p:cNvPr id="24" name="Rectangle 23"/>
@@ -17092,7 +17107,7 @@
             </p:txBody>
           </p:sp>
         </mc:Choice>
-        <mc:Fallback>
+        <mc:Fallback xmlns="">
           <p:sp>
             <p:nvSpPr>
               <p:cNvPr id="24" name="Rectangle 23"/>
@@ -17146,8 +17161,8 @@
           </p:sp>
         </mc:Fallback>
       </mc:AlternateContent>
-      <mc:AlternateContent xmlns:mc="http://schemas.openxmlformats.org/markup-compatibility/2006">
-        <mc:Choice xmlns:a14="http://schemas.microsoft.com/office/drawing/2010/main" Requires="a14">
+      <mc:AlternateContent xmlns:mc="http://schemas.openxmlformats.org/markup-compatibility/2006" xmlns:a14="http://schemas.microsoft.com/office/drawing/2010/main">
+        <mc:Choice Requires="a14">
           <p:sp>
             <p:nvSpPr>
               <p:cNvPr id="25" name="Rectangle 24"/>
@@ -17293,7 +17308,7 @@
             </p:txBody>
           </p:sp>
         </mc:Choice>
-        <mc:Fallback>
+        <mc:Fallback xmlns="">
           <p:sp>
             <p:nvSpPr>
               <p:cNvPr id="25" name="Rectangle 24"/>
@@ -17347,8 +17362,8 @@
           </p:sp>
         </mc:Fallback>
       </mc:AlternateContent>
-      <mc:AlternateContent xmlns:mc="http://schemas.openxmlformats.org/markup-compatibility/2006">
-        <mc:Choice xmlns:a14="http://schemas.microsoft.com/office/drawing/2010/main" Requires="a14">
+      <mc:AlternateContent xmlns:mc="http://schemas.openxmlformats.org/markup-compatibility/2006" xmlns:a14="http://schemas.microsoft.com/office/drawing/2010/main">
+        <mc:Choice Requires="a14">
           <p:sp>
             <p:nvSpPr>
               <p:cNvPr id="26" name="Rectangle 25"/>
@@ -17494,7 +17509,7 @@
             </p:txBody>
           </p:sp>
         </mc:Choice>
-        <mc:Fallback>
+        <mc:Fallback xmlns="">
           <p:sp>
             <p:nvSpPr>
               <p:cNvPr id="26" name="Rectangle 25"/>
@@ -17548,8 +17563,8 @@
           </p:sp>
         </mc:Fallback>
       </mc:AlternateContent>
-      <mc:AlternateContent xmlns:mc="http://schemas.openxmlformats.org/markup-compatibility/2006">
-        <mc:Choice xmlns:a14="http://schemas.microsoft.com/office/drawing/2010/main" Requires="a14">
+      <mc:AlternateContent xmlns:mc="http://schemas.openxmlformats.org/markup-compatibility/2006" xmlns:a14="http://schemas.microsoft.com/office/drawing/2010/main">
+        <mc:Choice Requires="a14">
           <p:sp>
             <p:nvSpPr>
               <p:cNvPr id="27" name="Rectangle 26"/>
@@ -17695,7 +17710,7 @@
             </p:txBody>
           </p:sp>
         </mc:Choice>
-        <mc:Fallback>
+        <mc:Fallback xmlns="">
           <p:sp>
             <p:nvSpPr>
               <p:cNvPr id="27" name="Rectangle 26"/>
@@ -17749,8 +17764,8 @@
           </p:sp>
         </mc:Fallback>
       </mc:AlternateContent>
-      <mc:AlternateContent xmlns:mc="http://schemas.openxmlformats.org/markup-compatibility/2006">
-        <mc:Choice xmlns:a14="http://schemas.microsoft.com/office/drawing/2010/main" Requires="a14">
+      <mc:AlternateContent xmlns:mc="http://schemas.openxmlformats.org/markup-compatibility/2006" xmlns:a14="http://schemas.microsoft.com/office/drawing/2010/main">
+        <mc:Choice Requires="a14">
           <p:sp>
             <p:nvSpPr>
               <p:cNvPr id="28" name="Rectangle 27"/>
@@ -17896,7 +17911,7 @@
             </p:txBody>
           </p:sp>
         </mc:Choice>
-        <mc:Fallback>
+        <mc:Fallback xmlns="">
           <p:sp>
             <p:nvSpPr>
               <p:cNvPr id="28" name="Rectangle 27"/>
@@ -17970,7 +17985,7 @@
           </a:ln>
           <a:extLst>
             <a:ext uri="{AF507438-7753-43e0-B8FC-AC1667EBCBE1}">
-              <a14:hiddenEffects xmlns:a14="http://schemas.microsoft.com/office/drawing/2010/main" xmlns="">
+              <a14:hiddenEffects xmlns="" xmlns:a14="http://schemas.microsoft.com/office/drawing/2010/main">
                 <a:effectLst>
                   <a:outerShdw blurRad="63500" dist="35921" dir="2700000" algn="ctr" rotWithShape="0">
                     <a:schemeClr val="bg2"/>
@@ -17995,8 +18010,8 @@
           </a:fontRef>
         </p:style>
       </p:cxnSp>
-      <mc:AlternateContent xmlns:mc="http://schemas.openxmlformats.org/markup-compatibility/2006">
-        <mc:Choice xmlns:a14="http://schemas.microsoft.com/office/drawing/2010/main" Requires="a14">
+      <mc:AlternateContent xmlns:mc="http://schemas.openxmlformats.org/markup-compatibility/2006" xmlns:a14="http://schemas.microsoft.com/office/drawing/2010/main">
+        <mc:Choice Requires="a14">
           <p:sp>
             <p:nvSpPr>
               <p:cNvPr id="30" name="TextBox 29"/>
@@ -18059,7 +18074,7 @@
             </p:txBody>
           </p:sp>
         </mc:Choice>
-        <mc:Fallback>
+        <mc:Fallback xmlns="">
           <p:sp>
             <p:nvSpPr>
               <p:cNvPr id="30" name="TextBox 29"/>
@@ -18098,8 +18113,8 @@
           </p:sp>
         </mc:Fallback>
       </mc:AlternateContent>
-      <mc:AlternateContent xmlns:mc="http://schemas.openxmlformats.org/markup-compatibility/2006">
-        <mc:Choice xmlns:a14="http://schemas.microsoft.com/office/drawing/2010/main" Requires="a14">
+      <mc:AlternateContent xmlns:mc="http://schemas.openxmlformats.org/markup-compatibility/2006" xmlns:a14="http://schemas.microsoft.com/office/drawing/2010/main">
+        <mc:Choice Requires="a14">
           <p:sp>
             <p:nvSpPr>
               <p:cNvPr id="31" name="TextBox 30"/>
@@ -18162,7 +18177,7 @@
             </p:txBody>
           </p:sp>
         </mc:Choice>
-        <mc:Fallback>
+        <mc:Fallback xmlns="">
           <p:sp>
             <p:nvSpPr>
               <p:cNvPr id="31" name="TextBox 30"/>
@@ -18201,8 +18216,8 @@
           </p:sp>
         </mc:Fallback>
       </mc:AlternateContent>
-      <mc:AlternateContent xmlns:mc="http://schemas.openxmlformats.org/markup-compatibility/2006">
-        <mc:Choice xmlns:a14="http://schemas.microsoft.com/office/drawing/2010/main" Requires="a14">
+      <mc:AlternateContent xmlns:mc="http://schemas.openxmlformats.org/markup-compatibility/2006" xmlns:a14="http://schemas.microsoft.com/office/drawing/2010/main">
+        <mc:Choice Requires="a14">
           <p:sp>
             <p:nvSpPr>
               <p:cNvPr id="32" name="TextBox 31"/>
@@ -18246,7 +18261,7 @@
             </p:txBody>
           </p:sp>
         </mc:Choice>
-        <mc:Fallback>
+        <mc:Fallback xmlns="">
           <p:sp>
             <p:nvSpPr>
               <p:cNvPr id="32" name="TextBox 31"/>
@@ -20005,7 +20020,6 @@
               <a:rPr lang="en-US" dirty="0" smtClean="0"/>
               <a:t>States: current system conformation of busy times and service times</a:t>
             </a:r>
-            <a:endParaRPr lang="en-US" dirty="0" smtClean="0"/>
           </a:p>
           <a:p>
             <a:pPr lvl="1"/>
@@ -20013,7 +20027,6 @@
               <a:rPr lang="en-US" dirty="0" smtClean="0"/>
               <a:t>Actions: mapping of user to job</a:t>
             </a:r>
-            <a:endParaRPr lang="en-US" dirty="0" smtClean="0"/>
           </a:p>
           <a:p>
             <a:pPr lvl="1"/>
@@ -20500,8 +20513,8 @@
           </a:p>
         </p:txBody>
       </p:sp>
-      <mc:AlternateContent xmlns:mc="http://schemas.openxmlformats.org/markup-compatibility/2006">
-        <mc:Choice xmlns:a14="http://schemas.microsoft.com/office/drawing/2010/main" Requires="a14">
+      <mc:AlternateContent xmlns:mc="http://schemas.openxmlformats.org/markup-compatibility/2006" xmlns:a14="http://schemas.microsoft.com/office/drawing/2010/main">
+        <mc:Choice Requires="a14">
           <p:sp>
             <p:nvSpPr>
               <p:cNvPr id="3" name="Content Placeholder 2"/>
@@ -20597,11 +20610,7 @@
               <a:p>
                 <a:r>
                   <a:rPr lang="en-US" dirty="0" smtClean="0"/>
-                  <a:t>Flying a helicopter: continuous state </a:t>
-                </a:r>
-                <a:r>
-                  <a:rPr lang="en-US" dirty="0" smtClean="0"/>
-                  <a:t>space</a:t>
+                  <a:t>Flying a helicopter: continuous state space</a:t>
                 </a:r>
               </a:p>
               <a:p>
@@ -20707,7 +20716,7 @@
             </p:txBody>
           </p:sp>
         </mc:Choice>
-        <mc:Fallback>
+        <mc:Fallback xmlns="">
           <p:sp>
             <p:nvSpPr>
               <p:cNvPr id="3" name="Content Placeholder 2"/>
@@ -21123,8 +21132,8 @@
           </a:p>
         </p:txBody>
       </p:sp>
-      <mc:AlternateContent xmlns:mc="http://schemas.openxmlformats.org/markup-compatibility/2006">
-        <mc:Choice xmlns:a14="http://schemas.microsoft.com/office/drawing/2010/main" Requires="a14">
+      <mc:AlternateContent xmlns:mc="http://schemas.openxmlformats.org/markup-compatibility/2006" xmlns:a14="http://schemas.microsoft.com/office/drawing/2010/main">
+        <mc:Choice Requires="a14">
           <p:sp>
             <p:nvSpPr>
               <p:cNvPr id="3" name="Content Placeholder 2"/>
@@ -21212,11 +21221,7 @@
                 </a:pPr>
                 <a:r>
                   <a:rPr lang="en-US" dirty="0" smtClean="0"/>
-                  <a:t>Value </a:t>
-                </a:r>
-                <a:r>
-                  <a:rPr lang="en-US" dirty="0" smtClean="0"/>
-                  <a:t>Function Approximation (VFA)</a:t>
+                  <a:t>Value Function Approximation (VFA)</a:t>
                 </a:r>
               </a:p>
               <a:p>
@@ -21243,7 +21248,7 @@
             </p:txBody>
           </p:sp>
         </mc:Choice>
-        <mc:Fallback>
+        <mc:Fallback xmlns="">
           <p:sp>
             <p:nvSpPr>
               <p:cNvPr id="3" name="Content Placeholder 2"/>
@@ -21665,8 +21670,8 @@
           </a:p>
         </p:txBody>
       </p:sp>
-      <mc:AlternateContent xmlns:mc="http://schemas.openxmlformats.org/markup-compatibility/2006">
-        <mc:Choice xmlns:a14="http://schemas.microsoft.com/office/drawing/2010/main" Requires="a14">
+      <mc:AlternateContent xmlns:mc="http://schemas.openxmlformats.org/markup-compatibility/2006" xmlns:a14="http://schemas.microsoft.com/office/drawing/2010/main">
+        <mc:Choice Requires="a14">
           <p:sp>
             <p:nvSpPr>
               <p:cNvPr id="3" name="Content Placeholder 2"/>
@@ -22030,7 +22035,7 @@
             </p:txBody>
           </p:sp>
         </mc:Choice>
-        <mc:Fallback>
+        <mc:Fallback xmlns="">
           <p:sp>
             <p:nvSpPr>
               <p:cNvPr id="3" name="Content Placeholder 2"/>
@@ -23506,13 +23511,8 @@
           <a:p>
             <a:r>
               <a:rPr lang="en-US" dirty="0" smtClean="0"/>
-              <a:t>Update synaptic connections by means of  MC based </a:t>
+              <a:t>Update synaptic connections by means of  MC based backpropagation</a:t>
             </a:r>
-            <a:r>
-              <a:rPr lang="en-US" dirty="0" smtClean="0"/>
-              <a:t>backpropagation</a:t>
-            </a:r>
-            <a:endParaRPr lang="en-US" dirty="0" smtClean="0"/>
           </a:p>
         </p:txBody>
       </p:sp>
@@ -23610,7 +23610,7 @@
           </a:ln>
           <a:extLst>
             <a:ext uri="{AF507438-7753-43e0-B8FC-AC1667EBCBE1}">
-              <a14:hiddenEffects xmlns:a14="http://schemas.microsoft.com/office/drawing/2010/main" xmlns="">
+              <a14:hiddenEffects xmlns="" xmlns:a14="http://schemas.microsoft.com/office/drawing/2010/main">
                 <a:effectLst>
                   <a:outerShdw blurRad="63500" dist="35921" dir="2700000" algn="ctr" rotWithShape="0">
                     <a:schemeClr val="bg2"/>
@@ -23693,7 +23693,7 @@
           </a:ln>
           <a:extLst>
             <a:ext uri="{AF507438-7753-43e0-B8FC-AC1667EBCBE1}">
-              <a14:hiddenEffects xmlns:a14="http://schemas.microsoft.com/office/drawing/2010/main" xmlns="">
+              <a14:hiddenEffects xmlns="" xmlns:a14="http://schemas.microsoft.com/office/drawing/2010/main">
                 <a:effectLst>
                   <a:outerShdw blurRad="63500" dist="35921" dir="2700000" algn="ctr" rotWithShape="0">
                     <a:schemeClr val="bg2"/>
@@ -23776,7 +23776,7 @@
           </a:ln>
           <a:extLst>
             <a:ext uri="{AF507438-7753-43e0-B8FC-AC1667EBCBE1}">
-              <a14:hiddenEffects xmlns:a14="http://schemas.microsoft.com/office/drawing/2010/main" xmlns="">
+              <a14:hiddenEffects xmlns="" xmlns:a14="http://schemas.microsoft.com/office/drawing/2010/main">
                 <a:effectLst>
                   <a:outerShdw blurRad="63500" dist="35921" dir="2700000" algn="ctr" rotWithShape="0">
                     <a:schemeClr val="bg2"/>
@@ -23859,7 +23859,7 @@
           </a:ln>
           <a:extLst>
             <a:ext uri="{AF507438-7753-43e0-B8FC-AC1667EBCBE1}">
-              <a14:hiddenEffects xmlns:a14="http://schemas.microsoft.com/office/drawing/2010/main" xmlns="">
+              <a14:hiddenEffects xmlns="" xmlns:a14="http://schemas.microsoft.com/office/drawing/2010/main">
                 <a:effectLst>
                   <a:outerShdw blurRad="63500" dist="35921" dir="2700000" algn="ctr" rotWithShape="0">
                     <a:schemeClr val="bg2"/>
@@ -23942,7 +23942,7 @@
           </a:ln>
           <a:extLst>
             <a:ext uri="{AF507438-7753-43e0-B8FC-AC1667EBCBE1}">
-              <a14:hiddenEffects xmlns:a14="http://schemas.microsoft.com/office/drawing/2010/main" xmlns="">
+              <a14:hiddenEffects xmlns="" xmlns:a14="http://schemas.microsoft.com/office/drawing/2010/main">
                 <a:effectLst>
                   <a:outerShdw blurRad="63500" dist="35921" dir="2700000" algn="ctr" rotWithShape="0">
                     <a:schemeClr val="bg2"/>
@@ -24025,7 +24025,7 @@
           </a:ln>
           <a:extLst>
             <a:ext uri="{AF507438-7753-43e0-B8FC-AC1667EBCBE1}">
-              <a14:hiddenEffects xmlns:a14="http://schemas.microsoft.com/office/drawing/2010/main" xmlns="">
+              <a14:hiddenEffects xmlns="" xmlns:a14="http://schemas.microsoft.com/office/drawing/2010/main">
                 <a:effectLst>
                   <a:outerShdw blurRad="63500" dist="35921" dir="2700000" algn="ctr" rotWithShape="0">
                     <a:schemeClr val="bg2"/>
@@ -24108,7 +24108,7 @@
           </a:ln>
           <a:extLst>
             <a:ext uri="{AF507438-7753-43e0-B8FC-AC1667EBCBE1}">
-              <a14:hiddenEffects xmlns:a14="http://schemas.microsoft.com/office/drawing/2010/main" xmlns="">
+              <a14:hiddenEffects xmlns="" xmlns:a14="http://schemas.microsoft.com/office/drawing/2010/main">
                 <a:effectLst>
                   <a:outerShdw blurRad="63500" dist="35921" dir="2700000" algn="ctr" rotWithShape="0">
                     <a:schemeClr val="bg2"/>
@@ -24191,7 +24191,7 @@
           </a:ln>
           <a:extLst>
             <a:ext uri="{AF507438-7753-43e0-B8FC-AC1667EBCBE1}">
-              <a14:hiddenEffects xmlns:a14="http://schemas.microsoft.com/office/drawing/2010/main" xmlns="">
+              <a14:hiddenEffects xmlns="" xmlns:a14="http://schemas.microsoft.com/office/drawing/2010/main">
                 <a:effectLst>
                   <a:outerShdw blurRad="63500" dist="35921" dir="2700000" algn="ctr" rotWithShape="0">
                     <a:schemeClr val="bg2"/>
@@ -24277,7 +24277,7 @@
           </a:ln>
           <a:extLst>
             <a:ext uri="{AF507438-7753-43e0-B8FC-AC1667EBCBE1}">
-              <a14:hiddenEffects xmlns:a14="http://schemas.microsoft.com/office/drawing/2010/main" xmlns="">
+              <a14:hiddenEffects xmlns="" xmlns:a14="http://schemas.microsoft.com/office/drawing/2010/main">
                 <a:effectLst>
                   <a:outerShdw blurRad="63500" dist="35921" dir="2700000" algn="ctr" rotWithShape="0">
                     <a:schemeClr val="bg2"/>
@@ -24325,7 +24325,7 @@
           </a:ln>
           <a:extLst>
             <a:ext uri="{AF507438-7753-43e0-B8FC-AC1667EBCBE1}">
-              <a14:hiddenEffects xmlns:a14="http://schemas.microsoft.com/office/drawing/2010/main" xmlns="">
+              <a14:hiddenEffects xmlns="" xmlns:a14="http://schemas.microsoft.com/office/drawing/2010/main">
                 <a:effectLst>
                   <a:outerShdw blurRad="63500" dist="35921" dir="2700000" algn="ctr" rotWithShape="0">
                     <a:schemeClr val="bg2"/>
@@ -24373,7 +24373,7 @@
           </a:ln>
           <a:extLst>
             <a:ext uri="{AF507438-7753-43e0-B8FC-AC1667EBCBE1}">
-              <a14:hiddenEffects xmlns:a14="http://schemas.microsoft.com/office/drawing/2010/main" xmlns="">
+              <a14:hiddenEffects xmlns="" xmlns:a14="http://schemas.microsoft.com/office/drawing/2010/main">
                 <a:effectLst>
                   <a:outerShdw blurRad="63500" dist="35921" dir="2700000" algn="ctr" rotWithShape="0">
                     <a:schemeClr val="bg2"/>
@@ -24421,7 +24421,7 @@
           </a:ln>
           <a:extLst>
             <a:ext uri="{AF507438-7753-43e0-B8FC-AC1667EBCBE1}">
-              <a14:hiddenEffects xmlns:a14="http://schemas.microsoft.com/office/drawing/2010/main" xmlns="">
+              <a14:hiddenEffects xmlns="" xmlns:a14="http://schemas.microsoft.com/office/drawing/2010/main">
                 <a:effectLst>
                   <a:outerShdw blurRad="63500" dist="35921" dir="2700000" algn="ctr" rotWithShape="0">
                     <a:schemeClr val="bg2"/>
@@ -24469,7 +24469,7 @@
           </a:ln>
           <a:extLst>
             <a:ext uri="{AF507438-7753-43e0-B8FC-AC1667EBCBE1}">
-              <a14:hiddenEffects xmlns:a14="http://schemas.microsoft.com/office/drawing/2010/main" xmlns="">
+              <a14:hiddenEffects xmlns="" xmlns:a14="http://schemas.microsoft.com/office/drawing/2010/main">
                 <a:effectLst>
                   <a:outerShdw blurRad="63500" dist="35921" dir="2700000" algn="ctr" rotWithShape="0">
                     <a:schemeClr val="bg2"/>
@@ -24516,7 +24516,7 @@
           </a:ln>
           <a:extLst>
             <a:ext uri="{AF507438-7753-43e0-B8FC-AC1667EBCBE1}">
-              <a14:hiddenEffects xmlns:a14="http://schemas.microsoft.com/office/drawing/2010/main" xmlns="">
+              <a14:hiddenEffects xmlns="" xmlns:a14="http://schemas.microsoft.com/office/drawing/2010/main">
                 <a:effectLst>
                   <a:outerShdw blurRad="63500" dist="35921" dir="2700000" algn="ctr" rotWithShape="0">
                     <a:schemeClr val="bg2"/>
@@ -24564,7 +24564,7 @@
           </a:ln>
           <a:extLst>
             <a:ext uri="{AF507438-7753-43e0-B8FC-AC1667EBCBE1}">
-              <a14:hiddenEffects xmlns:a14="http://schemas.microsoft.com/office/drawing/2010/main" xmlns="">
+              <a14:hiddenEffects xmlns="" xmlns:a14="http://schemas.microsoft.com/office/drawing/2010/main">
                 <a:effectLst>
                   <a:outerShdw blurRad="63500" dist="35921" dir="2700000" algn="ctr" rotWithShape="0">
                     <a:schemeClr val="bg2"/>
@@ -24612,7 +24612,7 @@
           </a:ln>
           <a:extLst>
             <a:ext uri="{AF507438-7753-43e0-B8FC-AC1667EBCBE1}">
-              <a14:hiddenEffects xmlns:a14="http://schemas.microsoft.com/office/drawing/2010/main" xmlns="">
+              <a14:hiddenEffects xmlns="" xmlns:a14="http://schemas.microsoft.com/office/drawing/2010/main">
                 <a:effectLst>
                   <a:outerShdw blurRad="63500" dist="35921" dir="2700000" algn="ctr" rotWithShape="0">
                     <a:schemeClr val="bg2"/>
@@ -24660,7 +24660,7 @@
           </a:ln>
           <a:extLst>
             <a:ext uri="{AF507438-7753-43e0-B8FC-AC1667EBCBE1}">
-              <a14:hiddenEffects xmlns:a14="http://schemas.microsoft.com/office/drawing/2010/main" xmlns="">
+              <a14:hiddenEffects xmlns="" xmlns:a14="http://schemas.microsoft.com/office/drawing/2010/main">
                 <a:effectLst>
                   <a:outerShdw blurRad="63500" dist="35921" dir="2700000" algn="ctr" rotWithShape="0">
                     <a:schemeClr val="bg2"/>
@@ -24708,7 +24708,7 @@
           </a:ln>
           <a:extLst>
             <a:ext uri="{AF507438-7753-43e0-B8FC-AC1667EBCBE1}">
-              <a14:hiddenEffects xmlns:a14="http://schemas.microsoft.com/office/drawing/2010/main" xmlns="">
+              <a14:hiddenEffects xmlns="" xmlns:a14="http://schemas.microsoft.com/office/drawing/2010/main">
                 <a:effectLst>
                   <a:outerShdw blurRad="63500" dist="35921" dir="2700000" algn="ctr" rotWithShape="0">
                     <a:schemeClr val="bg2"/>
@@ -24756,7 +24756,7 @@
           </a:ln>
           <a:extLst>
             <a:ext uri="{AF507438-7753-43e0-B8FC-AC1667EBCBE1}">
-              <a14:hiddenEffects xmlns:a14="http://schemas.microsoft.com/office/drawing/2010/main" xmlns="">
+              <a14:hiddenEffects xmlns="" xmlns:a14="http://schemas.microsoft.com/office/drawing/2010/main">
                 <a:effectLst>
                   <a:outerShdw blurRad="63500" dist="35921" dir="2700000" algn="ctr" rotWithShape="0">
                     <a:schemeClr val="bg2"/>
@@ -24803,7 +24803,7 @@
           </a:ln>
           <a:extLst>
             <a:ext uri="{AF507438-7753-43e0-B8FC-AC1667EBCBE1}">
-              <a14:hiddenEffects xmlns:a14="http://schemas.microsoft.com/office/drawing/2010/main" xmlns="">
+              <a14:hiddenEffects xmlns="" xmlns:a14="http://schemas.microsoft.com/office/drawing/2010/main">
                 <a:effectLst>
                   <a:outerShdw blurRad="63500" dist="35921" dir="2700000" algn="ctr" rotWithShape="0">
                     <a:schemeClr val="bg2"/>
@@ -24851,7 +24851,7 @@
           </a:ln>
           <a:extLst>
             <a:ext uri="{AF507438-7753-43e0-B8FC-AC1667EBCBE1}">
-              <a14:hiddenEffects xmlns:a14="http://schemas.microsoft.com/office/drawing/2010/main" xmlns="">
+              <a14:hiddenEffects xmlns="" xmlns:a14="http://schemas.microsoft.com/office/drawing/2010/main">
                 <a:effectLst>
                   <a:outerShdw blurRad="63500" dist="35921" dir="2700000" algn="ctr" rotWithShape="0">
                     <a:schemeClr val="bg2"/>
@@ -24899,7 +24899,7 @@
           </a:ln>
           <a:extLst>
             <a:ext uri="{AF507438-7753-43e0-B8FC-AC1667EBCBE1}">
-              <a14:hiddenEffects xmlns:a14="http://schemas.microsoft.com/office/drawing/2010/main" xmlns="">
+              <a14:hiddenEffects xmlns="" xmlns:a14="http://schemas.microsoft.com/office/drawing/2010/main">
                 <a:effectLst>
                   <a:outerShdw blurRad="63500" dist="35921" dir="2700000" algn="ctr" rotWithShape="0">
                     <a:schemeClr val="bg2"/>
@@ -24947,7 +24947,7 @@
           </a:ln>
           <a:extLst>
             <a:ext uri="{AF507438-7753-43e0-B8FC-AC1667EBCBE1}">
-              <a14:hiddenEffects xmlns:a14="http://schemas.microsoft.com/office/drawing/2010/main" xmlns="">
+              <a14:hiddenEffects xmlns="" xmlns:a14="http://schemas.microsoft.com/office/drawing/2010/main">
                 <a:effectLst>
                   <a:outerShdw blurRad="63500" dist="35921" dir="2700000" algn="ctr" rotWithShape="0">
                     <a:schemeClr val="bg2"/>
@@ -24995,7 +24995,7 @@
           </a:ln>
           <a:extLst>
             <a:ext uri="{AF507438-7753-43e0-B8FC-AC1667EBCBE1}">
-              <a14:hiddenEffects xmlns:a14="http://schemas.microsoft.com/office/drawing/2010/main" xmlns="">
+              <a14:hiddenEffects xmlns="" xmlns:a14="http://schemas.microsoft.com/office/drawing/2010/main">
                 <a:effectLst>
                   <a:outerShdw blurRad="63500" dist="35921" dir="2700000" algn="ctr" rotWithShape="0">
                     <a:schemeClr val="bg2"/>
@@ -26236,7 +26236,7 @@
             <p:ph idx="1"/>
             <p:extLst>
               <p:ext uri="{D42A27DB-BD31-4B8C-83A1-F6EECF244321}">
-                <p14:modId xmlns:p14="http://schemas.microsoft.com/office/powerpoint/2010/main" val="1804800385"/>
+                <p14:modId xmlns:p14="http://schemas.microsoft.com/office/powerpoint/2010/main" val="153604179"/>
               </p:ext>
             </p:extLst>
           </p:nvPr>
@@ -26292,10 +26292,10 @@
                     <a:lstStyle/>
                     <a:p>
                       <a:r>
-                        <a:rPr lang="en-US" dirty="0" smtClean="0"/>
+                        <a:rPr lang="en-US" b="1" dirty="0" smtClean="0"/>
                         <a:t>Lateness</a:t>
                       </a:r>
-                      <a:endParaRPr lang="en-US" dirty="0"/>
+                      <a:endParaRPr lang="en-US" b="1" dirty="0"/>
                     </a:p>
                   </a:txBody>
                   <a:tcPr/>
@@ -26306,10 +26306,10 @@
                     <a:lstStyle/>
                     <a:p>
                       <a:r>
-                        <a:rPr lang="en-US" dirty="0" smtClean="0"/>
+                        <a:rPr lang="en-US" b="1" dirty="0" smtClean="0"/>
                         <a:t>1.23</a:t>
                       </a:r>
-                      <a:endParaRPr lang="en-US" dirty="0"/>
+                      <a:endParaRPr lang="en-US" b="1" dirty="0"/>
                     </a:p>
                   </a:txBody>
                   <a:tcPr/>
@@ -26578,7 +26578,7 @@
             <p:ph idx="1"/>
             <p:extLst>
               <p:ext uri="{D42A27DB-BD31-4B8C-83A1-F6EECF244321}">
-                <p14:modId xmlns:p14="http://schemas.microsoft.com/office/powerpoint/2010/main" val="469675091"/>
+                <p14:modId xmlns:p14="http://schemas.microsoft.com/office/powerpoint/2010/main" val="3514472108"/>
               </p:ext>
             </p:extLst>
           </p:nvPr>
@@ -26634,10 +26634,10 @@
                     <a:lstStyle/>
                     <a:p>
                       <a:r>
-                        <a:rPr lang="en-US" dirty="0" smtClean="0"/>
+                        <a:rPr lang="en-US" b="1" dirty="0" smtClean="0"/>
                         <a:t>Lateness</a:t>
                       </a:r>
-                      <a:endParaRPr lang="en-US" dirty="0"/>
+                      <a:endParaRPr lang="en-US" b="1" dirty="0"/>
                     </a:p>
                   </a:txBody>
                   <a:tcPr/>
@@ -26648,10 +26648,10 @@
                     <a:lstStyle/>
                     <a:p>
                       <a:r>
-                        <a:rPr lang="en-US" dirty="0" smtClean="0"/>
+                        <a:rPr lang="en-US" b="1" dirty="0" smtClean="0"/>
                         <a:t>1.2</a:t>
                       </a:r>
-                      <a:endParaRPr lang="en-US" dirty="0"/>
+                      <a:endParaRPr lang="en-US" b="1" dirty="0"/>
                     </a:p>
                   </a:txBody>
                   <a:tcPr/>
@@ -27171,13 +27171,8 @@
           <a:p>
             <a:r>
               <a:rPr lang="en-US" dirty="0" smtClean="0"/>
-              <a:t>1.23-fold speedup requires quadratic higher </a:t>
+              <a:t>1.23-fold speedup requires quadratic higher complexity and twofold optimization</a:t>
             </a:r>
-            <a:r>
-              <a:rPr lang="en-US" dirty="0" smtClean="0"/>
-              <a:t>complexity and twofold optimization</a:t>
-            </a:r>
-            <a:endParaRPr lang="en-US" dirty="0" smtClean="0"/>
           </a:p>
           <a:p>
             <a:r>
@@ -28314,11 +28309,7 @@
           <a:p>
             <a:r>
               <a:rPr lang="en-US" dirty="0" smtClean="0"/>
-              <a:t>Similar improvements </a:t>
-            </a:r>
-            <a:r>
-              <a:rPr lang="en-US" dirty="0" smtClean="0"/>
-              <a:t>as ST without high formulation complexity</a:t>
+              <a:t>Similar improvements as ST without high formulation complexity</a:t>
             </a:r>
           </a:p>
           <a:p>
@@ -31188,8 +31179,8 @@
           </a:p>
         </p:txBody>
       </p:sp>
-      <mc:AlternateContent xmlns:mc="http://schemas.openxmlformats.org/markup-compatibility/2006">
-        <mc:Choice xmlns:a14="http://schemas.microsoft.com/office/drawing/2010/main" Requires="a14">
+      <mc:AlternateContent xmlns:mc="http://schemas.openxmlformats.org/markup-compatibility/2006" xmlns:a14="http://schemas.microsoft.com/office/drawing/2010/main">
+        <mc:Choice Requires="a14">
           <p:sp>
             <p:nvSpPr>
               <p:cNvPr id="3" name="Content Placeholder 2"/>
@@ -31207,11 +31198,7 @@
               <a:p>
                 <a:r>
                   <a:rPr lang="en-US" b="1" dirty="0" smtClean="0"/>
-                  <a:t>Maximum Flowtime = Lateness</a:t>
-                </a:r>
-                <a:r>
-                  <a:rPr lang="en-US" b="1" dirty="0" smtClean="0"/>
-                  <a:t>: </a:t>
+                  <a:t>Maximum Flowtime = Lateness: </a:t>
                 </a:r>
                 <a14:m>
                   <m:oMath xmlns:m="http://schemas.openxmlformats.org/officeDocument/2006/math">
@@ -31502,7 +31489,7 @@
             </p:txBody>
           </p:sp>
         </mc:Choice>
-        <mc:Fallback>
+        <mc:Fallback xmlns="">
           <p:sp>
             <p:nvSpPr>
               <p:cNvPr id="3" name="Content Placeholder 2"/>
@@ -32041,7 +32028,7 @@
           </a:ln>
           <a:extLst>
             <a:ext uri="{AF507438-7753-43e0-B8FC-AC1667EBCBE1}">
-              <a14:hiddenEffects xmlns:a14="http://schemas.microsoft.com/office/drawing/2010/main" xmlns="">
+              <a14:hiddenEffects xmlns="" xmlns:a14="http://schemas.microsoft.com/office/drawing/2010/main">
                 <a:effectLst>
                   <a:outerShdw blurRad="63500" dist="35921" dir="2700000" algn="ctr" rotWithShape="0">
                     <a:schemeClr val="bg2"/>
@@ -32125,7 +32112,7 @@
           </a:ln>
           <a:extLst>
             <a:ext uri="{AF507438-7753-43e0-B8FC-AC1667EBCBE1}">
-              <a14:hiddenEffects xmlns:a14="http://schemas.microsoft.com/office/drawing/2010/main" xmlns="">
+              <a14:hiddenEffects xmlns="" xmlns:a14="http://schemas.microsoft.com/office/drawing/2010/main">
                 <a:effectLst>
                   <a:outerShdw blurRad="63500" dist="35921" dir="2700000" algn="ctr" rotWithShape="0">
                     <a:schemeClr val="bg2"/>
@@ -32213,7 +32200,7 @@
           </a:ln>
           <a:extLst>
             <a:ext uri="{AF507438-7753-43e0-B8FC-AC1667EBCBE1}">
-              <a14:hiddenEffects xmlns:a14="http://schemas.microsoft.com/office/drawing/2010/main" xmlns="">
+              <a14:hiddenEffects xmlns="" xmlns:a14="http://schemas.microsoft.com/office/drawing/2010/main">
                 <a:effectLst>
                   <a:outerShdw blurRad="63500" dist="35921" dir="2700000" algn="ctr" rotWithShape="0">
                     <a:schemeClr val="bg2"/>
@@ -32744,7 +32731,7 @@
         <a:effectLst/>
         <a:extLst>
           <a:ext uri="{AF507438-7753-43e0-B8FC-AC1667EBCBE1}">
-            <a14:hiddenEffects xmlns:a14="http://schemas.microsoft.com/office/drawing/2010/main" xmlns="">
+            <a14:hiddenEffects xmlns="" xmlns:a14="http://schemas.microsoft.com/office/drawing/2010/main">
               <a:effectLst>
                 <a:outerShdw blurRad="63500" dist="35921" dir="2700000" algn="ctr" rotWithShape="0">
                   <a:schemeClr val="bg2"/>
@@ -32819,7 +32806,7 @@
         <a:effectLst/>
         <a:extLst>
           <a:ext uri="{AF507438-7753-43e0-B8FC-AC1667EBCBE1}">
-            <a14:hiddenEffects xmlns:a14="http://schemas.microsoft.com/office/drawing/2010/main" xmlns="">
+            <a14:hiddenEffects xmlns="" xmlns:a14="http://schemas.microsoft.com/office/drawing/2010/main">
               <a:effectLst>
                 <a:outerShdw blurRad="63500" dist="35921" dir="2700000" algn="ctr" rotWithShape="0">
                   <a:schemeClr val="bg2"/>

--- a/Workflow Optimization.pptx
+++ b/Workflow Optimization.pptx
@@ -31,7 +31,7 @@
     <p:sldId id="304" r:id="rId22"/>
     <p:sldId id="305" r:id="rId23"/>
     <p:sldId id="267" r:id="rId24"/>
-    <p:sldId id="310" r:id="rId25"/>
+    <p:sldId id="311" r:id="rId25"/>
     <p:sldId id="276" r:id="rId26"/>
     <p:sldId id="278" r:id="rId27"/>
     <p:sldId id="268" r:id="rId28"/>
@@ -197,7 +197,7 @@
             <p14:sldId id="304"/>
             <p14:sldId id="305"/>
             <p14:sldId id="267"/>
-            <p14:sldId id="310"/>
+            <p14:sldId id="311"/>
             <p14:sldId id="276"/>
             <p14:sldId id="278"/>
             <p14:sldId id="268"/>
@@ -590,11 +590,11 @@
           <c:showBubbleSize val="0"/>
         </c:dLbls>
         <c:gapWidth val="150"/>
-        <c:axId val="334355048"/>
-        <c:axId val="334355832"/>
+        <c:axId val="295683552"/>
+        <c:axId val="359916672"/>
       </c:barChart>
       <c:catAx>
-        <c:axId val="334355048"/>
+        <c:axId val="295683552"/>
         <c:scaling>
           <c:orientation val="minMax"/>
         </c:scaling>
@@ -631,7 +631,7 @@
             <a:endParaRPr lang="en-US"/>
           </a:p>
         </c:txPr>
-        <c:crossAx val="334355832"/>
+        <c:crossAx val="359916672"/>
         <c:crosses val="autoZero"/>
         <c:auto val="1"/>
         <c:lblAlgn val="ctr"/>
@@ -639,7 +639,7 @@
         <c:noMultiLvlLbl val="0"/>
       </c:catAx>
       <c:valAx>
-        <c:axId val="334355832"/>
+        <c:axId val="359916672"/>
         <c:scaling>
           <c:orientation val="minMax"/>
         </c:scaling>
@@ -690,7 +690,7 @@
             <a:endParaRPr lang="en-US"/>
           </a:p>
         </c:txPr>
-        <c:crossAx val="334355048"/>
+        <c:crossAx val="295683552"/>
         <c:crosses val="autoZero"/>
         <c:crossBetween val="between"/>
       </c:valAx>
@@ -802,7 +802,6 @@
           </a:p>
         </c:rich>
       </c:tx>
-      <c:layout/>
       <c:overlay val="0"/>
       <c:spPr>
         <a:noFill/>
@@ -1064,11 +1063,11 @@
           <c:showBubbleSize val="0"/>
         </c:dLbls>
         <c:gapWidth val="150"/>
-        <c:axId val="334358968"/>
-        <c:axId val="334359360"/>
+        <c:axId val="364605768"/>
+        <c:axId val="364607728"/>
       </c:barChart>
       <c:catAx>
-        <c:axId val="334358968"/>
+        <c:axId val="364605768"/>
         <c:scaling>
           <c:orientation val="minMax"/>
         </c:scaling>
@@ -1105,7 +1104,7 @@
             <a:endParaRPr lang="en-US"/>
           </a:p>
         </c:txPr>
-        <c:crossAx val="334359360"/>
+        <c:crossAx val="364607728"/>
         <c:crosses val="autoZero"/>
         <c:auto val="1"/>
         <c:lblAlgn val="ctr"/>
@@ -1113,7 +1112,7 @@
         <c:noMultiLvlLbl val="0"/>
       </c:catAx>
       <c:valAx>
-        <c:axId val="334359360"/>
+        <c:axId val="364607728"/>
         <c:scaling>
           <c:orientation val="minMax"/>
         </c:scaling>
@@ -1164,7 +1163,7 @@
             <a:endParaRPr lang="en-US"/>
           </a:p>
         </c:txPr>
-        <c:crossAx val="334358968"/>
+        <c:crossAx val="364605768"/>
         <c:crosses val="autoZero"/>
         <c:crossBetween val="between"/>
       </c:valAx>
@@ -1178,7 +1177,6 @@
     </c:plotArea>
     <c:legend>
       <c:legendPos val="b"/>
-      <c:layout/>
       <c:overlay val="0"/>
       <c:spPr>
         <a:noFill/>
@@ -1561,11 +1559,11 @@
           <c:showBubbleSize val="0"/>
         </c:dLbls>
         <c:gapWidth val="150"/>
-        <c:axId val="335796752"/>
-        <c:axId val="335795968"/>
+        <c:axId val="364606160"/>
+        <c:axId val="364606944"/>
       </c:barChart>
       <c:catAx>
-        <c:axId val="335796752"/>
+        <c:axId val="364606160"/>
         <c:scaling>
           <c:orientation val="minMax"/>
         </c:scaling>
@@ -1602,7 +1600,7 @@
             <a:endParaRPr lang="en-US"/>
           </a:p>
         </c:txPr>
-        <c:crossAx val="335795968"/>
+        <c:crossAx val="364606944"/>
         <c:crosses val="autoZero"/>
         <c:auto val="1"/>
         <c:lblAlgn val="ctr"/>
@@ -1610,7 +1608,7 @@
         <c:noMultiLvlLbl val="0"/>
       </c:catAx>
       <c:valAx>
-        <c:axId val="335795968"/>
+        <c:axId val="364606944"/>
         <c:scaling>
           <c:orientation val="minMax"/>
           <c:max val="40"/>
@@ -1663,7 +1661,7 @@
             <a:endParaRPr lang="en-US"/>
           </a:p>
         </c:txPr>
-        <c:crossAx val="335796752"/>
+        <c:crossAx val="364606160"/>
         <c:crosses val="autoZero"/>
         <c:crossBetween val="between"/>
       </c:valAx>
@@ -2059,11 +2057,11 @@
           <c:showBubbleSize val="0"/>
         </c:dLbls>
         <c:gapWidth val="150"/>
-        <c:axId val="333576832"/>
-        <c:axId val="332355480"/>
+        <c:axId val="364607336"/>
+        <c:axId val="364608120"/>
       </c:barChart>
       <c:catAx>
-        <c:axId val="333576832"/>
+        <c:axId val="364607336"/>
         <c:scaling>
           <c:orientation val="minMax"/>
         </c:scaling>
@@ -2100,7 +2098,7 @@
             <a:endParaRPr lang="en-US"/>
           </a:p>
         </c:txPr>
-        <c:crossAx val="332355480"/>
+        <c:crossAx val="364608120"/>
         <c:crosses val="autoZero"/>
         <c:auto val="1"/>
         <c:lblAlgn val="ctr"/>
@@ -2108,7 +2106,7 @@
         <c:noMultiLvlLbl val="0"/>
       </c:catAx>
       <c:valAx>
-        <c:axId val="332355480"/>
+        <c:axId val="364608120"/>
         <c:scaling>
           <c:orientation val="minMax"/>
           <c:max val="40"/>
@@ -2160,7 +2158,7 @@
             <a:endParaRPr lang="en-US"/>
           </a:p>
         </c:txPr>
-        <c:crossAx val="333576832"/>
+        <c:crossAx val="364607336"/>
         <c:crosses val="autoZero"/>
         <c:crossBetween val="between"/>
       </c:valAx>
@@ -4416,14 +4414,14 @@
           <a:effectLst/>
           <a:extLst>
             <a:ext uri="{909E8E84-426E-40dd-AFC4-6F175D3DCCD1}">
-              <a14:hiddenFill xmlns="" xmlns:a14="http://schemas.microsoft.com/office/drawing/2010/main">
+              <a14:hiddenFill xmlns:a14="http://schemas.microsoft.com/office/drawing/2010/main" xmlns="">
                 <a:solidFill>
                   <a:schemeClr val="accent1"/>
                 </a:solidFill>
               </a14:hiddenFill>
             </a:ext>
             <a:ext uri="{91240B29-F687-4f45-9708-019B960494DF}">
-              <a14:hiddenLine xmlns="" xmlns:a14="http://schemas.microsoft.com/office/drawing/2010/main" w="9525">
+              <a14:hiddenLine xmlns:a14="http://schemas.microsoft.com/office/drawing/2010/main" xmlns="" w="9525">
                 <a:solidFill>
                   <a:schemeClr val="tx1"/>
                 </a:solidFill>
@@ -4433,7 +4431,7 @@
               </a14:hiddenLine>
             </a:ext>
             <a:ext uri="{AF507438-7753-43e0-B8FC-AC1667EBCBE1}">
-              <a14:hiddenEffects xmlns="" xmlns:a14="http://schemas.microsoft.com/office/drawing/2010/main">
+              <a14:hiddenEffects xmlns:a14="http://schemas.microsoft.com/office/drawing/2010/main" xmlns="">
                 <a:effectLst>
                   <a:outerShdw blurRad="63500" dist="38099" dir="2700000" algn="ctr" rotWithShape="0">
                     <a:schemeClr val="bg2">
@@ -4444,7 +4442,7 @@
               </a14:hiddenEffects>
             </a:ext>
             <a:ext uri="{FAA26D3D-D897-4be2-8F04-BA451C77F1D7}">
-              <ma14:placeholderFlag xmlns="" xmlns:ma14="http://schemas.microsoft.com/office/mac/drawingml/2011/main" val="1"/>
+              <ma14:placeholderFlag xmlns:ma14="http://schemas.microsoft.com/office/mac/drawingml/2011/main" xmlns="" val="1"/>
             </a:ext>
           </a:extLst>
         </p:spPr>
@@ -4489,14 +4487,14 @@
           <a:effectLst/>
           <a:extLst>
             <a:ext uri="{909E8E84-426E-40dd-AFC4-6F175D3DCCD1}">
-              <a14:hiddenFill xmlns="" xmlns:a14="http://schemas.microsoft.com/office/drawing/2010/main">
+              <a14:hiddenFill xmlns:a14="http://schemas.microsoft.com/office/drawing/2010/main" xmlns="">
                 <a:solidFill>
                   <a:schemeClr val="accent1"/>
                 </a:solidFill>
               </a14:hiddenFill>
             </a:ext>
             <a:ext uri="{91240B29-F687-4f45-9708-019B960494DF}">
-              <a14:hiddenLine xmlns="" xmlns:a14="http://schemas.microsoft.com/office/drawing/2010/main" w="9525">
+              <a14:hiddenLine xmlns:a14="http://schemas.microsoft.com/office/drawing/2010/main" xmlns="" w="9525">
                 <a:solidFill>
                   <a:schemeClr val="tx1"/>
                 </a:solidFill>
@@ -4506,7 +4504,7 @@
               </a14:hiddenLine>
             </a:ext>
             <a:ext uri="{AF507438-7753-43e0-B8FC-AC1667EBCBE1}">
-              <a14:hiddenEffects xmlns="" xmlns:a14="http://schemas.microsoft.com/office/drawing/2010/main">
+              <a14:hiddenEffects xmlns:a14="http://schemas.microsoft.com/office/drawing/2010/main" xmlns="">
                 <a:effectLst>
                   <a:outerShdw blurRad="63500" dist="38099" dir="2700000" algn="ctr" rotWithShape="0">
                     <a:schemeClr val="bg2">
@@ -4517,7 +4515,7 @@
               </a14:hiddenEffects>
             </a:ext>
             <a:ext uri="{FAA26D3D-D897-4be2-8F04-BA451C77F1D7}">
-              <ma14:placeholderFlag xmlns="" xmlns:ma14="http://schemas.microsoft.com/office/mac/drawingml/2011/main" val="1"/>
+              <ma14:placeholderFlag xmlns:ma14="http://schemas.microsoft.com/office/mac/drawingml/2011/main" xmlns="" val="1"/>
             </a:ext>
           </a:extLst>
         </p:spPr>
@@ -4567,7 +4565,7 @@
           <a:effectLst/>
           <a:extLst>
             <a:ext uri="{AF507438-7753-43e0-B8FC-AC1667EBCBE1}">
-              <a14:hiddenEffects xmlns="" xmlns:a14="http://schemas.microsoft.com/office/drawing/2010/main">
+              <a14:hiddenEffects xmlns:a14="http://schemas.microsoft.com/office/drawing/2010/main" xmlns="">
                 <a:effectLst>
                   <a:outerShdw blurRad="63500" dist="38099" dir="2700000" algn="ctr" rotWithShape="0">
                     <a:srgbClr val="000000">
@@ -4578,7 +4576,7 @@
               </a14:hiddenEffects>
             </a:ext>
             <a:ext uri="{53640926-AAD7-44d8-BBD7-CCE9431645EC}">
-              <a14:shadowObscured xmlns="" xmlns:a14="http://schemas.microsoft.com/office/drawing/2010/main" val="1"/>
+              <a14:shadowObscured xmlns:a14="http://schemas.microsoft.com/office/drawing/2010/main" xmlns="" val="1"/>
             </a:ext>
           </a:extLst>
         </p:spPr>
@@ -4608,14 +4606,14 @@
           <a:effectLst/>
           <a:extLst>
             <a:ext uri="{909E8E84-426E-40dd-AFC4-6F175D3DCCD1}">
-              <a14:hiddenFill xmlns="" xmlns:a14="http://schemas.microsoft.com/office/drawing/2010/main">
+              <a14:hiddenFill xmlns:a14="http://schemas.microsoft.com/office/drawing/2010/main" xmlns="">
                 <a:solidFill>
                   <a:schemeClr val="accent1"/>
                 </a:solidFill>
               </a14:hiddenFill>
             </a:ext>
             <a:ext uri="{91240B29-F687-4f45-9708-019B960494DF}">
-              <a14:hiddenLine xmlns="" xmlns:a14="http://schemas.microsoft.com/office/drawing/2010/main" w="9525">
+              <a14:hiddenLine xmlns:a14="http://schemas.microsoft.com/office/drawing/2010/main" xmlns="" w="9525">
                 <a:solidFill>
                   <a:schemeClr val="tx1"/>
                 </a:solidFill>
@@ -4625,7 +4623,7 @@
               </a14:hiddenLine>
             </a:ext>
             <a:ext uri="{AF507438-7753-43e0-B8FC-AC1667EBCBE1}">
-              <a14:hiddenEffects xmlns="" xmlns:a14="http://schemas.microsoft.com/office/drawing/2010/main">
+              <a14:hiddenEffects xmlns:a14="http://schemas.microsoft.com/office/drawing/2010/main" xmlns="">
                 <a:effectLst>
                   <a:outerShdw blurRad="63500" dist="38099" dir="2700000" algn="ctr" rotWithShape="0">
                     <a:schemeClr val="bg2">
@@ -4636,7 +4634,7 @@
               </a14:hiddenEffects>
             </a:ext>
             <a:ext uri="{FAA26D3D-D897-4be2-8F04-BA451C77F1D7}">
-              <ma14:placeholderFlag xmlns="" xmlns:ma14="http://schemas.microsoft.com/office/mac/drawingml/2011/main" val="1"/>
+              <ma14:placeholderFlag xmlns:ma14="http://schemas.microsoft.com/office/mac/drawingml/2011/main" xmlns="" val="1"/>
             </a:ext>
           </a:extLst>
         </p:spPr>
@@ -4709,14 +4707,14 @@
           <a:effectLst/>
           <a:extLst>
             <a:ext uri="{909E8E84-426E-40dd-AFC4-6F175D3DCCD1}">
-              <a14:hiddenFill xmlns="" xmlns:a14="http://schemas.microsoft.com/office/drawing/2010/main">
+              <a14:hiddenFill xmlns:a14="http://schemas.microsoft.com/office/drawing/2010/main" xmlns="">
                 <a:solidFill>
                   <a:schemeClr val="accent1"/>
                 </a:solidFill>
               </a14:hiddenFill>
             </a:ext>
             <a:ext uri="{91240B29-F687-4f45-9708-019B960494DF}">
-              <a14:hiddenLine xmlns="" xmlns:a14="http://schemas.microsoft.com/office/drawing/2010/main" w="9525">
+              <a14:hiddenLine xmlns:a14="http://schemas.microsoft.com/office/drawing/2010/main" xmlns="" w="9525">
                 <a:solidFill>
                   <a:schemeClr val="tx1"/>
                 </a:solidFill>
@@ -4726,7 +4724,7 @@
               </a14:hiddenLine>
             </a:ext>
             <a:ext uri="{AF507438-7753-43e0-B8FC-AC1667EBCBE1}">
-              <a14:hiddenEffects xmlns="" xmlns:a14="http://schemas.microsoft.com/office/drawing/2010/main">
+              <a14:hiddenEffects xmlns:a14="http://schemas.microsoft.com/office/drawing/2010/main" xmlns="">
                 <a:effectLst>
                   <a:outerShdw blurRad="63500" dist="38099" dir="2700000" algn="ctr" rotWithShape="0">
                     <a:schemeClr val="bg2">
@@ -4737,7 +4735,7 @@
               </a14:hiddenEffects>
             </a:ext>
             <a:ext uri="{FAA26D3D-D897-4be2-8F04-BA451C77F1D7}">
-              <ma14:placeholderFlag xmlns="" xmlns:ma14="http://schemas.microsoft.com/office/mac/drawingml/2011/main" val="1"/>
+              <ma14:placeholderFlag xmlns:ma14="http://schemas.microsoft.com/office/mac/drawingml/2011/main" xmlns="" val="1"/>
             </a:ext>
           </a:extLst>
         </p:spPr>
@@ -4782,14 +4780,14 @@
           <a:effectLst/>
           <a:extLst>
             <a:ext uri="{909E8E84-426E-40dd-AFC4-6F175D3DCCD1}">
-              <a14:hiddenFill xmlns="" xmlns:a14="http://schemas.microsoft.com/office/drawing/2010/main">
+              <a14:hiddenFill xmlns:a14="http://schemas.microsoft.com/office/drawing/2010/main" xmlns="">
                 <a:solidFill>
                   <a:schemeClr val="accent1"/>
                 </a:solidFill>
               </a14:hiddenFill>
             </a:ext>
             <a:ext uri="{91240B29-F687-4f45-9708-019B960494DF}">
-              <a14:hiddenLine xmlns="" xmlns:a14="http://schemas.microsoft.com/office/drawing/2010/main" w="9525">
+              <a14:hiddenLine xmlns:a14="http://schemas.microsoft.com/office/drawing/2010/main" xmlns="" w="9525">
                 <a:solidFill>
                   <a:schemeClr val="tx1"/>
                 </a:solidFill>
@@ -4799,7 +4797,7 @@
               </a14:hiddenLine>
             </a:ext>
             <a:ext uri="{AF507438-7753-43e0-B8FC-AC1667EBCBE1}">
-              <a14:hiddenEffects xmlns="" xmlns:a14="http://schemas.microsoft.com/office/drawing/2010/main">
+              <a14:hiddenEffects xmlns:a14="http://schemas.microsoft.com/office/drawing/2010/main" xmlns="">
                 <a:effectLst>
                   <a:outerShdw blurRad="63500" dist="38099" dir="2700000" algn="ctr" rotWithShape="0">
                     <a:schemeClr val="bg2">
@@ -4810,7 +4808,7 @@
               </a14:hiddenEffects>
             </a:ext>
             <a:ext uri="{FAA26D3D-D897-4be2-8F04-BA451C77F1D7}">
-              <ma14:placeholderFlag xmlns="" xmlns:ma14="http://schemas.microsoft.com/office/mac/drawingml/2011/main" val="1"/>
+              <ma14:placeholderFlag xmlns:ma14="http://schemas.microsoft.com/office/mac/drawingml/2011/main" xmlns="" val="1"/>
             </a:ext>
           </a:extLst>
         </p:spPr>
@@ -5253,7 +5251,7 @@
           <a:p>
             <a:fld id="{DEC37592-88B6-44B8-8DC1-F031E7284748}" type="datetime1">
               <a:rPr lang="en-US" smtClean="0"/>
-              <a:t>5/8/2017</a:t>
+              <a:t>5/9/2017</a:t>
             </a:fld>
             <a:endParaRPr lang="en-US" dirty="0"/>
           </a:p>
@@ -5378,7 +5376,7 @@
           <a:effectLst/>
           <a:extLst>
             <a:ext uri="{AF507438-7753-43e0-B8FC-AC1667EBCBE1}">
-              <a14:hiddenEffects xmlns="" xmlns:a14="http://schemas.microsoft.com/office/drawing/2010/main">
+              <a14:hiddenEffects xmlns:a14="http://schemas.microsoft.com/office/drawing/2010/main" xmlns="">
                 <a:effectLst>
                   <a:outerShdw blurRad="63500" dist="35921" dir="2700000" algn="ctr" rotWithShape="0">
                     <a:schemeClr val="bg2"/>
@@ -5581,7 +5579,7 @@
           <a:p>
             <a:fld id="{141D0F49-276D-4F56-B63B-4D6688C20884}" type="datetime1">
               <a:rPr lang="en-US" smtClean="0"/>
-              <a:t>5/8/2017</a:t>
+              <a:t>5/9/2017</a:t>
             </a:fld>
             <a:endParaRPr lang="en-US" dirty="0"/>
           </a:p>
@@ -5822,7 +5820,7 @@
           <a:p>
             <a:fld id="{DB0B2F36-CFDA-4EEF-BC45-DB620249CF2E}" type="datetime1">
               <a:rPr lang="en-US" smtClean="0"/>
-              <a:t>5/8/2017</a:t>
+              <a:t>5/9/2017</a:t>
             </a:fld>
             <a:endParaRPr lang="en-US" dirty="0"/>
           </a:p>
@@ -5949,7 +5947,7 @@
           <a:p>
             <a:fld id="{0A71E8A6-07E6-4E35-BA17-942B67FDBF2E}" type="datetime1">
               <a:rPr lang="en-US" smtClean="0"/>
-              <a:t>5/8/2017</a:t>
+              <a:t>5/9/2017</a:t>
             </a:fld>
             <a:endParaRPr lang="en-US" dirty="0"/>
           </a:p>
@@ -6137,7 +6135,7 @@
           <a:p>
             <a:fld id="{6B983425-0FCF-4322-BAEA-0A4DFE9AC5A5}" type="datetime1">
               <a:rPr lang="en-US" smtClean="0"/>
-              <a:t>5/8/2017</a:t>
+              <a:t>5/9/2017</a:t>
             </a:fld>
             <a:endParaRPr lang="en-US" dirty="0"/>
           </a:p>
@@ -6264,7 +6262,7 @@
           <a:noFill/>
           <a:extLst>
             <a:ext uri="{909E8E84-426E-40dd-AFC4-6F175D3DCCD1}">
-              <a14:hiddenFill xmlns="" xmlns:a14="http://schemas.microsoft.com/office/drawing/2010/main">
+              <a14:hiddenFill xmlns:a14="http://schemas.microsoft.com/office/drawing/2010/main" xmlns="">
                 <a:solidFill>
                   <a:srgbClr val="FFFFFF"/>
                 </a:solidFill>
@@ -6298,14 +6296,14 @@
           <a:effectLst/>
           <a:extLst>
             <a:ext uri="{909E8E84-426E-40dd-AFC4-6F175D3DCCD1}">
-              <a14:hiddenFill xmlns="" xmlns:a14="http://schemas.microsoft.com/office/drawing/2010/main">
+              <a14:hiddenFill xmlns:a14="http://schemas.microsoft.com/office/drawing/2010/main" xmlns="">
                 <a:solidFill>
                   <a:schemeClr val="accent1"/>
                 </a:solidFill>
               </a14:hiddenFill>
             </a:ext>
             <a:ext uri="{91240B29-F687-4f45-9708-019B960494DF}">
-              <a14:hiddenLine xmlns="" xmlns:a14="http://schemas.microsoft.com/office/drawing/2010/main" w="9525">
+              <a14:hiddenLine xmlns:a14="http://schemas.microsoft.com/office/drawing/2010/main" xmlns="" w="9525">
                 <a:solidFill>
                   <a:schemeClr val="tx1"/>
                 </a:solidFill>
@@ -6315,7 +6313,7 @@
               </a14:hiddenLine>
             </a:ext>
             <a:ext uri="{AF507438-7753-43e0-B8FC-AC1667EBCBE1}">
-              <a14:hiddenEffects xmlns="" xmlns:a14="http://schemas.microsoft.com/office/drawing/2010/main">
+              <a14:hiddenEffects xmlns:a14="http://schemas.microsoft.com/office/drawing/2010/main" xmlns="">
                 <a:effectLst>
                   <a:outerShdw blurRad="63500" dist="38099" dir="2700000" algn="ctr" rotWithShape="0">
                     <a:schemeClr val="bg2">
@@ -6326,7 +6324,7 @@
               </a14:hiddenEffects>
             </a:ext>
             <a:ext uri="{FAA26D3D-D897-4be2-8F04-BA451C77F1D7}">
-              <ma14:placeholderFlag xmlns="" xmlns:ma14="http://schemas.microsoft.com/office/mac/drawingml/2011/main" val="1"/>
+              <ma14:placeholderFlag xmlns:ma14="http://schemas.microsoft.com/office/mac/drawingml/2011/main" xmlns="" val="1"/>
             </a:ext>
           </a:extLst>
         </p:spPr>
@@ -6380,14 +6378,14 @@
           <a:effectLst/>
           <a:extLst>
             <a:ext uri="{909E8E84-426E-40dd-AFC4-6F175D3DCCD1}">
-              <a14:hiddenFill xmlns="" xmlns:a14="http://schemas.microsoft.com/office/drawing/2010/main">
+              <a14:hiddenFill xmlns:a14="http://schemas.microsoft.com/office/drawing/2010/main" xmlns="">
                 <a:solidFill>
                   <a:schemeClr val="accent1"/>
                 </a:solidFill>
               </a14:hiddenFill>
             </a:ext>
             <a:ext uri="{91240B29-F687-4f45-9708-019B960494DF}">
-              <a14:hiddenLine xmlns="" xmlns:a14="http://schemas.microsoft.com/office/drawing/2010/main" w="9525">
+              <a14:hiddenLine xmlns:a14="http://schemas.microsoft.com/office/drawing/2010/main" xmlns="" w="9525">
                 <a:solidFill>
                   <a:schemeClr val="tx1"/>
                 </a:solidFill>
@@ -6397,7 +6395,7 @@
               </a14:hiddenLine>
             </a:ext>
             <a:ext uri="{AF507438-7753-43e0-B8FC-AC1667EBCBE1}">
-              <a14:hiddenEffects xmlns="" xmlns:a14="http://schemas.microsoft.com/office/drawing/2010/main">
+              <a14:hiddenEffects xmlns:a14="http://schemas.microsoft.com/office/drawing/2010/main" xmlns="">
                 <a:effectLst>
                   <a:outerShdw blurRad="63500" dist="38099" dir="2700000" algn="ctr" rotWithShape="0">
                     <a:schemeClr val="bg2">
@@ -6408,7 +6406,7 @@
               </a14:hiddenEffects>
             </a:ext>
             <a:ext uri="{FAA26D3D-D897-4be2-8F04-BA451C77F1D7}">
-              <ma14:placeholderFlag xmlns="" xmlns:ma14="http://schemas.microsoft.com/office/mac/drawingml/2011/main" val="1"/>
+              <ma14:placeholderFlag xmlns:ma14="http://schemas.microsoft.com/office/mac/drawingml/2011/main" xmlns="" val="1"/>
             </a:ext>
           </a:extLst>
         </p:spPr>
@@ -6526,14 +6524,14 @@
           <a:effectLst/>
           <a:extLst>
             <a:ext uri="{909E8E84-426E-40dd-AFC4-6F175D3DCCD1}">
-              <a14:hiddenFill xmlns="" xmlns:a14="http://schemas.microsoft.com/office/drawing/2010/main">
+              <a14:hiddenFill xmlns:a14="http://schemas.microsoft.com/office/drawing/2010/main" xmlns="">
                 <a:solidFill>
                   <a:schemeClr val="accent1"/>
                 </a:solidFill>
               </a14:hiddenFill>
             </a:ext>
             <a:ext uri="{91240B29-F687-4f45-9708-019B960494DF}">
-              <a14:hiddenLine xmlns="" xmlns:a14="http://schemas.microsoft.com/office/drawing/2010/main" w="9525">
+              <a14:hiddenLine xmlns:a14="http://schemas.microsoft.com/office/drawing/2010/main" xmlns="" w="9525">
                 <a:solidFill>
                   <a:schemeClr val="tx1"/>
                 </a:solidFill>
@@ -6543,7 +6541,7 @@
               </a14:hiddenLine>
             </a:ext>
             <a:ext uri="{AF507438-7753-43e0-B8FC-AC1667EBCBE1}">
-              <a14:hiddenEffects xmlns="" xmlns:a14="http://schemas.microsoft.com/office/drawing/2010/main">
+              <a14:hiddenEffects xmlns:a14="http://schemas.microsoft.com/office/drawing/2010/main" xmlns="">
                 <a:effectLst>
                   <a:outerShdw blurRad="63500" dist="38099" dir="2700000" algn="ctr" rotWithShape="0">
                     <a:schemeClr val="bg2">
@@ -6554,7 +6552,7 @@
               </a14:hiddenEffects>
             </a:ext>
             <a:ext uri="{FAA26D3D-D897-4be2-8F04-BA451C77F1D7}">
-              <ma14:placeholderFlag xmlns="" xmlns:ma14="http://schemas.microsoft.com/office/mac/drawingml/2011/main" val="1"/>
+              <ma14:placeholderFlag xmlns:ma14="http://schemas.microsoft.com/office/mac/drawingml/2011/main" xmlns="" val="1"/>
             </a:ext>
           </a:extLst>
         </p:spPr>
@@ -6572,7 +6570,7 @@
           <a:p>
             <a:fld id="{AC3A2CD8-0910-4F3E-B4BC-AB1508329ADD}" type="datetime1">
               <a:rPr lang="en-US" smtClean="0"/>
-              <a:t>5/8/2017</a:t>
+              <a:t>5/9/2017</a:t>
             </a:fld>
             <a:endParaRPr lang="en-US" dirty="0"/>
           </a:p>
@@ -6603,14 +6601,14 @@
           <a:effectLst/>
           <a:extLst>
             <a:ext uri="{909E8E84-426E-40dd-AFC4-6F175D3DCCD1}">
-              <a14:hiddenFill xmlns="" xmlns:a14="http://schemas.microsoft.com/office/drawing/2010/main">
+              <a14:hiddenFill xmlns:a14="http://schemas.microsoft.com/office/drawing/2010/main" xmlns="">
                 <a:solidFill>
                   <a:schemeClr val="accent1"/>
                 </a:solidFill>
               </a14:hiddenFill>
             </a:ext>
             <a:ext uri="{91240B29-F687-4f45-9708-019B960494DF}">
-              <a14:hiddenLine xmlns="" xmlns:a14="http://schemas.microsoft.com/office/drawing/2010/main" w="9525">
+              <a14:hiddenLine xmlns:a14="http://schemas.microsoft.com/office/drawing/2010/main" xmlns="" w="9525">
                 <a:solidFill>
                   <a:schemeClr val="tx1"/>
                 </a:solidFill>
@@ -6620,7 +6618,7 @@
               </a14:hiddenLine>
             </a:ext>
             <a:ext uri="{AF507438-7753-43e0-B8FC-AC1667EBCBE1}">
-              <a14:hiddenEffects xmlns="" xmlns:a14="http://schemas.microsoft.com/office/drawing/2010/main">
+              <a14:hiddenEffects xmlns:a14="http://schemas.microsoft.com/office/drawing/2010/main" xmlns="">
                 <a:effectLst>
                   <a:outerShdw blurRad="63500" dist="38099" dir="2700000" algn="ctr" rotWithShape="0">
                     <a:schemeClr val="bg2">
@@ -6631,7 +6629,7 @@
               </a14:hiddenEffects>
             </a:ext>
             <a:ext uri="{FAA26D3D-D897-4be2-8F04-BA451C77F1D7}">
-              <ma14:placeholderFlag xmlns="" xmlns:ma14="http://schemas.microsoft.com/office/mac/drawingml/2011/main" val="1"/>
+              <ma14:placeholderFlag xmlns:ma14="http://schemas.microsoft.com/office/mac/drawingml/2011/main" xmlns="" val="1"/>
             </a:ext>
           </a:extLst>
         </p:spPr>
@@ -6680,14 +6678,14 @@
           <a:effectLst/>
           <a:extLst>
             <a:ext uri="{909E8E84-426E-40dd-AFC4-6F175D3DCCD1}">
-              <a14:hiddenFill xmlns="" xmlns:a14="http://schemas.microsoft.com/office/drawing/2010/main">
+              <a14:hiddenFill xmlns:a14="http://schemas.microsoft.com/office/drawing/2010/main" xmlns="">
                 <a:solidFill>
                   <a:schemeClr val="accent1"/>
                 </a:solidFill>
               </a14:hiddenFill>
             </a:ext>
             <a:ext uri="{91240B29-F687-4f45-9708-019B960494DF}">
-              <a14:hiddenLine xmlns="" xmlns:a14="http://schemas.microsoft.com/office/drawing/2010/main" w="9525">
+              <a14:hiddenLine xmlns:a14="http://schemas.microsoft.com/office/drawing/2010/main" xmlns="" w="9525">
                 <a:solidFill>
                   <a:schemeClr val="tx1"/>
                 </a:solidFill>
@@ -6697,7 +6695,7 @@
               </a14:hiddenLine>
             </a:ext>
             <a:ext uri="{AF507438-7753-43e0-B8FC-AC1667EBCBE1}">
-              <a14:hiddenEffects xmlns="" xmlns:a14="http://schemas.microsoft.com/office/drawing/2010/main">
+              <a14:hiddenEffects xmlns:a14="http://schemas.microsoft.com/office/drawing/2010/main" xmlns="">
                 <a:effectLst>
                   <a:outerShdw blurRad="63500" dist="38099" dir="2700000" algn="ctr" rotWithShape="0">
                     <a:schemeClr val="bg2">
@@ -6708,7 +6706,7 @@
               </a14:hiddenEffects>
             </a:ext>
             <a:ext uri="{FAA26D3D-D897-4be2-8F04-BA451C77F1D7}">
-              <ma14:placeholderFlag xmlns="" xmlns:ma14="http://schemas.microsoft.com/office/mac/drawingml/2011/main" val="1"/>
+              <ma14:placeholderFlag xmlns:ma14="http://schemas.microsoft.com/office/mac/drawingml/2011/main" xmlns="" val="1"/>
             </a:ext>
           </a:extLst>
         </p:spPr>
@@ -6765,12 +6763,12 @@
           <a:effectLst/>
           <a:extLst>
             <a:ext uri="{909E8E84-426E-40dd-AFC4-6F175D3DCCD1}">
-              <a14:hiddenFill xmlns="" xmlns:a14="http://schemas.microsoft.com/office/drawing/2010/main">
+              <a14:hiddenFill xmlns:a14="http://schemas.microsoft.com/office/drawing/2010/main" xmlns="">
                 <a:noFill/>
               </a14:hiddenFill>
             </a:ext>
             <a:ext uri="{AF507438-7753-43e0-B8FC-AC1667EBCBE1}">
-              <a14:hiddenEffects xmlns="" xmlns:a14="http://schemas.microsoft.com/office/drawing/2010/main">
+              <a14:hiddenEffects xmlns:a14="http://schemas.microsoft.com/office/drawing/2010/main" xmlns="">
                 <a:effectLst>
                   <a:outerShdw blurRad="63500" dist="38099" dir="2700000" algn="ctr" rotWithShape="0">
                     <a:schemeClr val="bg2">
@@ -6813,14 +6811,14 @@
           <a:effectLst/>
           <a:extLst>
             <a:ext uri="{909E8E84-426E-40dd-AFC4-6F175D3DCCD1}">
-              <a14:hiddenFill xmlns="" xmlns:a14="http://schemas.microsoft.com/office/drawing/2010/main">
+              <a14:hiddenFill xmlns:a14="http://schemas.microsoft.com/office/drawing/2010/main" xmlns="">
                 <a:solidFill>
                   <a:schemeClr val="accent1"/>
                 </a:solidFill>
               </a14:hiddenFill>
             </a:ext>
             <a:ext uri="{91240B29-F687-4f45-9708-019B960494DF}">
-              <a14:hiddenLine xmlns="" xmlns:a14="http://schemas.microsoft.com/office/drawing/2010/main" w="9525">
+              <a14:hiddenLine xmlns:a14="http://schemas.microsoft.com/office/drawing/2010/main" xmlns="" w="9525">
                 <a:solidFill>
                   <a:schemeClr val="tx1"/>
                 </a:solidFill>
@@ -6830,7 +6828,7 @@
               </a14:hiddenLine>
             </a:ext>
             <a:ext uri="{AF507438-7753-43e0-B8FC-AC1667EBCBE1}">
-              <a14:hiddenEffects xmlns="" xmlns:a14="http://schemas.microsoft.com/office/drawing/2010/main">
+              <a14:hiddenEffects xmlns:a14="http://schemas.microsoft.com/office/drawing/2010/main" xmlns="">
                 <a:effectLst>
                   <a:outerShdw blurRad="63500" dist="38099" dir="2700000" algn="ctr" rotWithShape="0">
                     <a:schemeClr val="bg2">
@@ -7466,7 +7464,7 @@
           <a:p>
             <a:fld id="{0F735448-6BEC-4714-AC28-524840E5388C}" type="datetime1">
               <a:rPr lang="en-US" smtClean="0"/>
-              <a:t>5/8/2017</a:t>
+              <a:t>5/9/2017</a:t>
             </a:fld>
             <a:endParaRPr lang="en-US" dirty="0"/>
           </a:p>
@@ -7696,7 +7694,7 @@
           <a:p>
             <a:fld id="{DB0B2F36-CFDA-4EEF-BC45-DB620249CF2E}" type="datetime1">
               <a:rPr lang="en-US" smtClean="0"/>
-              <a:t>5/8/2017</a:t>
+              <a:t>5/9/2017</a:t>
             </a:fld>
             <a:endParaRPr lang="en-US" dirty="0"/>
           </a:p>
@@ -7774,7 +7772,7 @@
           </a:ln>
           <a:extLst>
             <a:ext uri="{AF507438-7753-43e0-B8FC-AC1667EBCBE1}">
-              <a14:hiddenEffects xmlns="" xmlns:a14="http://schemas.microsoft.com/office/drawing/2010/main">
+              <a14:hiddenEffects xmlns:a14="http://schemas.microsoft.com/office/drawing/2010/main" xmlns="">
                 <a:effectLst>
                   <a:outerShdw blurRad="63500" dist="35921" dir="2700000" algn="ctr" rotWithShape="0">
                     <a:schemeClr val="bg2"/>
@@ -7858,7 +7856,7 @@
           </a:ln>
           <a:extLst>
             <a:ext uri="{AF507438-7753-43e0-B8FC-AC1667EBCBE1}">
-              <a14:hiddenEffects xmlns="" xmlns:a14="http://schemas.microsoft.com/office/drawing/2010/main">
+              <a14:hiddenEffects xmlns:a14="http://schemas.microsoft.com/office/drawing/2010/main" xmlns="">
                 <a:effectLst>
                   <a:outerShdw blurRad="63500" dist="35921" dir="2700000" algn="ctr" rotWithShape="0">
                     <a:schemeClr val="bg2"/>
@@ -7950,7 +7948,7 @@
           </a:ln>
           <a:extLst>
             <a:ext uri="{AF507438-7753-43e0-B8FC-AC1667EBCBE1}">
-              <a14:hiddenEffects xmlns="" xmlns:a14="http://schemas.microsoft.com/office/drawing/2010/main">
+              <a14:hiddenEffects xmlns:a14="http://schemas.microsoft.com/office/drawing/2010/main" xmlns="">
                 <a:effectLst>
                   <a:outerShdw blurRad="63500" dist="35921" dir="2700000" algn="ctr" rotWithShape="0">
                     <a:schemeClr val="bg2"/>
@@ -8057,7 +8055,7 @@
           </a:ln>
           <a:extLst>
             <a:ext uri="{AF507438-7753-43e0-B8FC-AC1667EBCBE1}">
-              <a14:hiddenEffects xmlns="" xmlns:a14="http://schemas.microsoft.com/office/drawing/2010/main">
+              <a14:hiddenEffects xmlns:a14="http://schemas.microsoft.com/office/drawing/2010/main" xmlns="">
                 <a:effectLst>
                   <a:outerShdw blurRad="63500" dist="35921" dir="2700000" algn="ctr" rotWithShape="0">
                     <a:schemeClr val="bg2"/>
@@ -8642,7 +8640,7 @@
           </a:ln>
           <a:extLst>
             <a:ext uri="{AF507438-7753-43e0-B8FC-AC1667EBCBE1}">
-              <a14:hiddenEffects xmlns="" xmlns:a14="http://schemas.microsoft.com/office/drawing/2010/main">
+              <a14:hiddenEffects xmlns:a14="http://schemas.microsoft.com/office/drawing/2010/main" xmlns="">
                 <a:effectLst>
                   <a:outerShdw blurRad="63500" dist="35921" dir="2700000" algn="ctr" rotWithShape="0">
                     <a:schemeClr val="bg2"/>
@@ -8725,7 +8723,7 @@
           </a:ln>
           <a:extLst>
             <a:ext uri="{AF507438-7753-43e0-B8FC-AC1667EBCBE1}">
-              <a14:hiddenEffects xmlns="" xmlns:a14="http://schemas.microsoft.com/office/drawing/2010/main">
+              <a14:hiddenEffects xmlns:a14="http://schemas.microsoft.com/office/drawing/2010/main" xmlns="">
                 <a:effectLst>
                   <a:outerShdw blurRad="63500" dist="35921" dir="2700000" algn="ctr" rotWithShape="0">
                     <a:schemeClr val="bg2"/>
@@ -8832,7 +8830,7 @@
           <a:p>
             <a:fld id="{6B983425-0FCF-4322-BAEA-0A4DFE9AC5A5}" type="datetime1">
               <a:rPr lang="en-US" smtClean="0"/>
-              <a:t>5/8/2017</a:t>
+              <a:t>5/9/2017</a:t>
             </a:fld>
             <a:endParaRPr lang="en-US" dirty="0"/>
           </a:p>
@@ -8909,7 +8907,7 @@
           </a:ln>
           <a:extLst>
             <a:ext uri="{AF507438-7753-43e0-B8FC-AC1667EBCBE1}">
-              <a14:hiddenEffects xmlns="" xmlns:a14="http://schemas.microsoft.com/office/drawing/2010/main">
+              <a14:hiddenEffects xmlns:a14="http://schemas.microsoft.com/office/drawing/2010/main" xmlns="">
                 <a:effectLst>
                   <a:outerShdw blurRad="63500" dist="35921" dir="2700000" algn="ctr" rotWithShape="0">
                     <a:schemeClr val="bg2"/>
@@ -8992,7 +8990,7 @@
           </a:ln>
           <a:extLst>
             <a:ext uri="{AF507438-7753-43e0-B8FC-AC1667EBCBE1}">
-              <a14:hiddenEffects xmlns="" xmlns:a14="http://schemas.microsoft.com/office/drawing/2010/main">
+              <a14:hiddenEffects xmlns:a14="http://schemas.microsoft.com/office/drawing/2010/main" xmlns="">
                 <a:effectLst>
                   <a:outerShdw blurRad="63500" dist="35921" dir="2700000" algn="ctr" rotWithShape="0">
                     <a:schemeClr val="bg2"/>
@@ -9135,7 +9133,7 @@
           </a:ln>
           <a:extLst>
             <a:ext uri="{AF507438-7753-43e0-B8FC-AC1667EBCBE1}">
-              <a14:hiddenEffects xmlns="" xmlns:a14="http://schemas.microsoft.com/office/drawing/2010/main">
+              <a14:hiddenEffects xmlns:a14="http://schemas.microsoft.com/office/drawing/2010/main" xmlns="">
                 <a:effectLst>
                   <a:outerShdw blurRad="63500" dist="35921" dir="2700000" algn="ctr" rotWithShape="0">
                     <a:schemeClr val="bg2"/>
@@ -9220,7 +9218,7 @@
           </a:ln>
           <a:extLst>
             <a:ext uri="{AF507438-7753-43e0-B8FC-AC1667EBCBE1}">
-              <a14:hiddenEffects xmlns="" xmlns:a14="http://schemas.microsoft.com/office/drawing/2010/main">
+              <a14:hiddenEffects xmlns:a14="http://schemas.microsoft.com/office/drawing/2010/main" xmlns="">
                 <a:effectLst>
                   <a:outerShdw blurRad="63500" dist="35921" dir="2700000" algn="ctr" rotWithShape="0">
                     <a:schemeClr val="bg2"/>
@@ -9305,7 +9303,7 @@
           </a:ln>
           <a:extLst>
             <a:ext uri="{AF507438-7753-43e0-B8FC-AC1667EBCBE1}">
-              <a14:hiddenEffects xmlns="" xmlns:a14="http://schemas.microsoft.com/office/drawing/2010/main">
+              <a14:hiddenEffects xmlns:a14="http://schemas.microsoft.com/office/drawing/2010/main" xmlns="">
                 <a:effectLst>
                   <a:outerShdw blurRad="63500" dist="35921" dir="2700000" algn="ctr" rotWithShape="0">
                     <a:schemeClr val="bg2"/>
@@ -9390,7 +9388,7 @@
           </a:ln>
           <a:extLst>
             <a:ext uri="{AF507438-7753-43e0-B8FC-AC1667EBCBE1}">
-              <a14:hiddenEffects xmlns="" xmlns:a14="http://schemas.microsoft.com/office/drawing/2010/main">
+              <a14:hiddenEffects xmlns:a14="http://schemas.microsoft.com/office/drawing/2010/main" xmlns="">
                 <a:effectLst>
                   <a:outerShdw blurRad="63500" dist="35921" dir="2700000" algn="ctr" rotWithShape="0">
                     <a:schemeClr val="bg2"/>
@@ -9473,7 +9471,7 @@
           </a:ln>
           <a:extLst>
             <a:ext uri="{AF507438-7753-43e0-B8FC-AC1667EBCBE1}">
-              <a14:hiddenEffects xmlns="" xmlns:a14="http://schemas.microsoft.com/office/drawing/2010/main">
+              <a14:hiddenEffects xmlns:a14="http://schemas.microsoft.com/office/drawing/2010/main" xmlns="">
                 <a:effectLst>
                   <a:outerShdw blurRad="63500" dist="35921" dir="2700000" algn="ctr" rotWithShape="0">
                     <a:schemeClr val="bg2"/>
@@ -9558,7 +9556,7 @@
           </a:ln>
           <a:extLst>
             <a:ext uri="{AF507438-7753-43e0-B8FC-AC1667EBCBE1}">
-              <a14:hiddenEffects xmlns="" xmlns:a14="http://schemas.microsoft.com/office/drawing/2010/main">
+              <a14:hiddenEffects xmlns:a14="http://schemas.microsoft.com/office/drawing/2010/main" xmlns="">
                 <a:effectLst>
                   <a:outerShdw blurRad="63500" dist="35921" dir="2700000" algn="ctr" rotWithShape="0">
                     <a:schemeClr val="bg2"/>
@@ -9643,7 +9641,7 @@
           </a:ln>
           <a:extLst>
             <a:ext uri="{AF507438-7753-43e0-B8FC-AC1667EBCBE1}">
-              <a14:hiddenEffects xmlns="" xmlns:a14="http://schemas.microsoft.com/office/drawing/2010/main">
+              <a14:hiddenEffects xmlns:a14="http://schemas.microsoft.com/office/drawing/2010/main" xmlns="">
                 <a:effectLst>
                   <a:outerShdw blurRad="63500" dist="35921" dir="2700000" algn="ctr" rotWithShape="0">
                     <a:schemeClr val="bg2"/>
@@ -9726,7 +9724,7 @@
           </a:ln>
           <a:extLst>
             <a:ext uri="{AF507438-7753-43e0-B8FC-AC1667EBCBE1}">
-              <a14:hiddenEffects xmlns="" xmlns:a14="http://schemas.microsoft.com/office/drawing/2010/main">
+              <a14:hiddenEffects xmlns:a14="http://schemas.microsoft.com/office/drawing/2010/main" xmlns="">
                 <a:effectLst>
                   <a:outerShdw blurRad="63500" dist="35921" dir="2700000" algn="ctr" rotWithShape="0">
                     <a:schemeClr val="bg2"/>
@@ -10329,7 +10327,7 @@
           </a:ln>
           <a:extLst>
             <a:ext uri="{AF507438-7753-43e0-B8FC-AC1667EBCBE1}">
-              <a14:hiddenEffects xmlns="" xmlns:a14="http://schemas.microsoft.com/office/drawing/2010/main">
+              <a14:hiddenEffects xmlns:a14="http://schemas.microsoft.com/office/drawing/2010/main" xmlns="">
                 <a:effectLst>
                   <a:outerShdw blurRad="63500" dist="35921" dir="2700000" algn="ctr" rotWithShape="0">
                     <a:schemeClr val="bg2"/>
@@ -10412,7 +10410,7 @@
           </a:ln>
           <a:extLst>
             <a:ext uri="{AF507438-7753-43e0-B8FC-AC1667EBCBE1}">
-              <a14:hiddenEffects xmlns="" xmlns:a14="http://schemas.microsoft.com/office/drawing/2010/main">
+              <a14:hiddenEffects xmlns:a14="http://schemas.microsoft.com/office/drawing/2010/main" xmlns="">
                 <a:effectLst>
                   <a:outerShdw blurRad="63500" dist="35921" dir="2700000" algn="ctr" rotWithShape="0">
                     <a:schemeClr val="bg2"/>
@@ -10514,7 +10512,7 @@
           <a:p>
             <a:fld id="{6B983425-0FCF-4322-BAEA-0A4DFE9AC5A5}" type="datetime1">
               <a:rPr lang="en-US" smtClean="0"/>
-              <a:t>5/8/2017</a:t>
+              <a:t>5/9/2017</a:t>
             </a:fld>
             <a:endParaRPr lang="en-US" dirty="0"/>
           </a:p>
@@ -10591,7 +10589,7 @@
           </a:ln>
           <a:extLst>
             <a:ext uri="{AF507438-7753-43e0-B8FC-AC1667EBCBE1}">
-              <a14:hiddenEffects xmlns="" xmlns:a14="http://schemas.microsoft.com/office/drawing/2010/main">
+              <a14:hiddenEffects xmlns:a14="http://schemas.microsoft.com/office/drawing/2010/main" xmlns="">
                 <a:effectLst>
                   <a:outerShdw blurRad="63500" dist="35921" dir="2700000" algn="ctr" rotWithShape="0">
                     <a:schemeClr val="bg2"/>
@@ -10674,7 +10672,7 @@
           </a:ln>
           <a:extLst>
             <a:ext uri="{AF507438-7753-43e0-B8FC-AC1667EBCBE1}">
-              <a14:hiddenEffects xmlns="" xmlns:a14="http://schemas.microsoft.com/office/drawing/2010/main">
+              <a14:hiddenEffects xmlns:a14="http://schemas.microsoft.com/office/drawing/2010/main" xmlns="">
                 <a:effectLst>
                   <a:outerShdw blurRad="63500" dist="35921" dir="2700000" algn="ctr" rotWithShape="0">
                     <a:schemeClr val="bg2"/>
@@ -10817,7 +10815,7 @@
           </a:ln>
           <a:extLst>
             <a:ext uri="{AF507438-7753-43e0-B8FC-AC1667EBCBE1}">
-              <a14:hiddenEffects xmlns="" xmlns:a14="http://schemas.microsoft.com/office/drawing/2010/main">
+              <a14:hiddenEffects xmlns:a14="http://schemas.microsoft.com/office/drawing/2010/main" xmlns="">
                 <a:effectLst>
                   <a:outerShdw blurRad="63500" dist="35921" dir="2700000" algn="ctr" rotWithShape="0">
                     <a:schemeClr val="bg2"/>
@@ -10902,7 +10900,7 @@
           </a:ln>
           <a:extLst>
             <a:ext uri="{AF507438-7753-43e0-B8FC-AC1667EBCBE1}">
-              <a14:hiddenEffects xmlns="" xmlns:a14="http://schemas.microsoft.com/office/drawing/2010/main">
+              <a14:hiddenEffects xmlns:a14="http://schemas.microsoft.com/office/drawing/2010/main" xmlns="">
                 <a:effectLst>
                   <a:outerShdw blurRad="63500" dist="35921" dir="2700000" algn="ctr" rotWithShape="0">
                     <a:schemeClr val="bg2"/>
@@ -10987,7 +10985,7 @@
           </a:ln>
           <a:extLst>
             <a:ext uri="{AF507438-7753-43e0-B8FC-AC1667EBCBE1}">
-              <a14:hiddenEffects xmlns="" xmlns:a14="http://schemas.microsoft.com/office/drawing/2010/main">
+              <a14:hiddenEffects xmlns:a14="http://schemas.microsoft.com/office/drawing/2010/main" xmlns="">
                 <a:effectLst>
                   <a:outerShdw blurRad="63500" dist="35921" dir="2700000" algn="ctr" rotWithShape="0">
                     <a:schemeClr val="bg2"/>
@@ -11072,7 +11070,7 @@
           </a:ln>
           <a:extLst>
             <a:ext uri="{AF507438-7753-43e0-B8FC-AC1667EBCBE1}">
-              <a14:hiddenEffects xmlns="" xmlns:a14="http://schemas.microsoft.com/office/drawing/2010/main">
+              <a14:hiddenEffects xmlns:a14="http://schemas.microsoft.com/office/drawing/2010/main" xmlns="">
                 <a:effectLst>
                   <a:outerShdw blurRad="63500" dist="35921" dir="2700000" algn="ctr" rotWithShape="0">
                     <a:schemeClr val="bg2"/>
@@ -11157,7 +11155,7 @@
           </a:ln>
           <a:extLst>
             <a:ext uri="{AF507438-7753-43e0-B8FC-AC1667EBCBE1}">
-              <a14:hiddenEffects xmlns="" xmlns:a14="http://schemas.microsoft.com/office/drawing/2010/main">
+              <a14:hiddenEffects xmlns:a14="http://schemas.microsoft.com/office/drawing/2010/main" xmlns="">
                 <a:effectLst>
                   <a:outerShdw blurRad="63500" dist="35921" dir="2700000" algn="ctr" rotWithShape="0">
                     <a:schemeClr val="bg2"/>
@@ -11242,7 +11240,7 @@
           </a:ln>
           <a:extLst>
             <a:ext uri="{AF507438-7753-43e0-B8FC-AC1667EBCBE1}">
-              <a14:hiddenEffects xmlns="" xmlns:a14="http://schemas.microsoft.com/office/drawing/2010/main">
+              <a14:hiddenEffects xmlns:a14="http://schemas.microsoft.com/office/drawing/2010/main" xmlns="">
                 <a:effectLst>
                   <a:outerShdw blurRad="63500" dist="35921" dir="2700000" algn="ctr" rotWithShape="0">
                     <a:schemeClr val="bg2"/>
@@ -11327,7 +11325,7 @@
           </a:ln>
           <a:extLst>
             <a:ext uri="{AF507438-7753-43e0-B8FC-AC1667EBCBE1}">
-              <a14:hiddenEffects xmlns="" xmlns:a14="http://schemas.microsoft.com/office/drawing/2010/main">
+              <a14:hiddenEffects xmlns:a14="http://schemas.microsoft.com/office/drawing/2010/main" xmlns="">
                 <a:effectLst>
                   <a:outerShdw blurRad="63500" dist="35921" dir="2700000" algn="ctr" rotWithShape="0">
                     <a:schemeClr val="bg2"/>
@@ -11412,7 +11410,7 @@
           </a:ln>
           <a:extLst>
             <a:ext uri="{AF507438-7753-43e0-B8FC-AC1667EBCBE1}">
-              <a14:hiddenEffects xmlns="" xmlns:a14="http://schemas.microsoft.com/office/drawing/2010/main">
+              <a14:hiddenEffects xmlns:a14="http://schemas.microsoft.com/office/drawing/2010/main" xmlns="">
                 <a:effectLst>
                   <a:outerShdw blurRad="63500" dist="35921" dir="2700000" algn="ctr" rotWithShape="0">
                     <a:schemeClr val="bg2"/>
@@ -11495,7 +11493,7 @@
           </a:ln>
           <a:extLst>
             <a:ext uri="{AF507438-7753-43e0-B8FC-AC1667EBCBE1}">
-              <a14:hiddenEffects xmlns="" xmlns:a14="http://schemas.microsoft.com/office/drawing/2010/main">
+              <a14:hiddenEffects xmlns:a14="http://schemas.microsoft.com/office/drawing/2010/main" xmlns="">
                 <a:effectLst>
                   <a:outerShdw blurRad="63500" dist="35921" dir="2700000" algn="ctr" rotWithShape="0">
                     <a:schemeClr val="bg2"/>
@@ -12291,7 +12289,7 @@
           <a:p>
             <a:fld id="{DB0B2F36-CFDA-4EEF-BC45-DB620249CF2E}" type="datetime1">
               <a:rPr lang="en-US" smtClean="0"/>
-              <a:t>5/8/2017</a:t>
+              <a:t>5/9/2017</a:t>
             </a:fld>
             <a:endParaRPr lang="en-US" dirty="0"/>
           </a:p>
@@ -13147,7 +13145,7 @@
           <a:p>
             <a:fld id="{DB0B2F36-CFDA-4EEF-BC45-DB620249CF2E}" type="datetime1">
               <a:rPr lang="en-US" smtClean="0"/>
-              <a:t>5/8/2017</a:t>
+              <a:t>5/9/2017</a:t>
             </a:fld>
             <a:endParaRPr lang="en-US" dirty="0"/>
           </a:p>
@@ -13233,7 +13231,7 @@
           <a:effectLst/>
           <a:extLst>
             <a:ext uri="{AF507438-7753-43e0-B8FC-AC1667EBCBE1}">
-              <a14:hiddenEffects xmlns="" xmlns:a14="http://schemas.microsoft.com/office/drawing/2010/main">
+              <a14:hiddenEffects xmlns:a14="http://schemas.microsoft.com/office/drawing/2010/main" xmlns="">
                 <a:effectLst>
                   <a:outerShdw blurRad="63500" dist="35921" dir="2700000" algn="ctr" rotWithShape="0">
                     <a:schemeClr val="bg2"/>
@@ -13273,7 +13271,7 @@
           <a:effectLst/>
           <a:extLst>
             <a:ext uri="{AF507438-7753-43e0-B8FC-AC1667EBCBE1}">
-              <a14:hiddenEffects xmlns="" xmlns:a14="http://schemas.microsoft.com/office/drawing/2010/main">
+              <a14:hiddenEffects xmlns:a14="http://schemas.microsoft.com/office/drawing/2010/main" xmlns="">
                 <a:effectLst>
                   <a:outerShdw blurRad="63500" dist="35921" dir="2700000" algn="ctr" rotWithShape="0">
                     <a:schemeClr val="bg2"/>
@@ -13373,7 +13371,7 @@
           <a:effectLst/>
           <a:extLst>
             <a:ext uri="{AF507438-7753-43e0-B8FC-AC1667EBCBE1}">
-              <a14:hiddenEffects xmlns="" xmlns:a14="http://schemas.microsoft.com/office/drawing/2010/main">
+              <a14:hiddenEffects xmlns:a14="http://schemas.microsoft.com/office/drawing/2010/main" xmlns="">
                 <a:effectLst>
                   <a:outerShdw blurRad="63500" dist="35921" dir="2700000" algn="ctr" rotWithShape="0">
                     <a:schemeClr val="bg2"/>
@@ -13413,7 +13411,7 @@
           <a:effectLst/>
           <a:extLst>
             <a:ext uri="{AF507438-7753-43e0-B8FC-AC1667EBCBE1}">
-              <a14:hiddenEffects xmlns="" xmlns:a14="http://schemas.microsoft.com/office/drawing/2010/main">
+              <a14:hiddenEffects xmlns:a14="http://schemas.microsoft.com/office/drawing/2010/main" xmlns="">
                 <a:effectLst>
                   <a:outerShdw blurRad="63500" dist="35921" dir="2700000" algn="ctr" rotWithShape="0">
                     <a:schemeClr val="bg2"/>
@@ -14449,7 +14447,7 @@
           </a:ln>
           <a:extLst>
             <a:ext uri="{AF507438-7753-43e0-B8FC-AC1667EBCBE1}">
-              <a14:hiddenEffects xmlns="" xmlns:a14="http://schemas.microsoft.com/office/drawing/2010/main">
+              <a14:hiddenEffects xmlns:a14="http://schemas.microsoft.com/office/drawing/2010/main" xmlns="">
                 <a:effectLst>
                   <a:outerShdw blurRad="63500" dist="35921" dir="2700000" algn="ctr" rotWithShape="0">
                     <a:schemeClr val="bg2"/>
@@ -16683,7 +16681,7 @@
           <a:p>
             <a:fld id="{DB0B2F36-CFDA-4EEF-BC45-DB620249CF2E}" type="datetime1">
               <a:rPr lang="en-US" smtClean="0"/>
-              <a:t>5/8/2017</a:t>
+              <a:t>5/9/2017</a:t>
             </a:fld>
             <a:endParaRPr lang="en-US" dirty="0"/>
           </a:p>
@@ -16769,7 +16767,7 @@
           <a:effectLst/>
           <a:extLst>
             <a:ext uri="{AF507438-7753-43e0-B8FC-AC1667EBCBE1}">
-              <a14:hiddenEffects xmlns="" xmlns:a14="http://schemas.microsoft.com/office/drawing/2010/main">
+              <a14:hiddenEffects xmlns:a14="http://schemas.microsoft.com/office/drawing/2010/main" xmlns="">
                 <a:effectLst>
                   <a:outerShdw blurRad="63500" dist="35921" dir="2700000" algn="ctr" rotWithShape="0">
                     <a:schemeClr val="bg2"/>
@@ -16809,7 +16807,7 @@
           <a:effectLst/>
           <a:extLst>
             <a:ext uri="{AF507438-7753-43e0-B8FC-AC1667EBCBE1}">
-              <a14:hiddenEffects xmlns="" xmlns:a14="http://schemas.microsoft.com/office/drawing/2010/main">
+              <a14:hiddenEffects xmlns:a14="http://schemas.microsoft.com/office/drawing/2010/main" xmlns="">
                 <a:effectLst>
                   <a:outerShdw blurRad="63500" dist="35921" dir="2700000" algn="ctr" rotWithShape="0">
                     <a:schemeClr val="bg2"/>
@@ -16909,7 +16907,7 @@
           <a:effectLst/>
           <a:extLst>
             <a:ext uri="{AF507438-7753-43e0-B8FC-AC1667EBCBE1}">
-              <a14:hiddenEffects xmlns="" xmlns:a14="http://schemas.microsoft.com/office/drawing/2010/main">
+              <a14:hiddenEffects xmlns:a14="http://schemas.microsoft.com/office/drawing/2010/main" xmlns="">
                 <a:effectLst>
                   <a:outerShdw blurRad="63500" dist="35921" dir="2700000" algn="ctr" rotWithShape="0">
                     <a:schemeClr val="bg2"/>
@@ -16949,7 +16947,7 @@
           <a:effectLst/>
           <a:extLst>
             <a:ext uri="{AF507438-7753-43e0-B8FC-AC1667EBCBE1}">
-              <a14:hiddenEffects xmlns="" xmlns:a14="http://schemas.microsoft.com/office/drawing/2010/main">
+              <a14:hiddenEffects xmlns:a14="http://schemas.microsoft.com/office/drawing/2010/main" xmlns="">
                 <a:effectLst>
                   <a:outerShdw blurRad="63500" dist="35921" dir="2700000" algn="ctr" rotWithShape="0">
                     <a:schemeClr val="bg2"/>
@@ -17985,7 +17983,7 @@
           </a:ln>
           <a:extLst>
             <a:ext uri="{AF507438-7753-43e0-B8FC-AC1667EBCBE1}">
-              <a14:hiddenEffects xmlns="" xmlns:a14="http://schemas.microsoft.com/office/drawing/2010/main">
+              <a14:hiddenEffects xmlns:a14="http://schemas.microsoft.com/office/drawing/2010/main" xmlns="">
                 <a:effectLst>
                   <a:outerShdw blurRad="63500" dist="35921" dir="2700000" algn="ctr" rotWithShape="0">
                     <a:schemeClr val="bg2"/>
@@ -19851,7 +19849,7 @@
           <a:p>
             <a:fld id="{DB0B2F36-CFDA-4EEF-BC45-DB620249CF2E}" type="datetime1">
               <a:rPr lang="en-US" smtClean="0"/>
-              <a:t>5/8/2017</a:t>
+              <a:t>5/9/2017</a:t>
             </a:fld>
             <a:endParaRPr lang="en-US" dirty="0"/>
           </a:p>
@@ -20084,7 +20082,7 @@
           <a:p>
             <a:fld id="{DB0B2F36-CFDA-4EEF-BC45-DB620249CF2E}" type="datetime1">
               <a:rPr lang="en-US" smtClean="0"/>
-              <a:t>5/8/2017</a:t>
+              <a:t>5/9/2017</a:t>
             </a:fld>
             <a:endParaRPr lang="en-US" dirty="0"/>
           </a:p>
@@ -20796,7 +20794,7 @@
           <a:p>
             <a:fld id="{DB0B2F36-CFDA-4EEF-BC45-DB620249CF2E}" type="datetime1">
               <a:rPr lang="en-US" smtClean="0"/>
-              <a:t>5/8/2017</a:t>
+              <a:t>5/9/2017</a:t>
             </a:fld>
             <a:endParaRPr lang="en-US" dirty="0"/>
           </a:p>
@@ -21328,7 +21326,7 @@
           <a:p>
             <a:fld id="{DB0B2F36-CFDA-4EEF-BC45-DB620249CF2E}" type="datetime1">
               <a:rPr lang="en-US" smtClean="0"/>
-              <a:t>5/8/2017</a:t>
+              <a:t>5/9/2017</a:t>
             </a:fld>
             <a:endParaRPr lang="en-US" dirty="0"/>
           </a:p>
@@ -22115,7 +22113,7 @@
           <a:p>
             <a:fld id="{DB0B2F36-CFDA-4EEF-BC45-DB620249CF2E}" type="datetime1">
               <a:rPr lang="en-US" smtClean="0"/>
-              <a:t>5/8/2017</a:t>
+              <a:t>5/9/2017</a:t>
             </a:fld>
             <a:endParaRPr lang="en-US" dirty="0"/>
           </a:p>
@@ -23094,7 +23092,7 @@
           <a:p>
             <a:fld id="{DB0B2F36-CFDA-4EEF-BC45-DB620249CF2E}" type="datetime1">
               <a:rPr lang="en-US" smtClean="0"/>
-              <a:t>5/8/2017</a:t>
+              <a:t>5/9/2017</a:t>
             </a:fld>
             <a:endParaRPr lang="en-US" dirty="0"/>
           </a:p>
@@ -23533,7 +23531,7 @@
           <a:p>
             <a:fld id="{DB0B2F36-CFDA-4EEF-BC45-DB620249CF2E}" type="datetime1">
               <a:rPr lang="en-US" smtClean="0"/>
-              <a:t>5/8/2017</a:t>
+              <a:t>5/9/2017</a:t>
             </a:fld>
             <a:endParaRPr lang="en-US" dirty="0"/>
           </a:p>
@@ -23610,7 +23608,7 @@
           </a:ln>
           <a:extLst>
             <a:ext uri="{AF507438-7753-43e0-B8FC-AC1667EBCBE1}">
-              <a14:hiddenEffects xmlns="" xmlns:a14="http://schemas.microsoft.com/office/drawing/2010/main">
+              <a14:hiddenEffects xmlns:a14="http://schemas.microsoft.com/office/drawing/2010/main" xmlns="">
                 <a:effectLst>
                   <a:outerShdw blurRad="63500" dist="35921" dir="2700000" algn="ctr" rotWithShape="0">
                     <a:schemeClr val="bg2"/>
@@ -23693,7 +23691,7 @@
           </a:ln>
           <a:extLst>
             <a:ext uri="{AF507438-7753-43e0-B8FC-AC1667EBCBE1}">
-              <a14:hiddenEffects xmlns="" xmlns:a14="http://schemas.microsoft.com/office/drawing/2010/main">
+              <a14:hiddenEffects xmlns:a14="http://schemas.microsoft.com/office/drawing/2010/main" xmlns="">
                 <a:effectLst>
                   <a:outerShdw blurRad="63500" dist="35921" dir="2700000" algn="ctr" rotWithShape="0">
                     <a:schemeClr val="bg2"/>
@@ -23776,7 +23774,7 @@
           </a:ln>
           <a:extLst>
             <a:ext uri="{AF507438-7753-43e0-B8FC-AC1667EBCBE1}">
-              <a14:hiddenEffects xmlns="" xmlns:a14="http://schemas.microsoft.com/office/drawing/2010/main">
+              <a14:hiddenEffects xmlns:a14="http://schemas.microsoft.com/office/drawing/2010/main" xmlns="">
                 <a:effectLst>
                   <a:outerShdw blurRad="63500" dist="35921" dir="2700000" algn="ctr" rotWithShape="0">
                     <a:schemeClr val="bg2"/>
@@ -23859,7 +23857,7 @@
           </a:ln>
           <a:extLst>
             <a:ext uri="{AF507438-7753-43e0-B8FC-AC1667EBCBE1}">
-              <a14:hiddenEffects xmlns="" xmlns:a14="http://schemas.microsoft.com/office/drawing/2010/main">
+              <a14:hiddenEffects xmlns:a14="http://schemas.microsoft.com/office/drawing/2010/main" xmlns="">
                 <a:effectLst>
                   <a:outerShdw blurRad="63500" dist="35921" dir="2700000" algn="ctr" rotWithShape="0">
                     <a:schemeClr val="bg2"/>
@@ -23942,7 +23940,7 @@
           </a:ln>
           <a:extLst>
             <a:ext uri="{AF507438-7753-43e0-B8FC-AC1667EBCBE1}">
-              <a14:hiddenEffects xmlns="" xmlns:a14="http://schemas.microsoft.com/office/drawing/2010/main">
+              <a14:hiddenEffects xmlns:a14="http://schemas.microsoft.com/office/drawing/2010/main" xmlns="">
                 <a:effectLst>
                   <a:outerShdw blurRad="63500" dist="35921" dir="2700000" algn="ctr" rotWithShape="0">
                     <a:schemeClr val="bg2"/>
@@ -24025,7 +24023,7 @@
           </a:ln>
           <a:extLst>
             <a:ext uri="{AF507438-7753-43e0-B8FC-AC1667EBCBE1}">
-              <a14:hiddenEffects xmlns="" xmlns:a14="http://schemas.microsoft.com/office/drawing/2010/main">
+              <a14:hiddenEffects xmlns:a14="http://schemas.microsoft.com/office/drawing/2010/main" xmlns="">
                 <a:effectLst>
                   <a:outerShdw blurRad="63500" dist="35921" dir="2700000" algn="ctr" rotWithShape="0">
                     <a:schemeClr val="bg2"/>
@@ -24108,7 +24106,7 @@
           </a:ln>
           <a:extLst>
             <a:ext uri="{AF507438-7753-43e0-B8FC-AC1667EBCBE1}">
-              <a14:hiddenEffects xmlns="" xmlns:a14="http://schemas.microsoft.com/office/drawing/2010/main">
+              <a14:hiddenEffects xmlns:a14="http://schemas.microsoft.com/office/drawing/2010/main" xmlns="">
                 <a:effectLst>
                   <a:outerShdw blurRad="63500" dist="35921" dir="2700000" algn="ctr" rotWithShape="0">
                     <a:schemeClr val="bg2"/>
@@ -24191,7 +24189,7 @@
           </a:ln>
           <a:extLst>
             <a:ext uri="{AF507438-7753-43e0-B8FC-AC1667EBCBE1}">
-              <a14:hiddenEffects xmlns="" xmlns:a14="http://schemas.microsoft.com/office/drawing/2010/main">
+              <a14:hiddenEffects xmlns:a14="http://schemas.microsoft.com/office/drawing/2010/main" xmlns="">
                 <a:effectLst>
                   <a:outerShdw blurRad="63500" dist="35921" dir="2700000" algn="ctr" rotWithShape="0">
                     <a:schemeClr val="bg2"/>
@@ -24277,7 +24275,7 @@
           </a:ln>
           <a:extLst>
             <a:ext uri="{AF507438-7753-43e0-B8FC-AC1667EBCBE1}">
-              <a14:hiddenEffects xmlns="" xmlns:a14="http://schemas.microsoft.com/office/drawing/2010/main">
+              <a14:hiddenEffects xmlns:a14="http://schemas.microsoft.com/office/drawing/2010/main" xmlns="">
                 <a:effectLst>
                   <a:outerShdw blurRad="63500" dist="35921" dir="2700000" algn="ctr" rotWithShape="0">
                     <a:schemeClr val="bg2"/>
@@ -24325,7 +24323,7 @@
           </a:ln>
           <a:extLst>
             <a:ext uri="{AF507438-7753-43e0-B8FC-AC1667EBCBE1}">
-              <a14:hiddenEffects xmlns="" xmlns:a14="http://schemas.microsoft.com/office/drawing/2010/main">
+              <a14:hiddenEffects xmlns:a14="http://schemas.microsoft.com/office/drawing/2010/main" xmlns="">
                 <a:effectLst>
                   <a:outerShdw blurRad="63500" dist="35921" dir="2700000" algn="ctr" rotWithShape="0">
                     <a:schemeClr val="bg2"/>
@@ -24373,7 +24371,7 @@
           </a:ln>
           <a:extLst>
             <a:ext uri="{AF507438-7753-43e0-B8FC-AC1667EBCBE1}">
-              <a14:hiddenEffects xmlns="" xmlns:a14="http://schemas.microsoft.com/office/drawing/2010/main">
+              <a14:hiddenEffects xmlns:a14="http://schemas.microsoft.com/office/drawing/2010/main" xmlns="">
                 <a:effectLst>
                   <a:outerShdw blurRad="63500" dist="35921" dir="2700000" algn="ctr" rotWithShape="0">
                     <a:schemeClr val="bg2"/>
@@ -24421,7 +24419,7 @@
           </a:ln>
           <a:extLst>
             <a:ext uri="{AF507438-7753-43e0-B8FC-AC1667EBCBE1}">
-              <a14:hiddenEffects xmlns="" xmlns:a14="http://schemas.microsoft.com/office/drawing/2010/main">
+              <a14:hiddenEffects xmlns:a14="http://schemas.microsoft.com/office/drawing/2010/main" xmlns="">
                 <a:effectLst>
                   <a:outerShdw blurRad="63500" dist="35921" dir="2700000" algn="ctr" rotWithShape="0">
                     <a:schemeClr val="bg2"/>
@@ -24469,7 +24467,7 @@
           </a:ln>
           <a:extLst>
             <a:ext uri="{AF507438-7753-43e0-B8FC-AC1667EBCBE1}">
-              <a14:hiddenEffects xmlns="" xmlns:a14="http://schemas.microsoft.com/office/drawing/2010/main">
+              <a14:hiddenEffects xmlns:a14="http://schemas.microsoft.com/office/drawing/2010/main" xmlns="">
                 <a:effectLst>
                   <a:outerShdw blurRad="63500" dist="35921" dir="2700000" algn="ctr" rotWithShape="0">
                     <a:schemeClr val="bg2"/>
@@ -24516,7 +24514,7 @@
           </a:ln>
           <a:extLst>
             <a:ext uri="{AF507438-7753-43e0-B8FC-AC1667EBCBE1}">
-              <a14:hiddenEffects xmlns="" xmlns:a14="http://schemas.microsoft.com/office/drawing/2010/main">
+              <a14:hiddenEffects xmlns:a14="http://schemas.microsoft.com/office/drawing/2010/main" xmlns="">
                 <a:effectLst>
                   <a:outerShdw blurRad="63500" dist="35921" dir="2700000" algn="ctr" rotWithShape="0">
                     <a:schemeClr val="bg2"/>
@@ -24564,7 +24562,7 @@
           </a:ln>
           <a:extLst>
             <a:ext uri="{AF507438-7753-43e0-B8FC-AC1667EBCBE1}">
-              <a14:hiddenEffects xmlns="" xmlns:a14="http://schemas.microsoft.com/office/drawing/2010/main">
+              <a14:hiddenEffects xmlns:a14="http://schemas.microsoft.com/office/drawing/2010/main" xmlns="">
                 <a:effectLst>
                   <a:outerShdw blurRad="63500" dist="35921" dir="2700000" algn="ctr" rotWithShape="0">
                     <a:schemeClr val="bg2"/>
@@ -24612,7 +24610,7 @@
           </a:ln>
           <a:extLst>
             <a:ext uri="{AF507438-7753-43e0-B8FC-AC1667EBCBE1}">
-              <a14:hiddenEffects xmlns="" xmlns:a14="http://schemas.microsoft.com/office/drawing/2010/main">
+              <a14:hiddenEffects xmlns:a14="http://schemas.microsoft.com/office/drawing/2010/main" xmlns="">
                 <a:effectLst>
                   <a:outerShdw blurRad="63500" dist="35921" dir="2700000" algn="ctr" rotWithShape="0">
                     <a:schemeClr val="bg2"/>
@@ -24660,7 +24658,7 @@
           </a:ln>
           <a:extLst>
             <a:ext uri="{AF507438-7753-43e0-B8FC-AC1667EBCBE1}">
-              <a14:hiddenEffects xmlns="" xmlns:a14="http://schemas.microsoft.com/office/drawing/2010/main">
+              <a14:hiddenEffects xmlns:a14="http://schemas.microsoft.com/office/drawing/2010/main" xmlns="">
                 <a:effectLst>
                   <a:outerShdw blurRad="63500" dist="35921" dir="2700000" algn="ctr" rotWithShape="0">
                     <a:schemeClr val="bg2"/>
@@ -24708,7 +24706,7 @@
           </a:ln>
           <a:extLst>
             <a:ext uri="{AF507438-7753-43e0-B8FC-AC1667EBCBE1}">
-              <a14:hiddenEffects xmlns="" xmlns:a14="http://schemas.microsoft.com/office/drawing/2010/main">
+              <a14:hiddenEffects xmlns:a14="http://schemas.microsoft.com/office/drawing/2010/main" xmlns="">
                 <a:effectLst>
                   <a:outerShdw blurRad="63500" dist="35921" dir="2700000" algn="ctr" rotWithShape="0">
                     <a:schemeClr val="bg2"/>
@@ -24756,7 +24754,7 @@
           </a:ln>
           <a:extLst>
             <a:ext uri="{AF507438-7753-43e0-B8FC-AC1667EBCBE1}">
-              <a14:hiddenEffects xmlns="" xmlns:a14="http://schemas.microsoft.com/office/drawing/2010/main">
+              <a14:hiddenEffects xmlns:a14="http://schemas.microsoft.com/office/drawing/2010/main" xmlns="">
                 <a:effectLst>
                   <a:outerShdw blurRad="63500" dist="35921" dir="2700000" algn="ctr" rotWithShape="0">
                     <a:schemeClr val="bg2"/>
@@ -24803,7 +24801,7 @@
           </a:ln>
           <a:extLst>
             <a:ext uri="{AF507438-7753-43e0-B8FC-AC1667EBCBE1}">
-              <a14:hiddenEffects xmlns="" xmlns:a14="http://schemas.microsoft.com/office/drawing/2010/main">
+              <a14:hiddenEffects xmlns:a14="http://schemas.microsoft.com/office/drawing/2010/main" xmlns="">
                 <a:effectLst>
                   <a:outerShdw blurRad="63500" dist="35921" dir="2700000" algn="ctr" rotWithShape="0">
                     <a:schemeClr val="bg2"/>
@@ -24851,7 +24849,7 @@
           </a:ln>
           <a:extLst>
             <a:ext uri="{AF507438-7753-43e0-B8FC-AC1667EBCBE1}">
-              <a14:hiddenEffects xmlns="" xmlns:a14="http://schemas.microsoft.com/office/drawing/2010/main">
+              <a14:hiddenEffects xmlns:a14="http://schemas.microsoft.com/office/drawing/2010/main" xmlns="">
                 <a:effectLst>
                   <a:outerShdw blurRad="63500" dist="35921" dir="2700000" algn="ctr" rotWithShape="0">
                     <a:schemeClr val="bg2"/>
@@ -24899,7 +24897,7 @@
           </a:ln>
           <a:extLst>
             <a:ext uri="{AF507438-7753-43e0-B8FC-AC1667EBCBE1}">
-              <a14:hiddenEffects xmlns="" xmlns:a14="http://schemas.microsoft.com/office/drawing/2010/main">
+              <a14:hiddenEffects xmlns:a14="http://schemas.microsoft.com/office/drawing/2010/main" xmlns="">
                 <a:effectLst>
                   <a:outerShdw blurRad="63500" dist="35921" dir="2700000" algn="ctr" rotWithShape="0">
                     <a:schemeClr val="bg2"/>
@@ -24947,7 +24945,7 @@
           </a:ln>
           <a:extLst>
             <a:ext uri="{AF507438-7753-43e0-B8FC-AC1667EBCBE1}">
-              <a14:hiddenEffects xmlns="" xmlns:a14="http://schemas.microsoft.com/office/drawing/2010/main">
+              <a14:hiddenEffects xmlns:a14="http://schemas.microsoft.com/office/drawing/2010/main" xmlns="">
                 <a:effectLst>
                   <a:outerShdw blurRad="63500" dist="35921" dir="2700000" algn="ctr" rotWithShape="0">
                     <a:schemeClr val="bg2"/>
@@ -24995,7 +24993,7 @@
           </a:ln>
           <a:extLst>
             <a:ext uri="{AF507438-7753-43e0-B8FC-AC1667EBCBE1}">
-              <a14:hiddenEffects xmlns="" xmlns:a14="http://schemas.microsoft.com/office/drawing/2010/main">
+              <a14:hiddenEffects xmlns:a14="http://schemas.microsoft.com/office/drawing/2010/main" xmlns="">
                 <a:effectLst>
                   <a:outerShdw blurRad="63500" dist="35921" dir="2700000" algn="ctr" rotWithShape="0">
                     <a:schemeClr val="bg2"/>
@@ -25804,7 +25802,7 @@
       </p:grpSpPr>
       <p:sp>
         <p:nvSpPr>
-          <p:cNvPr id="3" name="Title 2"/>
+          <p:cNvPr id="2" name="Title 1"/>
           <p:cNvSpPr>
             <a:spLocks noGrp="1"/>
           </p:cNvSpPr>
@@ -25825,17 +25823,90 @@
           </a:p>
         </p:txBody>
       </p:sp>
+      <p:sp>
+        <p:nvSpPr>
+          <p:cNvPr id="4" name="Date Placeholder 3"/>
+          <p:cNvSpPr>
+            <a:spLocks noGrp="1"/>
+          </p:cNvSpPr>
+          <p:nvPr>
+            <p:ph type="dt" sz="half" idx="10"/>
+          </p:nvPr>
+        </p:nvSpPr>
+        <p:spPr/>
+        <p:txBody>
+          <a:bodyPr/>
+          <a:lstStyle/>
+          <a:p>
+            <a:fld id="{141D0F49-276D-4F56-B63B-4D6688C20884}" type="datetime1">
+              <a:rPr lang="en-US" smtClean="0"/>
+              <a:t>5/9/2017</a:t>
+            </a:fld>
+            <a:endParaRPr lang="en-US" dirty="0"/>
+          </a:p>
+        </p:txBody>
+      </p:sp>
+      <p:sp>
+        <p:nvSpPr>
+          <p:cNvPr id="5" name="Footer Placeholder 4"/>
+          <p:cNvSpPr>
+            <a:spLocks noGrp="1"/>
+          </p:cNvSpPr>
+          <p:nvPr>
+            <p:ph type="ftr" sz="quarter" idx="11"/>
+          </p:nvPr>
+        </p:nvSpPr>
+        <p:spPr/>
+        <p:txBody>
+          <a:bodyPr/>
+          <a:lstStyle/>
+          <a:p>
+            <a:r>
+              <a:rPr lang="en-US" smtClean="0"/>
+              <a:t>Workflow Optimization, Filip Kočovski</a:t>
+            </a:r>
+            <a:endParaRPr lang="en-US" dirty="0"/>
+          </a:p>
+        </p:txBody>
+      </p:sp>
+      <p:sp>
+        <p:nvSpPr>
+          <p:cNvPr id="6" name="Slide Number Placeholder 5"/>
+          <p:cNvSpPr>
+            <a:spLocks noGrp="1"/>
+          </p:cNvSpPr>
+          <p:nvPr>
+            <p:ph type="sldNum" sz="quarter" idx="12"/>
+          </p:nvPr>
+        </p:nvSpPr>
+        <p:spPr/>
+        <p:txBody>
+          <a:bodyPr/>
+          <a:lstStyle/>
+          <a:p>
+            <a:r>
+              <a:rPr lang="en-US" smtClean="0"/>
+              <a:t>Page </a:t>
+            </a:r>
+            <a:fld id="{9D46F3A4-F478-9440-BC8E-B732027F4C86}" type="slidenum">
+              <a:rPr lang="en-US" smtClean="0"/>
+              <a:pPr/>
+              <a:t>24</a:t>
+            </a:fld>
+            <a:endParaRPr lang="en-US" dirty="0"/>
+          </a:p>
+        </p:txBody>
+      </p:sp>
       <p:graphicFrame>
         <p:nvGraphicFramePr>
-          <p:cNvPr id="5" name="Content Placeholder 4"/>
+          <p:cNvPr id="7" name="Content Placeholder 4"/>
           <p:cNvGraphicFramePr>
-            <a:graphicFrameLocks noGrp="1"/>
+            <a:graphicFrameLocks/>
           </p:cNvGraphicFramePr>
           <p:nvPr>
-            <p:ph idx="1"/>
             <p:extLst>
               <p:ext uri="{D42A27DB-BD31-4B8C-83A1-F6EECF244321}">
-                <p14:modId xmlns:p14="http://schemas.microsoft.com/office/powerpoint/2010/main" val="1663135495"/>
+                <p14:modId xmlns:p14="http://schemas.microsoft.com/office/powerpoint/2010/main" val="917986664"/>
               </p:ext>
             </p:extLst>
           </p:nvPr>
@@ -26169,20 +26240,13 @@
     </p:spTree>
     <p:extLst>
       <p:ext uri="{BB962C8B-B14F-4D97-AF65-F5344CB8AC3E}">
-        <p14:creationId xmlns:p14="http://schemas.microsoft.com/office/powerpoint/2010/main" val="1572667118"/>
+        <p14:creationId xmlns:p14="http://schemas.microsoft.com/office/powerpoint/2010/main" val="662622224"/>
       </p:ext>
     </p:extLst>
   </p:cSld>
   <p:clrMapOvr>
     <a:masterClrMapping/>
   </p:clrMapOvr>
-  <p:timing>
-    <p:tnLst>
-      <p:par>
-        <p:cTn id="1" dur="indefinite" restart="never" nodeType="tmRoot"/>
-      </p:par>
-    </p:tnLst>
-  </p:timing>
 </p:sld>
 </file>
 
@@ -26451,7 +26515,7 @@
           <a:p>
             <a:fld id="{DB0B2F36-CFDA-4EEF-BC45-DB620249CF2E}" type="datetime1">
               <a:rPr lang="en-US" smtClean="0"/>
-              <a:t>5/8/2017</a:t>
+              <a:t>5/9/2017</a:t>
             </a:fld>
             <a:endParaRPr lang="en-US" dirty="0"/>
           </a:p>
@@ -26793,7 +26857,7 @@
           <a:p>
             <a:fld id="{DB0B2F36-CFDA-4EEF-BC45-DB620249CF2E}" type="datetime1">
               <a:rPr lang="en-US" smtClean="0"/>
-              <a:t>5/8/2017</a:t>
+              <a:t>5/9/2017</a:t>
             </a:fld>
             <a:endParaRPr lang="en-US" dirty="0"/>
           </a:p>
@@ -27037,7 +27101,7 @@
           <a:p>
             <a:fld id="{DB0B2F36-CFDA-4EEF-BC45-DB620249CF2E}" type="datetime1">
               <a:rPr lang="en-US" smtClean="0"/>
-              <a:t>5/8/2017</a:t>
+              <a:t>5/9/2017</a:t>
             </a:fld>
             <a:endParaRPr lang="en-US" dirty="0"/>
           </a:p>
@@ -27257,7 +27321,7 @@
           <a:p>
             <a:fld id="{DB0B2F36-CFDA-4EEF-BC45-DB620249CF2E}" type="datetime1">
               <a:rPr lang="en-US" smtClean="0"/>
-              <a:t>5/8/2017</a:t>
+              <a:t>5/9/2017</a:t>
             </a:fld>
             <a:endParaRPr lang="en-US" dirty="0"/>
           </a:p>
@@ -27744,7 +27808,7 @@
           <a:p>
             <a:fld id="{D4BB25E1-E5FA-40AE-A0DC-85655503F7EC}" type="datetime1">
               <a:rPr lang="en-US" smtClean="0"/>
-              <a:t>5/8/2017</a:t>
+              <a:t>5/9/2017</a:t>
             </a:fld>
             <a:endParaRPr lang="en-US" dirty="0"/>
           </a:p>
@@ -28387,7 +28451,7 @@
           <a:p>
             <a:fld id="{DB0B2F36-CFDA-4EEF-BC45-DB620249CF2E}" type="datetime1">
               <a:rPr lang="en-US" smtClean="0"/>
-              <a:t>5/8/2017</a:t>
+              <a:t>5/9/2017</a:t>
             </a:fld>
             <a:endParaRPr lang="en-US" dirty="0"/>
           </a:p>
@@ -28823,7 +28887,7 @@
           <a:p>
             <a:fld id="{DB0B2F36-CFDA-4EEF-BC45-DB620249CF2E}" type="datetime1">
               <a:rPr lang="en-US" smtClean="0"/>
-              <a:t>5/8/2017</a:t>
+              <a:t>5/9/2017</a:t>
             </a:fld>
             <a:endParaRPr lang="en-US" dirty="0"/>
           </a:p>
@@ -29314,7 +29378,7 @@
           <a:p>
             <a:fld id="{DB0B2F36-CFDA-4EEF-BC45-DB620249CF2E}" type="datetime1">
               <a:rPr lang="en-US" smtClean="0"/>
-              <a:t>5/8/2017</a:t>
+              <a:t>5/9/2017</a:t>
             </a:fld>
             <a:endParaRPr lang="en-US" dirty="0"/>
           </a:p>
@@ -29801,7 +29865,7 @@
           <a:p>
             <a:fld id="{DB0B2F36-CFDA-4EEF-BC45-DB620249CF2E}" type="datetime1">
               <a:rPr lang="en-US" smtClean="0"/>
-              <a:t>5/8/2017</a:t>
+              <a:t>5/9/2017</a:t>
             </a:fld>
             <a:endParaRPr lang="en-US" dirty="0"/>
           </a:p>
@@ -30368,7 +30432,7 @@
           <a:p>
             <a:fld id="{DB0B2F36-CFDA-4EEF-BC45-DB620249CF2E}" type="datetime1">
               <a:rPr lang="en-US" smtClean="0"/>
-              <a:t>5/8/2017</a:t>
+              <a:t>5/9/2017</a:t>
             </a:fld>
             <a:endParaRPr lang="en-US" dirty="0"/>
           </a:p>
@@ -30881,7 +30945,7 @@
           <a:p>
             <a:fld id="{DB0B2F36-CFDA-4EEF-BC45-DB620249CF2E}" type="datetime1">
               <a:rPr lang="en-US" smtClean="0"/>
-              <a:t>5/8/2017</a:t>
+              <a:t>5/9/2017</a:t>
             </a:fld>
             <a:endParaRPr lang="en-US" dirty="0"/>
           </a:p>
@@ -31569,7 +31633,7 @@
           <a:p>
             <a:fld id="{DB0B2F36-CFDA-4EEF-BC45-DB620249CF2E}" type="datetime1">
               <a:rPr lang="en-US" smtClean="0"/>
-              <a:t>5/8/2017</a:t>
+              <a:t>5/9/2017</a:t>
             </a:fld>
             <a:endParaRPr lang="en-US" dirty="0"/>
           </a:p>
@@ -31951,7 +32015,7 @@
           <a:p>
             <a:fld id="{141D0F49-276D-4F56-B63B-4D6688C20884}" type="datetime1">
               <a:rPr lang="en-US" smtClean="0"/>
-              <a:t>5/8/2017</a:t>
+              <a:t>5/9/2017</a:t>
             </a:fld>
             <a:endParaRPr lang="en-US" dirty="0"/>
           </a:p>
@@ -32028,7 +32092,7 @@
           </a:ln>
           <a:extLst>
             <a:ext uri="{AF507438-7753-43e0-B8FC-AC1667EBCBE1}">
-              <a14:hiddenEffects xmlns="" xmlns:a14="http://schemas.microsoft.com/office/drawing/2010/main">
+              <a14:hiddenEffects xmlns:a14="http://schemas.microsoft.com/office/drawing/2010/main" xmlns="">
                 <a:effectLst>
                   <a:outerShdw blurRad="63500" dist="35921" dir="2700000" algn="ctr" rotWithShape="0">
                     <a:schemeClr val="bg2"/>
@@ -32112,7 +32176,7 @@
           </a:ln>
           <a:extLst>
             <a:ext uri="{AF507438-7753-43e0-B8FC-AC1667EBCBE1}">
-              <a14:hiddenEffects xmlns="" xmlns:a14="http://schemas.microsoft.com/office/drawing/2010/main">
+              <a14:hiddenEffects xmlns:a14="http://schemas.microsoft.com/office/drawing/2010/main" xmlns="">
                 <a:effectLst>
                   <a:outerShdw blurRad="63500" dist="35921" dir="2700000" algn="ctr" rotWithShape="0">
                     <a:schemeClr val="bg2"/>
@@ -32200,7 +32264,7 @@
           </a:ln>
           <a:extLst>
             <a:ext uri="{AF507438-7753-43e0-B8FC-AC1667EBCBE1}">
-              <a14:hiddenEffects xmlns="" xmlns:a14="http://schemas.microsoft.com/office/drawing/2010/main">
+              <a14:hiddenEffects xmlns:a14="http://schemas.microsoft.com/office/drawing/2010/main" xmlns="">
                 <a:effectLst>
                   <a:outerShdw blurRad="63500" dist="35921" dir="2700000" algn="ctr" rotWithShape="0">
                     <a:schemeClr val="bg2"/>
@@ -32731,7 +32795,7 @@
         <a:effectLst/>
         <a:extLst>
           <a:ext uri="{AF507438-7753-43e0-B8FC-AC1667EBCBE1}">
-            <a14:hiddenEffects xmlns="" xmlns:a14="http://schemas.microsoft.com/office/drawing/2010/main">
+            <a14:hiddenEffects xmlns:a14="http://schemas.microsoft.com/office/drawing/2010/main" xmlns="">
               <a:effectLst>
                 <a:outerShdw blurRad="63500" dist="35921" dir="2700000" algn="ctr" rotWithShape="0">
                   <a:schemeClr val="bg2"/>
@@ -32806,7 +32870,7 @@
         <a:effectLst/>
         <a:extLst>
           <a:ext uri="{AF507438-7753-43e0-B8FC-AC1667EBCBE1}">
-            <a14:hiddenEffects xmlns="" xmlns:a14="http://schemas.microsoft.com/office/drawing/2010/main">
+            <a14:hiddenEffects xmlns:a14="http://schemas.microsoft.com/office/drawing/2010/main" xmlns="">
               <a:effectLst>
                 <a:outerShdw blurRad="63500" dist="35921" dir="2700000" algn="ctr" rotWithShape="0">
                   <a:schemeClr val="bg2"/>
